--- a/python/presentations/handling_arrays/numpy.pptx
+++ b/python/presentations/handling_arrays/numpy.pptx
@@ -291,7 +291,7 @@
               <a:pPr>
                 <a:defRPr/>
               </a:pPr>
-              <a:t>09/10/2018</a:t>
+              <a:t>12/10/2018</a:t>
             </a:fld>
             <a:endParaRPr lang="en-GB" dirty="0"/>
           </a:p>
@@ -4052,7 +4052,7 @@
               <a:pPr>
                 <a:defRPr/>
               </a:pPr>
-              <a:t>09/10/2018</a:t>
+              <a:t>12/10/2018</a:t>
             </a:fld>
             <a:endParaRPr lang="en-GB" dirty="0"/>
           </a:p>
@@ -5273,14 +5273,7 @@
                 <a:latin typeface="+mn-lt"/>
                 <a:cs typeface="Calibri" panose="020F0502020204030204" pitchFamily="34" charset="0"/>
               </a:rPr>
-              <a:t>, Ag Stephens, Stephen Pascoe, Anabelle Guillory, Graham Parton, Esther </a:t>
-            </a:r>
-            <a:r>
-              <a:rPr lang="en-GB" sz="1400" dirty="0">
-                <a:latin typeface="+mn-lt"/>
-                <a:cs typeface="Calibri" panose="020F0502020204030204" pitchFamily="34" charset="0"/>
-              </a:rPr>
-              <a:t>Conway, </a:t>
+              <a:t>, Ag Stephens, Stephen Pascoe, Anabelle Guillory, Graham Parton, Esther Conway, </a:t>
             </a:r>
           </a:p>
           <a:p>
@@ -5300,15 +5293,19 @@
                 <a:latin typeface="+mn-lt"/>
                 <a:cs typeface="Calibri" panose="020F0502020204030204" pitchFamily="34" charset="0"/>
               </a:rPr>
-              <a:t>Wendy </a:t>
-            </a:r>
-            <a:r>
-              <a:rPr lang="en-GB" sz="1400" dirty="0">
+              <a:t>Wendy Garland, Alan </a:t>
+            </a:r>
+            <a:r>
+              <a:rPr lang="en-GB" sz="1400" dirty="0" smtClean="0">
                 <a:latin typeface="+mn-lt"/>
                 <a:cs typeface="Calibri" panose="020F0502020204030204" pitchFamily="34" charset="0"/>
               </a:rPr>
-              <a:t>Garland, Alan Iwi and Matt Pritchard.</a:t>
-            </a:r>
+              <a:t>Iwi, Matt Pritchard and Tommy Godfrey.</a:t>
+            </a:r>
+            <a:endParaRPr lang="en-GB" sz="1400" dirty="0">
+              <a:latin typeface="+mn-lt"/>
+              <a:cs typeface="Calibri" panose="020F0502020204030204" pitchFamily="34" charset="0"/>
+            </a:endParaRPr>
           </a:p>
         </p:txBody>
       </p:sp>
@@ -6729,35 +6726,7 @@
                 <a:latin typeface="Courier New" panose="02070309020205020404" pitchFamily="49" charset="0"/>
                 <a:cs typeface="Courier New" panose="02070309020205020404" pitchFamily="49" charset="0"/>
               </a:rPr>
-              <a:t>([[2, 3.2, 5.5, -6.4, -2.2, 2.4</a:t>
-            </a:r>
-            <a:r>
-              <a:rPr lang="en-GB" sz="2400" dirty="0">
-                <a:latin typeface="Courier New" panose="02070309020205020404" pitchFamily="49" charset="0"/>
-                <a:cs typeface="Courier New" panose="02070309020205020404" pitchFamily="49" charset="0"/>
-              </a:rPr>
-              <a:t>], [</a:t>
-            </a:r>
-            <a:r>
-              <a:rPr lang="en-GB" sz="2400" dirty="0">
-                <a:latin typeface="Courier New" panose="02070309020205020404" pitchFamily="49" charset="0"/>
-                <a:cs typeface="Courier New" panose="02070309020205020404" pitchFamily="49" charset="0"/>
-              </a:rPr>
-              <a:t>1, 22, 4, 0.1, 5.3, -9</a:t>
-            </a:r>
-            <a:r>
-              <a:rPr lang="en-GB" sz="2400" dirty="0">
-                <a:latin typeface="Courier New" panose="02070309020205020404" pitchFamily="49" charset="0"/>
-                <a:cs typeface="Courier New" panose="02070309020205020404" pitchFamily="49" charset="0"/>
-              </a:rPr>
-              <a:t>],                  [</a:t>
-            </a:r>
-            <a:r>
-              <a:rPr lang="en-GB" sz="2400" dirty="0">
-                <a:latin typeface="Courier New" panose="02070309020205020404" pitchFamily="49" charset="0"/>
-                <a:cs typeface="Courier New" panose="02070309020205020404" pitchFamily="49" charset="0"/>
-              </a:rPr>
-              <a:t>3, 1, 2.1, 21, 1.1, -2]])</a:t>
+              <a:t>([[2, 3.2, 5.5, -6.4, -2.2, 2.4], [1, 22, 4, 0.1, 5.3, -9],                  [3, 1, 2.1, 21, 1.1, -2]])</a:t>
             </a:r>
           </a:p>
         </p:txBody>
@@ -10426,14 +10395,7 @@
                 <a:latin typeface="Courier New" panose="02070309020205020404" pitchFamily="49" charset="0"/>
                 <a:cs typeface="Courier New" panose="02070309020205020404" pitchFamily="49" charset="0"/>
               </a:rPr>
-              <a:t>([[2, 3.2, 5.5, -6.4</a:t>
-            </a:r>
-            <a:r>
-              <a:rPr lang="en-GB" sz="2000" dirty="0">
-                <a:latin typeface="Courier New" panose="02070309020205020404" pitchFamily="49" charset="0"/>
-                <a:cs typeface="Courier New" panose="02070309020205020404" pitchFamily="49" charset="0"/>
-              </a:rPr>
-              <a:t>],</a:t>
+              <a:t>([[2, 3.2, 5.5, -6.4],</a:t>
             </a:r>
           </a:p>
           <a:p>
@@ -10457,14 +10419,7 @@
                 <a:latin typeface="Courier New" panose="02070309020205020404" pitchFamily="49" charset="0"/>
                 <a:cs typeface="Courier New" panose="02070309020205020404" pitchFamily="49" charset="0"/>
               </a:rPr>
-              <a:t>b </a:t>
-            </a:r>
-            <a:r>
-              <a:rPr lang="en-GB" sz="2000" dirty="0">
-                <a:latin typeface="Courier New" panose="02070309020205020404" pitchFamily="49" charset="0"/>
-                <a:cs typeface="Courier New" panose="02070309020205020404" pitchFamily="49" charset="0"/>
-              </a:rPr>
-              <a:t>= </a:t>
+              <a:t>b = </a:t>
             </a:r>
             <a:r>
               <a:rPr lang="en-GB" sz="2000" dirty="0" err="1">
@@ -10646,35 +10601,21 @@
                 <a:latin typeface="Courier New" panose="02070309020205020404" pitchFamily="49" charset="0"/>
                 <a:cs typeface="Courier New" panose="02070309020205020404" pitchFamily="49" charset="0"/>
               </a:rPr>
-              <a:t> </a:t>
+              <a:t> range(</a:t>
+            </a:r>
+            <a:r>
+              <a:rPr lang="en-GB" sz="2000" dirty="0" err="1">
+                <a:latin typeface="Courier New" panose="02070309020205020404" pitchFamily="49" charset="0"/>
+                <a:cs typeface="Courier New" panose="02070309020205020404" pitchFamily="49" charset="0"/>
+              </a:rPr>
+              <a:t>shape_a</a:t>
             </a:r>
             <a:r>
               <a:rPr lang="en-GB" sz="2000" dirty="0">
                 <a:latin typeface="Courier New" panose="02070309020205020404" pitchFamily="49" charset="0"/>
                 <a:cs typeface="Courier New" panose="02070309020205020404" pitchFamily="49" charset="0"/>
               </a:rPr>
-              <a:t>range(</a:t>
-            </a:r>
-            <a:r>
-              <a:rPr lang="en-GB" sz="2000" dirty="0" err="1">
-                <a:latin typeface="Courier New" panose="02070309020205020404" pitchFamily="49" charset="0"/>
-                <a:cs typeface="Courier New" panose="02070309020205020404" pitchFamily="49" charset="0"/>
-              </a:rPr>
-              <a:t>shape_a</a:t>
-            </a:r>
-            <a:r>
-              <a:rPr lang="en-GB" sz="2000" dirty="0">
-                <a:latin typeface="Courier New" panose="02070309020205020404" pitchFamily="49" charset="0"/>
-                <a:cs typeface="Courier New" panose="02070309020205020404" pitchFamily="49" charset="0"/>
-              </a:rPr>
-              <a:t>[0</a:t>
-            </a:r>
-            <a:r>
-              <a:rPr lang="en-GB" sz="2000" dirty="0">
-                <a:latin typeface="Courier New" panose="02070309020205020404" pitchFamily="49" charset="0"/>
-                <a:cs typeface="Courier New" panose="02070309020205020404" pitchFamily="49" charset="0"/>
-              </a:rPr>
-              <a:t>]):</a:t>
+              <a:t>[0]):</a:t>
             </a:r>
           </a:p>
           <a:p>
@@ -10714,35 +10655,21 @@
                 <a:latin typeface="Courier New" panose="02070309020205020404" pitchFamily="49" charset="0"/>
                 <a:cs typeface="Courier New" panose="02070309020205020404" pitchFamily="49" charset="0"/>
               </a:rPr>
-              <a:t> </a:t>
+              <a:t> range(</a:t>
+            </a:r>
+            <a:r>
+              <a:rPr lang="en-GB" sz="2000" dirty="0" err="1">
+                <a:latin typeface="Courier New" panose="02070309020205020404" pitchFamily="49" charset="0"/>
+                <a:cs typeface="Courier New" panose="02070309020205020404" pitchFamily="49" charset="0"/>
+              </a:rPr>
+              <a:t>shape_a</a:t>
             </a:r>
             <a:r>
               <a:rPr lang="en-GB" sz="2000" dirty="0">
                 <a:latin typeface="Courier New" panose="02070309020205020404" pitchFamily="49" charset="0"/>
                 <a:cs typeface="Courier New" panose="02070309020205020404" pitchFamily="49" charset="0"/>
               </a:rPr>
-              <a:t>range(</a:t>
-            </a:r>
-            <a:r>
-              <a:rPr lang="en-GB" sz="2000" dirty="0" err="1">
-                <a:latin typeface="Courier New" panose="02070309020205020404" pitchFamily="49" charset="0"/>
-                <a:cs typeface="Courier New" panose="02070309020205020404" pitchFamily="49" charset="0"/>
-              </a:rPr>
-              <a:t>shape_a</a:t>
-            </a:r>
-            <a:r>
-              <a:rPr lang="en-GB" sz="2000" dirty="0">
-                <a:latin typeface="Courier New" panose="02070309020205020404" pitchFamily="49" charset="0"/>
-                <a:cs typeface="Courier New" panose="02070309020205020404" pitchFamily="49" charset="0"/>
-              </a:rPr>
-              <a:t>[1</a:t>
-            </a:r>
-            <a:r>
-              <a:rPr lang="en-GB" sz="2000" dirty="0">
-                <a:latin typeface="Courier New" panose="02070309020205020404" pitchFamily="49" charset="0"/>
-                <a:cs typeface="Courier New" panose="02070309020205020404" pitchFamily="49" charset="0"/>
-              </a:rPr>
-              <a:t>]):</a:t>
+              <a:t>[1]):</a:t>
             </a:r>
           </a:p>
           <a:p>
@@ -12690,11 +12617,7 @@
             </a:pPr>
             <a:r>
               <a:rPr lang="en-GB" sz="2800" b="1" dirty="0"/>
-              <a:t>It's </a:t>
-            </a:r>
-            <a:r>
-              <a:rPr lang="en-GB" sz="2800" b="1" dirty="0"/>
-              <a:t>a one liner!</a:t>
+              <a:t>It's a one liner!</a:t>
             </a:r>
           </a:p>
         </p:txBody>

--- a/python/presentations/handling_arrays/numpy.pptx
+++ b/python/presentations/handling_arrays/numpy.pptx
@@ -5,7 +5,7 @@
     <p:sldMasterId id="2147483660" r:id="rId1"/>
   </p:sldMasterIdLst>
   <p:notesMasterIdLst>
-    <p:notesMasterId r:id="rId38"/>
+    <p:notesMasterId r:id="rId36"/>
   </p:notesMasterIdLst>
   <p:sldIdLst>
     <p:sldId id="332" r:id="rId2"/>
@@ -27,23 +27,21 @@
     <p:sldId id="298" r:id="rId18"/>
     <p:sldId id="322" r:id="rId19"/>
     <p:sldId id="273" r:id="rId20"/>
-    <p:sldId id="272" r:id="rId21"/>
-    <p:sldId id="274" r:id="rId22"/>
-    <p:sldId id="280" r:id="rId23"/>
-    <p:sldId id="299" r:id="rId24"/>
-    <p:sldId id="282" r:id="rId25"/>
-    <p:sldId id="283" r:id="rId26"/>
-    <p:sldId id="300" r:id="rId27"/>
-    <p:sldId id="326" r:id="rId28"/>
-    <p:sldId id="303" r:id="rId29"/>
-    <p:sldId id="327" r:id="rId30"/>
-    <p:sldId id="302" r:id="rId31"/>
-    <p:sldId id="324" r:id="rId32"/>
-    <p:sldId id="317" r:id="rId33"/>
-    <p:sldId id="318" r:id="rId34"/>
-    <p:sldId id="330" r:id="rId35"/>
-    <p:sldId id="329" r:id="rId36"/>
-    <p:sldId id="290" r:id="rId37"/>
+    <p:sldId id="274" r:id="rId21"/>
+    <p:sldId id="280" r:id="rId22"/>
+    <p:sldId id="282" r:id="rId23"/>
+    <p:sldId id="283" r:id="rId24"/>
+    <p:sldId id="300" r:id="rId25"/>
+    <p:sldId id="326" r:id="rId26"/>
+    <p:sldId id="303" r:id="rId27"/>
+    <p:sldId id="327" r:id="rId28"/>
+    <p:sldId id="302" r:id="rId29"/>
+    <p:sldId id="324" r:id="rId30"/>
+    <p:sldId id="317" r:id="rId31"/>
+    <p:sldId id="318" r:id="rId32"/>
+    <p:sldId id="330" r:id="rId33"/>
+    <p:sldId id="329" r:id="rId34"/>
+    <p:sldId id="290" r:id="rId35"/>
   </p:sldIdLst>
   <p:sldSz cx="9144000" cy="6858000" type="screen4x3"/>
   <p:notesSz cx="6858000" cy="9144000"/>
@@ -291,7 +289,7 @@
               <a:pPr>
                 <a:defRPr/>
               </a:pPr>
-              <a:t>12/10/2018</a:t>
+              <a:t>05/11/2018</a:t>
             </a:fld>
             <a:endParaRPr lang="en-GB" dirty="0"/>
           </a:p>
@@ -327,7 +325,7 @@
           <a:lstStyle/>
           <a:p>
             <a:pPr lvl="0"/>
-            <a:endParaRPr lang="en-GB" noProof="0" smtClean="0"/>
+            <a:endParaRPr lang="en-GB" noProof="0"/>
           </a:p>
         </p:txBody>
       </p:sp>
@@ -356,38 +354,38 @@
           <a:p>
             <a:pPr lvl="0"/>
             <a:r>
-              <a:rPr lang="en-US" noProof="0" smtClean="0"/>
+              <a:rPr lang="en-US" noProof="0"/>
               <a:t>Click to edit Master text styles</a:t>
             </a:r>
           </a:p>
           <a:p>
             <a:pPr lvl="1"/>
             <a:r>
-              <a:rPr lang="en-US" noProof="0" smtClean="0"/>
+              <a:rPr lang="en-US" noProof="0"/>
               <a:t>Second level</a:t>
             </a:r>
           </a:p>
           <a:p>
             <a:pPr lvl="2"/>
             <a:r>
-              <a:rPr lang="en-US" noProof="0" smtClean="0"/>
+              <a:rPr lang="en-US" noProof="0"/>
               <a:t>Third level</a:t>
             </a:r>
           </a:p>
           <a:p>
             <a:pPr lvl="3"/>
             <a:r>
-              <a:rPr lang="en-US" noProof="0" smtClean="0"/>
+              <a:rPr lang="en-US" noProof="0"/>
               <a:t>Fourth level</a:t>
             </a:r>
           </a:p>
           <a:p>
             <a:pPr lvl="4"/>
             <a:r>
-              <a:rPr lang="en-US" noProof="0" smtClean="0"/>
+              <a:rPr lang="en-US" noProof="0"/>
               <a:t>Fifth level</a:t>
             </a:r>
-            <a:endParaRPr lang="en-GB" noProof="0" smtClean="0"/>
+            <a:endParaRPr lang="en-GB" noProof="0"/>
           </a:p>
         </p:txBody>
       </p:sp>
@@ -666,7 +664,7 @@
                 <a:spcPct val="0"/>
               </a:spcBef>
             </a:pPr>
-            <a:endParaRPr lang="en-US" altLang="en-US" smtClean="0"/>
+            <a:endParaRPr lang="en-US" altLang="en-US"/>
           </a:p>
         </p:txBody>
       </p:sp>
@@ -740,7 +738,7 @@
                 <a:spcPct val="0"/>
               </a:spcBef>
             </a:pPr>
-            <a:endParaRPr lang="en-US" altLang="en-US" smtClean="0"/>
+            <a:endParaRPr lang="en-US" altLang="en-US"/>
           </a:p>
         </p:txBody>
       </p:sp>
@@ -814,7 +812,7 @@
                 <a:spcPct val="0"/>
               </a:spcBef>
             </a:pPr>
-            <a:endParaRPr lang="en-US" altLang="en-US" smtClean="0"/>
+            <a:endParaRPr lang="en-US" altLang="en-US"/>
           </a:p>
         </p:txBody>
       </p:sp>
@@ -888,7 +886,7 @@
                 <a:spcPct val="0"/>
               </a:spcBef>
             </a:pPr>
-            <a:endParaRPr lang="en-US" altLang="en-US" smtClean="0"/>
+            <a:endParaRPr lang="en-US" altLang="en-US"/>
           </a:p>
         </p:txBody>
       </p:sp>
@@ -962,7 +960,7 @@
                 <a:spcPct val="0"/>
               </a:spcBef>
             </a:pPr>
-            <a:endParaRPr lang="en-US" altLang="en-US" smtClean="0"/>
+            <a:endParaRPr lang="en-US" altLang="en-US"/>
           </a:p>
         </p:txBody>
       </p:sp>
@@ -1036,7 +1034,7 @@
                 <a:spcPct val="0"/>
               </a:spcBef>
             </a:pPr>
-            <a:endParaRPr lang="en-US" altLang="en-US" smtClean="0"/>
+            <a:endParaRPr lang="en-US" altLang="en-US"/>
           </a:p>
         </p:txBody>
       </p:sp>
@@ -1110,7 +1108,7 @@
                 <a:spcPct val="0"/>
               </a:spcBef>
             </a:pPr>
-            <a:endParaRPr lang="en-US" altLang="en-US" smtClean="0"/>
+            <a:endParaRPr lang="en-US" altLang="en-US"/>
           </a:p>
         </p:txBody>
       </p:sp>
@@ -1184,7 +1182,7 @@
                 <a:spcPct val="0"/>
               </a:spcBef>
             </a:pPr>
-            <a:endParaRPr lang="en-US" altLang="en-US" smtClean="0"/>
+            <a:endParaRPr lang="en-US" altLang="en-US"/>
           </a:p>
         </p:txBody>
       </p:sp>
@@ -1197,80 +1195,6 @@
 </file>
 
 <file path=ppt/notesSlides/notesSlide17.xml><?xml version="1.0" encoding="utf-8"?>
-<p:notes xmlns:a="http://schemas.openxmlformats.org/drawingml/2006/main" xmlns:r="http://schemas.openxmlformats.org/officeDocument/2006/relationships" xmlns:p="http://schemas.openxmlformats.org/presentationml/2006/main">
-  <p:cSld>
-    <p:spTree>
-      <p:nvGrpSpPr>
-        <p:cNvPr id="1" name=""/>
-        <p:cNvGrpSpPr/>
-        <p:nvPr/>
-      </p:nvGrpSpPr>
-      <p:grpSpPr>
-        <a:xfrm>
-          <a:off x="0" y="0"/>
-          <a:ext cx="0" cy="0"/>
-          <a:chOff x="0" y="0"/>
-          <a:chExt cx="0" cy="0"/>
-        </a:xfrm>
-      </p:grpSpPr>
-      <p:sp>
-        <p:nvSpPr>
-          <p:cNvPr id="45058" name="Notes Placeholder"/>
-          <p:cNvSpPr>
-            <a:spLocks noGrp="1"/>
-          </p:cNvSpPr>
-          <p:nvPr>
-            <p:ph type="body" idx="1"/>
-          </p:nvPr>
-        </p:nvSpPr>
-        <p:spPr bwMode="auto">
-          <a:noFill/>
-          <a:extLst>
-            <a:ext uri="{909E8E84-426E-40DD-AFC4-6F175D3DCCD1}">
-              <a14:hiddenFill xmlns:a14="http://schemas.microsoft.com/office/drawing/2010/main">
-                <a:solidFill>
-                  <a:srgbClr val="FFFFFF"/>
-                </a:solidFill>
-              </a14:hiddenFill>
-            </a:ext>
-            <a:ext uri="{91240B29-F687-4F45-9708-019B960494DF}">
-              <a14:hiddenLine xmlns:a14="http://schemas.microsoft.com/office/drawing/2010/main" w="9525">
-                <a:solidFill>
-                  <a:srgbClr val="000000"/>
-                </a:solidFill>
-                <a:miter lim="800000"/>
-                <a:headEnd/>
-                <a:tailEnd/>
-              </a14:hiddenLine>
-            </a:ext>
-          </a:extLst>
-        </p:spPr>
-        <p:txBody>
-          <a:bodyPr wrap="square" numCol="1" anchor="t" anchorCtr="0" compatLnSpc="1">
-            <a:prstTxWarp prst="textNoShape">
-              <a:avLst/>
-            </a:prstTxWarp>
-          </a:bodyPr>
-          <a:lstStyle/>
-          <a:p>
-            <a:pPr eaLnBrk="1" hangingPunct="1">
-              <a:spcBef>
-                <a:spcPct val="0"/>
-              </a:spcBef>
-            </a:pPr>
-            <a:endParaRPr lang="en-US" altLang="en-US" smtClean="0"/>
-          </a:p>
-        </p:txBody>
-      </p:sp>
-    </p:spTree>
-  </p:cSld>
-  <p:clrMapOvr>
-    <a:masterClrMapping/>
-  </p:clrMapOvr>
-</p:notes>
-</file>
-
-<file path=ppt/notesSlides/notesSlide18.xml><?xml version="1.0" encoding="utf-8"?>
 <p:notes xmlns:a="http://schemas.openxmlformats.org/drawingml/2006/main" xmlns:r="http://schemas.openxmlformats.org/officeDocument/2006/relationships" xmlns:p="http://schemas.openxmlformats.org/presentationml/2006/main">
   <p:cSld>
     <p:spTree>
@@ -1332,7 +1256,7 @@
                 <a:spcPct val="0"/>
               </a:spcBef>
             </a:pPr>
-            <a:endParaRPr lang="en-US" altLang="en-US" smtClean="0"/>
+            <a:endParaRPr lang="en-US" altLang="en-US"/>
           </a:p>
         </p:txBody>
       </p:sp>
@@ -1344,7 +1268,7 @@
 </p:notes>
 </file>
 
-<file path=ppt/notesSlides/notesSlide19.xml><?xml version="1.0" encoding="utf-8"?>
+<file path=ppt/notesSlides/notesSlide18.xml><?xml version="1.0" encoding="utf-8"?>
 <p:notes xmlns:a="http://schemas.openxmlformats.org/drawingml/2006/main" xmlns:r="http://schemas.openxmlformats.org/officeDocument/2006/relationships" xmlns:p="http://schemas.openxmlformats.org/presentationml/2006/main">
   <p:cSld>
     <p:spTree>
@@ -1406,7 +1330,81 @@
                 <a:spcPct val="0"/>
               </a:spcBef>
             </a:pPr>
-            <a:endParaRPr lang="en-US" altLang="en-US" smtClean="0"/>
+            <a:endParaRPr lang="en-US" altLang="en-US"/>
+          </a:p>
+        </p:txBody>
+      </p:sp>
+    </p:spTree>
+  </p:cSld>
+  <p:clrMapOvr>
+    <a:masterClrMapping/>
+  </p:clrMapOvr>
+</p:notes>
+</file>
+
+<file path=ppt/notesSlides/notesSlide19.xml><?xml version="1.0" encoding="utf-8"?>
+<p:notes xmlns:a="http://schemas.openxmlformats.org/drawingml/2006/main" xmlns:r="http://schemas.openxmlformats.org/officeDocument/2006/relationships" xmlns:p="http://schemas.openxmlformats.org/presentationml/2006/main">
+  <p:cSld>
+    <p:spTree>
+      <p:nvGrpSpPr>
+        <p:cNvPr id="1" name=""/>
+        <p:cNvGrpSpPr/>
+        <p:nvPr/>
+      </p:nvGrpSpPr>
+      <p:grpSpPr>
+        <a:xfrm>
+          <a:off x="0" y="0"/>
+          <a:ext cx="0" cy="0"/>
+          <a:chOff x="0" y="0"/>
+          <a:chExt cx="0" cy="0"/>
+        </a:xfrm>
+      </p:grpSpPr>
+      <p:sp>
+        <p:nvSpPr>
+          <p:cNvPr id="53250" name="Notes Placeholder"/>
+          <p:cNvSpPr>
+            <a:spLocks noGrp="1"/>
+          </p:cNvSpPr>
+          <p:nvPr>
+            <p:ph type="body" idx="1"/>
+          </p:nvPr>
+        </p:nvSpPr>
+        <p:spPr bwMode="auto">
+          <a:noFill/>
+          <a:extLst>
+            <a:ext uri="{909E8E84-426E-40DD-AFC4-6F175D3DCCD1}">
+              <a14:hiddenFill xmlns:a14="http://schemas.microsoft.com/office/drawing/2010/main">
+                <a:solidFill>
+                  <a:srgbClr val="FFFFFF"/>
+                </a:solidFill>
+              </a14:hiddenFill>
+            </a:ext>
+            <a:ext uri="{91240B29-F687-4F45-9708-019B960494DF}">
+              <a14:hiddenLine xmlns:a14="http://schemas.microsoft.com/office/drawing/2010/main" w="9525">
+                <a:solidFill>
+                  <a:srgbClr val="000000"/>
+                </a:solidFill>
+                <a:miter lim="800000"/>
+                <a:headEnd/>
+                <a:tailEnd/>
+              </a14:hiddenLine>
+            </a:ext>
+          </a:extLst>
+        </p:spPr>
+        <p:txBody>
+          <a:bodyPr wrap="square" numCol="1" anchor="t" anchorCtr="0" compatLnSpc="1">
+            <a:prstTxWarp prst="textNoShape">
+              <a:avLst/>
+            </a:prstTxWarp>
+          </a:bodyPr>
+          <a:lstStyle/>
+          <a:p>
+            <a:pPr eaLnBrk="1" hangingPunct="1">
+              <a:spcBef>
+                <a:spcPct val="0"/>
+              </a:spcBef>
+            </a:pPr>
+            <a:endParaRPr lang="en-US" altLang="en-US"/>
           </a:p>
         </p:txBody>
       </p:sp>
@@ -1480,7 +1478,7 @@
                 <a:spcPct val="0"/>
               </a:spcBef>
             </a:pPr>
-            <a:endParaRPr lang="en-US" altLang="en-US" smtClean="0"/>
+            <a:endParaRPr lang="en-US" altLang="en-US"/>
           </a:p>
         </p:txBody>
       </p:sp>
@@ -1493,154 +1491,6 @@
 </file>
 
 <file path=ppt/notesSlides/notesSlide20.xml><?xml version="1.0" encoding="utf-8"?>
-<p:notes xmlns:a="http://schemas.openxmlformats.org/drawingml/2006/main" xmlns:r="http://schemas.openxmlformats.org/officeDocument/2006/relationships" xmlns:p="http://schemas.openxmlformats.org/presentationml/2006/main">
-  <p:cSld>
-    <p:spTree>
-      <p:nvGrpSpPr>
-        <p:cNvPr id="1" name=""/>
-        <p:cNvGrpSpPr/>
-        <p:nvPr/>
-      </p:nvGrpSpPr>
-      <p:grpSpPr>
-        <a:xfrm>
-          <a:off x="0" y="0"/>
-          <a:ext cx="0" cy="0"/>
-          <a:chOff x="0" y="0"/>
-          <a:chExt cx="0" cy="0"/>
-        </a:xfrm>
-      </p:grpSpPr>
-      <p:sp>
-        <p:nvSpPr>
-          <p:cNvPr id="51202" name="Notes Placeholder"/>
-          <p:cNvSpPr>
-            <a:spLocks noGrp="1"/>
-          </p:cNvSpPr>
-          <p:nvPr>
-            <p:ph type="body" idx="1"/>
-          </p:nvPr>
-        </p:nvSpPr>
-        <p:spPr bwMode="auto">
-          <a:noFill/>
-          <a:extLst>
-            <a:ext uri="{909E8E84-426E-40DD-AFC4-6F175D3DCCD1}">
-              <a14:hiddenFill xmlns:a14="http://schemas.microsoft.com/office/drawing/2010/main">
-                <a:solidFill>
-                  <a:srgbClr val="FFFFFF"/>
-                </a:solidFill>
-              </a14:hiddenFill>
-            </a:ext>
-            <a:ext uri="{91240B29-F687-4F45-9708-019B960494DF}">
-              <a14:hiddenLine xmlns:a14="http://schemas.microsoft.com/office/drawing/2010/main" w="9525">
-                <a:solidFill>
-                  <a:srgbClr val="000000"/>
-                </a:solidFill>
-                <a:miter lim="800000"/>
-                <a:headEnd/>
-                <a:tailEnd/>
-              </a14:hiddenLine>
-            </a:ext>
-          </a:extLst>
-        </p:spPr>
-        <p:txBody>
-          <a:bodyPr wrap="square" numCol="1" anchor="t" anchorCtr="0" compatLnSpc="1">
-            <a:prstTxWarp prst="textNoShape">
-              <a:avLst/>
-            </a:prstTxWarp>
-          </a:bodyPr>
-          <a:lstStyle/>
-          <a:p>
-            <a:pPr eaLnBrk="1" hangingPunct="1">
-              <a:spcBef>
-                <a:spcPct val="0"/>
-              </a:spcBef>
-            </a:pPr>
-            <a:endParaRPr lang="en-US" altLang="en-US" smtClean="0"/>
-          </a:p>
-        </p:txBody>
-      </p:sp>
-    </p:spTree>
-  </p:cSld>
-  <p:clrMapOvr>
-    <a:masterClrMapping/>
-  </p:clrMapOvr>
-</p:notes>
-</file>
-
-<file path=ppt/notesSlides/notesSlide21.xml><?xml version="1.0" encoding="utf-8"?>
-<p:notes xmlns:a="http://schemas.openxmlformats.org/drawingml/2006/main" xmlns:r="http://schemas.openxmlformats.org/officeDocument/2006/relationships" xmlns:p="http://schemas.openxmlformats.org/presentationml/2006/main">
-  <p:cSld>
-    <p:spTree>
-      <p:nvGrpSpPr>
-        <p:cNvPr id="1" name=""/>
-        <p:cNvGrpSpPr/>
-        <p:nvPr/>
-      </p:nvGrpSpPr>
-      <p:grpSpPr>
-        <a:xfrm>
-          <a:off x="0" y="0"/>
-          <a:ext cx="0" cy="0"/>
-          <a:chOff x="0" y="0"/>
-          <a:chExt cx="0" cy="0"/>
-        </a:xfrm>
-      </p:grpSpPr>
-      <p:sp>
-        <p:nvSpPr>
-          <p:cNvPr id="53250" name="Notes Placeholder"/>
-          <p:cNvSpPr>
-            <a:spLocks noGrp="1"/>
-          </p:cNvSpPr>
-          <p:nvPr>
-            <p:ph type="body" idx="1"/>
-          </p:nvPr>
-        </p:nvSpPr>
-        <p:spPr bwMode="auto">
-          <a:noFill/>
-          <a:extLst>
-            <a:ext uri="{909E8E84-426E-40DD-AFC4-6F175D3DCCD1}">
-              <a14:hiddenFill xmlns:a14="http://schemas.microsoft.com/office/drawing/2010/main">
-                <a:solidFill>
-                  <a:srgbClr val="FFFFFF"/>
-                </a:solidFill>
-              </a14:hiddenFill>
-            </a:ext>
-            <a:ext uri="{91240B29-F687-4F45-9708-019B960494DF}">
-              <a14:hiddenLine xmlns:a14="http://schemas.microsoft.com/office/drawing/2010/main" w="9525">
-                <a:solidFill>
-                  <a:srgbClr val="000000"/>
-                </a:solidFill>
-                <a:miter lim="800000"/>
-                <a:headEnd/>
-                <a:tailEnd/>
-              </a14:hiddenLine>
-            </a:ext>
-          </a:extLst>
-        </p:spPr>
-        <p:txBody>
-          <a:bodyPr wrap="square" numCol="1" anchor="t" anchorCtr="0" compatLnSpc="1">
-            <a:prstTxWarp prst="textNoShape">
-              <a:avLst/>
-            </a:prstTxWarp>
-          </a:bodyPr>
-          <a:lstStyle/>
-          <a:p>
-            <a:pPr eaLnBrk="1" hangingPunct="1">
-              <a:spcBef>
-                <a:spcPct val="0"/>
-              </a:spcBef>
-            </a:pPr>
-            <a:endParaRPr lang="en-US" altLang="en-US" smtClean="0"/>
-          </a:p>
-        </p:txBody>
-      </p:sp>
-    </p:spTree>
-  </p:cSld>
-  <p:clrMapOvr>
-    <a:masterClrMapping/>
-  </p:clrMapOvr>
-</p:notes>
-</file>
-
-<file path=ppt/notesSlides/notesSlide22.xml><?xml version="1.0" encoding="utf-8"?>
 <p:notes xmlns:a="http://schemas.openxmlformats.org/drawingml/2006/main" xmlns:r="http://schemas.openxmlformats.org/officeDocument/2006/relationships" xmlns:p="http://schemas.openxmlformats.org/presentationml/2006/main">
   <p:cSld>
     <p:spTree>
@@ -1702,7 +1552,7 @@
                 <a:spcPct val="0"/>
               </a:spcBef>
             </a:pPr>
-            <a:endParaRPr lang="en-US" altLang="en-US" smtClean="0"/>
+            <a:endParaRPr lang="en-US" altLang="en-US"/>
           </a:p>
         </p:txBody>
       </p:sp>
@@ -1714,7 +1564,7 @@
 </p:notes>
 </file>
 
-<file path=ppt/notesSlides/notesSlide23.xml><?xml version="1.0" encoding="utf-8"?>
+<file path=ppt/notesSlides/notesSlide21.xml><?xml version="1.0" encoding="utf-8"?>
 <p:notes xmlns:a="http://schemas.openxmlformats.org/drawingml/2006/main" xmlns:r="http://schemas.openxmlformats.org/officeDocument/2006/relationships" xmlns:p="http://schemas.openxmlformats.org/presentationml/2006/main">
   <p:cSld>
     <p:spTree>
@@ -1776,7 +1626,7 @@
                 <a:spcPct val="0"/>
               </a:spcBef>
             </a:pPr>
-            <a:endParaRPr lang="en-US" altLang="en-US" smtClean="0"/>
+            <a:endParaRPr lang="en-US" altLang="en-US"/>
           </a:p>
         </p:txBody>
       </p:sp>
@@ -1788,7 +1638,7 @@
 </p:notes>
 </file>
 
-<file path=ppt/notesSlides/notesSlide24.xml><?xml version="1.0" encoding="utf-8"?>
+<file path=ppt/notesSlides/notesSlide22.xml><?xml version="1.0" encoding="utf-8"?>
 <p:notes xmlns:a="http://schemas.openxmlformats.org/drawingml/2006/main" xmlns:r="http://schemas.openxmlformats.org/officeDocument/2006/relationships" xmlns:p="http://schemas.openxmlformats.org/presentationml/2006/main">
   <p:cSld>
     <p:spTree>
@@ -1850,7 +1700,7 @@
                 <a:spcPct val="0"/>
               </a:spcBef>
             </a:pPr>
-            <a:endParaRPr lang="en-US" altLang="en-US" smtClean="0"/>
+            <a:endParaRPr lang="en-US" altLang="en-US"/>
           </a:p>
         </p:txBody>
       </p:sp>
@@ -1862,7 +1712,7 @@
 </p:notes>
 </file>
 
-<file path=ppt/notesSlides/notesSlide25.xml><?xml version="1.0" encoding="utf-8"?>
+<file path=ppt/notesSlides/notesSlide23.xml><?xml version="1.0" encoding="utf-8"?>
 <p:notes xmlns:a="http://schemas.openxmlformats.org/drawingml/2006/main" xmlns:r="http://schemas.openxmlformats.org/officeDocument/2006/relationships" xmlns:p="http://schemas.openxmlformats.org/presentationml/2006/main">
   <p:cSld>
     <p:spTree>
@@ -1924,7 +1774,7 @@
                 <a:spcPct val="0"/>
               </a:spcBef>
             </a:pPr>
-            <a:endParaRPr lang="en-US" altLang="en-US" smtClean="0"/>
+            <a:endParaRPr lang="en-US" altLang="en-US"/>
           </a:p>
         </p:txBody>
       </p:sp>
@@ -1936,7 +1786,7 @@
 </p:notes>
 </file>
 
-<file path=ppt/notesSlides/notesSlide26.xml><?xml version="1.0" encoding="utf-8"?>
+<file path=ppt/notesSlides/notesSlide24.xml><?xml version="1.0" encoding="utf-8"?>
 <p:notes xmlns:a="http://schemas.openxmlformats.org/drawingml/2006/main" xmlns:r="http://schemas.openxmlformats.org/officeDocument/2006/relationships" xmlns:p="http://schemas.openxmlformats.org/presentationml/2006/main">
   <p:cSld>
     <p:spTree>
@@ -1998,7 +1848,7 @@
                 <a:spcPct val="0"/>
               </a:spcBef>
             </a:pPr>
-            <a:endParaRPr lang="en-US" altLang="en-US" smtClean="0"/>
+            <a:endParaRPr lang="en-US" altLang="en-US"/>
           </a:p>
         </p:txBody>
       </p:sp>
@@ -2010,7 +1860,7 @@
 </p:notes>
 </file>
 
-<file path=ppt/notesSlides/notesSlide27.xml><?xml version="1.0" encoding="utf-8"?>
+<file path=ppt/notesSlides/notesSlide25.xml><?xml version="1.0" encoding="utf-8"?>
 <p:notes xmlns:a="http://schemas.openxmlformats.org/drawingml/2006/main" xmlns:r="http://schemas.openxmlformats.org/officeDocument/2006/relationships" xmlns:p="http://schemas.openxmlformats.org/presentationml/2006/main">
   <p:cSld>
     <p:spTree>
@@ -2072,7 +1922,7 @@
                 <a:spcPct val="0"/>
               </a:spcBef>
             </a:pPr>
-            <a:endParaRPr lang="en-US" altLang="en-US" smtClean="0"/>
+            <a:endParaRPr lang="en-US" altLang="en-US"/>
           </a:p>
         </p:txBody>
       </p:sp>
@@ -2084,7 +1934,7 @@
 </p:notes>
 </file>
 
-<file path=ppt/notesSlides/notesSlide28.xml><?xml version="1.0" encoding="utf-8"?>
+<file path=ppt/notesSlides/notesSlide26.xml><?xml version="1.0" encoding="utf-8"?>
 <p:notes xmlns:a="http://schemas.openxmlformats.org/drawingml/2006/main" xmlns:r="http://schemas.openxmlformats.org/officeDocument/2006/relationships" xmlns:p="http://schemas.openxmlformats.org/presentationml/2006/main">
   <p:cSld>
     <p:spTree>
@@ -2146,7 +1996,7 @@
                 <a:spcPct val="0"/>
               </a:spcBef>
             </a:pPr>
-            <a:endParaRPr lang="en-US" altLang="en-US" smtClean="0"/>
+            <a:endParaRPr lang="en-US" altLang="en-US"/>
           </a:p>
         </p:txBody>
       </p:sp>
@@ -2158,7 +2008,7 @@
 </p:notes>
 </file>
 
-<file path=ppt/notesSlides/notesSlide29.xml><?xml version="1.0" encoding="utf-8"?>
+<file path=ppt/notesSlides/notesSlide27.xml><?xml version="1.0" encoding="utf-8"?>
 <p:notes xmlns:a="http://schemas.openxmlformats.org/drawingml/2006/main" xmlns:r="http://schemas.openxmlformats.org/officeDocument/2006/relationships" xmlns:p="http://schemas.openxmlformats.org/presentationml/2006/main">
   <p:cSld>
     <p:spTree>
@@ -2220,7 +2070,155 @@
                 <a:spcPct val="0"/>
               </a:spcBef>
             </a:pPr>
-            <a:endParaRPr lang="en-US" altLang="en-US" smtClean="0"/>
+            <a:endParaRPr lang="en-US" altLang="en-US"/>
+          </a:p>
+        </p:txBody>
+      </p:sp>
+    </p:spTree>
+  </p:cSld>
+  <p:clrMapOvr>
+    <a:masterClrMapping/>
+  </p:clrMapOvr>
+</p:notes>
+</file>
+
+<file path=ppt/notesSlides/notesSlide28.xml><?xml version="1.0" encoding="utf-8"?>
+<p:notes xmlns:a="http://schemas.openxmlformats.org/drawingml/2006/main" xmlns:r="http://schemas.openxmlformats.org/officeDocument/2006/relationships" xmlns:p="http://schemas.openxmlformats.org/presentationml/2006/main">
+  <p:cSld>
+    <p:spTree>
+      <p:nvGrpSpPr>
+        <p:cNvPr id="1" name=""/>
+        <p:cNvGrpSpPr/>
+        <p:nvPr/>
+      </p:nvGrpSpPr>
+      <p:grpSpPr>
+        <a:xfrm>
+          <a:off x="0" y="0"/>
+          <a:ext cx="0" cy="0"/>
+          <a:chOff x="0" y="0"/>
+          <a:chExt cx="0" cy="0"/>
+        </a:xfrm>
+      </p:grpSpPr>
+      <p:sp>
+        <p:nvSpPr>
+          <p:cNvPr id="71682" name="Notes Placeholder"/>
+          <p:cNvSpPr>
+            <a:spLocks noGrp="1"/>
+          </p:cNvSpPr>
+          <p:nvPr>
+            <p:ph type="body" idx="1"/>
+          </p:nvPr>
+        </p:nvSpPr>
+        <p:spPr bwMode="auto">
+          <a:noFill/>
+          <a:extLst>
+            <a:ext uri="{909E8E84-426E-40DD-AFC4-6F175D3DCCD1}">
+              <a14:hiddenFill xmlns:a14="http://schemas.microsoft.com/office/drawing/2010/main">
+                <a:solidFill>
+                  <a:srgbClr val="FFFFFF"/>
+                </a:solidFill>
+              </a14:hiddenFill>
+            </a:ext>
+            <a:ext uri="{91240B29-F687-4F45-9708-019B960494DF}">
+              <a14:hiddenLine xmlns:a14="http://schemas.microsoft.com/office/drawing/2010/main" w="9525">
+                <a:solidFill>
+                  <a:srgbClr val="000000"/>
+                </a:solidFill>
+                <a:miter lim="800000"/>
+                <a:headEnd/>
+                <a:tailEnd/>
+              </a14:hiddenLine>
+            </a:ext>
+          </a:extLst>
+        </p:spPr>
+        <p:txBody>
+          <a:bodyPr wrap="square" numCol="1" anchor="t" anchorCtr="0" compatLnSpc="1">
+            <a:prstTxWarp prst="textNoShape">
+              <a:avLst/>
+            </a:prstTxWarp>
+          </a:bodyPr>
+          <a:lstStyle/>
+          <a:p>
+            <a:pPr eaLnBrk="1" hangingPunct="1">
+              <a:spcBef>
+                <a:spcPct val="0"/>
+              </a:spcBef>
+            </a:pPr>
+            <a:endParaRPr lang="en-US" altLang="en-US"/>
+          </a:p>
+        </p:txBody>
+      </p:sp>
+    </p:spTree>
+  </p:cSld>
+  <p:clrMapOvr>
+    <a:masterClrMapping/>
+  </p:clrMapOvr>
+</p:notes>
+</file>
+
+<file path=ppt/notesSlides/notesSlide29.xml><?xml version="1.0" encoding="utf-8"?>
+<p:notes xmlns:a="http://schemas.openxmlformats.org/drawingml/2006/main" xmlns:r="http://schemas.openxmlformats.org/officeDocument/2006/relationships" xmlns:p="http://schemas.openxmlformats.org/presentationml/2006/main">
+  <p:cSld>
+    <p:spTree>
+      <p:nvGrpSpPr>
+        <p:cNvPr id="1" name=""/>
+        <p:cNvGrpSpPr/>
+        <p:nvPr/>
+      </p:nvGrpSpPr>
+      <p:grpSpPr>
+        <a:xfrm>
+          <a:off x="0" y="0"/>
+          <a:ext cx="0" cy="0"/>
+          <a:chOff x="0" y="0"/>
+          <a:chExt cx="0" cy="0"/>
+        </a:xfrm>
+      </p:grpSpPr>
+      <p:sp>
+        <p:nvSpPr>
+          <p:cNvPr id="73730" name="Notes Placeholder"/>
+          <p:cNvSpPr>
+            <a:spLocks noGrp="1"/>
+          </p:cNvSpPr>
+          <p:nvPr>
+            <p:ph type="body" idx="1"/>
+          </p:nvPr>
+        </p:nvSpPr>
+        <p:spPr bwMode="auto">
+          <a:noFill/>
+          <a:extLst>
+            <a:ext uri="{909E8E84-426E-40DD-AFC4-6F175D3DCCD1}">
+              <a14:hiddenFill xmlns:a14="http://schemas.microsoft.com/office/drawing/2010/main">
+                <a:solidFill>
+                  <a:srgbClr val="FFFFFF"/>
+                </a:solidFill>
+              </a14:hiddenFill>
+            </a:ext>
+            <a:ext uri="{91240B29-F687-4F45-9708-019B960494DF}">
+              <a14:hiddenLine xmlns:a14="http://schemas.microsoft.com/office/drawing/2010/main" w="9525">
+                <a:solidFill>
+                  <a:srgbClr val="000000"/>
+                </a:solidFill>
+                <a:miter lim="800000"/>
+                <a:headEnd/>
+                <a:tailEnd/>
+              </a14:hiddenLine>
+            </a:ext>
+          </a:extLst>
+        </p:spPr>
+        <p:txBody>
+          <a:bodyPr wrap="square" numCol="1" anchor="t" anchorCtr="0" compatLnSpc="1">
+            <a:prstTxWarp prst="textNoShape">
+              <a:avLst/>
+            </a:prstTxWarp>
+          </a:bodyPr>
+          <a:lstStyle/>
+          <a:p>
+            <a:pPr eaLnBrk="1" hangingPunct="1">
+              <a:spcBef>
+                <a:spcPct val="0"/>
+              </a:spcBef>
+            </a:pPr>
+            <a:endParaRPr lang="en-US" altLang="en-US"/>
           </a:p>
         </p:txBody>
       </p:sp>
@@ -2294,7 +2292,7 @@
                 <a:spcPct val="0"/>
               </a:spcBef>
             </a:pPr>
-            <a:endParaRPr lang="en-US" altLang="en-US" smtClean="0"/>
+            <a:endParaRPr lang="en-US" altLang="en-US"/>
           </a:p>
         </p:txBody>
       </p:sp>
@@ -2307,154 +2305,6 @@
 </file>
 
 <file path=ppt/notesSlides/notesSlide30.xml><?xml version="1.0" encoding="utf-8"?>
-<p:notes xmlns:a="http://schemas.openxmlformats.org/drawingml/2006/main" xmlns:r="http://schemas.openxmlformats.org/officeDocument/2006/relationships" xmlns:p="http://schemas.openxmlformats.org/presentationml/2006/main">
-  <p:cSld>
-    <p:spTree>
-      <p:nvGrpSpPr>
-        <p:cNvPr id="1" name=""/>
-        <p:cNvGrpSpPr/>
-        <p:nvPr/>
-      </p:nvGrpSpPr>
-      <p:grpSpPr>
-        <a:xfrm>
-          <a:off x="0" y="0"/>
-          <a:ext cx="0" cy="0"/>
-          <a:chOff x="0" y="0"/>
-          <a:chExt cx="0" cy="0"/>
-        </a:xfrm>
-      </p:grpSpPr>
-      <p:sp>
-        <p:nvSpPr>
-          <p:cNvPr id="71682" name="Notes Placeholder"/>
-          <p:cNvSpPr>
-            <a:spLocks noGrp="1"/>
-          </p:cNvSpPr>
-          <p:nvPr>
-            <p:ph type="body" idx="1"/>
-          </p:nvPr>
-        </p:nvSpPr>
-        <p:spPr bwMode="auto">
-          <a:noFill/>
-          <a:extLst>
-            <a:ext uri="{909E8E84-426E-40DD-AFC4-6F175D3DCCD1}">
-              <a14:hiddenFill xmlns:a14="http://schemas.microsoft.com/office/drawing/2010/main">
-                <a:solidFill>
-                  <a:srgbClr val="FFFFFF"/>
-                </a:solidFill>
-              </a14:hiddenFill>
-            </a:ext>
-            <a:ext uri="{91240B29-F687-4F45-9708-019B960494DF}">
-              <a14:hiddenLine xmlns:a14="http://schemas.microsoft.com/office/drawing/2010/main" w="9525">
-                <a:solidFill>
-                  <a:srgbClr val="000000"/>
-                </a:solidFill>
-                <a:miter lim="800000"/>
-                <a:headEnd/>
-                <a:tailEnd/>
-              </a14:hiddenLine>
-            </a:ext>
-          </a:extLst>
-        </p:spPr>
-        <p:txBody>
-          <a:bodyPr wrap="square" numCol="1" anchor="t" anchorCtr="0" compatLnSpc="1">
-            <a:prstTxWarp prst="textNoShape">
-              <a:avLst/>
-            </a:prstTxWarp>
-          </a:bodyPr>
-          <a:lstStyle/>
-          <a:p>
-            <a:pPr eaLnBrk="1" hangingPunct="1">
-              <a:spcBef>
-                <a:spcPct val="0"/>
-              </a:spcBef>
-            </a:pPr>
-            <a:endParaRPr lang="en-US" altLang="en-US" smtClean="0"/>
-          </a:p>
-        </p:txBody>
-      </p:sp>
-    </p:spTree>
-  </p:cSld>
-  <p:clrMapOvr>
-    <a:masterClrMapping/>
-  </p:clrMapOvr>
-</p:notes>
-</file>
-
-<file path=ppt/notesSlides/notesSlide31.xml><?xml version="1.0" encoding="utf-8"?>
-<p:notes xmlns:a="http://schemas.openxmlformats.org/drawingml/2006/main" xmlns:r="http://schemas.openxmlformats.org/officeDocument/2006/relationships" xmlns:p="http://schemas.openxmlformats.org/presentationml/2006/main">
-  <p:cSld>
-    <p:spTree>
-      <p:nvGrpSpPr>
-        <p:cNvPr id="1" name=""/>
-        <p:cNvGrpSpPr/>
-        <p:nvPr/>
-      </p:nvGrpSpPr>
-      <p:grpSpPr>
-        <a:xfrm>
-          <a:off x="0" y="0"/>
-          <a:ext cx="0" cy="0"/>
-          <a:chOff x="0" y="0"/>
-          <a:chExt cx="0" cy="0"/>
-        </a:xfrm>
-      </p:grpSpPr>
-      <p:sp>
-        <p:nvSpPr>
-          <p:cNvPr id="73730" name="Notes Placeholder"/>
-          <p:cNvSpPr>
-            <a:spLocks noGrp="1"/>
-          </p:cNvSpPr>
-          <p:nvPr>
-            <p:ph type="body" idx="1"/>
-          </p:nvPr>
-        </p:nvSpPr>
-        <p:spPr bwMode="auto">
-          <a:noFill/>
-          <a:extLst>
-            <a:ext uri="{909E8E84-426E-40DD-AFC4-6F175D3DCCD1}">
-              <a14:hiddenFill xmlns:a14="http://schemas.microsoft.com/office/drawing/2010/main">
-                <a:solidFill>
-                  <a:srgbClr val="FFFFFF"/>
-                </a:solidFill>
-              </a14:hiddenFill>
-            </a:ext>
-            <a:ext uri="{91240B29-F687-4F45-9708-019B960494DF}">
-              <a14:hiddenLine xmlns:a14="http://schemas.microsoft.com/office/drawing/2010/main" w="9525">
-                <a:solidFill>
-                  <a:srgbClr val="000000"/>
-                </a:solidFill>
-                <a:miter lim="800000"/>
-                <a:headEnd/>
-                <a:tailEnd/>
-              </a14:hiddenLine>
-            </a:ext>
-          </a:extLst>
-        </p:spPr>
-        <p:txBody>
-          <a:bodyPr wrap="square" numCol="1" anchor="t" anchorCtr="0" compatLnSpc="1">
-            <a:prstTxWarp prst="textNoShape">
-              <a:avLst/>
-            </a:prstTxWarp>
-          </a:bodyPr>
-          <a:lstStyle/>
-          <a:p>
-            <a:pPr eaLnBrk="1" hangingPunct="1">
-              <a:spcBef>
-                <a:spcPct val="0"/>
-              </a:spcBef>
-            </a:pPr>
-            <a:endParaRPr lang="en-US" altLang="en-US" smtClean="0"/>
-          </a:p>
-        </p:txBody>
-      </p:sp>
-    </p:spTree>
-  </p:cSld>
-  <p:clrMapOvr>
-    <a:masterClrMapping/>
-  </p:clrMapOvr>
-</p:notes>
-</file>
-
-<file path=ppt/notesSlides/notesSlide32.xml><?xml version="1.0" encoding="utf-8"?>
 <p:notes xmlns:a="http://schemas.openxmlformats.org/drawingml/2006/main" xmlns:r="http://schemas.openxmlformats.org/officeDocument/2006/relationships" xmlns:p="http://schemas.openxmlformats.org/presentationml/2006/main">
   <p:cSld>
     <p:spTree>
@@ -2516,7 +2366,7 @@
                 <a:spcPct val="0"/>
               </a:spcBef>
             </a:pPr>
-            <a:endParaRPr lang="en-US" altLang="en-US" smtClean="0"/>
+            <a:endParaRPr lang="en-US" altLang="en-US"/>
           </a:p>
         </p:txBody>
       </p:sp>
@@ -2528,7 +2378,7 @@
 </p:notes>
 </file>
 
-<file path=ppt/notesSlides/notesSlide33.xml><?xml version="1.0" encoding="utf-8"?>
+<file path=ppt/notesSlides/notesSlide31.xml><?xml version="1.0" encoding="utf-8"?>
 <p:notes xmlns:a="http://schemas.openxmlformats.org/drawingml/2006/main" xmlns:r="http://schemas.openxmlformats.org/officeDocument/2006/relationships" xmlns:p="http://schemas.openxmlformats.org/presentationml/2006/main">
   <p:cSld>
     <p:spTree>
@@ -2590,7 +2440,7 @@
                 <a:spcPct val="0"/>
               </a:spcBef>
             </a:pPr>
-            <a:endParaRPr lang="en-US" altLang="en-US" smtClean="0"/>
+            <a:endParaRPr lang="en-US" altLang="en-US"/>
           </a:p>
         </p:txBody>
       </p:sp>
@@ -2664,7 +2514,7 @@
                 <a:spcPct val="0"/>
               </a:spcBef>
             </a:pPr>
-            <a:endParaRPr lang="en-US" altLang="en-US" smtClean="0"/>
+            <a:endParaRPr lang="en-US" altLang="en-US"/>
           </a:p>
         </p:txBody>
       </p:sp>
@@ -2738,7 +2588,7 @@
                 <a:spcPct val="0"/>
               </a:spcBef>
             </a:pPr>
-            <a:endParaRPr lang="en-US" altLang="en-US" smtClean="0"/>
+            <a:endParaRPr lang="en-US" altLang="en-US"/>
           </a:p>
         </p:txBody>
       </p:sp>
@@ -2812,7 +2662,7 @@
                 <a:spcPct val="0"/>
               </a:spcBef>
             </a:pPr>
-            <a:endParaRPr lang="en-US" altLang="en-US" smtClean="0"/>
+            <a:endParaRPr lang="en-US" altLang="en-US"/>
           </a:p>
         </p:txBody>
       </p:sp>
@@ -2886,7 +2736,7 @@
                 <a:spcPct val="0"/>
               </a:spcBef>
             </a:pPr>
-            <a:endParaRPr lang="en-US" altLang="en-US" smtClean="0"/>
+            <a:endParaRPr lang="en-US" altLang="en-US"/>
           </a:p>
         </p:txBody>
       </p:sp>
@@ -2960,7 +2810,7 @@
                 <a:spcPct val="0"/>
               </a:spcBef>
             </a:pPr>
-            <a:endParaRPr lang="en-US" altLang="en-US" smtClean="0"/>
+            <a:endParaRPr lang="en-US" altLang="en-US"/>
           </a:p>
         </p:txBody>
       </p:sp>
@@ -3034,7 +2884,7 @@
                 <a:spcPct val="0"/>
               </a:spcBef>
             </a:pPr>
-            <a:endParaRPr lang="en-US" altLang="en-US" smtClean="0"/>
+            <a:endParaRPr lang="en-US" altLang="en-US"/>
           </a:p>
         </p:txBody>
       </p:sp>
@@ -3259,7 +3109,7 @@
           </a:lstStyle>
           <a:p>
             <a:r>
-              <a:rPr lang="en-US" smtClean="0"/>
+              <a:rPr lang="en-US"/>
               <a:t>Click to edit Master title style</a:t>
             </a:r>
             <a:endParaRPr lang="en-US" dirty="0"/>
@@ -3335,7 +3185,7 @@
           </a:lstStyle>
           <a:p>
             <a:r>
-              <a:rPr lang="en-US" smtClean="0"/>
+              <a:rPr lang="en-US"/>
               <a:t>Click to edit Master subtitle style</a:t>
             </a:r>
             <a:endParaRPr lang="en-US" dirty="0"/>
@@ -3441,7 +3291,7 @@
           </a:lstStyle>
           <a:p>
             <a:r>
-              <a:rPr lang="en-US" smtClean="0"/>
+              <a:rPr lang="en-US"/>
               <a:t>Click to edit Master title style</a:t>
             </a:r>
             <a:endParaRPr lang="en-US" dirty="0"/>
@@ -3488,7 +3338,7 @@
           <a:p>
             <a:pPr lvl="0"/>
             <a:r>
-              <a:rPr lang="en-US" noProof="0" dirty="0" smtClean="0"/>
+              <a:rPr lang="en-US" noProof="0" dirty="0"/>
               <a:t>Click icon to add picture</a:t>
             </a:r>
             <a:endParaRPr lang="en-GB" noProof="0" dirty="0"/>
@@ -3546,28 +3396,28 @@
           <a:p>
             <a:pPr lvl="0"/>
             <a:r>
-              <a:rPr lang="en-US" smtClean="0"/>
+              <a:rPr lang="en-US"/>
               <a:t>Edit Master text styles</a:t>
             </a:r>
           </a:p>
           <a:p>
             <a:pPr lvl="1"/>
             <a:r>
-              <a:rPr lang="en-US" smtClean="0"/>
+              <a:rPr lang="en-US"/>
               <a:t>Second level</a:t>
             </a:r>
           </a:p>
           <a:p>
             <a:pPr lvl="2"/>
             <a:r>
-              <a:rPr lang="en-US" smtClean="0"/>
+              <a:rPr lang="en-US"/>
               <a:t>Third level</a:t>
             </a:r>
           </a:p>
           <a:p>
             <a:pPr lvl="3"/>
             <a:r>
-              <a:rPr lang="en-US" smtClean="0"/>
+              <a:rPr lang="en-US"/>
               <a:t>Fourth level</a:t>
             </a:r>
           </a:p>
@@ -3672,7 +3522,7 @@
           </a:lstStyle>
           <a:p>
             <a:r>
-              <a:rPr lang="en-US" smtClean="0"/>
+              <a:rPr lang="en-US"/>
               <a:t>Click to edit Master title style</a:t>
             </a:r>
             <a:endParaRPr lang="en-US" dirty="0"/>
@@ -3730,28 +3580,28 @@
           <a:p>
             <a:pPr lvl="0"/>
             <a:r>
-              <a:rPr lang="en-US" smtClean="0"/>
+              <a:rPr lang="en-US"/>
               <a:t>Edit Master text styles</a:t>
             </a:r>
           </a:p>
           <a:p>
             <a:pPr lvl="1"/>
             <a:r>
-              <a:rPr lang="en-US" smtClean="0"/>
+              <a:rPr lang="en-US"/>
               <a:t>Second level</a:t>
             </a:r>
           </a:p>
           <a:p>
             <a:pPr lvl="2"/>
             <a:r>
-              <a:rPr lang="en-US" smtClean="0"/>
+              <a:rPr lang="en-US"/>
               <a:t>Third level</a:t>
             </a:r>
           </a:p>
           <a:p>
             <a:pPr lvl="3"/>
             <a:r>
-              <a:rPr lang="en-US" smtClean="0"/>
+              <a:rPr lang="en-US"/>
               <a:t>Fourth level</a:t>
             </a:r>
           </a:p>
@@ -3831,7 +3681,7 @@
           </a:lstStyle>
           <a:p>
             <a:r>
-              <a:rPr lang="en-US" smtClean="0"/>
+              <a:rPr lang="en-US"/>
               <a:t>Click to edit Master title style</a:t>
             </a:r>
             <a:endParaRPr lang="en-US" dirty="0"/>
@@ -3905,7 +3755,7 @@
           </a:lstStyle>
           <a:p>
             <a:r>
-              <a:rPr lang="en-US" smtClean="0"/>
+              <a:rPr lang="en-US"/>
               <a:t>Click to edit Master subtitle style</a:t>
             </a:r>
             <a:endParaRPr lang="en-US" dirty="0"/>
@@ -3958,7 +3808,7 @@
           <a:lstStyle/>
           <a:p>
             <a:r>
-              <a:rPr lang="en-US" smtClean="0"/>
+              <a:rPr lang="en-US"/>
               <a:t>Click to edit Master title style</a:t>
             </a:r>
             <a:endParaRPr lang="en-GB"/>
@@ -3982,35 +3832,35 @@
           <a:p>
             <a:pPr lvl="0"/>
             <a:r>
-              <a:rPr lang="en-US" smtClean="0"/>
+              <a:rPr lang="en-US"/>
               <a:t>Click to edit Master text styles</a:t>
             </a:r>
           </a:p>
           <a:p>
             <a:pPr lvl="1"/>
             <a:r>
-              <a:rPr lang="en-US" smtClean="0"/>
+              <a:rPr lang="en-US"/>
               <a:t>Second level</a:t>
             </a:r>
           </a:p>
           <a:p>
             <a:pPr lvl="2"/>
             <a:r>
-              <a:rPr lang="en-US" smtClean="0"/>
+              <a:rPr lang="en-US"/>
               <a:t>Third level</a:t>
             </a:r>
           </a:p>
           <a:p>
             <a:pPr lvl="3"/>
             <a:r>
-              <a:rPr lang="en-US" smtClean="0"/>
+              <a:rPr lang="en-US"/>
               <a:t>Fourth level</a:t>
             </a:r>
           </a:p>
           <a:p>
             <a:pPr lvl="4"/>
             <a:r>
-              <a:rPr lang="en-US" smtClean="0"/>
+              <a:rPr lang="en-US"/>
               <a:t>Fifth level</a:t>
             </a:r>
             <a:endParaRPr lang="en-GB"/>
@@ -4052,7 +3902,7 @@
               <a:pPr>
                 <a:defRPr/>
               </a:pPr>
-              <a:t>12/10/2018</a:t>
+              <a:t>05/11/2018</a:t>
             </a:fld>
             <a:endParaRPr lang="en-GB" dirty="0"/>
           </a:p>
@@ -4389,35 +4239,35 @@
           <a:p>
             <a:pPr lvl="0"/>
             <a:r>
-              <a:rPr lang="en-US" altLang="en-US" smtClean="0"/>
+              <a:rPr lang="en-US" altLang="en-US"/>
               <a:t>Edit Master text styles</a:t>
             </a:r>
           </a:p>
           <a:p>
             <a:pPr lvl="1"/>
             <a:r>
-              <a:rPr lang="en-US" altLang="en-US" smtClean="0"/>
+              <a:rPr lang="en-US" altLang="en-US"/>
               <a:t>Second level</a:t>
             </a:r>
           </a:p>
           <a:p>
             <a:pPr lvl="2"/>
             <a:r>
-              <a:rPr lang="en-US" altLang="en-US" smtClean="0"/>
+              <a:rPr lang="en-US" altLang="en-US"/>
               <a:t>Third level</a:t>
             </a:r>
           </a:p>
           <a:p>
             <a:pPr lvl="3"/>
             <a:r>
-              <a:rPr lang="en-US" altLang="en-US" smtClean="0"/>
+              <a:rPr lang="en-US" altLang="en-US"/>
               <a:t>Fourth level</a:t>
             </a:r>
           </a:p>
           <a:p>
             <a:pPr lvl="4"/>
             <a:r>
-              <a:rPr lang="en-US" altLang="en-US" smtClean="0"/>
+              <a:rPr lang="en-US" altLang="en-US"/>
               <a:t>Fifth level</a:t>
             </a:r>
           </a:p>
@@ -4635,10 +4485,10 @@
           <a:p>
             <a:pPr lvl="0"/>
             <a:r>
-              <a:rPr lang="en-US" altLang="en-US" smtClean="0"/>
+              <a:rPr lang="en-US" altLang="en-US"/>
               <a:t>Click to edit Master title style</a:t>
             </a:r>
-            <a:endParaRPr lang="en-GB" altLang="en-US" smtClean="0"/>
+            <a:endParaRPr lang="en-GB" altLang="en-US"/>
           </a:p>
         </p:txBody>
       </p:sp>
@@ -5134,7 +4984,7 @@
           <a:lstStyle/>
           <a:p>
             <a:r>
-              <a:rPr lang="en-GB" altLang="en-US" smtClean="0"/>
+              <a:rPr lang="en-GB" altLang="en-US"/>
               <a:t>Numpy</a:t>
             </a:r>
           </a:p>
@@ -5161,7 +5011,7 @@
           <a:lstStyle/>
           <a:p>
             <a:r>
-              <a:rPr lang="en-GB" altLang="en-US" smtClean="0"/>
+              <a:rPr lang="en-GB" altLang="en-US"/>
               <a:t>Handling Arrays in Python</a:t>
             </a:r>
           </a:p>
@@ -5293,19 +5143,8 @@
                 <a:latin typeface="+mn-lt"/>
                 <a:cs typeface="Calibri" panose="020F0502020204030204" pitchFamily="34" charset="0"/>
               </a:rPr>
-              <a:t>Wendy Garland, Alan </a:t>
-            </a:r>
-            <a:r>
-              <a:rPr lang="en-GB" sz="1400" dirty="0" smtClean="0">
-                <a:latin typeface="+mn-lt"/>
-                <a:cs typeface="Calibri" panose="020F0502020204030204" pitchFamily="34" charset="0"/>
-              </a:rPr>
-              <a:t>Iwi, Matt Pritchard and Tommy Godfrey.</a:t>
-            </a:r>
-            <a:endParaRPr lang="en-GB" sz="1400" dirty="0">
-              <a:latin typeface="+mn-lt"/>
-              <a:cs typeface="Calibri" panose="020F0502020204030204" pitchFamily="34" charset="0"/>
-            </a:endParaRPr>
+              <a:t>Wendy Garland, Alan Iwi, Matt Pritchard and Tommy Godfrey.</a:t>
+            </a:r>
           </a:p>
         </p:txBody>
       </p:sp>
@@ -5355,7 +5194,7 @@
           <a:lstStyle/>
           <a:p>
             <a:r>
-              <a:rPr lang="en-US" altLang="en-US" b="1" smtClean="0"/>
+              <a:rPr lang="en-US" altLang="en-US" b="1"/>
               <a:t>Array indexing</a:t>
             </a:r>
           </a:p>
@@ -5694,13 +5533,6 @@
   <p:transition>
     <p:cut/>
   </p:transition>
-  <p:timing>
-    <p:tnLst>
-      <p:par>
-        <p:cTn id="1" dur="indefinite" restart="never" nodeType="tmRoot"/>
-      </p:par>
-    </p:tnLst>
-  </p:timing>
 </p:sld>
 </file>
 
@@ -5742,7 +5574,7 @@
           <a:lstStyle/>
           <a:p>
             <a:r>
-              <a:rPr lang="en-US" altLang="en-US" b="1" smtClean="0"/>
+              <a:rPr lang="en-US" altLang="en-US" b="1"/>
               <a:t>Array slicing</a:t>
             </a:r>
           </a:p>
@@ -6265,7 +6097,7 @@
           <a:lstStyle/>
           <a:p>
             <a:r>
-              <a:rPr lang="en-US" altLang="en-US" b="1" smtClean="0"/>
+              <a:rPr lang="en-US" altLang="en-US" b="1"/>
               <a:t>Array indexing</a:t>
             </a:r>
           </a:p>
@@ -6298,7 +6130,7 @@
               <a:buNone/>
             </a:pPr>
             <a:r>
-              <a:rPr lang="en-US" altLang="en-US" sz="3200" smtClean="0"/>
+              <a:rPr lang="en-US" altLang="en-US" sz="3200"/>
               <a:t>For multi-dimensional arrays, indexing between different dimensions is separated by commas.</a:t>
             </a:r>
           </a:p>
@@ -6307,7 +6139,7 @@
               <a:buFont typeface="Arial" panose="020B0604020202020204" pitchFamily="34" charset="0"/>
               <a:buNone/>
             </a:pPr>
-            <a:endParaRPr lang="en-US" altLang="en-US" sz="3200" smtClean="0">
+            <a:endParaRPr lang="en-US" altLang="en-US" sz="3200">
               <a:cs typeface="Calibri" panose="020F0502020204030204" pitchFamily="34" charset="0"/>
             </a:endParaRPr>
           </a:p>
@@ -6318,10 +6150,10 @@
               </a:spcBef>
             </a:pPr>
             <a:r>
-              <a:rPr lang="en-US" altLang="en-US" sz="3200" smtClean="0"/>
+              <a:rPr lang="en-US" altLang="en-US" sz="3200"/>
               <a:t> The fastest varying dimension is the last index. Thus, a 2-D array is indexed [row, col].</a:t>
             </a:r>
-            <a:endParaRPr lang="en-US" altLang="en-US" sz="3200" smtClean="0">
+            <a:endParaRPr lang="en-US" altLang="en-US" sz="3200">
               <a:cs typeface="Calibri" panose="020F0502020204030204" pitchFamily="34" charset="0"/>
             </a:endParaRPr>
           </a:p>
@@ -6332,10 +6164,10 @@
               </a:spcBef>
             </a:pPr>
             <a:r>
-              <a:rPr lang="en-US" altLang="en-US" sz="3200" smtClean="0"/>
+              <a:rPr lang="en-US" altLang="en-US" sz="3200"/>
               <a:t> Slicing rules also work as applied for each dimension (e.g., a colon selects all elements in that dimension).</a:t>
             </a:r>
-            <a:endParaRPr lang="en-US" altLang="en-US" sz="3200" smtClean="0">
+            <a:endParaRPr lang="en-US" altLang="en-US" sz="3200">
               <a:cs typeface="Calibri" panose="020F0502020204030204" pitchFamily="34" charset="0"/>
             </a:endParaRPr>
           </a:p>
@@ -6349,13 +6181,6 @@
   <p:transition>
     <p:cut/>
   </p:transition>
-  <p:timing>
-    <p:tnLst>
-      <p:par>
-        <p:cTn id="1" dur="indefinite" restart="never" nodeType="tmRoot"/>
-      </p:par>
-    </p:tnLst>
-  </p:timing>
 </p:sld>
 </file>
 
@@ -6397,7 +6222,7 @@
           <a:lstStyle/>
           <a:p>
             <a:r>
-              <a:rPr lang="en-US" altLang="en-US" b="1" smtClean="0"/>
+              <a:rPr lang="en-US" altLang="en-US" b="1"/>
               <a:t>Multi-dimensional array indexing</a:t>
             </a:r>
           </a:p>
@@ -7151,10 +6976,10 @@
           <a:p>
             <a:pPr algn="l"/>
             <a:r>
-              <a:rPr lang="en-GB" altLang="en-US" b="1" smtClean="0"/>
+              <a:rPr lang="en-GB" altLang="en-US" b="1"/>
               <a:t>Interrogating arrays</a:t>
             </a:r>
-            <a:endParaRPr lang="en-US" altLang="en-US" b="1" smtClean="0"/>
+            <a:endParaRPr lang="en-US" altLang="en-US" b="1"/>
           </a:p>
         </p:txBody>
       </p:sp>
@@ -7195,17 +7020,16 @@
               <a:defRPr/>
             </a:pPr>
             <a:r>
-              <a:rPr lang="en-US" altLang="en-US" sz="3200" dirty="0" smtClean="0"/>
+              <a:rPr lang="en-US" altLang="en-US" sz="3200" dirty="0"/>
               <a:t>Numpy has many functions</a:t>
             </a:r>
             <a:br>
-              <a:rPr lang="en-US" altLang="en-US" sz="3200" dirty="0" smtClean="0"/>
+              <a:rPr lang="en-US" altLang="en-US" sz="3200" dirty="0"/>
             </a:br>
             <a:r>
-              <a:rPr lang="en-US" altLang="en-US" sz="3200" dirty="0" smtClean="0"/>
+              <a:rPr lang="en-US" altLang="en-US" sz="3200" dirty="0"/>
               <a:t>that give info about arrays.</a:t>
             </a:r>
-            <a:endParaRPr lang="en-US" altLang="en-US" sz="3200" dirty="0"/>
           </a:p>
           <a:p>
             <a:pPr marL="573088" indent="-293688" fontAlgn="auto">
@@ -7222,7 +7046,7 @@
               <a:buChar char="•"/>
               <a:defRPr/>
             </a:pPr>
-            <a:endParaRPr lang="en-US" altLang="en-US" sz="3200" dirty="0" smtClean="0"/>
+            <a:endParaRPr lang="en-US" altLang="en-US" sz="3200" dirty="0"/>
           </a:p>
           <a:p>
             <a:pPr marL="573088" indent="-293688" fontAlgn="auto">
@@ -7240,55 +7064,47 @@
               <a:defRPr/>
             </a:pPr>
             <a:r>
-              <a:rPr lang="en-US" altLang="en-US" sz="3200" dirty="0" smtClean="0"/>
+              <a:rPr lang="en-US" altLang="en-US" sz="3200" dirty="0"/>
               <a:t>Examples for array "</a:t>
             </a:r>
             <a:r>
-              <a:rPr lang="en-US" altLang="en-US" sz="3200" dirty="0" smtClean="0">
+              <a:rPr lang="en-US" altLang="en-US" sz="3200" dirty="0">
                 <a:latin typeface="Courier New" panose="02070309020205020404" pitchFamily="49" charset="0"/>
                 <a:cs typeface="Courier New" panose="02070309020205020404" pitchFamily="49" charset="0"/>
               </a:rPr>
               <a:t>a</a:t>
             </a:r>
             <a:r>
-              <a:rPr lang="en-US" altLang="en-US" sz="3200" dirty="0" smtClean="0"/>
+              <a:rPr lang="en-US" altLang="en-US" sz="3200" dirty="0"/>
               <a:t>" (assuming </a:t>
             </a:r>
             <a:br>
-              <a:rPr lang="en-US" altLang="en-US" sz="3200" dirty="0" smtClean="0"/>
+              <a:rPr lang="en-US" altLang="en-US" sz="3200" dirty="0"/>
             </a:br>
             <a:r>
-              <a:rPr lang="en-US" altLang="en-US" sz="3200" dirty="0" smtClean="0"/>
-              <a:t>you</a:t>
-            </a:r>
-            <a:r>
               <a:rPr lang="en-US" altLang="en-US" sz="3200" dirty="0"/>
-              <a:t> </a:t>
-            </a:r>
-            <a:r>
-              <a:rPr lang="en-US" altLang="en-US" sz="3200" dirty="0" smtClean="0"/>
-              <a:t>imported </a:t>
-            </a:r>
-            <a:r>
-              <a:rPr lang="en-US" altLang="en-US" sz="3200" dirty="0" err="1" smtClean="0"/>
+              <a:t>you imported </a:t>
+            </a:r>
+            <a:r>
+              <a:rPr lang="en-US" altLang="en-US" sz="3200" dirty="0" err="1"/>
               <a:t>numpy</a:t>
             </a:r>
             <a:r>
-              <a:rPr lang="en-US" altLang="en-US" sz="3200" dirty="0" smtClean="0"/>
+              <a:rPr lang="en-US" altLang="en-US" sz="3200" dirty="0"/>
               <a:t> as </a:t>
             </a:r>
             <a:r>
-              <a:rPr lang="en-US" altLang="en-US" sz="3200" dirty="0" smtClean="0">
+              <a:rPr lang="en-US" altLang="en-US" sz="3200" dirty="0">
                 <a:latin typeface="Courier New" panose="02070309020205020404" pitchFamily="49" charset="0"/>
                 <a:cs typeface="Courier New" panose="02070309020205020404" pitchFamily="49" charset="0"/>
               </a:rPr>
               <a:t>np</a:t>
             </a:r>
             <a:r>
-              <a:rPr lang="en-US" altLang="en-US" sz="3200" dirty="0" smtClean="0"/>
+              <a:rPr lang="en-US" altLang="en-US" sz="3200" dirty="0"/>
               <a:t>):</a:t>
             </a:r>
-            <a:endParaRPr lang="en-US" altLang="en-US" sz="3200" dirty="0" smtClean="0">
+            <a:endParaRPr lang="en-US" altLang="en-US" sz="3200" dirty="0">
               <a:latin typeface="Courier New" panose="02070309020205020404" pitchFamily="49" charset="0"/>
               <a:cs typeface="Courier New" panose="02070309020205020404" pitchFamily="49" charset="0"/>
             </a:endParaRPr>
@@ -7306,18 +7122,18 @@
               <a:defRPr/>
             </a:pPr>
             <a:r>
-              <a:rPr lang="en-US" altLang="en-US" sz="2400" dirty="0" smtClean="0"/>
+              <a:rPr lang="en-US" altLang="en-US" sz="2400" dirty="0"/>
               <a:t>Shape:   </a:t>
             </a:r>
             <a:r>
-              <a:rPr lang="en-US" altLang="en-US" sz="2400" dirty="0" err="1" smtClean="0">
+              <a:rPr lang="en-US" altLang="en-US" sz="2400" dirty="0" err="1">
                 <a:latin typeface="Courier New" pitchFamily="49" charset="0"/>
                 <a:cs typeface="Courier New" pitchFamily="49" charset="0"/>
               </a:rPr>
               <a:t>np.shape</a:t>
             </a:r>
             <a:r>
-              <a:rPr lang="en-US" altLang="en-US" sz="2400" dirty="0" smtClean="0">
+              <a:rPr lang="en-US" altLang="en-US" sz="2400" dirty="0">
                 <a:latin typeface="Courier New" pitchFamily="49" charset="0"/>
                 <a:cs typeface="Courier New" pitchFamily="49" charset="0"/>
               </a:rPr>
@@ -7337,18 +7153,18 @@
               <a:defRPr/>
             </a:pPr>
             <a:r>
-              <a:rPr lang="en-US" altLang="en-US" sz="2400" dirty="0" smtClean="0"/>
+              <a:rPr lang="en-US" altLang="en-US" sz="2400" dirty="0"/>
               <a:t>Rank (number of dimensions):   </a:t>
             </a:r>
             <a:r>
-              <a:rPr lang="en-US" altLang="en-US" sz="2400" dirty="0" err="1" smtClean="0">
+              <a:rPr lang="en-US" altLang="en-US" sz="2400" dirty="0" err="1">
                 <a:latin typeface="Courier New" pitchFamily="49" charset="0"/>
                 <a:cs typeface="Courier New" pitchFamily="49" charset="0"/>
               </a:rPr>
               <a:t>np.ndim</a:t>
             </a:r>
             <a:r>
-              <a:rPr lang="en-US" altLang="en-US" sz="2400" dirty="0" smtClean="0">
+              <a:rPr lang="en-US" altLang="en-US" sz="2400" dirty="0">
                 <a:latin typeface="Courier New" pitchFamily="49" charset="0"/>
                 <a:cs typeface="Courier New" pitchFamily="49" charset="0"/>
               </a:rPr>
@@ -7368,41 +7184,41 @@
               <a:defRPr/>
             </a:pPr>
             <a:r>
-              <a:rPr lang="en-GB" sz="2400" spc="-79" dirty="0" smtClean="0"/>
+              <a:rPr lang="en-GB" sz="2400" spc="-79" dirty="0"/>
               <a:t>Number of</a:t>
             </a:r>
             <a:r>
-              <a:rPr lang="en-GB" sz="2400" spc="30" dirty="0" smtClean="0"/>
+              <a:rPr lang="en-GB" sz="2400" spc="30" dirty="0"/>
               <a:t> </a:t>
             </a:r>
             <a:r>
-              <a:rPr lang="en-GB" sz="2400" spc="-129" dirty="0" smtClean="0"/>
+              <a:rPr lang="en-GB" sz="2400" spc="-129" dirty="0"/>
               <a:t>elem</a:t>
             </a:r>
             <a:r>
-              <a:rPr lang="en-GB" sz="2400" spc="-109" dirty="0" smtClean="0"/>
+              <a:rPr lang="en-GB" sz="2400" spc="-109" dirty="0"/>
               <a:t>ents</a:t>
             </a:r>
             <a:r>
-              <a:rPr lang="en-GB" sz="2400" spc="-99" dirty="0" smtClean="0"/>
+              <a:rPr lang="en-GB" sz="2400" spc="-99" dirty="0"/>
               <a:t>:    </a:t>
             </a:r>
             <a:r>
-              <a:rPr lang="en-GB" sz="2400" dirty="0" err="1" smtClean="0">
+              <a:rPr lang="en-GB" sz="2400" dirty="0" err="1">
                 <a:latin typeface="Courier New" panose="02070309020205020404" pitchFamily="49" charset="0"/>
                 <a:cs typeface="Courier New" panose="02070309020205020404" pitchFamily="49" charset="0"/>
               </a:rPr>
               <a:t>np.size</a:t>
             </a:r>
             <a:r>
-              <a:rPr lang="en-GB" sz="2400" dirty="0" smtClean="0">
+              <a:rPr lang="en-GB" sz="2400" dirty="0">
                 <a:latin typeface="Courier New" panose="02070309020205020404" pitchFamily="49" charset="0"/>
                 <a:cs typeface="Courier New" panose="02070309020205020404" pitchFamily="49" charset="0"/>
               </a:rPr>
               <a:t>(a) </a:t>
             </a:r>
             <a:r>
-              <a:rPr lang="en-GB" sz="2400" dirty="0" smtClean="0">
+              <a:rPr lang="en-GB" sz="2400" dirty="0">
                 <a:latin typeface="Courier New" panose="02070309020205020404" pitchFamily="49" charset="0"/>
                 <a:cs typeface="Courier New" panose="02070309020205020404" pitchFamily="49" charset="0"/>
                 <a:sym typeface="Wingdings" panose="05000000000000000000" pitchFamily="2" charset="2"/>
@@ -7410,21 +7226,21 @@
               <a:t> </a:t>
             </a:r>
             <a:r>
-              <a:rPr lang="en-GB" sz="2400" i="1" dirty="0" smtClean="0">
+              <a:rPr lang="en-GB" sz="2400" i="1" dirty="0">
                 <a:cs typeface="Courier New" panose="02070309020205020404" pitchFamily="49" charset="0"/>
                 <a:sym typeface="Wingdings" panose="05000000000000000000" pitchFamily="2" charset="2"/>
               </a:rPr>
               <a:t>don't use </a:t>
             </a:r>
             <a:r>
-              <a:rPr lang="en-GB" sz="2400" i="1" dirty="0" err="1" smtClean="0">
+              <a:rPr lang="en-GB" sz="2400" i="1" dirty="0" err="1">
                 <a:latin typeface="Courier New" panose="02070309020205020404" pitchFamily="49" charset="0"/>
                 <a:cs typeface="Courier New" panose="02070309020205020404" pitchFamily="49" charset="0"/>
                 <a:sym typeface="Wingdings" panose="05000000000000000000" pitchFamily="2" charset="2"/>
               </a:rPr>
               <a:t>len</a:t>
             </a:r>
-            <a:endParaRPr lang="en-GB" sz="2400" i="1" dirty="0" smtClean="0">
+            <a:endParaRPr lang="en-GB" sz="2400" i="1" dirty="0">
               <a:latin typeface="Courier New" panose="02070309020205020404" pitchFamily="49" charset="0"/>
               <a:cs typeface="Courier New" panose="02070309020205020404" pitchFamily="49" charset="0"/>
             </a:endParaRPr>
@@ -7442,40 +7258,40 @@
               <a:defRPr/>
             </a:pPr>
             <a:r>
-              <a:rPr lang="en-GB" sz="2400" dirty="0" smtClean="0">
+              <a:rPr lang="en-GB" sz="2400" dirty="0">
                 <a:cs typeface="Courier New" panose="02070309020205020404" pitchFamily="49" charset="0"/>
               </a:rPr>
               <a:t>Maximum:   </a:t>
             </a:r>
             <a:r>
-              <a:rPr lang="en-GB" sz="2400" dirty="0" err="1" smtClean="0">
+              <a:rPr lang="en-GB" sz="2400" dirty="0" err="1">
                 <a:latin typeface="Courier New" panose="02070309020205020404" pitchFamily="49" charset="0"/>
                 <a:cs typeface="Courier New" panose="02070309020205020404" pitchFamily="49" charset="0"/>
               </a:rPr>
               <a:t>np.max</a:t>
             </a:r>
             <a:r>
-              <a:rPr lang="en-GB" sz="2400" dirty="0" smtClean="0">
+              <a:rPr lang="en-GB" sz="2400" dirty="0">
                 <a:latin typeface="Courier New" panose="02070309020205020404" pitchFamily="49" charset="0"/>
                 <a:cs typeface="Courier New" panose="02070309020205020404" pitchFamily="49" charset="0"/>
               </a:rPr>
               <a:t>(a)</a:t>
             </a:r>
             <a:r>
-              <a:rPr lang="en-GB" sz="2400" dirty="0" smtClean="0">
+              <a:rPr lang="en-GB" sz="2400" dirty="0">
                 <a:cs typeface="Courier New" panose="02070309020205020404" pitchFamily="49" charset="0"/>
               </a:rPr>
               <a:t>   Similarly </a:t>
             </a:r>
             <a:r>
-              <a:rPr lang="en-GB" sz="2400" dirty="0" err="1" smtClean="0">
+              <a:rPr lang="en-GB" sz="2400" dirty="0" err="1">
                 <a:latin typeface="Courier New" panose="02070309020205020404" pitchFamily="49" charset="0"/>
                 <a:cs typeface="Courier New" panose="02070309020205020404" pitchFamily="49" charset="0"/>
               </a:rPr>
               <a:t>np.min</a:t>
             </a:r>
             <a:r>
-              <a:rPr lang="en-GB" sz="2400" dirty="0" smtClean="0">
+              <a:rPr lang="en-GB" sz="2400" dirty="0">
                 <a:latin typeface="Courier New" panose="02070309020205020404" pitchFamily="49" charset="0"/>
                 <a:cs typeface="Courier New" panose="02070309020205020404" pitchFamily="49" charset="0"/>
               </a:rPr>
@@ -7896,7 +7712,7 @@
           <a:lstStyle/>
           <a:p>
             <a:r>
-              <a:rPr lang="en-US" altLang="en-US" b="1" smtClean="0"/>
+              <a:rPr lang="en-US" altLang="en-US" b="1"/>
               <a:t>Array manipulation</a:t>
             </a:r>
           </a:p>
@@ -8279,13 +8095,6 @@
   <p:transition>
     <p:cut/>
   </p:transition>
-  <p:timing>
-    <p:tnLst>
-      <p:par>
-        <p:cTn id="1" dur="indefinite" restart="never" nodeType="tmRoot"/>
-      </p:par>
-    </p:tnLst>
-  </p:timing>
 </p:sld>
 </file>
 
@@ -8327,7 +8136,7 @@
           <a:lstStyle/>
           <a:p>
             <a:r>
-              <a:rPr lang="en-US" altLang="en-US" b="1" smtClean="0"/>
+              <a:rPr lang="en-US" altLang="en-US" b="1"/>
               <a:t>Arrays as objects</a:t>
             </a:r>
           </a:p>
@@ -8691,14 +8500,6 @@
                 <a:sym typeface="Wingdings" panose="05000000000000000000" pitchFamily="2" charset="2"/>
               </a:rPr>
             </a:br>
-            <a:r>
-              <a:rPr lang="en-US" altLang="en-US" sz="1400">
-                <a:latin typeface="Courier New" panose="02070309020205020404" pitchFamily="49" charset="0"/>
-                <a:cs typeface="Courier New" panose="02070309020205020404" pitchFamily="49" charset="0"/>
-                <a:sym typeface="Wingdings" panose="05000000000000000000" pitchFamily="2" charset="2"/>
-              </a:rPr>
-              <a:t/>
-            </a:r>
             <a:br>
               <a:rPr lang="en-US" altLang="en-US" sz="1400">
                 <a:latin typeface="Courier New" panose="02070309020205020404" pitchFamily="49" charset="0"/>
@@ -8762,13 +8563,6 @@
               </a:rPr>
               <a:t>interrogate data type</a:t>
             </a:r>
-            <a:r>
-              <a:rPr lang="en-US" altLang="en-US" i="1">
-                <a:cs typeface="Courier New" panose="02070309020205020404" pitchFamily="49" charset="0"/>
-                <a:sym typeface="Wingdings" panose="05000000000000000000" pitchFamily="2" charset="2"/>
-              </a:rPr>
-              <a:t/>
-            </a:r>
             <a:br>
               <a:rPr lang="en-US" altLang="en-US" i="1">
                 <a:cs typeface="Courier New" panose="02070309020205020404" pitchFamily="49" charset="0"/>
@@ -8819,13 +8613,6 @@
                 <a:sym typeface="Wingdings" panose="05000000000000000000" pitchFamily="2" charset="2"/>
               </a:rPr>
             </a:br>
-            <a:r>
-              <a:rPr lang="en-US" altLang="en-US" i="1">
-                <a:cs typeface="Courier New" panose="02070309020205020404" pitchFamily="49" charset="0"/>
-                <a:sym typeface="Wingdings" panose="05000000000000000000" pitchFamily="2" charset="2"/>
-              </a:rPr>
-              <a:t/>
-            </a:r>
             <a:br>
               <a:rPr lang="en-US" altLang="en-US" i="1">
                 <a:cs typeface="Courier New" panose="02070309020205020404" pitchFamily="49" charset="0"/>
@@ -8981,13 +8768,6 @@
   <p:transition>
     <p:cut/>
   </p:transition>
-  <p:timing>
-    <p:tnLst>
-      <p:par>
-        <p:cTn id="1" dur="indefinite" restart="never" nodeType="tmRoot"/>
-      </p:par>
-    </p:tnLst>
-  </p:timing>
 </p:sld>
 </file>
 
@@ -9029,7 +8809,7 @@
           <a:lstStyle/>
           <a:p>
             <a:r>
-              <a:rPr lang="en-US" altLang="en-US" b="1" smtClean="0"/>
+              <a:rPr lang="en-US" altLang="en-US" b="1"/>
               <a:t>meshgrid</a:t>
             </a:r>
           </a:p>
@@ -10233,7 +10013,7 @@
           <a:lstStyle/>
           <a:p>
             <a:r>
-              <a:rPr lang="en-GB" altLang="en-US" b="1" smtClean="0"/>
+              <a:rPr lang="en-GB" altLang="en-US" b="1"/>
               <a:t>Let's start doing some calculations with arrays</a:t>
             </a:r>
           </a:p>
@@ -10244,13 +10024,6 @@
   <p:clrMapOvr>
     <a:masterClrMapping/>
   </p:clrMapOvr>
-  <p:timing>
-    <p:tnLst>
-      <p:par>
-        <p:cTn id="1" dur="indefinite" restart="never" nodeType="tmRoot"/>
-      </p:par>
-    </p:tnLst>
-  </p:timing>
 </p:sld>
 </file>
 
@@ -10292,16 +10065,20 @@
           <a:lstStyle/>
           <a:p>
             <a:r>
-              <a:rPr lang="en-US" altLang="en-US" b="1" smtClean="0"/>
-              <a:t>General array operations: </a:t>
+              <a:rPr lang="en-US" altLang="en-US" b="1" dirty="0"/>
+              <a:t>General array operations:</a:t>
             </a:r>
             <a:br>
-              <a:rPr lang="en-US" altLang="en-US" b="1" smtClean="0"/>
+              <a:rPr lang="en-US" altLang="en-US" b="1" dirty="0"/>
             </a:br>
             <a:r>
-              <a:rPr lang="en-US" altLang="en-US" b="1" smtClean="0"/>
-              <a:t>Method 1 - the OLD way</a:t>
-            </a:r>
+              <a:rPr lang="en-US" altLang="en-US" b="1" dirty="0"/>
+              <a:t>Element by Element Multiplication</a:t>
+            </a:r>
+            <a:br>
+              <a:rPr lang="en-US" altLang="en-US" b="1" dirty="0"/>
+            </a:br>
+            <a:endParaRPr lang="en-US" altLang="en-US" b="1" dirty="0"/>
           </a:p>
         </p:txBody>
       </p:sp>
@@ -10313,8 +10090,8 @@
         </p:nvSpPr>
         <p:spPr>
           <a:xfrm>
-            <a:off x="755650" y="2222500"/>
-            <a:ext cx="7488238" cy="3692525"/>
+            <a:off x="755576" y="2204864"/>
+            <a:ext cx="7488238" cy="1538883"/>
           </a:xfrm>
           <a:prstGeom prst="rect">
             <a:avLst/>
@@ -10446,298 +10223,6 @@
                 <a:cs typeface="Courier New" panose="02070309020205020404" pitchFamily="49" charset="0"/>
               </a:rPr>
               <a:t>              [6, 21, 1.5, -27]])</a:t>
-            </a:r>
-          </a:p>
-          <a:p>
-            <a:pPr marL="25179" eaLnBrk="1" hangingPunct="1">
-              <a:defRPr/>
-            </a:pPr>
-            <a:r>
-              <a:rPr lang="en-GB" sz="2000" dirty="0" err="1">
-                <a:latin typeface="Courier New" panose="02070309020205020404" pitchFamily="49" charset="0"/>
-                <a:cs typeface="Courier New" panose="02070309020205020404" pitchFamily="49" charset="0"/>
-              </a:rPr>
-              <a:t>shape_a</a:t>
-            </a:r>
-            <a:r>
-              <a:rPr lang="en-GB" sz="2000" dirty="0">
-                <a:latin typeface="Courier New" panose="02070309020205020404" pitchFamily="49" charset="0"/>
-                <a:cs typeface="Courier New" panose="02070309020205020404" pitchFamily="49" charset="0"/>
-              </a:rPr>
-              <a:t> = </a:t>
-            </a:r>
-            <a:r>
-              <a:rPr lang="en-GB" sz="2000" dirty="0" err="1">
-                <a:latin typeface="Courier New" panose="02070309020205020404" pitchFamily="49" charset="0"/>
-                <a:cs typeface="Courier New" panose="02070309020205020404" pitchFamily="49" charset="0"/>
-              </a:rPr>
-              <a:t>a.shape</a:t>
-            </a:r>
-            <a:endParaRPr lang="en-GB" sz="2000" dirty="0">
-              <a:latin typeface="Courier New" panose="02070309020205020404" pitchFamily="49" charset="0"/>
-              <a:cs typeface="Courier New" panose="02070309020205020404" pitchFamily="49" charset="0"/>
-            </a:endParaRPr>
-          </a:p>
-          <a:p>
-            <a:pPr marL="25179" eaLnBrk="1" hangingPunct="1">
-              <a:defRPr/>
-            </a:pPr>
-            <a:endParaRPr lang="en-GB" sz="2000" dirty="0">
-              <a:latin typeface="Courier New" panose="02070309020205020404" pitchFamily="49" charset="0"/>
-              <a:cs typeface="Courier New" panose="02070309020205020404" pitchFamily="49" charset="0"/>
-            </a:endParaRPr>
-          </a:p>
-          <a:p>
-            <a:pPr marL="25179" eaLnBrk="1" hangingPunct="1">
-              <a:defRPr/>
-            </a:pPr>
-            <a:r>
-              <a:rPr lang="en-GB" sz="2000" dirty="0" err="1">
-                <a:latin typeface="Courier New" panose="02070309020205020404" pitchFamily="49" charset="0"/>
-                <a:cs typeface="Courier New" panose="02070309020205020404" pitchFamily="49" charset="0"/>
-              </a:rPr>
-              <a:t>product_ab</a:t>
-            </a:r>
-            <a:r>
-              <a:rPr lang="en-GB" sz="2000" dirty="0">
-                <a:latin typeface="Courier New" panose="02070309020205020404" pitchFamily="49" charset="0"/>
-                <a:cs typeface="Courier New" panose="02070309020205020404" pitchFamily="49" charset="0"/>
-              </a:rPr>
-              <a:t> = </a:t>
-            </a:r>
-            <a:r>
-              <a:rPr lang="en-GB" sz="2000" dirty="0" err="1">
-                <a:latin typeface="Courier New" panose="02070309020205020404" pitchFamily="49" charset="0"/>
-                <a:cs typeface="Courier New" panose="02070309020205020404" pitchFamily="49" charset="0"/>
-              </a:rPr>
-              <a:t>np.zeros</a:t>
-            </a:r>
-            <a:r>
-              <a:rPr lang="en-GB" sz="2000" dirty="0">
-                <a:latin typeface="Courier New" panose="02070309020205020404" pitchFamily="49" charset="0"/>
-                <a:cs typeface="Courier New" panose="02070309020205020404" pitchFamily="49" charset="0"/>
-              </a:rPr>
-              <a:t>(</a:t>
-            </a:r>
-            <a:r>
-              <a:rPr lang="en-GB" sz="2000" dirty="0" err="1">
-                <a:latin typeface="Courier New" panose="02070309020205020404" pitchFamily="49" charset="0"/>
-                <a:cs typeface="Courier New" panose="02070309020205020404" pitchFamily="49" charset="0"/>
-              </a:rPr>
-              <a:t>shape_a</a:t>
-            </a:r>
-            <a:r>
-              <a:rPr lang="en-GB" sz="2000" dirty="0">
-                <a:latin typeface="Courier New" panose="02070309020205020404" pitchFamily="49" charset="0"/>
-                <a:cs typeface="Courier New" panose="02070309020205020404" pitchFamily="49" charset="0"/>
-              </a:rPr>
-              <a:t>, </a:t>
-            </a:r>
-            <a:r>
-              <a:rPr lang="en-GB" sz="2000" dirty="0" err="1">
-                <a:latin typeface="Courier New" panose="02070309020205020404" pitchFamily="49" charset="0"/>
-                <a:cs typeface="Courier New" panose="02070309020205020404" pitchFamily="49" charset="0"/>
-              </a:rPr>
-              <a:t>dtype</a:t>
-            </a:r>
-            <a:r>
-              <a:rPr lang="en-GB" sz="2000" dirty="0">
-                <a:latin typeface="Courier New" panose="02070309020205020404" pitchFamily="49" charset="0"/>
-                <a:cs typeface="Courier New" panose="02070309020205020404" pitchFamily="49" charset="0"/>
-              </a:rPr>
-              <a:t>=np.float32)</a:t>
-            </a:r>
-          </a:p>
-          <a:p>
-            <a:pPr marL="25179" eaLnBrk="1" hangingPunct="1">
-              <a:defRPr/>
-            </a:pPr>
-            <a:endParaRPr lang="en-GB" sz="2000" dirty="0">
-              <a:latin typeface="Courier New" panose="02070309020205020404" pitchFamily="49" charset="0"/>
-              <a:cs typeface="Courier New" panose="02070309020205020404" pitchFamily="49" charset="0"/>
-            </a:endParaRPr>
-          </a:p>
-          <a:p>
-            <a:pPr marL="25179" eaLnBrk="1" hangingPunct="1">
-              <a:defRPr/>
-            </a:pPr>
-            <a:r>
-              <a:rPr lang="en-GB" sz="2000" b="1" dirty="0">
-                <a:latin typeface="Courier New" panose="02070309020205020404" pitchFamily="49" charset="0"/>
-                <a:cs typeface="Courier New" panose="02070309020205020404" pitchFamily="49" charset="0"/>
-              </a:rPr>
-              <a:t>for</a:t>
-            </a:r>
-            <a:r>
-              <a:rPr lang="en-GB" sz="2000" dirty="0">
-                <a:latin typeface="Courier New" panose="02070309020205020404" pitchFamily="49" charset="0"/>
-                <a:cs typeface="Courier New" panose="02070309020205020404" pitchFamily="49" charset="0"/>
-              </a:rPr>
-              <a:t> </a:t>
-            </a:r>
-            <a:r>
-              <a:rPr lang="en-GB" sz="2000" dirty="0" err="1">
-                <a:latin typeface="Courier New" panose="02070309020205020404" pitchFamily="49" charset="0"/>
-                <a:cs typeface="Courier New" panose="02070309020205020404" pitchFamily="49" charset="0"/>
-              </a:rPr>
-              <a:t>i</a:t>
-            </a:r>
-            <a:r>
-              <a:rPr lang="en-GB" sz="2000" dirty="0">
-                <a:latin typeface="Courier New" panose="02070309020205020404" pitchFamily="49" charset="0"/>
-                <a:cs typeface="Courier New" panose="02070309020205020404" pitchFamily="49" charset="0"/>
-              </a:rPr>
-              <a:t> </a:t>
-            </a:r>
-            <a:r>
-              <a:rPr lang="en-GB" sz="2000" b="1" dirty="0">
-                <a:latin typeface="Courier New" panose="02070309020205020404" pitchFamily="49" charset="0"/>
-                <a:cs typeface="Courier New" panose="02070309020205020404" pitchFamily="49" charset="0"/>
-              </a:rPr>
-              <a:t>in</a:t>
-            </a:r>
-            <a:r>
-              <a:rPr lang="en-GB" sz="2000" dirty="0">
-                <a:latin typeface="Courier New" panose="02070309020205020404" pitchFamily="49" charset="0"/>
-                <a:cs typeface="Courier New" panose="02070309020205020404" pitchFamily="49" charset="0"/>
-              </a:rPr>
-              <a:t> range(</a:t>
-            </a:r>
-            <a:r>
-              <a:rPr lang="en-GB" sz="2000" dirty="0" err="1">
-                <a:latin typeface="Courier New" panose="02070309020205020404" pitchFamily="49" charset="0"/>
-                <a:cs typeface="Courier New" panose="02070309020205020404" pitchFamily="49" charset="0"/>
-              </a:rPr>
-              <a:t>shape_a</a:t>
-            </a:r>
-            <a:r>
-              <a:rPr lang="en-GB" sz="2000" dirty="0">
-                <a:latin typeface="Courier New" panose="02070309020205020404" pitchFamily="49" charset="0"/>
-                <a:cs typeface="Courier New" panose="02070309020205020404" pitchFamily="49" charset="0"/>
-              </a:rPr>
-              <a:t>[0]):</a:t>
-            </a:r>
-          </a:p>
-          <a:p>
-            <a:pPr marL="25179" eaLnBrk="1" hangingPunct="1">
-              <a:defRPr/>
-            </a:pPr>
-            <a:r>
-              <a:rPr lang="en-GB" sz="2000" dirty="0">
-                <a:latin typeface="Courier New" panose="02070309020205020404" pitchFamily="49" charset="0"/>
-                <a:cs typeface="Courier New" panose="02070309020205020404" pitchFamily="49" charset="0"/>
-              </a:rPr>
-              <a:t>    </a:t>
-            </a:r>
-            <a:r>
-              <a:rPr lang="en-GB" sz="2000" b="1" dirty="0">
-                <a:latin typeface="Courier New" panose="02070309020205020404" pitchFamily="49" charset="0"/>
-                <a:cs typeface="Courier New" panose="02070309020205020404" pitchFamily="49" charset="0"/>
-              </a:rPr>
-              <a:t>for</a:t>
-            </a:r>
-            <a:r>
-              <a:rPr lang="en-GB" sz="2000" dirty="0">
-                <a:latin typeface="Courier New" panose="02070309020205020404" pitchFamily="49" charset="0"/>
-                <a:cs typeface="Courier New" panose="02070309020205020404" pitchFamily="49" charset="0"/>
-              </a:rPr>
-              <a:t> j </a:t>
-            </a:r>
-            <a:r>
-              <a:rPr lang="en-GB" sz="2000" b="1" dirty="0">
-                <a:latin typeface="Courier New" panose="02070309020205020404" pitchFamily="49" charset="0"/>
-                <a:cs typeface="Courier New" panose="02070309020205020404" pitchFamily="49" charset="0"/>
-              </a:rPr>
-              <a:t>in</a:t>
-            </a:r>
-            <a:r>
-              <a:rPr lang="en-GB" sz="2000" dirty="0">
-                <a:latin typeface="Courier New" panose="02070309020205020404" pitchFamily="49" charset="0"/>
-                <a:cs typeface="Courier New" panose="02070309020205020404" pitchFamily="49" charset="0"/>
-              </a:rPr>
-              <a:t> range(</a:t>
-            </a:r>
-            <a:r>
-              <a:rPr lang="en-GB" sz="2000" dirty="0" err="1">
-                <a:latin typeface="Courier New" panose="02070309020205020404" pitchFamily="49" charset="0"/>
-                <a:cs typeface="Courier New" panose="02070309020205020404" pitchFamily="49" charset="0"/>
-              </a:rPr>
-              <a:t>shape_a</a:t>
-            </a:r>
-            <a:r>
-              <a:rPr lang="en-GB" sz="2000" dirty="0">
-                <a:latin typeface="Courier New" panose="02070309020205020404" pitchFamily="49" charset="0"/>
-                <a:cs typeface="Courier New" panose="02070309020205020404" pitchFamily="49" charset="0"/>
-              </a:rPr>
-              <a:t>[1]):</a:t>
-            </a:r>
-          </a:p>
-          <a:p>
-            <a:pPr marL="25179" eaLnBrk="1" hangingPunct="1">
-              <a:defRPr/>
-            </a:pPr>
-            <a:r>
-              <a:rPr lang="en-GB" sz="2000" dirty="0">
-                <a:latin typeface="Courier New" panose="02070309020205020404" pitchFamily="49" charset="0"/>
-                <a:cs typeface="Courier New" panose="02070309020205020404" pitchFamily="49" charset="0"/>
-              </a:rPr>
-              <a:t>        </a:t>
-            </a:r>
-            <a:r>
-              <a:rPr lang="en-GB" sz="2000" dirty="0" err="1">
-                <a:latin typeface="Courier New" panose="02070309020205020404" pitchFamily="49" charset="0"/>
-                <a:cs typeface="Courier New" panose="02070309020205020404" pitchFamily="49" charset="0"/>
-              </a:rPr>
-              <a:t>product_ab</a:t>
-            </a:r>
-            <a:r>
-              <a:rPr lang="en-GB" sz="2000" dirty="0">
-                <a:latin typeface="Courier New" panose="02070309020205020404" pitchFamily="49" charset="0"/>
-                <a:cs typeface="Courier New" panose="02070309020205020404" pitchFamily="49" charset="0"/>
-              </a:rPr>
-              <a:t>[</a:t>
-            </a:r>
-            <a:r>
-              <a:rPr lang="en-GB" sz="2000" dirty="0" err="1">
-                <a:latin typeface="Courier New" panose="02070309020205020404" pitchFamily="49" charset="0"/>
-                <a:cs typeface="Courier New" panose="02070309020205020404" pitchFamily="49" charset="0"/>
-              </a:rPr>
-              <a:t>i</a:t>
-            </a:r>
-            <a:r>
-              <a:rPr lang="en-GB" sz="2000" dirty="0">
-                <a:latin typeface="Courier New" panose="02070309020205020404" pitchFamily="49" charset="0"/>
-                <a:cs typeface="Courier New" panose="02070309020205020404" pitchFamily="49" charset="0"/>
-              </a:rPr>
-              <a:t>, j] = a[</a:t>
-            </a:r>
-            <a:r>
-              <a:rPr lang="en-GB" sz="2000" dirty="0" err="1">
-                <a:latin typeface="Courier New" panose="02070309020205020404" pitchFamily="49" charset="0"/>
-                <a:cs typeface="Courier New" panose="02070309020205020404" pitchFamily="49" charset="0"/>
-              </a:rPr>
-              <a:t>i</a:t>
-            </a:r>
-            <a:r>
-              <a:rPr lang="en-GB" sz="2000" dirty="0">
-                <a:latin typeface="Courier New" panose="02070309020205020404" pitchFamily="49" charset="0"/>
-                <a:cs typeface="Courier New" panose="02070309020205020404" pitchFamily="49" charset="0"/>
-              </a:rPr>
-              <a:t>, j] * b[</a:t>
-            </a:r>
-            <a:r>
-              <a:rPr lang="en-GB" sz="2000" dirty="0" err="1">
-                <a:latin typeface="Courier New" panose="02070309020205020404" pitchFamily="49" charset="0"/>
-                <a:cs typeface="Courier New" panose="02070309020205020404" pitchFamily="49" charset="0"/>
-              </a:rPr>
-              <a:t>i</a:t>
-            </a:r>
-            <a:r>
-              <a:rPr lang="en-GB" sz="2000" dirty="0">
-                <a:latin typeface="Courier New" panose="02070309020205020404" pitchFamily="49" charset="0"/>
-                <a:cs typeface="Courier New" panose="02070309020205020404" pitchFamily="49" charset="0"/>
-              </a:rPr>
-              <a:t>, j]</a:t>
             </a:r>
           </a:p>
         </p:txBody>
@@ -10889,196 +10374,6 @@
   <p:transition>
     <p:cut/>
   </p:transition>
-  <p:timing>
-    <p:tnLst>
-      <p:par>
-        <p:cTn id="1" dur="indefinite" restart="never" nodeType="tmRoot">
-          <p:childTnLst>
-            <p:seq concurrent="1" nextAc="seek">
-              <p:cTn id="2" dur="indefinite" nodeType="mainSeq">
-                <p:childTnLst>
-                  <p:par>
-                    <p:cTn id="3" fill="hold" nodeType="clickPar">
-                      <p:stCondLst>
-                        <p:cond delay="indefinite"/>
-                      </p:stCondLst>
-                      <p:childTnLst>
-                        <p:par>
-                          <p:cTn id="4" fill="hold" nodeType="withGroup">
-                            <p:stCondLst>
-                              <p:cond delay="0"/>
-                            </p:stCondLst>
-                            <p:childTnLst>
-                              <p:par>
-                                <p:cTn id="5" presetID="1" presetClass="entr" presetSubtype="0" fill="hold" nodeType="clickEffect">
-                                  <p:stCondLst>
-                                    <p:cond delay="0"/>
-                                  </p:stCondLst>
-                                  <p:childTnLst>
-                                    <p:set>
-                                      <p:cBhvr>
-                                        <p:cTn id="6" dur="1" fill="hold">
-                                          <p:stCondLst>
-                                            <p:cond delay="0"/>
-                                          </p:stCondLst>
-                                        </p:cTn>
-                                        <p:tgtEl>
-                                          <p:spTgt spid="3">
-                                            <p:txEl>
-                                              <p:pRg st="7" end="7"/>
-                                            </p:txEl>
-                                          </p:spTgt>
-                                        </p:tgtEl>
-                                        <p:attrNameLst>
-                                          <p:attrName>style.visibility</p:attrName>
-                                        </p:attrNameLst>
-                                      </p:cBhvr>
-                                      <p:to>
-                                        <p:strVal val="visible"/>
-                                      </p:to>
-                                    </p:set>
-                                  </p:childTnLst>
-                                </p:cTn>
-                              </p:par>
-                            </p:childTnLst>
-                          </p:cTn>
-                        </p:par>
-                      </p:childTnLst>
-                    </p:cTn>
-                  </p:par>
-                  <p:par>
-                    <p:cTn id="7" fill="hold" nodeType="clickPar">
-                      <p:stCondLst>
-                        <p:cond delay="indefinite"/>
-                      </p:stCondLst>
-                      <p:childTnLst>
-                        <p:par>
-                          <p:cTn id="8" fill="hold" nodeType="withGroup">
-                            <p:stCondLst>
-                              <p:cond delay="0"/>
-                            </p:stCondLst>
-                            <p:childTnLst>
-                              <p:par>
-                                <p:cTn id="9" presetID="1" presetClass="entr" presetSubtype="0" fill="hold" nodeType="clickEffect">
-                                  <p:stCondLst>
-                                    <p:cond delay="0"/>
-                                  </p:stCondLst>
-                                  <p:childTnLst>
-                                    <p:set>
-                                      <p:cBhvr>
-                                        <p:cTn id="10" dur="1" fill="hold">
-                                          <p:stCondLst>
-                                            <p:cond delay="0"/>
-                                          </p:stCondLst>
-                                        </p:cTn>
-                                        <p:tgtEl>
-                                          <p:spTgt spid="3">
-                                            <p:txEl>
-                                              <p:pRg st="9" end="9"/>
-                                            </p:txEl>
-                                          </p:spTgt>
-                                        </p:tgtEl>
-                                        <p:attrNameLst>
-                                          <p:attrName>style.visibility</p:attrName>
-                                        </p:attrNameLst>
-                                      </p:cBhvr>
-                                      <p:to>
-                                        <p:strVal val="visible"/>
-                                      </p:to>
-                                    </p:set>
-                                  </p:childTnLst>
-                                </p:cTn>
-                              </p:par>
-                              <p:par>
-                                <p:cTn id="11" presetID="1" presetClass="entr" presetSubtype="0" fill="hold" nodeType="withEffect">
-                                  <p:stCondLst>
-                                    <p:cond delay="0"/>
-                                  </p:stCondLst>
-                                  <p:childTnLst>
-                                    <p:set>
-                                      <p:cBhvr>
-                                        <p:cTn id="12" dur="1" fill="hold">
-                                          <p:stCondLst>
-                                            <p:cond delay="0"/>
-                                          </p:stCondLst>
-                                        </p:cTn>
-                                        <p:tgtEl>
-                                          <p:spTgt spid="3">
-                                            <p:txEl>
-                                              <p:pRg st="10" end="10"/>
-                                            </p:txEl>
-                                          </p:spTgt>
-                                        </p:tgtEl>
-                                        <p:attrNameLst>
-                                          <p:attrName>style.visibility</p:attrName>
-                                        </p:attrNameLst>
-                                      </p:cBhvr>
-                                      <p:to>
-                                        <p:strVal val="visible"/>
-                                      </p:to>
-                                    </p:set>
-                                  </p:childTnLst>
-                                </p:cTn>
-                              </p:par>
-                              <p:par>
-                                <p:cTn id="13" presetID="1" presetClass="entr" presetSubtype="0" fill="hold" nodeType="withEffect">
-                                  <p:stCondLst>
-                                    <p:cond delay="0"/>
-                                  </p:stCondLst>
-                                  <p:childTnLst>
-                                    <p:set>
-                                      <p:cBhvr>
-                                        <p:cTn id="14" dur="1" fill="hold">
-                                          <p:stCondLst>
-                                            <p:cond delay="0"/>
-                                          </p:stCondLst>
-                                        </p:cTn>
-                                        <p:tgtEl>
-                                          <p:spTgt spid="3">
-                                            <p:txEl>
-                                              <p:pRg st="11" end="11"/>
-                                            </p:txEl>
-                                          </p:spTgt>
-                                        </p:tgtEl>
-                                        <p:attrNameLst>
-                                          <p:attrName>style.visibility</p:attrName>
-                                        </p:attrNameLst>
-                                      </p:cBhvr>
-                                      <p:to>
-                                        <p:strVal val="visible"/>
-                                      </p:to>
-                                    </p:set>
-                                  </p:childTnLst>
-                                </p:cTn>
-                              </p:par>
-                            </p:childTnLst>
-                          </p:cTn>
-                        </p:par>
-                      </p:childTnLst>
-                    </p:cTn>
-                  </p:par>
-                </p:childTnLst>
-              </p:cTn>
-              <p:prevCondLst>
-                <p:cond evt="onPrev" delay="0">
-                  <p:tgtEl>
-                    <p:sldTgt/>
-                  </p:tgtEl>
-                </p:cond>
-              </p:prevCondLst>
-              <p:nextCondLst>
-                <p:cond evt="onNext" delay="0">
-                  <p:tgtEl>
-                    <p:sldTgt/>
-                  </p:tgtEl>
-                </p:cond>
-              </p:nextCondLst>
-            </p:seq>
-          </p:childTnLst>
-        </p:cTn>
-      </p:par>
-    </p:tnLst>
-  </p:timing>
 </p:sld>
 </file>
 
@@ -11115,7 +10410,7 @@
           <a:lstStyle/>
           <a:p>
             <a:r>
-              <a:rPr lang="en-GB" altLang="en-US" b="1" smtClean="0"/>
+              <a:rPr lang="en-GB" altLang="en-US" b="1"/>
               <a:t>With special thanks to…</a:t>
             </a:r>
           </a:p>
@@ -11146,11 +10441,11 @@
               <a:buNone/>
             </a:pPr>
             <a:r>
-              <a:rPr lang="en-GB" altLang="en-US" sz="2800" b="1" smtClean="0"/>
+              <a:rPr lang="en-GB" altLang="en-US" sz="2800" b="1"/>
               <a:t>Johnny Lin</a:t>
             </a:r>
             <a:r>
-              <a:rPr lang="en-GB" altLang="en-US" sz="2800" smtClean="0"/>
+              <a:rPr lang="en-GB" altLang="en-US" sz="2800"/>
               <a:t> writes a great python/atmospheric science blog with exercises, examples, presentations, books etc.</a:t>
             </a:r>
           </a:p>
@@ -11159,7 +10454,7 @@
               <a:buFont typeface="Arial" panose="020B0604020202020204" pitchFamily="34" charset="0"/>
               <a:buNone/>
             </a:pPr>
-            <a:endParaRPr lang="en-GB" altLang="en-US" sz="2800" smtClean="0">
+            <a:endParaRPr lang="en-GB" altLang="en-US" sz="2800">
               <a:cs typeface="Courier New" panose="02070309020205020404" pitchFamily="49" charset="0"/>
             </a:endParaRPr>
           </a:p>
@@ -11169,23 +10464,23 @@
               <a:buNone/>
             </a:pPr>
             <a:r>
-              <a:rPr lang="en-GB" altLang="en-US" sz="2800" smtClean="0">
+              <a:rPr lang="en-GB" altLang="en-US" sz="2800">
                 <a:cs typeface="Courier New" panose="02070309020205020404" pitchFamily="49" charset="0"/>
               </a:rPr>
               <a:t>Much of this is borrowed </a:t>
             </a:r>
             <a:br>
-              <a:rPr lang="en-GB" altLang="en-US" sz="2800" smtClean="0">
+              <a:rPr lang="en-GB" altLang="en-US" sz="2800">
                 <a:cs typeface="Courier New" panose="02070309020205020404" pitchFamily="49" charset="0"/>
               </a:rPr>
             </a:br>
             <a:r>
-              <a:rPr lang="en-GB" altLang="en-US" sz="2800" smtClean="0">
+              <a:rPr lang="en-GB" altLang="en-US" sz="2800">
                 <a:cs typeface="Courier New" panose="02070309020205020404" pitchFamily="49" charset="0"/>
               </a:rPr>
               <a:t>from...</a:t>
             </a:r>
-            <a:endParaRPr lang="en-GB" altLang="en-US" sz="2800" smtClean="0"/>
+            <a:endParaRPr lang="en-GB" altLang="en-US" sz="2800"/>
           </a:p>
         </p:txBody>
       </p:sp>
@@ -11689,322 +10984,10 @@
   <p:clrMapOvr>
     <a:masterClrMapping/>
   </p:clrMapOvr>
-  <p:timing>
-    <p:tnLst>
-      <p:par>
-        <p:cTn id="1" dur="indefinite" restart="never" nodeType="tmRoot"/>
-      </p:par>
-    </p:tnLst>
-  </p:timing>
 </p:sld>
 </file>
 
 <file path=ppt/slides/slide20.xml><?xml version="1.0" encoding="utf-8"?>
-<p:sld xmlns:a="http://schemas.openxmlformats.org/drawingml/2006/main" xmlns:r="http://schemas.openxmlformats.org/officeDocument/2006/relationships" xmlns:p="http://schemas.openxmlformats.org/presentationml/2006/main">
-  <p:cSld>
-    <p:spTree>
-      <p:nvGrpSpPr>
-        <p:cNvPr id="1" name=""/>
-        <p:cNvGrpSpPr/>
-        <p:nvPr/>
-      </p:nvGrpSpPr>
-      <p:grpSpPr>
-        <a:xfrm>
-          <a:off x="0" y="0"/>
-          <a:ext cx="0" cy="0"/>
-          <a:chOff x="0" y="0"/>
-          <a:chExt cx="0" cy="0"/>
-        </a:xfrm>
-      </p:grpSpPr>
-      <p:sp>
-        <p:nvSpPr>
-          <p:cNvPr id="44034" name="object 2"/>
-          <p:cNvSpPr>
-            <a:spLocks noGrp="1"/>
-          </p:cNvSpPr>
-          <p:nvPr>
-            <p:ph type="title"/>
-          </p:nvPr>
-        </p:nvSpPr>
-        <p:spPr>
-          <a:xfrm>
-            <a:off x="457200" y="168275"/>
-            <a:ext cx="8229600" cy="1355725"/>
-          </a:xfrm>
-        </p:spPr>
-        <p:txBody>
-          <a:bodyPr/>
-          <a:lstStyle/>
-          <a:p>
-            <a:r>
-              <a:rPr lang="en-US" altLang="en-US" b="1" smtClean="0"/>
-              <a:t>General array operations: </a:t>
-            </a:r>
-            <a:br>
-              <a:rPr lang="en-US" altLang="en-US" b="1" smtClean="0"/>
-            </a:br>
-            <a:r>
-              <a:rPr lang="en-US" altLang="en-US" b="1" smtClean="0"/>
-              <a:t>Method 1: the OLD way</a:t>
-            </a:r>
-          </a:p>
-        </p:txBody>
-      </p:sp>
-      <p:sp>
-        <p:nvSpPr>
-          <p:cNvPr id="44035" name="object 3"/>
-          <p:cNvSpPr txBox="1">
-            <a:spLocks noChangeArrowheads="1"/>
-          </p:cNvSpPr>
-          <p:nvPr/>
-        </p:nvSpPr>
-        <p:spPr bwMode="auto">
-          <a:xfrm>
-            <a:off x="684213" y="1844675"/>
-            <a:ext cx="8064500" cy="1584325"/>
-          </a:xfrm>
-          <a:prstGeom prst="rect">
-            <a:avLst/>
-          </a:prstGeom>
-          <a:noFill/>
-          <a:ln>
-            <a:noFill/>
-          </a:ln>
-          <a:extLst>
-            <a:ext uri="{909E8E84-426E-40DD-AFC4-6F175D3DCCD1}">
-              <a14:hiddenFill xmlns:a14="http://schemas.microsoft.com/office/drawing/2010/main">
-                <a:solidFill>
-                  <a:srgbClr val="FFFFFF"/>
-                </a:solidFill>
-              </a14:hiddenFill>
-            </a:ext>
-            <a:ext uri="{91240B29-F687-4F45-9708-019B960494DF}">
-              <a14:hiddenLine xmlns:a14="http://schemas.microsoft.com/office/drawing/2010/main" w="9525">
-                <a:solidFill>
-                  <a:srgbClr val="000000"/>
-                </a:solidFill>
-                <a:miter lim="800000"/>
-                <a:headEnd/>
-                <a:tailEnd/>
-              </a14:hiddenLine>
-            </a:ext>
-          </a:extLst>
-        </p:spPr>
-        <p:txBody>
-          <a:bodyPr lIns="0" tIns="0" rIns="0" bIns="0">
-            <a:spAutoFit/>
-          </a:bodyPr>
-          <a:lstStyle>
-            <a:lvl1pPr marL="479425" indent="-457200">
-              <a:lnSpc>
-                <a:spcPct val="90000"/>
-              </a:lnSpc>
-              <a:spcBef>
-                <a:spcPts val="1000"/>
-              </a:spcBef>
-              <a:buFont typeface="Arial" panose="020B0604020202020204" pitchFamily="34" charset="0"/>
-              <a:buChar char="•"/>
-              <a:defRPr sz="2400">
-                <a:solidFill>
-                  <a:schemeClr val="tx1"/>
-                </a:solidFill>
-                <a:latin typeface="Calibri" panose="020F0502020204030204" pitchFamily="34" charset="0"/>
-              </a:defRPr>
-            </a:lvl1pPr>
-            <a:lvl2pPr marL="742950" indent="-285750">
-              <a:lnSpc>
-                <a:spcPct val="90000"/>
-              </a:lnSpc>
-              <a:spcBef>
-                <a:spcPts val="500"/>
-              </a:spcBef>
-              <a:buFont typeface="Arial" panose="020B0604020202020204" pitchFamily="34" charset="0"/>
-              <a:buChar char="•"/>
-              <a:defRPr sz="2000">
-                <a:solidFill>
-                  <a:schemeClr val="tx1"/>
-                </a:solidFill>
-                <a:latin typeface="Calibri" panose="020F0502020204030204" pitchFamily="34" charset="0"/>
-              </a:defRPr>
-            </a:lvl2pPr>
-            <a:lvl3pPr marL="1143000" indent="-228600">
-              <a:lnSpc>
-                <a:spcPct val="90000"/>
-              </a:lnSpc>
-              <a:spcBef>
-                <a:spcPts val="500"/>
-              </a:spcBef>
-              <a:buFont typeface="Arial" panose="020B0604020202020204" pitchFamily="34" charset="0"/>
-              <a:buChar char="•"/>
-              <a:defRPr>
-                <a:solidFill>
-                  <a:schemeClr val="tx1"/>
-                </a:solidFill>
-                <a:latin typeface="Calibri" panose="020F0502020204030204" pitchFamily="34" charset="0"/>
-              </a:defRPr>
-            </a:lvl3pPr>
-            <a:lvl4pPr marL="1600200" indent="-228600">
-              <a:lnSpc>
-                <a:spcPct val="90000"/>
-              </a:lnSpc>
-              <a:spcBef>
-                <a:spcPts val="500"/>
-              </a:spcBef>
-              <a:buFont typeface="Arial" panose="020B0604020202020204" pitchFamily="34" charset="0"/>
-              <a:buChar char="•"/>
-              <a:defRPr sz="1600">
-                <a:solidFill>
-                  <a:schemeClr val="tx1"/>
-                </a:solidFill>
-                <a:latin typeface="Calibri" panose="020F0502020204030204" pitchFamily="34" charset="0"/>
-              </a:defRPr>
-            </a:lvl4pPr>
-            <a:lvl5pPr marL="2057400" indent="-228600">
-              <a:lnSpc>
-                <a:spcPct val="90000"/>
-              </a:lnSpc>
-              <a:spcBef>
-                <a:spcPts val="500"/>
-              </a:spcBef>
-              <a:buFont typeface="Arial" panose="020B0604020202020204" pitchFamily="34" charset="0"/>
-              <a:buChar char="•"/>
-              <a:defRPr sz="1600">
-                <a:solidFill>
-                  <a:schemeClr val="tx1"/>
-                </a:solidFill>
-                <a:latin typeface="Calibri" panose="020F0502020204030204" pitchFamily="34" charset="0"/>
-              </a:defRPr>
-            </a:lvl5pPr>
-            <a:lvl6pPr marL="2514600" indent="-228600" fontAlgn="base">
-              <a:lnSpc>
-                <a:spcPct val="90000"/>
-              </a:lnSpc>
-              <a:spcBef>
-                <a:spcPts val="500"/>
-              </a:spcBef>
-              <a:spcAft>
-                <a:spcPct val="0"/>
-              </a:spcAft>
-              <a:buFont typeface="Arial" panose="020B0604020202020204" pitchFamily="34" charset="0"/>
-              <a:buChar char="•"/>
-              <a:defRPr sz="1600">
-                <a:solidFill>
-                  <a:schemeClr val="tx1"/>
-                </a:solidFill>
-                <a:latin typeface="Calibri" panose="020F0502020204030204" pitchFamily="34" charset="0"/>
-              </a:defRPr>
-            </a:lvl6pPr>
-            <a:lvl7pPr marL="2971800" indent="-228600" fontAlgn="base">
-              <a:lnSpc>
-                <a:spcPct val="90000"/>
-              </a:lnSpc>
-              <a:spcBef>
-                <a:spcPts val="500"/>
-              </a:spcBef>
-              <a:spcAft>
-                <a:spcPct val="0"/>
-              </a:spcAft>
-              <a:buFont typeface="Arial" panose="020B0604020202020204" pitchFamily="34" charset="0"/>
-              <a:buChar char="•"/>
-              <a:defRPr sz="1600">
-                <a:solidFill>
-                  <a:schemeClr val="tx1"/>
-                </a:solidFill>
-                <a:latin typeface="Calibri" panose="020F0502020204030204" pitchFamily="34" charset="0"/>
-              </a:defRPr>
-            </a:lvl7pPr>
-            <a:lvl8pPr marL="3429000" indent="-228600" fontAlgn="base">
-              <a:lnSpc>
-                <a:spcPct val="90000"/>
-              </a:lnSpc>
-              <a:spcBef>
-                <a:spcPts val="500"/>
-              </a:spcBef>
-              <a:spcAft>
-                <a:spcPct val="0"/>
-              </a:spcAft>
-              <a:buFont typeface="Arial" panose="020B0604020202020204" pitchFamily="34" charset="0"/>
-              <a:buChar char="•"/>
-              <a:defRPr sz="1600">
-                <a:solidFill>
-                  <a:schemeClr val="tx1"/>
-                </a:solidFill>
-                <a:latin typeface="Calibri" panose="020F0502020204030204" pitchFamily="34" charset="0"/>
-              </a:defRPr>
-            </a:lvl8pPr>
-            <a:lvl9pPr marL="3886200" indent="-228600" fontAlgn="base">
-              <a:lnSpc>
-                <a:spcPct val="90000"/>
-              </a:lnSpc>
-              <a:spcBef>
-                <a:spcPts val="500"/>
-              </a:spcBef>
-              <a:spcAft>
-                <a:spcPct val="0"/>
-              </a:spcAft>
-              <a:buFont typeface="Arial" panose="020B0604020202020204" pitchFamily="34" charset="0"/>
-              <a:buChar char="•"/>
-              <a:defRPr sz="1600">
-                <a:solidFill>
-                  <a:schemeClr val="tx1"/>
-                </a:solidFill>
-                <a:latin typeface="Calibri" panose="020F0502020204030204" pitchFamily="34" charset="0"/>
-              </a:defRPr>
-            </a:lvl9pPr>
-          </a:lstStyle>
-          <a:p>
-            <a:pPr eaLnBrk="1" hangingPunct="1">
-              <a:lnSpc>
-                <a:spcPct val="100000"/>
-              </a:lnSpc>
-              <a:spcBef>
-                <a:spcPts val="650"/>
-              </a:spcBef>
-            </a:pPr>
-            <a:r>
-              <a:rPr lang="en-US" altLang="en-US" sz="3200">
-                <a:cs typeface="Calibri" panose="020F0502020204030204" pitchFamily="34" charset="0"/>
-              </a:rPr>
-              <a:t>Loops are relatively slow.</a:t>
-            </a:r>
-          </a:p>
-          <a:p>
-            <a:pPr eaLnBrk="1" hangingPunct="1">
-              <a:lnSpc>
-                <a:spcPct val="103000"/>
-              </a:lnSpc>
-              <a:spcBef>
-                <a:spcPts val="600"/>
-              </a:spcBef>
-            </a:pPr>
-            <a:r>
-              <a:rPr lang="en-US" altLang="en-US" sz="3200">
-                <a:cs typeface="Calibri" panose="020F0502020204030204" pitchFamily="34" charset="0"/>
-              </a:rPr>
-              <a:t>You could also add a line to check that the two arrays have the same shape.</a:t>
-            </a:r>
-          </a:p>
-        </p:txBody>
-      </p:sp>
-    </p:spTree>
-  </p:cSld>
-  <p:clrMapOvr>
-    <a:masterClrMapping/>
-  </p:clrMapOvr>
-  <p:transition>
-    <p:cut/>
-  </p:transition>
-  <p:timing>
-    <p:tnLst>
-      <p:par>
-        <p:cTn id="1" dur="indefinite" restart="never" nodeType="tmRoot"/>
-      </p:par>
-    </p:tnLst>
-  </p:timing>
-</p:sld>
-</file>
-
-<file path=ppt/slides/slide21.xml><?xml version="1.0" encoding="utf-8"?>
 <p:sld xmlns:a="http://schemas.openxmlformats.org/drawingml/2006/main" xmlns:r="http://schemas.openxmlformats.org/officeDocument/2006/relationships" xmlns:p="http://schemas.openxmlformats.org/presentationml/2006/main">
   <p:cSld>
     <p:spTree>
@@ -12042,15 +11025,15 @@
           <a:lstStyle/>
           <a:p>
             <a:r>
-              <a:rPr lang="en-US" altLang="en-US" b="1" smtClean="0"/>
-              <a:t>General array operations: </a:t>
+              <a:rPr lang="en-US" altLang="en-US" b="1" dirty="0"/>
+              <a:t>General array operations:</a:t>
             </a:r>
             <a:br>
-              <a:rPr lang="en-US" altLang="en-US" b="1" smtClean="0"/>
+              <a:rPr lang="en-US" altLang="en-US" b="1" dirty="0"/>
             </a:br>
             <a:r>
-              <a:rPr lang="en-US" altLang="en-US" b="1" smtClean="0"/>
-              <a:t>Method 2: array syntax</a:t>
+              <a:rPr lang="en-US" altLang="en-US" b="1" dirty="0"/>
+              <a:t>Element by Element Multiplication</a:t>
             </a:r>
           </a:p>
         </p:txBody>
@@ -12267,7 +11250,7 @@
               </a:spcBef>
             </a:pPr>
             <a:r>
-              <a:rPr lang="en-US" altLang="en-US" sz="3200">
+              <a:rPr lang="en-US" altLang="en-US" sz="3200" dirty="0">
                 <a:cs typeface="Calibri" panose="020F0502020204030204" pitchFamily="34" charset="0"/>
               </a:rPr>
               <a:t>Operand shapes are automatically checked for compatibility.</a:t>
@@ -12283,7 +11266,7 @@
               </a:spcBef>
             </a:pPr>
             <a:r>
-              <a:rPr lang="en-US" altLang="en-US" sz="3200">
+              <a:rPr lang="en-US" altLang="en-US" sz="3200" dirty="0">
                 <a:cs typeface="Calibri" panose="020F0502020204030204" pitchFamily="34" charset="0"/>
               </a:rPr>
               <a:t>You do not need to know the rank of the arrays ahead of time, so the same line of code works on arrays of any dimension.</a:t>
@@ -12299,19 +11282,19 @@
               </a:spcBef>
             </a:pPr>
             <a:r>
-              <a:rPr lang="en-US" altLang="en-US" sz="3200">
+              <a:rPr lang="en-US" altLang="en-US" sz="3200" dirty="0">
                 <a:cs typeface="Calibri" panose="020F0502020204030204" pitchFamily="34" charset="0"/>
               </a:rPr>
               <a:t>This makes them </a:t>
             </a:r>
             <a:r>
-              <a:rPr lang="en-US" altLang="en-US" sz="3200" i="1">
+              <a:rPr lang="en-US" altLang="en-US" sz="3200" i="1" dirty="0">
                 <a:cs typeface="Calibri" panose="020F0502020204030204" pitchFamily="34" charset="0"/>
               </a:rPr>
               <a:t>much faster </a:t>
             </a:r>
             <a:r>
-              <a:rPr lang="en-US" altLang="en-US" sz="3200">
+              <a:rPr lang="en-US" altLang="en-US" sz="3200" dirty="0">
                 <a:cs typeface="Calibri" panose="020F0502020204030204" pitchFamily="34" charset="0"/>
               </a:rPr>
               <a:t>than loops.</a:t>
@@ -12760,7 +11743,7 @@
 </p:sld>
 </file>
 
-<file path=ppt/slides/slide22.xml><?xml version="1.0" encoding="utf-8"?>
+<file path=ppt/slides/slide21.xml><?xml version="1.0" encoding="utf-8"?>
 <p:sld xmlns:a="http://schemas.openxmlformats.org/drawingml/2006/main" xmlns:r="http://schemas.openxmlformats.org/officeDocument/2006/relationships" xmlns:p="http://schemas.openxmlformats.org/presentationml/2006/main">
   <p:cSld>
     <p:spTree>
@@ -12798,15 +11781,8 @@
           <a:lstStyle/>
           <a:p>
             <a:r>
-              <a:rPr lang="en-US" altLang="en-US" b="1" smtClean="0"/>
-              <a:t>Testing inside an array:</a:t>
-            </a:r>
-            <a:br>
-              <a:rPr lang="en-US" altLang="en-US" b="1" smtClean="0"/>
-            </a:br>
-            <a:r>
-              <a:rPr lang="en-US" altLang="en-US" b="1" smtClean="0"/>
-              <a:t>Method 1: the OLD way</a:t>
+              <a:rPr lang="en-US" altLang="en-US" b="1" dirty="0"/>
+              <a:t>Testing inside an array</a:t>
             </a:r>
           </a:p>
         </p:txBody>
@@ -12822,7 +11798,7 @@
         <p:spPr bwMode="auto">
           <a:xfrm>
             <a:off x="468313" y="1916113"/>
-            <a:ext cx="8207375" cy="3970337"/>
+            <a:ext cx="8207375" cy="2831544"/>
           </a:xfrm>
           <a:prstGeom prst="rect">
             <a:avLst/>
@@ -12996,17 +11972,17 @@
               <a:defRPr/>
             </a:pPr>
             <a:r>
-              <a:rPr lang="en-US" altLang="en-US" dirty="0" smtClean="0">
+              <a:rPr lang="en-US" altLang="en-US" dirty="0">
                 <a:cs typeface="Calibri" panose="020F0502020204030204" pitchFamily="34" charset="0"/>
               </a:rPr>
               <a:t>Often, you will want to do calculations on an array that involves conditions. For example:</a:t>
             </a:r>
             <a:br>
-              <a:rPr lang="en-US" altLang="en-US" dirty="0" smtClean="0">
+              <a:rPr lang="en-US" altLang="en-US" dirty="0">
                 <a:cs typeface="Calibri" panose="020F0502020204030204" pitchFamily="34" charset="0"/>
               </a:rPr>
             </a:br>
-            <a:endParaRPr lang="en-US" altLang="en-US" sz="1400" dirty="0" smtClean="0">
+            <a:endParaRPr lang="en-US" altLang="en-US" sz="1400" dirty="0">
               <a:cs typeface="Calibri" panose="020F0502020204030204" pitchFamily="34" charset="0"/>
             </a:endParaRPr>
           </a:p>
@@ -13020,77 +11996,25 @@
               <a:defRPr/>
             </a:pPr>
             <a:r>
-              <a:rPr lang="en-US" altLang="en-US" dirty="0" smtClean="0">
-                <a:cs typeface="Calibri" panose="020F0502020204030204" pitchFamily="34" charset="0"/>
-              </a:rPr>
-              <a:t>You have a 2-D array </a:t>
-            </a:r>
-            <a:r>
-              <a:rPr lang="en-US" altLang="en-US" dirty="0" smtClean="0">
-                <a:ea typeface="MS Gothic" pitchFamily="49" charset="-128"/>
-                <a:cs typeface="Calibri" panose="020F0502020204030204" pitchFamily="34" charset="0"/>
-              </a:rPr>
-              <a:t>a </a:t>
-            </a:r>
-            <a:r>
-              <a:rPr lang="en-US" altLang="en-US" dirty="0" smtClean="0">
-                <a:cs typeface="Calibri" panose="020F0502020204030204" pitchFamily="34" charset="0"/>
-              </a:rPr>
-              <a:t>and you want to return an array </a:t>
-            </a:r>
-            <a:r>
-              <a:rPr lang="en-US" altLang="en-US" dirty="0" smtClean="0">
-                <a:ea typeface="MS Gothic" pitchFamily="49" charset="-128"/>
-                <a:cs typeface="Calibri" panose="020F0502020204030204" pitchFamily="34" charset="0"/>
-              </a:rPr>
-              <a:t>answer </a:t>
-            </a:r>
-            <a:r>
-              <a:rPr lang="en-US" altLang="en-US" dirty="0" smtClean="0">
-                <a:cs typeface="Calibri" panose="020F0502020204030204" pitchFamily="34" charset="0"/>
-              </a:rPr>
-              <a:t>which is </a:t>
-            </a:r>
-            <a:r>
-              <a:rPr lang="en-US" altLang="en-US" i="1" dirty="0" smtClean="0">
-                <a:cs typeface="Calibri" panose="020F0502020204030204" pitchFamily="34" charset="0"/>
-              </a:rPr>
-              <a:t>double the value </a:t>
-            </a:r>
-            <a:r>
-              <a:rPr lang="en-US" altLang="en-US" dirty="0" smtClean="0">
-                <a:cs typeface="Calibri" panose="020F0502020204030204" pitchFamily="34" charset="0"/>
-              </a:rPr>
-              <a:t>when the element in </a:t>
-            </a:r>
-            <a:r>
-              <a:rPr lang="en-US" altLang="en-US" dirty="0" smtClean="0">
-                <a:ea typeface="MS Gothic" pitchFamily="49" charset="-128"/>
-                <a:cs typeface="Calibri" panose="020F0502020204030204" pitchFamily="34" charset="0"/>
-              </a:rPr>
-              <a:t>a </a:t>
-            </a:r>
-            <a:r>
-              <a:rPr lang="en-US" altLang="en-US" dirty="0" smtClean="0">
-                <a:cs typeface="Calibri" panose="020F0502020204030204" pitchFamily="34" charset="0"/>
-              </a:rPr>
-              <a:t>is greater than 5 and less than 10, and output zero when it is not. </a:t>
-            </a:r>
-          </a:p>
-          <a:p>
-            <a:pPr marL="0" indent="0" algn="just" eaLnBrk="1" hangingPunct="1">
-              <a:spcBef>
-                <a:spcPts val="1175"/>
-              </a:spcBef>
-              <a:buFontTx/>
-              <a:buNone/>
-              <a:defRPr/>
-            </a:pPr>
-            <a:r>
-              <a:rPr lang="en-US" altLang="en-US" dirty="0" smtClean="0">
-                <a:cs typeface="Calibri" panose="020F0502020204030204" pitchFamily="34" charset="0"/>
-              </a:rPr>
-              <a:t>Here's the code…</a:t>
+              <a:rPr lang="en-US" altLang="en-US" dirty="0">
+                <a:cs typeface="Calibri" panose="020F0502020204030204" pitchFamily="34" charset="0"/>
+              </a:rPr>
+              <a:t>You have a 2-D array and you want to </a:t>
+            </a:r>
+            <a:r>
+              <a:rPr lang="en-US" altLang="en-US" i="1" dirty="0">
+                <a:solidFill>
+                  <a:srgbClr val="FF0000"/>
+                </a:solidFill>
+                <a:cs typeface="Calibri" panose="020F0502020204030204" pitchFamily="34" charset="0"/>
+              </a:rPr>
+              <a:t>double each value </a:t>
+            </a:r>
+            <a:r>
+              <a:rPr lang="en-US" altLang="en-US" dirty="0">
+                <a:cs typeface="Calibri" panose="020F0502020204030204" pitchFamily="34" charset="0"/>
+              </a:rPr>
+              <a:t>when the element is between 5 and 10, and set to zero when it is not. </a:t>
             </a:r>
           </a:p>
         </p:txBody>
@@ -13103,562 +12027,10 @@
   <p:transition>
     <p:cut/>
   </p:transition>
-  <p:timing>
-    <p:tnLst>
-      <p:par>
-        <p:cTn id="1" dur="indefinite" restart="never" nodeType="tmRoot"/>
-      </p:par>
-    </p:tnLst>
-  </p:timing>
 </p:sld>
 </file>
 
-<file path=ppt/slides/slide23.xml><?xml version="1.0" encoding="utf-8"?>
-<p:sld xmlns:a="http://schemas.openxmlformats.org/drawingml/2006/main" xmlns:r="http://schemas.openxmlformats.org/officeDocument/2006/relationships" xmlns:p="http://schemas.openxmlformats.org/presentationml/2006/main">
-  <p:cSld>
-    <p:spTree>
-      <p:nvGrpSpPr>
-        <p:cNvPr id="1" name=""/>
-        <p:cNvGrpSpPr/>
-        <p:nvPr/>
-      </p:nvGrpSpPr>
-      <p:grpSpPr>
-        <a:xfrm>
-          <a:off x="0" y="0"/>
-          <a:ext cx="0" cy="0"/>
-          <a:chOff x="0" y="0"/>
-          <a:chExt cx="0" cy="0"/>
-        </a:xfrm>
-      </p:grpSpPr>
-      <p:sp>
-        <p:nvSpPr>
-          <p:cNvPr id="50178" name="object 2"/>
-          <p:cNvSpPr>
-            <a:spLocks noGrp="1"/>
-          </p:cNvSpPr>
-          <p:nvPr>
-            <p:ph type="title"/>
-          </p:nvPr>
-        </p:nvSpPr>
-        <p:spPr>
-          <a:xfrm>
-            <a:off x="457200" y="168275"/>
-            <a:ext cx="8229600" cy="1355725"/>
-          </a:xfrm>
-        </p:spPr>
-        <p:txBody>
-          <a:bodyPr/>
-          <a:lstStyle/>
-          <a:p>
-            <a:r>
-              <a:rPr lang="en-US" altLang="en-US" b="1" smtClean="0"/>
-              <a:t>Testing inside an array:</a:t>
-            </a:r>
-            <a:br>
-              <a:rPr lang="en-US" altLang="en-US" b="1" smtClean="0"/>
-            </a:br>
-            <a:r>
-              <a:rPr lang="en-US" altLang="en-US" b="1" smtClean="0"/>
-              <a:t>Method 1: the OLD way</a:t>
-            </a:r>
-          </a:p>
-        </p:txBody>
-      </p:sp>
-      <p:sp>
-        <p:nvSpPr>
-          <p:cNvPr id="50179" name="object 4"/>
-          <p:cNvSpPr txBox="1">
-            <a:spLocks noChangeArrowheads="1"/>
-          </p:cNvSpPr>
-          <p:nvPr/>
-        </p:nvSpPr>
-        <p:spPr bwMode="auto">
-          <a:xfrm>
-            <a:off x="179388" y="1989138"/>
-            <a:ext cx="8785225" cy="2979737"/>
-          </a:xfrm>
-          <a:prstGeom prst="rect">
-            <a:avLst/>
-          </a:prstGeom>
-          <a:noFill/>
-          <a:ln>
-            <a:noFill/>
-          </a:ln>
-          <a:extLst>
-            <a:ext uri="{909E8E84-426E-40DD-AFC4-6F175D3DCCD1}">
-              <a14:hiddenFill xmlns:a14="http://schemas.microsoft.com/office/drawing/2010/main">
-                <a:solidFill>
-                  <a:srgbClr val="FFFFFF"/>
-                </a:solidFill>
-              </a14:hiddenFill>
-            </a:ext>
-            <a:ext uri="{91240B29-F687-4F45-9708-019B960494DF}">
-              <a14:hiddenLine xmlns:a14="http://schemas.microsoft.com/office/drawing/2010/main" w="5054">
-                <a:solidFill>
-                  <a:srgbClr val="000000"/>
-                </a:solidFill>
-                <a:miter lim="800000"/>
-                <a:headEnd/>
-                <a:tailEnd/>
-              </a14:hiddenLine>
-            </a:ext>
-          </a:extLst>
-        </p:spPr>
-        <p:txBody>
-          <a:bodyPr lIns="0" tIns="0" rIns="0" bIns="0">
-            <a:spAutoFit/>
-          </a:bodyPr>
-          <a:lstStyle>
-            <a:lvl1pPr>
-              <a:lnSpc>
-                <a:spcPct val="90000"/>
-              </a:lnSpc>
-              <a:spcBef>
-                <a:spcPts val="1000"/>
-              </a:spcBef>
-              <a:buFont typeface="Arial" panose="020B0604020202020204" pitchFamily="34" charset="0"/>
-              <a:buChar char="•"/>
-              <a:defRPr sz="2400">
-                <a:solidFill>
-                  <a:schemeClr val="tx1"/>
-                </a:solidFill>
-                <a:latin typeface="Calibri" panose="020F0502020204030204" pitchFamily="34" charset="0"/>
-              </a:defRPr>
-            </a:lvl1pPr>
-            <a:lvl2pPr marL="742950" indent="-285750">
-              <a:lnSpc>
-                <a:spcPct val="90000"/>
-              </a:lnSpc>
-              <a:spcBef>
-                <a:spcPts val="500"/>
-              </a:spcBef>
-              <a:buFont typeface="Arial" panose="020B0604020202020204" pitchFamily="34" charset="0"/>
-              <a:buChar char="•"/>
-              <a:defRPr sz="2000">
-                <a:solidFill>
-                  <a:schemeClr val="tx1"/>
-                </a:solidFill>
-                <a:latin typeface="Calibri" panose="020F0502020204030204" pitchFamily="34" charset="0"/>
-              </a:defRPr>
-            </a:lvl2pPr>
-            <a:lvl3pPr marL="1143000" indent="-228600">
-              <a:lnSpc>
-                <a:spcPct val="90000"/>
-              </a:lnSpc>
-              <a:spcBef>
-                <a:spcPts val="500"/>
-              </a:spcBef>
-              <a:buFont typeface="Arial" panose="020B0604020202020204" pitchFamily="34" charset="0"/>
-              <a:buChar char="•"/>
-              <a:defRPr>
-                <a:solidFill>
-                  <a:schemeClr val="tx1"/>
-                </a:solidFill>
-                <a:latin typeface="Calibri" panose="020F0502020204030204" pitchFamily="34" charset="0"/>
-              </a:defRPr>
-            </a:lvl3pPr>
-            <a:lvl4pPr marL="1600200" indent="-228600">
-              <a:lnSpc>
-                <a:spcPct val="90000"/>
-              </a:lnSpc>
-              <a:spcBef>
-                <a:spcPts val="500"/>
-              </a:spcBef>
-              <a:buFont typeface="Arial" panose="020B0604020202020204" pitchFamily="34" charset="0"/>
-              <a:buChar char="•"/>
-              <a:defRPr sz="1600">
-                <a:solidFill>
-                  <a:schemeClr val="tx1"/>
-                </a:solidFill>
-                <a:latin typeface="Calibri" panose="020F0502020204030204" pitchFamily="34" charset="0"/>
-              </a:defRPr>
-            </a:lvl4pPr>
-            <a:lvl5pPr marL="2057400" indent="-228600">
-              <a:lnSpc>
-                <a:spcPct val="90000"/>
-              </a:lnSpc>
-              <a:spcBef>
-                <a:spcPts val="500"/>
-              </a:spcBef>
-              <a:buFont typeface="Arial" panose="020B0604020202020204" pitchFamily="34" charset="0"/>
-              <a:buChar char="•"/>
-              <a:defRPr sz="1600">
-                <a:solidFill>
-                  <a:schemeClr val="tx1"/>
-                </a:solidFill>
-                <a:latin typeface="Calibri" panose="020F0502020204030204" pitchFamily="34" charset="0"/>
-              </a:defRPr>
-            </a:lvl5pPr>
-            <a:lvl6pPr marL="2514600" indent="-228600" fontAlgn="base">
-              <a:lnSpc>
-                <a:spcPct val="90000"/>
-              </a:lnSpc>
-              <a:spcBef>
-                <a:spcPts val="500"/>
-              </a:spcBef>
-              <a:spcAft>
-                <a:spcPct val="0"/>
-              </a:spcAft>
-              <a:buFont typeface="Arial" panose="020B0604020202020204" pitchFamily="34" charset="0"/>
-              <a:buChar char="•"/>
-              <a:defRPr sz="1600">
-                <a:solidFill>
-                  <a:schemeClr val="tx1"/>
-                </a:solidFill>
-                <a:latin typeface="Calibri" panose="020F0502020204030204" pitchFamily="34" charset="0"/>
-              </a:defRPr>
-            </a:lvl6pPr>
-            <a:lvl7pPr marL="2971800" indent="-228600" fontAlgn="base">
-              <a:lnSpc>
-                <a:spcPct val="90000"/>
-              </a:lnSpc>
-              <a:spcBef>
-                <a:spcPts val="500"/>
-              </a:spcBef>
-              <a:spcAft>
-                <a:spcPct val="0"/>
-              </a:spcAft>
-              <a:buFont typeface="Arial" panose="020B0604020202020204" pitchFamily="34" charset="0"/>
-              <a:buChar char="•"/>
-              <a:defRPr sz="1600">
-                <a:solidFill>
-                  <a:schemeClr val="tx1"/>
-                </a:solidFill>
-                <a:latin typeface="Calibri" panose="020F0502020204030204" pitchFamily="34" charset="0"/>
-              </a:defRPr>
-            </a:lvl7pPr>
-            <a:lvl8pPr marL="3429000" indent="-228600" fontAlgn="base">
-              <a:lnSpc>
-                <a:spcPct val="90000"/>
-              </a:lnSpc>
-              <a:spcBef>
-                <a:spcPts val="500"/>
-              </a:spcBef>
-              <a:spcAft>
-                <a:spcPct val="0"/>
-              </a:spcAft>
-              <a:buFont typeface="Arial" panose="020B0604020202020204" pitchFamily="34" charset="0"/>
-              <a:buChar char="•"/>
-              <a:defRPr sz="1600">
-                <a:solidFill>
-                  <a:schemeClr val="tx1"/>
-                </a:solidFill>
-                <a:latin typeface="Calibri" panose="020F0502020204030204" pitchFamily="34" charset="0"/>
-              </a:defRPr>
-            </a:lvl8pPr>
-            <a:lvl9pPr marL="3886200" indent="-228600" fontAlgn="base">
-              <a:lnSpc>
-                <a:spcPct val="90000"/>
-              </a:lnSpc>
-              <a:spcBef>
-                <a:spcPts val="500"/>
-              </a:spcBef>
-              <a:spcAft>
-                <a:spcPct val="0"/>
-              </a:spcAft>
-              <a:buFont typeface="Arial" panose="020B0604020202020204" pitchFamily="34" charset="0"/>
-              <a:buChar char="•"/>
-              <a:defRPr sz="1600">
-                <a:solidFill>
-                  <a:schemeClr val="tx1"/>
-                </a:solidFill>
-                <a:latin typeface="Calibri" panose="020F0502020204030204" pitchFamily="34" charset="0"/>
-              </a:defRPr>
-            </a:lvl9pPr>
-          </a:lstStyle>
-          <a:p>
-            <a:pPr eaLnBrk="1" hangingPunct="1">
-              <a:lnSpc>
-                <a:spcPct val="100000"/>
-              </a:lnSpc>
-              <a:spcBef>
-                <a:spcPct val="0"/>
-              </a:spcBef>
-              <a:buFontTx/>
-              <a:buNone/>
-            </a:pPr>
-            <a:r>
-              <a:rPr lang="en-US" altLang="en-US">
-                <a:latin typeface="Courier New" panose="02070309020205020404" pitchFamily="49" charset="0"/>
-                <a:cs typeface="Courier New" panose="02070309020205020404" pitchFamily="49" charset="0"/>
-              </a:rPr>
-              <a:t>answer = np.zeros(np.shape(a), dtype=np.float64) </a:t>
-            </a:r>
-            <a:endParaRPr lang="en-GB" altLang="en-US">
-              <a:latin typeface="Courier New" panose="02070309020205020404" pitchFamily="49" charset="0"/>
-              <a:cs typeface="Courier New" panose="02070309020205020404" pitchFamily="49" charset="0"/>
-            </a:endParaRPr>
-          </a:p>
-          <a:p>
-            <a:pPr eaLnBrk="1" hangingPunct="1">
-              <a:lnSpc>
-                <a:spcPct val="100000"/>
-              </a:lnSpc>
-              <a:spcBef>
-                <a:spcPct val="0"/>
-              </a:spcBef>
-              <a:buFontTx/>
-              <a:buNone/>
-            </a:pPr>
-            <a:endParaRPr lang="en-GB" altLang="en-US">
-              <a:latin typeface="Courier New" panose="02070309020205020404" pitchFamily="49" charset="0"/>
-              <a:cs typeface="Courier New" panose="02070309020205020404" pitchFamily="49" charset="0"/>
-            </a:endParaRPr>
-          </a:p>
-          <a:p>
-            <a:pPr eaLnBrk="1" hangingPunct="1">
-              <a:lnSpc>
-                <a:spcPct val="100000"/>
-              </a:lnSpc>
-              <a:spcBef>
-                <a:spcPct val="0"/>
-              </a:spcBef>
-              <a:buFontTx/>
-              <a:buNone/>
-            </a:pPr>
-            <a:r>
-              <a:rPr lang="en-US" altLang="en-US" b="1">
-                <a:latin typeface="Courier New" panose="02070309020205020404" pitchFamily="49" charset="0"/>
-                <a:cs typeface="Courier New" panose="02070309020205020404" pitchFamily="49" charset="0"/>
-              </a:rPr>
-              <a:t>for</a:t>
-            </a:r>
-            <a:r>
-              <a:rPr lang="en-US" altLang="en-US">
-                <a:latin typeface="Courier New" panose="02070309020205020404" pitchFamily="49" charset="0"/>
-                <a:cs typeface="Courier New" panose="02070309020205020404" pitchFamily="49" charset="0"/>
-              </a:rPr>
-              <a:t> i </a:t>
-            </a:r>
-            <a:r>
-              <a:rPr lang="en-US" altLang="en-US" b="1">
-                <a:latin typeface="Courier New" panose="02070309020205020404" pitchFamily="49" charset="0"/>
-                <a:cs typeface="Courier New" panose="02070309020205020404" pitchFamily="49" charset="0"/>
-              </a:rPr>
-              <a:t>in</a:t>
-            </a:r>
-            <a:r>
-              <a:rPr lang="en-US" altLang="en-US">
-                <a:latin typeface="Courier New" panose="02070309020205020404" pitchFamily="49" charset="0"/>
-                <a:cs typeface="Courier New" panose="02070309020205020404" pitchFamily="49" charset="0"/>
-              </a:rPr>
-              <a:t> range(np.shape(a)[0]):</a:t>
-            </a:r>
-          </a:p>
-          <a:p>
-            <a:pPr eaLnBrk="1" hangingPunct="1">
-              <a:lnSpc>
-                <a:spcPct val="100000"/>
-              </a:lnSpc>
-              <a:spcBef>
-                <a:spcPct val="0"/>
-              </a:spcBef>
-              <a:buFontTx/>
-              <a:buNone/>
-            </a:pPr>
-            <a:r>
-              <a:rPr lang="en-GB" altLang="en-US">
-                <a:latin typeface="Courier New" panose="02070309020205020404" pitchFamily="49" charset="0"/>
-                <a:cs typeface="Courier New" panose="02070309020205020404" pitchFamily="49" charset="0"/>
-              </a:rPr>
-              <a:t>    </a:t>
-            </a:r>
-            <a:r>
-              <a:rPr lang="en-US" altLang="en-US" b="1">
-                <a:latin typeface="Courier New" panose="02070309020205020404" pitchFamily="49" charset="0"/>
-                <a:cs typeface="Courier New" panose="02070309020205020404" pitchFamily="49" charset="0"/>
-              </a:rPr>
-              <a:t>for</a:t>
-            </a:r>
-            <a:r>
-              <a:rPr lang="en-US" altLang="en-US">
-                <a:latin typeface="Courier New" panose="02070309020205020404" pitchFamily="49" charset="0"/>
-                <a:cs typeface="Courier New" panose="02070309020205020404" pitchFamily="49" charset="0"/>
-              </a:rPr>
-              <a:t> j </a:t>
-            </a:r>
-            <a:r>
-              <a:rPr lang="en-US" altLang="en-US" b="1">
-                <a:latin typeface="Courier New" panose="02070309020205020404" pitchFamily="49" charset="0"/>
-                <a:cs typeface="Courier New" panose="02070309020205020404" pitchFamily="49" charset="0"/>
-              </a:rPr>
-              <a:t>in</a:t>
-            </a:r>
-            <a:r>
-              <a:rPr lang="en-US" altLang="en-US">
-                <a:latin typeface="Courier New" panose="02070309020205020404" pitchFamily="49" charset="0"/>
-                <a:cs typeface="Courier New" panose="02070309020205020404" pitchFamily="49" charset="0"/>
-              </a:rPr>
-              <a:t> range(np.shape(a)[1]):</a:t>
-            </a:r>
-          </a:p>
-          <a:p>
-            <a:pPr eaLnBrk="1" hangingPunct="1">
-              <a:lnSpc>
-                <a:spcPct val="100000"/>
-              </a:lnSpc>
-              <a:spcBef>
-                <a:spcPct val="0"/>
-              </a:spcBef>
-              <a:buFontTx/>
-              <a:buNone/>
-            </a:pPr>
-            <a:r>
-              <a:rPr lang="en-GB" altLang="en-US">
-                <a:latin typeface="Courier New" panose="02070309020205020404" pitchFamily="49" charset="0"/>
-                <a:cs typeface="Courier New" panose="02070309020205020404" pitchFamily="49" charset="0"/>
-              </a:rPr>
-              <a:t>        </a:t>
-            </a:r>
-            <a:r>
-              <a:rPr lang="en-US" altLang="en-US" b="1">
-                <a:latin typeface="Courier New" panose="02070309020205020404" pitchFamily="49" charset="0"/>
-                <a:cs typeface="Courier New" panose="02070309020205020404" pitchFamily="49" charset="0"/>
-              </a:rPr>
-              <a:t>if</a:t>
-            </a:r>
-            <a:r>
-              <a:rPr lang="en-US" altLang="en-US">
-                <a:latin typeface="Courier New" panose="02070309020205020404" pitchFamily="49" charset="0"/>
-                <a:cs typeface="Courier New" panose="02070309020205020404" pitchFamily="49" charset="0"/>
-              </a:rPr>
-              <a:t> (a[i,j] &gt; 5) </a:t>
-            </a:r>
-            <a:r>
-              <a:rPr lang="en-US" altLang="en-US" b="1">
-                <a:latin typeface="Courier New" panose="02070309020205020404" pitchFamily="49" charset="0"/>
-                <a:cs typeface="Courier New" panose="02070309020205020404" pitchFamily="49" charset="0"/>
-              </a:rPr>
-              <a:t>and</a:t>
-            </a:r>
-            <a:r>
-              <a:rPr lang="en-US" altLang="en-US">
-                <a:latin typeface="Courier New" panose="02070309020205020404" pitchFamily="49" charset="0"/>
-                <a:cs typeface="Courier New" panose="02070309020205020404" pitchFamily="49" charset="0"/>
-              </a:rPr>
-              <a:t> (a[i,j] &lt; 10):</a:t>
-            </a:r>
-          </a:p>
-          <a:p>
-            <a:pPr eaLnBrk="1" hangingPunct="1">
-              <a:lnSpc>
-                <a:spcPct val="100000"/>
-              </a:lnSpc>
-              <a:spcBef>
-                <a:spcPts val="75"/>
-              </a:spcBef>
-              <a:buFontTx/>
-              <a:buNone/>
-            </a:pPr>
-            <a:r>
-              <a:rPr lang="en-GB" altLang="en-US">
-                <a:latin typeface="Courier New" panose="02070309020205020404" pitchFamily="49" charset="0"/>
-                <a:cs typeface="Courier New" panose="02070309020205020404" pitchFamily="49" charset="0"/>
-              </a:rPr>
-              <a:t>            </a:t>
-            </a:r>
-            <a:r>
-              <a:rPr lang="en-US" altLang="en-US">
-                <a:latin typeface="Courier New" panose="02070309020205020404" pitchFamily="49" charset="0"/>
-                <a:cs typeface="Courier New" panose="02070309020205020404" pitchFamily="49" charset="0"/>
-              </a:rPr>
-              <a:t>answer[i,j] = a[i,j] * 2 </a:t>
-            </a:r>
-            <a:endParaRPr lang="en-GB" altLang="en-US">
-              <a:latin typeface="Courier New" panose="02070309020205020404" pitchFamily="49" charset="0"/>
-              <a:cs typeface="Courier New" panose="02070309020205020404" pitchFamily="49" charset="0"/>
-            </a:endParaRPr>
-          </a:p>
-          <a:p>
-            <a:pPr eaLnBrk="1" hangingPunct="1">
-              <a:lnSpc>
-                <a:spcPct val="100000"/>
-              </a:lnSpc>
-              <a:spcBef>
-                <a:spcPts val="75"/>
-              </a:spcBef>
-              <a:buFontTx/>
-              <a:buNone/>
-            </a:pPr>
-            <a:r>
-              <a:rPr lang="en-GB" altLang="en-US">
-                <a:latin typeface="Courier New" panose="02070309020205020404" pitchFamily="49" charset="0"/>
-                <a:cs typeface="Courier New" panose="02070309020205020404" pitchFamily="49" charset="0"/>
-              </a:rPr>
-              <a:t>        </a:t>
-            </a:r>
-            <a:r>
-              <a:rPr lang="en-US" altLang="en-US" b="1">
-                <a:latin typeface="Courier New" panose="02070309020205020404" pitchFamily="49" charset="0"/>
-                <a:cs typeface="Courier New" panose="02070309020205020404" pitchFamily="49" charset="0"/>
-              </a:rPr>
-              <a:t>else</a:t>
-            </a:r>
-            <a:r>
-              <a:rPr lang="en-US" altLang="en-US">
-                <a:latin typeface="Courier New" panose="02070309020205020404" pitchFamily="49" charset="0"/>
-                <a:cs typeface="Courier New" panose="02070309020205020404" pitchFamily="49" charset="0"/>
-              </a:rPr>
-              <a:t>:</a:t>
-            </a:r>
-          </a:p>
-          <a:p>
-            <a:pPr eaLnBrk="1" hangingPunct="1">
-              <a:lnSpc>
-                <a:spcPct val="100000"/>
-              </a:lnSpc>
-              <a:spcBef>
-                <a:spcPct val="0"/>
-              </a:spcBef>
-              <a:buFontTx/>
-              <a:buNone/>
-            </a:pPr>
-            <a:r>
-              <a:rPr lang="en-GB" altLang="en-US">
-                <a:latin typeface="Courier New" panose="02070309020205020404" pitchFamily="49" charset="0"/>
-                <a:cs typeface="Courier New" panose="02070309020205020404" pitchFamily="49" charset="0"/>
-              </a:rPr>
-              <a:t>            </a:t>
-            </a:r>
-            <a:r>
-              <a:rPr lang="en-US" altLang="en-US">
-                <a:latin typeface="Courier New" panose="02070309020205020404" pitchFamily="49" charset="0"/>
-                <a:cs typeface="Courier New" panose="02070309020205020404" pitchFamily="49" charset="0"/>
-              </a:rPr>
-              <a:t>pass </a:t>
-            </a:r>
-            <a:r>
-              <a:rPr lang="en-US" altLang="en-US">
-                <a:solidFill>
-                  <a:schemeClr val="accent2"/>
-                </a:solidFill>
-                <a:latin typeface="Courier New" panose="02070309020205020404" pitchFamily="49" charset="0"/>
-                <a:cs typeface="Courier New" panose="02070309020205020404" pitchFamily="49" charset="0"/>
-              </a:rPr>
-              <a:t># i.e. do nothing</a:t>
-            </a:r>
-          </a:p>
-        </p:txBody>
-      </p:sp>
-    </p:spTree>
-  </p:cSld>
-  <p:clrMapOvr>
-    <a:masterClrMapping/>
-  </p:clrMapOvr>
-  <p:transition>
-    <p:cut/>
-  </p:transition>
-  <p:timing>
-    <p:tnLst>
-      <p:par>
-        <p:cTn id="1" dur="indefinite" restart="never" nodeType="tmRoot"/>
-      </p:par>
-    </p:tnLst>
-  </p:timing>
-</p:sld>
-</file>
-
-<file path=ppt/slides/slide24.xml><?xml version="1.0" encoding="utf-8"?>
+<file path=ppt/slides/slide22.xml><?xml version="1.0" encoding="utf-8"?>
 <p:sld xmlns:a="http://schemas.openxmlformats.org/drawingml/2006/main" xmlns:r="http://schemas.openxmlformats.org/officeDocument/2006/relationships" xmlns:p="http://schemas.openxmlformats.org/presentationml/2006/main">
   <p:cSld>
     <p:spTree>
@@ -13696,15 +12068,8 @@
           <a:lstStyle/>
           <a:p>
             <a:r>
-              <a:rPr lang="en-US" altLang="en-US" b="1" smtClean="0"/>
+              <a:rPr lang="en-US" altLang="en-US" b="1" dirty="0"/>
               <a:t>Testing inside an array</a:t>
-            </a:r>
-            <a:br>
-              <a:rPr lang="en-US" altLang="en-US" b="1" smtClean="0"/>
-            </a:br>
-            <a:r>
-              <a:rPr lang="en-US" altLang="en-US" b="1" smtClean="0"/>
-              <a:t>Method 2: array syntax</a:t>
             </a:r>
           </a:p>
         </p:txBody>
@@ -14250,17 +12615,10 @@
   <p:transition>
     <p:cut/>
   </p:transition>
-  <p:timing>
-    <p:tnLst>
-      <p:par>
-        <p:cTn id="1" dur="indefinite" restart="never" nodeType="tmRoot"/>
-      </p:par>
-    </p:tnLst>
-  </p:timing>
 </p:sld>
 </file>
 
-<file path=ppt/slides/slide25.xml><?xml version="1.0" encoding="utf-8"?>
+<file path=ppt/slides/slide23.xml><?xml version="1.0" encoding="utf-8"?>
 <p:sld xmlns:a="http://schemas.openxmlformats.org/drawingml/2006/main" xmlns:r="http://schemas.openxmlformats.org/officeDocument/2006/relationships" xmlns:p="http://schemas.openxmlformats.org/presentationml/2006/main">
   <p:cSld>
     <p:spTree>
@@ -14298,8 +12656,8 @@
           <a:lstStyle/>
           <a:p>
             <a:r>
-              <a:rPr lang="en-US" altLang="en-US" b="1" smtClean="0"/>
-              <a:t>Testing inside an array—Method 2 (array syntax) II</a:t>
+              <a:rPr lang="en-US" altLang="en-US" b="1" dirty="0"/>
+              <a:t>Testing inside an array</a:t>
             </a:r>
           </a:p>
         </p:txBody>
@@ -14518,13 +12876,13 @@
               <a:buNone/>
             </a:pPr>
             <a:r>
-              <a:rPr lang="en-US" altLang="en-US" sz="2800">
+              <a:rPr lang="en-US" altLang="en-US" sz="2800" dirty="0">
                 <a:cs typeface="Calibri" panose="020F0502020204030204" pitchFamily="34" charset="0"/>
               </a:rPr>
               <a:t>The </a:t>
             </a:r>
             <a:r>
-              <a:rPr lang="en-US" altLang="en-US" sz="2800">
+              <a:rPr lang="en-US" altLang="en-US" sz="2800" dirty="0">
                 <a:latin typeface="Courier New" panose="02070309020205020404" pitchFamily="49" charset="0"/>
                 <a:ea typeface="MS Gothic" panose="020B0609070205080204" pitchFamily="49" charset="-128"/>
                 <a:cs typeface="Courier New" panose="02070309020205020404" pitchFamily="49" charset="0"/>
@@ -14532,7 +12890,7 @@
               <a:t>where</a:t>
             </a:r>
             <a:r>
-              <a:rPr lang="en-US" altLang="en-US" sz="2800">
+              <a:rPr lang="en-US" altLang="en-US" sz="2800" dirty="0">
                 <a:latin typeface="MS Gothic" panose="020B0609070205080204" pitchFamily="49" charset="-128"/>
                 <a:ea typeface="MS Gothic" panose="020B0609070205080204" pitchFamily="49" charset="-128"/>
                 <a:cs typeface="Calibri" panose="020F0502020204030204" pitchFamily="34" charset="0"/>
@@ -14540,18 +12898,18 @@
               <a:t> </a:t>
             </a:r>
             <a:r>
-              <a:rPr lang="en-US" altLang="en-US" sz="2800">
+              <a:rPr lang="en-US" altLang="en-US" sz="2800" dirty="0">
                 <a:cs typeface="Calibri" panose="020F0502020204030204" pitchFamily="34" charset="0"/>
               </a:rPr>
               <a:t>function tests any condition and applies operations for true and false cases,</a:t>
             </a:r>
             <a:br>
-              <a:rPr lang="en-US" altLang="en-US" sz="2800">
+              <a:rPr lang="en-US" altLang="en-US" sz="2800" dirty="0">
                 <a:cs typeface="Calibri" panose="020F0502020204030204" pitchFamily="34" charset="0"/>
               </a:rPr>
             </a:br>
             <a:r>
-              <a:rPr lang="en-US" altLang="en-US" sz="2800">
+              <a:rPr lang="en-US" altLang="en-US" sz="2800" dirty="0">
                 <a:cs typeface="Calibri" panose="020F0502020204030204" pitchFamily="34" charset="0"/>
               </a:rPr>
               <a:t>as specified, on an element-wise basis.</a:t>
@@ -14568,7 +12926,7 @@
               <a:buFontTx/>
               <a:buNone/>
             </a:pPr>
-            <a:endParaRPr lang="en-US" altLang="en-US" sz="2800">
+            <a:endParaRPr lang="en-US" altLang="en-US" sz="2800" dirty="0">
               <a:cs typeface="Calibri" panose="020F0502020204030204" pitchFamily="34" charset="0"/>
             </a:endParaRPr>
           </a:p>
@@ -14584,19 +12942,19 @@
               <a:buNone/>
             </a:pPr>
             <a:r>
-              <a:rPr lang="en-US" altLang="en-US" sz="2800">
-                <a:cs typeface="Calibri" panose="020F0502020204030204" pitchFamily="34" charset="0"/>
-              </a:rPr>
-              <a:t>For instance, consider the following case</a:t>
-            </a:r>
-            <a:r>
-              <a:rPr lang="en-US" altLang="en-US">
+              <a:rPr lang="en-US" altLang="en-US" sz="2800" dirty="0">
+                <a:cs typeface="Calibri" panose="020F0502020204030204" pitchFamily="34" charset="0"/>
+              </a:rPr>
+              <a:t>Our use case can be coded</a:t>
+            </a:r>
+            <a:r>
+              <a:rPr lang="en-US" altLang="en-US" dirty="0">
                 <a:latin typeface="Courier New" panose="02070309020205020404" pitchFamily="49" charset="0"/>
                 <a:cs typeface="Courier New" panose="02070309020205020404" pitchFamily="49" charset="0"/>
               </a:rPr>
               <a:t>:</a:t>
             </a:r>
-            <a:endParaRPr lang="en-US" altLang="en-US" sz="2800">
+            <a:endParaRPr lang="en-US" altLang="en-US" sz="2800" dirty="0">
               <a:latin typeface="Courier New" panose="02070309020205020404" pitchFamily="49" charset="0"/>
               <a:cs typeface="Courier New" panose="02070309020205020404" pitchFamily="49" charset="0"/>
             </a:endParaRPr>
@@ -14817,11 +13175,25 @@
               <a:buNone/>
             </a:pPr>
             <a:r>
-              <a:rPr lang="en-US" altLang="en-US">
-                <a:latin typeface="Courier New" panose="02070309020205020404" pitchFamily="49" charset="0"/>
-                <a:cs typeface="Courier New" panose="02070309020205020404" pitchFamily="49" charset="0"/>
-              </a:rPr>
-              <a:t>condition = np.logical_and(a &gt; 5, a &lt; 10)</a:t>
+              <a:rPr lang="en-US" altLang="en-US" dirty="0">
+                <a:latin typeface="Courier New" panose="02070309020205020404" pitchFamily="49" charset="0"/>
+                <a:cs typeface="Courier New" panose="02070309020205020404" pitchFamily="49" charset="0"/>
+              </a:rPr>
+              <a:t>condition = </a:t>
+            </a:r>
+            <a:r>
+              <a:rPr lang="en-US" altLang="en-US" dirty="0" err="1">
+                <a:latin typeface="Courier New" panose="02070309020205020404" pitchFamily="49" charset="0"/>
+                <a:cs typeface="Courier New" panose="02070309020205020404" pitchFamily="49" charset="0"/>
+              </a:rPr>
+              <a:t>np.logical_and</a:t>
+            </a:r>
+            <a:r>
+              <a:rPr lang="en-US" altLang="en-US" dirty="0">
+                <a:latin typeface="Courier New" panose="02070309020205020404" pitchFamily="49" charset="0"/>
+                <a:cs typeface="Courier New" panose="02070309020205020404" pitchFamily="49" charset="0"/>
+              </a:rPr>
+              <a:t>(a &gt; 5, a &lt; 10)</a:t>
             </a:r>
           </a:p>
           <a:p>
@@ -14836,13 +13208,13 @@
               <a:buNone/>
             </a:pPr>
             <a:r>
-              <a:rPr lang="en-US" altLang="en-US">
+              <a:rPr lang="en-US" altLang="en-US" dirty="0">
                 <a:latin typeface="Courier New" panose="02070309020205020404" pitchFamily="49" charset="0"/>
                 <a:cs typeface="Courier New" panose="02070309020205020404" pitchFamily="49" charset="0"/>
               </a:rPr>
               <a:t> </a:t>
             </a:r>
-            <a:endParaRPr lang="en-GB" altLang="en-US">
+            <a:endParaRPr lang="en-GB" altLang="en-US" dirty="0">
               <a:latin typeface="Courier New" panose="02070309020205020404" pitchFamily="49" charset="0"/>
               <a:cs typeface="Courier New" panose="02070309020205020404" pitchFamily="49" charset="0"/>
             </a:endParaRPr>
@@ -14859,11 +13231,25 @@
               <a:buNone/>
             </a:pPr>
             <a:r>
-              <a:rPr lang="en-US" altLang="en-US">
-                <a:latin typeface="Courier New" panose="02070309020205020404" pitchFamily="49" charset="0"/>
-                <a:cs typeface="Courier New" panose="02070309020205020404" pitchFamily="49" charset="0"/>
-              </a:rPr>
-              <a:t>answer = np.where(condition, a * 2, 0)</a:t>
+              <a:rPr lang="en-US" altLang="en-US" dirty="0">
+                <a:latin typeface="Courier New" panose="02070309020205020404" pitchFamily="49" charset="0"/>
+                <a:cs typeface="Courier New" panose="02070309020205020404" pitchFamily="49" charset="0"/>
+              </a:rPr>
+              <a:t>answer = </a:t>
+            </a:r>
+            <a:r>
+              <a:rPr lang="en-US" altLang="en-US" dirty="0" err="1">
+                <a:latin typeface="Courier New" panose="02070309020205020404" pitchFamily="49" charset="0"/>
+                <a:cs typeface="Courier New" panose="02070309020205020404" pitchFamily="49" charset="0"/>
+              </a:rPr>
+              <a:t>np.where</a:t>
+            </a:r>
+            <a:r>
+              <a:rPr lang="en-US" altLang="en-US" dirty="0">
+                <a:latin typeface="Courier New" panose="02070309020205020404" pitchFamily="49" charset="0"/>
+                <a:cs typeface="Courier New" panose="02070309020205020404" pitchFamily="49" charset="0"/>
+              </a:rPr>
+              <a:t>(condition, a * 2, 0)</a:t>
             </a:r>
           </a:p>
         </p:txBody>
@@ -14876,17 +13262,10 @@
   <p:transition>
     <p:cut/>
   </p:transition>
-  <p:timing>
-    <p:tnLst>
-      <p:par>
-        <p:cTn id="1" dur="indefinite" restart="never" nodeType="tmRoot"/>
-      </p:par>
-    </p:tnLst>
-  </p:timing>
 </p:sld>
 </file>
 
-<file path=ppt/slides/slide26.xml><?xml version="1.0" encoding="utf-8"?>
+<file path=ppt/slides/slide24.xml><?xml version="1.0" encoding="utf-8"?>
 <p:sld xmlns:a="http://schemas.openxmlformats.org/drawingml/2006/main" xmlns:r="http://schemas.openxmlformats.org/officeDocument/2006/relationships" xmlns:p="http://schemas.openxmlformats.org/presentationml/2006/main">
   <p:cSld>
     <p:spTree>
@@ -14924,8 +13303,8 @@
           <a:lstStyle/>
           <a:p>
             <a:r>
-              <a:rPr lang="en-US" altLang="en-US" b="1" smtClean="0"/>
-              <a:t>Testing inside an array—Method 2 (array syntax) II</a:t>
+              <a:rPr lang="en-US" altLang="en-US" b="1" dirty="0"/>
+              <a:t>Testing inside an array</a:t>
             </a:r>
           </a:p>
         </p:txBody>
@@ -14941,7 +13320,7 @@
         <p:spPr bwMode="auto">
           <a:xfrm>
             <a:off x="468313" y="1700213"/>
-            <a:ext cx="8424862" cy="4252912"/>
+            <a:ext cx="8424862" cy="3789884"/>
           </a:xfrm>
           <a:prstGeom prst="rect">
             <a:avLst/>
@@ -15118,10 +13497,10 @@
               <a:defRPr/>
             </a:pPr>
             <a:r>
-              <a:rPr lang="en-US" altLang="en-US" dirty="0" smtClean="0">
-                <a:cs typeface="Calibri" panose="020F0502020204030204" pitchFamily="34" charset="0"/>
-              </a:rPr>
-              <a:t>The above code implements the example we saw previously:</a:t>
+              <a:rPr lang="en-US" altLang="en-US" dirty="0">
+                <a:cs typeface="Calibri" panose="020F0502020204030204" pitchFamily="34" charset="0"/>
+              </a:rPr>
+              <a:t>The code implements the example we saw previously:</a:t>
             </a:r>
           </a:p>
           <a:p>
@@ -15135,13 +13514,13 @@
               <a:defRPr/>
             </a:pPr>
             <a:r>
-              <a:rPr lang="en-US" altLang="en-US" dirty="0" smtClean="0">
-                <a:cs typeface="Calibri" panose="020F0502020204030204" pitchFamily="34" charset="0"/>
-              </a:rPr>
-              <a:t> say you have a 2-D array </a:t>
-            </a:r>
-            <a:r>
-              <a:rPr lang="en-US" altLang="en-US" dirty="0" smtClean="0">
+              <a:rPr lang="en-US" altLang="en-US" dirty="0">
+                <a:cs typeface="Calibri" panose="020F0502020204030204" pitchFamily="34" charset="0"/>
+              </a:rPr>
+              <a:t> you have a 2-D array </a:t>
+            </a:r>
+            <a:r>
+              <a:rPr lang="en-US" altLang="en-US" dirty="0">
                 <a:latin typeface="Courier New" panose="02070309020205020404" pitchFamily="49" charset="0"/>
                 <a:ea typeface="MS Gothic" pitchFamily="49" charset="-128"/>
                 <a:cs typeface="Courier New" panose="02070309020205020404" pitchFamily="49" charset="0"/>
@@ -15160,20 +13539,28 @@
               <a:defRPr/>
             </a:pPr>
             <a:r>
-              <a:rPr lang="en-US" altLang="en-US" dirty="0" smtClean="0">
+              <a:rPr lang="en-US" altLang="en-US" dirty="0">
                 <a:cs typeface="Calibri" panose="020F0502020204030204" pitchFamily="34" charset="0"/>
               </a:rPr>
               <a:t> you want to return an array </a:t>
             </a:r>
             <a:r>
-              <a:rPr lang="en-US" altLang="en-US" dirty="0" smtClean="0">
+              <a:rPr lang="en-US" altLang="en-US" dirty="0">
+                <a:latin typeface="Courier New" panose="02070309020205020404" pitchFamily="49" charset="0"/>
                 <a:ea typeface="MS Gothic" pitchFamily="49" charset="-128"/>
-                <a:cs typeface="Calibri" panose="020F0502020204030204" pitchFamily="34" charset="0"/>
-              </a:rPr>
-              <a:t>answer </a:t>
-            </a:r>
-            <a:r>
-              <a:rPr lang="en-US" altLang="en-US" dirty="0" smtClean="0">
+                <a:cs typeface="Courier New" panose="02070309020205020404" pitchFamily="49" charset="0"/>
+              </a:rPr>
+              <a:t>answer</a:t>
+            </a:r>
+            <a:r>
+              <a:rPr lang="en-US" altLang="en-US" dirty="0">
+                <a:ea typeface="MS Gothic" pitchFamily="49" charset="-128"/>
+                <a:cs typeface="Calibri" panose="020F0502020204030204" pitchFamily="34" charset="0"/>
+              </a:rPr>
+              <a:t> </a:t>
+            </a:r>
+            <a:r>
+              <a:rPr lang="en-US" altLang="en-US" dirty="0">
                 <a:cs typeface="Calibri" panose="020F0502020204030204" pitchFamily="34" charset="0"/>
               </a:rPr>
               <a:t>which is:</a:t>
@@ -15190,31 +13577,10 @@
               <a:defRPr/>
             </a:pPr>
             <a:r>
-              <a:rPr lang="en-US" altLang="en-US" dirty="0" smtClean="0">
-                <a:cs typeface="Calibri" panose="020F0502020204030204" pitchFamily="34" charset="0"/>
-              </a:rPr>
-              <a:t>double the value when the element in </a:t>
-            </a:r>
-            <a:r>
-              <a:rPr lang="en-US" altLang="en-US" dirty="0" smtClean="0">
-                <a:latin typeface="Courier New" panose="02070309020205020404" pitchFamily="49" charset="0"/>
-                <a:ea typeface="MS Gothic" pitchFamily="49" charset="-128"/>
-                <a:cs typeface="Courier New" panose="02070309020205020404" pitchFamily="49" charset="0"/>
-              </a:rPr>
-              <a:t>a</a:t>
-            </a:r>
-            <a:r>
-              <a:rPr lang="en-US" altLang="en-US" dirty="0" smtClean="0">
-                <a:ea typeface="MS Gothic" pitchFamily="49" charset="-128"/>
-                <a:cs typeface="Calibri" panose="020F0502020204030204" pitchFamily="34" charset="0"/>
-              </a:rPr>
-              <a:t> </a:t>
-            </a:r>
-            <a:r>
-              <a:rPr lang="en-US" altLang="en-US" dirty="0" smtClean="0">
-                <a:cs typeface="Calibri" panose="020F0502020204030204" pitchFamily="34" charset="0"/>
-              </a:rPr>
-              <a:t>is greater than 5 and less than 10</a:t>
+              <a:rPr lang="en-US" altLang="en-US" dirty="0">
+                <a:cs typeface="Calibri" panose="020F0502020204030204" pitchFamily="34" charset="0"/>
+              </a:rPr>
+              <a:t>double each value when the element is &gt; 5 and &lt; 10</a:t>
             </a:r>
           </a:p>
           <a:p>
@@ -15228,7 +13594,7 @@
               <a:defRPr/>
             </a:pPr>
             <a:r>
-              <a:rPr lang="en-US" altLang="en-US" dirty="0" smtClean="0">
+              <a:rPr lang="en-US" altLang="en-US" dirty="0">
                 <a:cs typeface="Calibri" panose="020F0502020204030204" pitchFamily="34" charset="0"/>
               </a:rPr>
               <a:t>zero when it is not</a:t>
@@ -15247,10 +13613,10 @@
               <a:defRPr/>
             </a:pPr>
             <a:r>
-              <a:rPr lang="en-US" altLang="en-US" dirty="0" smtClean="0">
-                <a:cs typeface="Calibri" panose="020F0502020204030204" pitchFamily="34" charset="0"/>
-              </a:rPr>
-              <a:t>and is both cleaner and runs faster.</a:t>
+              <a:rPr lang="en-US" altLang="en-US" dirty="0">
+                <a:cs typeface="Calibri" panose="020F0502020204030204" pitchFamily="34" charset="0"/>
+              </a:rPr>
+              <a:t>This is both clean and fast.</a:t>
             </a:r>
           </a:p>
         </p:txBody>
@@ -15263,17 +13629,10 @@
   <p:transition>
     <p:cut/>
   </p:transition>
-  <p:timing>
-    <p:tnLst>
-      <p:par>
-        <p:cTn id="1" dur="indefinite" restart="never" nodeType="tmRoot"/>
-      </p:par>
-    </p:tnLst>
-  </p:timing>
 </p:sld>
 </file>
 
-<file path=ppt/slides/slide27.xml><?xml version="1.0" encoding="utf-8"?>
+<file path=ppt/slides/slide25.xml><?xml version="1.0" encoding="utf-8"?>
 <p:sld xmlns:a="http://schemas.openxmlformats.org/drawingml/2006/main" xmlns:r="http://schemas.openxmlformats.org/officeDocument/2006/relationships" xmlns:p="http://schemas.openxmlformats.org/presentationml/2006/main">
   <p:cSld>
     <p:spTree>
@@ -15311,7 +13670,7 @@
           <a:lstStyle/>
           <a:p>
             <a:r>
-              <a:rPr lang="en-US" altLang="en-US" b="1" smtClean="0"/>
+              <a:rPr lang="en-US" altLang="en-US" b="1"/>
               <a:t>Additional array functions</a:t>
             </a:r>
           </a:p>
@@ -15346,11 +13705,11 @@
               <a:defRPr/>
             </a:pPr>
             <a:r>
-              <a:rPr lang="en-US" altLang="en-US" sz="2800" dirty="0" smtClean="0"/>
+              <a:rPr lang="en-US" altLang="en-US" sz="2800" dirty="0"/>
               <a:t>Basic mathematical functions:   </a:t>
             </a:r>
             <a:r>
-              <a:rPr lang="en-US" altLang="en-US" sz="2800" spc="40" dirty="0" err="1" smtClean="0">
+              <a:rPr lang="en-US" altLang="en-US" sz="2800" spc="40" dirty="0" err="1">
                 <a:latin typeface="Courier New" panose="02070309020205020404" pitchFamily="49" charset="0"/>
                 <a:cs typeface="Courier New" panose="02070309020205020404" pitchFamily="49" charset="0"/>
               </a:rPr>
@@ -15364,44 +13723,44 @@
               <a:t>, </a:t>
             </a:r>
             <a:r>
-              <a:rPr lang="en-US" altLang="en-US" sz="2800" spc="40" dirty="0" err="1" smtClean="0">
+              <a:rPr lang="en-US" altLang="en-US" sz="2800" spc="40" dirty="0" err="1">
                 <a:latin typeface="Courier New" panose="02070309020205020404" pitchFamily="49" charset="0"/>
                 <a:cs typeface="Courier New" panose="02070309020205020404" pitchFamily="49" charset="0"/>
               </a:rPr>
               <a:t>np.exp</a:t>
             </a:r>
             <a:r>
-              <a:rPr lang="en-US" altLang="en-US" sz="2800" spc="40" dirty="0" smtClean="0">
+              <a:rPr lang="en-US" altLang="en-US" sz="2800" spc="40" dirty="0">
                 <a:latin typeface="Courier New" panose="02070309020205020404" pitchFamily="49" charset="0"/>
                 <a:cs typeface="Courier New" panose="02070309020205020404" pitchFamily="49" charset="0"/>
               </a:rPr>
               <a:t>,</a:t>
             </a:r>
             <a:br>
-              <a:rPr lang="en-US" altLang="en-US" sz="2800" spc="40" dirty="0" smtClean="0">
+              <a:rPr lang="en-US" altLang="en-US" sz="2800" spc="40" dirty="0">
                 <a:latin typeface="Courier New" panose="02070309020205020404" pitchFamily="49" charset="0"/>
                 <a:cs typeface="Courier New" panose="02070309020205020404" pitchFamily="49" charset="0"/>
               </a:rPr>
             </a:br>
             <a:r>
-              <a:rPr lang="en-US" altLang="en-US" sz="2800" spc="40" dirty="0" smtClean="0">
+              <a:rPr lang="en-US" altLang="en-US" sz="2800" spc="40" dirty="0">
                 <a:latin typeface="Courier New" panose="02070309020205020404" pitchFamily="49" charset="0"/>
                 <a:cs typeface="Courier New" panose="02070309020205020404" pitchFamily="49" charset="0"/>
               </a:rPr>
               <a:t>    </a:t>
             </a:r>
             <a:r>
-              <a:rPr lang="en-US" altLang="en-US" sz="2800" spc="40" dirty="0" err="1" smtClean="0">
+              <a:rPr lang="en-US" altLang="en-US" sz="2800" spc="40" dirty="0" err="1">
                 <a:latin typeface="Courier New" panose="02070309020205020404" pitchFamily="49" charset="0"/>
                 <a:cs typeface="Courier New" panose="02070309020205020404" pitchFamily="49" charset="0"/>
               </a:rPr>
               <a:t>np.interp</a:t>
             </a:r>
             <a:r>
-              <a:rPr lang="en-US" altLang="en-US" sz="2800" dirty="0" smtClean="0"/>
+              <a:rPr lang="en-US" altLang="en-US" sz="2800" dirty="0"/>
               <a:t>, etc.</a:t>
             </a:r>
-            <a:endParaRPr lang="en-US" altLang="en-US" sz="2800" dirty="0" smtClean="0">
+            <a:endParaRPr lang="en-US" altLang="en-US" sz="2800" dirty="0">
               <a:ea typeface="MS Gothic" pitchFamily="49" charset="-128"/>
             </a:endParaRPr>
           </a:p>
@@ -15419,68 +13778,68 @@
               <a:defRPr/>
             </a:pPr>
             <a:r>
-              <a:rPr lang="en-US" altLang="en-US" sz="2800" dirty="0" smtClean="0"/>
+              <a:rPr lang="en-US" altLang="en-US" sz="2800" dirty="0"/>
               <a:t>Basic statistical functions: </a:t>
             </a:r>
             <a:r>
-              <a:rPr lang="en-US" altLang="en-US" sz="2800" spc="40" dirty="0" err="1" smtClean="0">
+              <a:rPr lang="en-US" altLang="en-US" sz="2800" spc="40" dirty="0" err="1">
                 <a:latin typeface="Courier New" panose="02070309020205020404" pitchFamily="49" charset="0"/>
                 <a:cs typeface="Courier New" panose="02070309020205020404" pitchFamily="49" charset="0"/>
               </a:rPr>
               <a:t>np.correlate</a:t>
             </a:r>
             <a:r>
-              <a:rPr lang="en-US" altLang="en-US" sz="2800" dirty="0" smtClean="0"/>
+              <a:rPr lang="en-US" altLang="en-US" sz="2800" dirty="0"/>
               <a:t>,</a:t>
             </a:r>
             <a:br>
-              <a:rPr lang="en-US" altLang="en-US" sz="2800" dirty="0" smtClean="0"/>
+              <a:rPr lang="en-US" altLang="en-US" sz="2800" dirty="0"/>
             </a:br>
             <a:r>
-              <a:rPr lang="en-US" altLang="en-US" sz="2800" dirty="0" smtClean="0"/>
+              <a:rPr lang="en-US" altLang="en-US" sz="2800" dirty="0"/>
               <a:t>       </a:t>
             </a:r>
             <a:r>
-              <a:rPr lang="en-US" altLang="en-US" sz="2800" spc="40" dirty="0" err="1" smtClean="0">
+              <a:rPr lang="en-US" altLang="en-US" sz="2800" spc="40" dirty="0" err="1">
                 <a:latin typeface="Courier New" panose="02070309020205020404" pitchFamily="49" charset="0"/>
                 <a:cs typeface="Courier New" panose="02070309020205020404" pitchFamily="49" charset="0"/>
               </a:rPr>
               <a:t>np.histogram</a:t>
             </a:r>
             <a:r>
-              <a:rPr lang="en-US" altLang="en-US" sz="2800" spc="40" dirty="0" smtClean="0">
+              <a:rPr lang="en-US" altLang="en-US" sz="2800" spc="40" dirty="0">
                 <a:latin typeface="Courier New" panose="02070309020205020404" pitchFamily="49" charset="0"/>
                 <a:cs typeface="Courier New" panose="02070309020205020404" pitchFamily="49" charset="0"/>
               </a:rPr>
               <a:t>,</a:t>
             </a:r>
             <a:r>
-              <a:rPr lang="en-US" altLang="en-US" sz="2800" dirty="0" smtClean="0"/>
+              <a:rPr lang="en-US" altLang="en-US" sz="2800" dirty="0"/>
               <a:t> </a:t>
             </a:r>
             <a:r>
-              <a:rPr lang="en-US" altLang="en-US" sz="2800" spc="40" dirty="0" err="1" smtClean="0">
+              <a:rPr lang="en-US" altLang="en-US" sz="2800" spc="40" dirty="0" err="1">
                 <a:latin typeface="Courier New" panose="02070309020205020404" pitchFamily="49" charset="0"/>
                 <a:cs typeface="Courier New" panose="02070309020205020404" pitchFamily="49" charset="0"/>
               </a:rPr>
               <a:t>np.hamming</a:t>
             </a:r>
             <a:r>
-              <a:rPr lang="en-US" altLang="en-US" sz="2800" dirty="0" smtClean="0"/>
+              <a:rPr lang="en-US" altLang="en-US" sz="2800" dirty="0"/>
               <a:t>, </a:t>
             </a:r>
             <a:r>
-              <a:rPr lang="en-US" altLang="en-US" sz="2800" spc="40" dirty="0" err="1" smtClean="0">
+              <a:rPr lang="en-US" altLang="en-US" sz="2800" spc="40" dirty="0" err="1">
                 <a:latin typeface="Courier New" panose="02070309020205020404" pitchFamily="49" charset="0"/>
                 <a:cs typeface="Courier New" panose="02070309020205020404" pitchFamily="49" charset="0"/>
               </a:rPr>
               <a:t>np.fft</a:t>
             </a:r>
             <a:r>
-              <a:rPr lang="en-US" altLang="en-US" sz="2800" dirty="0" smtClean="0"/>
+              <a:rPr lang="en-US" altLang="en-US" sz="2800" dirty="0"/>
               <a:t>, etc.</a:t>
             </a:r>
-            <a:endParaRPr lang="en-US" altLang="en-US" sz="2800" dirty="0" smtClean="0">
+            <a:endParaRPr lang="en-US" altLang="en-US" sz="2800" dirty="0">
               <a:ea typeface="MS Gothic" pitchFamily="49" charset="-128"/>
             </a:endParaRPr>
           </a:p>
@@ -15498,7 +13857,7 @@
               <a:defRPr/>
             </a:pPr>
             <a:r>
-              <a:rPr lang="en-US" altLang="en-US" sz="2800" dirty="0" smtClean="0"/>
+              <a:rPr lang="en-US" altLang="en-US" sz="2800" dirty="0"/>
               <a:t>NumPy has a lot of stuff! For more info, use:</a:t>
             </a:r>
           </a:p>
@@ -15516,28 +13875,28 @@
               <a:defRPr/>
             </a:pPr>
             <a:r>
-              <a:rPr lang="en-US" altLang="en-US" sz="2800" spc="40" dirty="0" err="1" smtClean="0">
+              <a:rPr lang="en-US" altLang="en-US" sz="2800" spc="40" dirty="0" err="1">
                 <a:latin typeface="Courier New" panose="02070309020205020404" pitchFamily="49" charset="0"/>
                 <a:cs typeface="Courier New" panose="02070309020205020404" pitchFamily="49" charset="0"/>
               </a:rPr>
               <a:t>dir</a:t>
             </a:r>
             <a:r>
-              <a:rPr lang="en-US" altLang="en-US" sz="2800" spc="40" dirty="0" smtClean="0">
+              <a:rPr lang="en-US" altLang="en-US" sz="2800" spc="40" dirty="0">
                 <a:latin typeface="Courier New" panose="02070309020205020404" pitchFamily="49" charset="0"/>
                 <a:cs typeface="Courier New" panose="02070309020205020404" pitchFamily="49" charset="0"/>
               </a:rPr>
               <a:t>(np)</a:t>
             </a:r>
             <a:r>
-              <a:rPr lang="en-US" altLang="en-US" sz="2800" spc="40" dirty="0" smtClean="0">
+              <a:rPr lang="en-US" altLang="en-US" sz="2800" spc="40" dirty="0">
                 <a:latin typeface="+mj-lt"/>
                 <a:cs typeface="Courier New" panose="02070309020205020404" pitchFamily="49" charset="0"/>
               </a:rPr>
               <a:t> and  </a:t>
             </a:r>
             <a:r>
-              <a:rPr lang="en-US" altLang="en-US" sz="2800" spc="40" dirty="0" smtClean="0">
+              <a:rPr lang="en-US" altLang="en-US" sz="2800" spc="40" dirty="0">
                 <a:latin typeface="Courier New" panose="02070309020205020404" pitchFamily="49" charset="0"/>
                 <a:cs typeface="Courier New" panose="02070309020205020404" pitchFamily="49" charset="0"/>
               </a:rPr>
@@ -15558,14 +13917,14 @@
               <a:defRPr/>
             </a:pPr>
             <a:r>
-              <a:rPr lang="en-US" altLang="en-US" sz="2800" spc="40" dirty="0" smtClean="0">
+              <a:rPr lang="en-US" altLang="en-US" sz="2800" spc="40" dirty="0">
                 <a:latin typeface="Courier New" panose="02070309020205020404" pitchFamily="49" charset="0"/>
                 <a:cs typeface="Courier New" panose="02070309020205020404" pitchFamily="49" charset="0"/>
               </a:rPr>
               <a:t>help(</a:t>
             </a:r>
             <a:r>
-              <a:rPr lang="en-US" altLang="en-US" sz="2800" spc="40" dirty="0" err="1" smtClean="0">
+              <a:rPr lang="en-US" altLang="en-US" sz="2800" spc="40" dirty="0" err="1">
                 <a:latin typeface="Courier New" panose="02070309020205020404" pitchFamily="49" charset="0"/>
                 <a:cs typeface="Courier New" panose="02070309020205020404" pitchFamily="49" charset="0"/>
               </a:rPr>
@@ -15579,7 +13938,7 @@
               <a:t>), </a:t>
             </a:r>
             <a:r>
-              <a:rPr lang="en-US" altLang="en-US" sz="2800" dirty="0" smtClean="0"/>
+              <a:rPr lang="en-US" altLang="en-US" sz="2800" dirty="0"/>
               <a:t>where </a:t>
             </a:r>
             <a:r>
@@ -15590,13 +13949,13 @@
               <a:t>x</a:t>
             </a:r>
             <a:r>
-              <a:rPr lang="en-US" altLang="en-US" sz="2800" dirty="0" smtClean="0">
+              <a:rPr lang="en-US" altLang="en-US" sz="2800" dirty="0">
                 <a:ea typeface="MS Gothic" pitchFamily="49" charset="-128"/>
               </a:rPr>
               <a:t> </a:t>
             </a:r>
             <a:r>
-              <a:rPr lang="en-US" altLang="en-US" sz="2800" dirty="0" smtClean="0"/>
+              <a:rPr lang="en-US" altLang="en-US" sz="2800" dirty="0"/>
               <a:t>is the name of a function</a:t>
             </a:r>
           </a:p>
@@ -15614,7 +13973,7 @@
               <a:defRPr/>
             </a:pPr>
             <a:r>
-              <a:rPr lang="en-US" altLang="en-US" sz="2800" dirty="0" err="1" smtClean="0">
+              <a:rPr lang="en-US" altLang="en-US" sz="2800" dirty="0" err="1">
                 <a:latin typeface="Courier New" panose="02070309020205020404" pitchFamily="49" charset="0"/>
                 <a:ea typeface="MS Gothic" pitchFamily="49" charset="-128"/>
                 <a:cs typeface="Courier New" panose="02070309020205020404" pitchFamily="49" charset="0"/>
@@ -15622,7 +13981,7 @@
               <a:t>dir</a:t>
             </a:r>
             <a:r>
-              <a:rPr lang="en-US" altLang="en-US" sz="2800" dirty="0" smtClean="0">
+              <a:rPr lang="en-US" altLang="en-US" sz="2800" dirty="0">
                 <a:latin typeface="Courier New" panose="02070309020205020404" pitchFamily="49" charset="0"/>
                 <a:ea typeface="MS Gothic" pitchFamily="49" charset="-128"/>
                 <a:cs typeface="Courier New" panose="02070309020205020404" pitchFamily="49" charset="0"/>
@@ -15630,13 +13989,13 @@
               <a:t>(a)</a:t>
             </a:r>
             <a:r>
-              <a:rPr lang="en-US" altLang="en-US" sz="2800" dirty="0" smtClean="0">
+              <a:rPr lang="en-US" altLang="en-US" sz="2800" dirty="0">
                 <a:ea typeface="MS Gothic" pitchFamily="49" charset="-128"/>
               </a:rPr>
               <a:t>and </a:t>
             </a:r>
             <a:r>
-              <a:rPr lang="en-US" altLang="en-US" sz="2800" dirty="0" smtClean="0">
+              <a:rPr lang="en-US" altLang="en-US" sz="2800" dirty="0">
                 <a:latin typeface="Courier New" panose="02070309020205020404" pitchFamily="49" charset="0"/>
                 <a:ea typeface="MS Gothic" pitchFamily="49" charset="-128"/>
                 <a:cs typeface="Courier New" panose="02070309020205020404" pitchFamily="49" charset="0"/>
@@ -15644,13 +14003,13 @@
               <a:t>help(a)</a:t>
             </a:r>
             <a:r>
-              <a:rPr lang="en-US" altLang="en-US" sz="2800" dirty="0" smtClean="0">
+              <a:rPr lang="en-US" altLang="en-US" sz="2800" dirty="0">
                 <a:ea typeface="MS Gothic" pitchFamily="49" charset="-128"/>
               </a:rPr>
               <a:t>, where </a:t>
             </a:r>
             <a:r>
-              <a:rPr lang="en-US" altLang="en-US" sz="2800" dirty="0" smtClean="0">
+              <a:rPr lang="en-US" altLang="en-US" sz="2800" dirty="0">
                 <a:latin typeface="Courier New" panose="02070309020205020404" pitchFamily="49" charset="0"/>
                 <a:ea typeface="MS Gothic" pitchFamily="49" charset="-128"/>
                 <a:cs typeface="Courier New" panose="02070309020205020404" pitchFamily="49" charset="0"/>
@@ -15658,7 +14017,7 @@
               <a:t>a</a:t>
             </a:r>
             <a:r>
-              <a:rPr lang="en-US" altLang="en-US" sz="2800" dirty="0" smtClean="0">
+              <a:rPr lang="en-US" altLang="en-US" sz="2800" dirty="0">
                 <a:ea typeface="MS Gothic" pitchFamily="49" charset="-128"/>
               </a:rPr>
               <a:t> is the name of an array</a:t>
@@ -15674,17 +14033,10 @@
   <p:transition>
     <p:cut/>
   </p:transition>
-  <p:timing>
-    <p:tnLst>
-      <p:par>
-        <p:cTn id="1" dur="indefinite" restart="never" nodeType="tmRoot"/>
-      </p:par>
-    </p:tnLst>
-  </p:timing>
 </p:sld>
 </file>
 
-<file path=ppt/slides/slide28.xml><?xml version="1.0" encoding="utf-8"?>
+<file path=ppt/slides/slide26.xml><?xml version="1.0" encoding="utf-8"?>
 <p:sld xmlns:a="http://schemas.openxmlformats.org/drawingml/2006/main" xmlns:r="http://schemas.openxmlformats.org/officeDocument/2006/relationships" xmlns:p="http://schemas.openxmlformats.org/presentationml/2006/main">
   <p:cSld>
     <p:spTree>
@@ -15722,17 +14074,17 @@
           <a:lstStyle/>
           <a:p>
             <a:r>
-              <a:rPr lang="en-GB" altLang="en-US" b="1" smtClean="0"/>
+              <a:rPr lang="en-GB" altLang="en-US" b="1"/>
               <a:t>Handling missing values</a:t>
             </a:r>
             <a:br>
-              <a:rPr lang="en-GB" altLang="en-US" b="1" smtClean="0"/>
+              <a:rPr lang="en-GB" altLang="en-US" b="1"/>
             </a:br>
             <a:r>
-              <a:rPr lang="en-GB" altLang="en-US" b="1" smtClean="0"/>
+              <a:rPr lang="en-GB" altLang="en-US" b="1"/>
               <a:t>(using masked arrays)</a:t>
             </a:r>
-            <a:endParaRPr lang="en-US" altLang="en-US" b="1" smtClean="0"/>
+            <a:endParaRPr lang="en-US" altLang="en-US" b="1"/>
           </a:p>
         </p:txBody>
       </p:sp>
@@ -15744,17 +14096,10 @@
   <p:transition>
     <p:cut/>
   </p:transition>
-  <p:timing>
-    <p:tnLst>
-      <p:par>
-        <p:cTn id="1" dur="indefinite" restart="never" nodeType="tmRoot"/>
-      </p:par>
-    </p:tnLst>
-  </p:timing>
 </p:sld>
 </file>
 
-<file path=ppt/slides/slide29.xml><?xml version="1.0" encoding="utf-8"?>
+<file path=ppt/slides/slide27.xml><?xml version="1.0" encoding="utf-8"?>
 <p:sld xmlns:a="http://schemas.openxmlformats.org/drawingml/2006/main" xmlns:r="http://schemas.openxmlformats.org/officeDocument/2006/relationships" xmlns:p="http://schemas.openxmlformats.org/presentationml/2006/main">
   <p:cSld>
     <p:spTree>
@@ -15792,10 +14137,10 @@
           <a:lstStyle/>
           <a:p>
             <a:r>
-              <a:rPr lang="en-GB" altLang="en-US" b="1" smtClean="0"/>
+              <a:rPr lang="en-GB" altLang="en-US" b="1"/>
               <a:t>Introducing a masked array</a:t>
             </a:r>
-            <a:endParaRPr lang="en-US" altLang="en-US" b="1" smtClean="0"/>
+            <a:endParaRPr lang="en-US" altLang="en-US" b="1"/>
           </a:p>
         </p:txBody>
       </p:sp>
@@ -15987,19 +14332,19 @@
               <a:defRPr/>
             </a:pPr>
             <a:r>
-              <a:rPr lang="en-GB" altLang="en-US" sz="2800" dirty="0" smtClean="0">
+              <a:rPr lang="en-GB" altLang="en-US" sz="2800" dirty="0">
                 <a:cs typeface="Calibri" panose="020F0502020204030204" pitchFamily="34" charset="0"/>
               </a:rPr>
               <a:t>A</a:t>
             </a:r>
             <a:r>
-              <a:rPr lang="en-GB" altLang="en-US" sz="2800" b="1" dirty="0" smtClean="0">
+              <a:rPr lang="en-GB" altLang="en-US" sz="2800" b="1" dirty="0">
                 <a:cs typeface="Calibri" panose="020F0502020204030204" pitchFamily="34" charset="0"/>
               </a:rPr>
               <a:t> masked array </a:t>
             </a:r>
             <a:r>
-              <a:rPr lang="en-GB" altLang="en-US" sz="2800" dirty="0" smtClean="0">
+              <a:rPr lang="en-GB" altLang="en-US" sz="2800" dirty="0">
                 <a:cs typeface="Calibri" panose="020F0502020204030204" pitchFamily="34" charset="0"/>
               </a:rPr>
               <a:t>includes:</a:t>
@@ -16016,19 +14361,19 @@
               <a:defRPr/>
             </a:pPr>
             <a:r>
-              <a:rPr lang="en-GB" altLang="en-US" sz="2800" dirty="0" smtClean="0">
+              <a:rPr lang="en-GB" altLang="en-US" sz="2800" dirty="0">
                 <a:cs typeface="Calibri" panose="020F0502020204030204" pitchFamily="34" charset="0"/>
               </a:rPr>
               <a:t>a mask of </a:t>
             </a:r>
             <a:r>
-              <a:rPr lang="en-GB" altLang="en-US" sz="2800" i="1" dirty="0" smtClean="0">
+              <a:rPr lang="en-GB" altLang="en-US" sz="2800" i="1" dirty="0">
                 <a:cs typeface="Calibri" panose="020F0502020204030204" pitchFamily="34" charset="0"/>
               </a:rPr>
               <a:t>bad values </a:t>
             </a:r>
             <a:r>
-              <a:rPr lang="en-GB" altLang="en-US" sz="2800" dirty="0" smtClean="0">
+              <a:rPr lang="en-GB" altLang="en-US" sz="2800" dirty="0">
                 <a:cs typeface="Calibri" panose="020F0502020204030204" pitchFamily="34" charset="0"/>
               </a:rPr>
               <a:t>travels with the array.</a:t>
@@ -16044,7 +14389,7 @@
               </a:spcBef>
               <a:defRPr/>
             </a:pPr>
-            <a:endParaRPr lang="en-GB" altLang="en-US" sz="2800" dirty="0" smtClean="0">
+            <a:endParaRPr lang="en-GB" altLang="en-US" sz="2800" dirty="0">
               <a:cs typeface="Calibri" panose="020F0502020204030204" pitchFamily="34" charset="0"/>
             </a:endParaRPr>
           </a:p>
@@ -16061,7 +14406,7 @@
               <a:defRPr/>
             </a:pPr>
             <a:r>
-              <a:rPr lang="en-GB" altLang="en-US" sz="2800" dirty="0" smtClean="0">
+              <a:rPr lang="en-GB" altLang="en-US" sz="2800" dirty="0">
                 <a:cs typeface="Calibri" panose="020F0502020204030204" pitchFamily="34" charset="0"/>
               </a:rPr>
               <a:t>Those elements deemed bad are treated as if they did not exist.  Operations using the array automatically utilise the mask of bad values.</a:t>
@@ -16079,7 +14424,7 @@
               <a:buNone/>
               <a:defRPr/>
             </a:pPr>
-            <a:endParaRPr lang="en-GB" altLang="en-US" sz="2800" dirty="0" smtClean="0">
+            <a:endParaRPr lang="en-GB" altLang="en-US" sz="2800" dirty="0">
               <a:cs typeface="Calibri" panose="020F0502020204030204" pitchFamily="34" charset="0"/>
             </a:endParaRPr>
           </a:p>
@@ -16096,31 +14441,31 @@
               <a:defRPr/>
             </a:pPr>
             <a:r>
-              <a:rPr lang="en-GB" altLang="en-US" sz="2800" dirty="0" smtClean="0">
+              <a:rPr lang="en-GB" altLang="en-US" sz="2800" dirty="0">
                 <a:cs typeface="Calibri" panose="020F0502020204030204" pitchFamily="34" charset="0"/>
               </a:rPr>
               <a:t>Typically bad values may represent something like a </a:t>
             </a:r>
             <a:r>
-              <a:rPr lang="en-GB" altLang="en-US" sz="2800" b="1" dirty="0" smtClean="0">
+              <a:rPr lang="en-GB" altLang="en-US" sz="2800" b="1" dirty="0">
                 <a:cs typeface="Calibri" panose="020F0502020204030204" pitchFamily="34" charset="0"/>
               </a:rPr>
               <a:t>land mask </a:t>
             </a:r>
             <a:r>
-              <a:rPr lang="en-GB" altLang="en-US" sz="2800" dirty="0" smtClean="0">
+              <a:rPr lang="en-GB" altLang="en-US" sz="2800" dirty="0">
                 <a:cs typeface="Calibri" panose="020F0502020204030204" pitchFamily="34" charset="0"/>
               </a:rPr>
               <a:t>(e.g. </a:t>
             </a:r>
             <a:r>
-              <a:rPr lang="en-GB" altLang="en-US" sz="2800" i="1" dirty="0" smtClean="0">
+              <a:rPr lang="en-GB" altLang="en-US" sz="2800" i="1" dirty="0">
                 <a:cs typeface="Calibri" panose="020F0502020204030204" pitchFamily="34" charset="0"/>
               </a:rPr>
               <a:t>sea surface temperature </a:t>
             </a:r>
             <a:r>
-              <a:rPr lang="en-GB" altLang="en-US" sz="2800" dirty="0" smtClean="0">
+              <a:rPr lang="en-GB" altLang="en-US" sz="2800" dirty="0">
                 <a:cs typeface="Calibri" panose="020F0502020204030204" pitchFamily="34" charset="0"/>
               </a:rPr>
               <a:t>only exists where there is ocean).</a:t>
@@ -16136,13 +14481,732 @@
   <p:transition>
     <p:cut/>
   </p:transition>
-  <p:timing>
-    <p:tnLst>
-      <p:par>
-        <p:cTn id="1" dur="indefinite" restart="never" nodeType="tmRoot"/>
-      </p:par>
-    </p:tnLst>
-  </p:timing>
+</p:sld>
+</file>
+
+<file path=ppt/slides/slide28.xml><?xml version="1.0" encoding="utf-8"?>
+<p:sld xmlns:a="http://schemas.openxmlformats.org/drawingml/2006/main" xmlns:r="http://schemas.openxmlformats.org/officeDocument/2006/relationships" xmlns:p="http://schemas.openxmlformats.org/presentationml/2006/main">
+  <p:cSld>
+    <p:spTree>
+      <p:nvGrpSpPr>
+        <p:cNvPr id="1" name=""/>
+        <p:cNvGrpSpPr/>
+        <p:nvPr/>
+      </p:nvGrpSpPr>
+      <p:grpSpPr>
+        <a:xfrm>
+          <a:off x="0" y="0"/>
+          <a:ext cx="0" cy="0"/>
+          <a:chOff x="0" y="0"/>
+          <a:chExt cx="0" cy="0"/>
+        </a:xfrm>
+      </p:grpSpPr>
+      <p:sp>
+        <p:nvSpPr>
+          <p:cNvPr id="64514" name="object 2"/>
+          <p:cNvSpPr>
+            <a:spLocks noGrp="1"/>
+          </p:cNvSpPr>
+          <p:nvPr>
+            <p:ph type="title"/>
+          </p:nvPr>
+        </p:nvSpPr>
+        <p:spPr>
+          <a:xfrm>
+            <a:off x="457200" y="168275"/>
+            <a:ext cx="8229600" cy="1355725"/>
+          </a:xfrm>
+        </p:spPr>
+        <p:txBody>
+          <a:bodyPr/>
+          <a:lstStyle/>
+          <a:p>
+            <a:r>
+              <a:rPr lang="en-GB" altLang="en-US" b="1"/>
+              <a:t>Comparing arrays and masked arrays</a:t>
+            </a:r>
+          </a:p>
+        </p:txBody>
+      </p:sp>
+      <p:sp>
+        <p:nvSpPr>
+          <p:cNvPr id="5" name="object 3"/>
+          <p:cNvSpPr/>
+          <p:nvPr/>
+        </p:nvSpPr>
+        <p:spPr>
+          <a:xfrm>
+            <a:off x="539552" y="1904256"/>
+            <a:ext cx="8028431" cy="2667744"/>
+          </a:xfrm>
+          <a:prstGeom prst="rect">
+            <a:avLst/>
+          </a:prstGeom>
+          <a:blipFill>
+            <a:blip r:embed="rId3" cstate="print"/>
+            <a:srcRect/>
+            <a:stretch>
+              <a:fillRect t="-1" b="-80846"/>
+            </a:stretch>
+          </a:blipFill>
+        </p:spPr>
+        <p:txBody>
+          <a:bodyPr lIns="0" tIns="0" rIns="0" bIns="0"/>
+          <a:lstStyle/>
+          <a:p>
+            <a:pPr eaLnBrk="1" hangingPunct="1">
+              <a:defRPr/>
+            </a:pPr>
+            <a:endParaRPr dirty="0">
+              <a:latin typeface="Calibri" panose="020F0502020204030204" pitchFamily="34" charset="0"/>
+              <a:cs typeface="Calibri" panose="020F0502020204030204" pitchFamily="34" charset="0"/>
+            </a:endParaRPr>
+          </a:p>
+        </p:txBody>
+      </p:sp>
+    </p:spTree>
+  </p:cSld>
+  <p:clrMapOvr>
+    <a:masterClrMapping/>
+  </p:clrMapOvr>
+  <p:transition>
+    <p:cut/>
+  </p:transition>
+</p:sld>
+</file>
+
+<file path=ppt/slides/slide29.xml><?xml version="1.0" encoding="utf-8"?>
+<p:sld xmlns:a="http://schemas.openxmlformats.org/drawingml/2006/main" xmlns:r="http://schemas.openxmlformats.org/officeDocument/2006/relationships" xmlns:p="http://schemas.openxmlformats.org/presentationml/2006/main">
+  <p:cSld>
+    <p:spTree>
+      <p:nvGrpSpPr>
+        <p:cNvPr id="1" name=""/>
+        <p:cNvGrpSpPr/>
+        <p:nvPr/>
+      </p:nvGrpSpPr>
+      <p:grpSpPr>
+        <a:xfrm>
+          <a:off x="0" y="0"/>
+          <a:ext cx="0" cy="0"/>
+          <a:chOff x="0" y="0"/>
+          <a:chExt cx="0" cy="0"/>
+        </a:xfrm>
+      </p:grpSpPr>
+      <p:sp>
+        <p:nvSpPr>
+          <p:cNvPr id="66562" name="object 3"/>
+          <p:cNvSpPr txBox="1">
+            <a:spLocks noChangeArrowheads="1"/>
+          </p:cNvSpPr>
+          <p:nvPr/>
+        </p:nvSpPr>
+        <p:spPr bwMode="auto">
+          <a:xfrm>
+            <a:off x="827088" y="1700213"/>
+            <a:ext cx="7489825" cy="3994150"/>
+          </a:xfrm>
+          <a:prstGeom prst="rect">
+            <a:avLst/>
+          </a:prstGeom>
+          <a:noFill/>
+          <a:ln>
+            <a:noFill/>
+          </a:ln>
+          <a:extLst>
+            <a:ext uri="{909E8E84-426E-40DD-AFC4-6F175D3DCCD1}">
+              <a14:hiddenFill xmlns:a14="http://schemas.microsoft.com/office/drawing/2010/main">
+                <a:solidFill>
+                  <a:srgbClr val="FFFFFF"/>
+                </a:solidFill>
+              </a14:hiddenFill>
+            </a:ext>
+            <a:ext uri="{91240B29-F687-4F45-9708-019B960494DF}">
+              <a14:hiddenLine xmlns:a14="http://schemas.microsoft.com/office/drawing/2010/main" w="9525">
+                <a:solidFill>
+                  <a:srgbClr val="000000"/>
+                </a:solidFill>
+                <a:miter lim="800000"/>
+                <a:headEnd/>
+                <a:tailEnd/>
+              </a14:hiddenLine>
+            </a:ext>
+          </a:extLst>
+        </p:spPr>
+        <p:txBody>
+          <a:bodyPr lIns="0" tIns="0" rIns="0" bIns="0">
+            <a:spAutoFit/>
+          </a:bodyPr>
+          <a:lstStyle>
+            <a:lvl1pPr>
+              <a:lnSpc>
+                <a:spcPct val="90000"/>
+              </a:lnSpc>
+              <a:spcBef>
+                <a:spcPts val="1000"/>
+              </a:spcBef>
+              <a:buFont typeface="Arial" panose="020B0604020202020204" pitchFamily="34" charset="0"/>
+              <a:buChar char="•"/>
+              <a:defRPr sz="2400">
+                <a:solidFill>
+                  <a:schemeClr val="tx1"/>
+                </a:solidFill>
+                <a:latin typeface="Calibri" panose="020F0502020204030204" pitchFamily="34" charset="0"/>
+              </a:defRPr>
+            </a:lvl1pPr>
+            <a:lvl2pPr marL="742950" indent="-285750">
+              <a:lnSpc>
+                <a:spcPct val="90000"/>
+              </a:lnSpc>
+              <a:spcBef>
+                <a:spcPts val="500"/>
+              </a:spcBef>
+              <a:buFont typeface="Arial" panose="020B0604020202020204" pitchFamily="34" charset="0"/>
+              <a:buChar char="•"/>
+              <a:defRPr sz="2000">
+                <a:solidFill>
+                  <a:schemeClr val="tx1"/>
+                </a:solidFill>
+                <a:latin typeface="Calibri" panose="020F0502020204030204" pitchFamily="34" charset="0"/>
+              </a:defRPr>
+            </a:lvl2pPr>
+            <a:lvl3pPr marL="1143000" indent="-228600">
+              <a:lnSpc>
+                <a:spcPct val="90000"/>
+              </a:lnSpc>
+              <a:spcBef>
+                <a:spcPts val="500"/>
+              </a:spcBef>
+              <a:buFont typeface="Arial" panose="020B0604020202020204" pitchFamily="34" charset="0"/>
+              <a:buChar char="•"/>
+              <a:defRPr>
+                <a:solidFill>
+                  <a:schemeClr val="tx1"/>
+                </a:solidFill>
+                <a:latin typeface="Calibri" panose="020F0502020204030204" pitchFamily="34" charset="0"/>
+              </a:defRPr>
+            </a:lvl3pPr>
+            <a:lvl4pPr marL="1600200" indent="-228600">
+              <a:lnSpc>
+                <a:spcPct val="90000"/>
+              </a:lnSpc>
+              <a:spcBef>
+                <a:spcPts val="500"/>
+              </a:spcBef>
+              <a:buFont typeface="Arial" panose="020B0604020202020204" pitchFamily="34" charset="0"/>
+              <a:buChar char="•"/>
+              <a:defRPr sz="1600">
+                <a:solidFill>
+                  <a:schemeClr val="tx1"/>
+                </a:solidFill>
+                <a:latin typeface="Calibri" panose="020F0502020204030204" pitchFamily="34" charset="0"/>
+              </a:defRPr>
+            </a:lvl4pPr>
+            <a:lvl5pPr marL="2057400" indent="-228600">
+              <a:lnSpc>
+                <a:spcPct val="90000"/>
+              </a:lnSpc>
+              <a:spcBef>
+                <a:spcPts val="500"/>
+              </a:spcBef>
+              <a:buFont typeface="Arial" panose="020B0604020202020204" pitchFamily="34" charset="0"/>
+              <a:buChar char="•"/>
+              <a:defRPr sz="1600">
+                <a:solidFill>
+                  <a:schemeClr val="tx1"/>
+                </a:solidFill>
+                <a:latin typeface="Calibri" panose="020F0502020204030204" pitchFamily="34" charset="0"/>
+              </a:defRPr>
+            </a:lvl5pPr>
+            <a:lvl6pPr marL="2514600" indent="-228600" fontAlgn="base">
+              <a:lnSpc>
+                <a:spcPct val="90000"/>
+              </a:lnSpc>
+              <a:spcBef>
+                <a:spcPts val="500"/>
+              </a:spcBef>
+              <a:spcAft>
+                <a:spcPct val="0"/>
+              </a:spcAft>
+              <a:buFont typeface="Arial" panose="020B0604020202020204" pitchFamily="34" charset="0"/>
+              <a:buChar char="•"/>
+              <a:defRPr sz="1600">
+                <a:solidFill>
+                  <a:schemeClr val="tx1"/>
+                </a:solidFill>
+                <a:latin typeface="Calibri" panose="020F0502020204030204" pitchFamily="34" charset="0"/>
+              </a:defRPr>
+            </a:lvl6pPr>
+            <a:lvl7pPr marL="2971800" indent="-228600" fontAlgn="base">
+              <a:lnSpc>
+                <a:spcPct val="90000"/>
+              </a:lnSpc>
+              <a:spcBef>
+                <a:spcPts val="500"/>
+              </a:spcBef>
+              <a:spcAft>
+                <a:spcPct val="0"/>
+              </a:spcAft>
+              <a:buFont typeface="Arial" panose="020B0604020202020204" pitchFamily="34" charset="0"/>
+              <a:buChar char="•"/>
+              <a:defRPr sz="1600">
+                <a:solidFill>
+                  <a:schemeClr val="tx1"/>
+                </a:solidFill>
+                <a:latin typeface="Calibri" panose="020F0502020204030204" pitchFamily="34" charset="0"/>
+              </a:defRPr>
+            </a:lvl7pPr>
+            <a:lvl8pPr marL="3429000" indent="-228600" fontAlgn="base">
+              <a:lnSpc>
+                <a:spcPct val="90000"/>
+              </a:lnSpc>
+              <a:spcBef>
+                <a:spcPts val="500"/>
+              </a:spcBef>
+              <a:spcAft>
+                <a:spcPct val="0"/>
+              </a:spcAft>
+              <a:buFont typeface="Arial" panose="020B0604020202020204" pitchFamily="34" charset="0"/>
+              <a:buChar char="•"/>
+              <a:defRPr sz="1600">
+                <a:solidFill>
+                  <a:schemeClr val="tx1"/>
+                </a:solidFill>
+                <a:latin typeface="Calibri" panose="020F0502020204030204" pitchFamily="34" charset="0"/>
+              </a:defRPr>
+            </a:lvl8pPr>
+            <a:lvl9pPr marL="3886200" indent="-228600" fontAlgn="base">
+              <a:lnSpc>
+                <a:spcPct val="90000"/>
+              </a:lnSpc>
+              <a:spcBef>
+                <a:spcPts val="500"/>
+              </a:spcBef>
+              <a:spcAft>
+                <a:spcPct val="0"/>
+              </a:spcAft>
+              <a:buFont typeface="Arial" panose="020B0604020202020204" pitchFamily="34" charset="0"/>
+              <a:buChar char="•"/>
+              <a:defRPr sz="1600">
+                <a:solidFill>
+                  <a:schemeClr val="tx1"/>
+                </a:solidFill>
+                <a:latin typeface="Calibri" panose="020F0502020204030204" pitchFamily="34" charset="0"/>
+              </a:defRPr>
+            </a:lvl9pPr>
+          </a:lstStyle>
+          <a:p>
+            <a:pPr eaLnBrk="1" hangingPunct="1">
+              <a:lnSpc>
+                <a:spcPct val="103000"/>
+              </a:lnSpc>
+              <a:spcBef>
+                <a:spcPct val="0"/>
+              </a:spcBef>
+              <a:buFontTx/>
+              <a:buNone/>
+            </a:pPr>
+            <a:r>
+              <a:rPr lang="en-US" altLang="en-US" sz="2800">
+                <a:cs typeface="Calibri" panose="020F0502020204030204" pitchFamily="34" charset="0"/>
+              </a:rPr>
+              <a:t>All functions are part of the </a:t>
+            </a:r>
+            <a:r>
+              <a:rPr lang="en-US" altLang="en-US" sz="2800">
+                <a:latin typeface="Courier New" panose="02070309020205020404" pitchFamily="49" charset="0"/>
+                <a:ea typeface="MS Gothic" panose="020B0609070205080204" pitchFamily="49" charset="-128"/>
+                <a:cs typeface="Courier New" panose="02070309020205020404" pitchFamily="49" charset="0"/>
+              </a:rPr>
+              <a:t>numpy.ma</a:t>
+            </a:r>
+            <a:r>
+              <a:rPr lang="en-US" altLang="en-US" sz="2800">
+                <a:latin typeface="MS Gothic" panose="020B0609070205080204" pitchFamily="49" charset="-128"/>
+                <a:ea typeface="MS Gothic" panose="020B0609070205080204" pitchFamily="49" charset="-128"/>
+                <a:cs typeface="Calibri" panose="020F0502020204030204" pitchFamily="34" charset="0"/>
+              </a:rPr>
+              <a:t> </a:t>
+            </a:r>
+            <a:r>
+              <a:rPr lang="en-US" altLang="en-US" sz="2800">
+                <a:cs typeface="Calibri" panose="020F0502020204030204" pitchFamily="34" charset="0"/>
+              </a:rPr>
+              <a:t>submodule. </a:t>
+            </a:r>
+            <a:br>
+              <a:rPr lang="en-US" altLang="en-US" sz="2800">
+                <a:cs typeface="Calibri" panose="020F0502020204030204" pitchFamily="34" charset="0"/>
+              </a:rPr>
+            </a:br>
+            <a:br>
+              <a:rPr lang="en-US" altLang="en-US" sz="2800">
+                <a:cs typeface="Calibri" panose="020F0502020204030204" pitchFamily="34" charset="0"/>
+              </a:rPr>
+            </a:br>
+            <a:r>
+              <a:rPr lang="en-US" altLang="en-US" sz="2800">
+                <a:cs typeface="Calibri" panose="020F0502020204030204" pitchFamily="34" charset="0"/>
+              </a:rPr>
+              <a:t>In these examples, assume that</a:t>
+            </a:r>
+            <a:br>
+              <a:rPr lang="en-US" altLang="en-US" sz="2800">
+                <a:cs typeface="Calibri" panose="020F0502020204030204" pitchFamily="34" charset="0"/>
+              </a:rPr>
+            </a:br>
+            <a:r>
+              <a:rPr lang="en-US" altLang="en-US" sz="2800">
+                <a:cs typeface="Calibri" panose="020F0502020204030204" pitchFamily="34" charset="0"/>
+              </a:rPr>
+              <a:t>I import that submodule with:</a:t>
+            </a:r>
+          </a:p>
+          <a:p>
+            <a:pPr eaLnBrk="1" hangingPunct="1">
+              <a:lnSpc>
+                <a:spcPct val="103000"/>
+              </a:lnSpc>
+              <a:spcBef>
+                <a:spcPct val="0"/>
+              </a:spcBef>
+              <a:buFontTx/>
+              <a:buNone/>
+            </a:pPr>
+            <a:r>
+              <a:rPr lang="en-US" altLang="en-US" sz="2800" b="1">
+                <a:latin typeface="Courier New" panose="02070309020205020404" pitchFamily="49" charset="0"/>
+                <a:ea typeface="MS Gothic" panose="020B0609070205080204" pitchFamily="49" charset="-128"/>
+              </a:rPr>
+              <a:t>import</a:t>
+            </a:r>
+            <a:r>
+              <a:rPr lang="en-US" altLang="en-US" sz="2800">
+                <a:latin typeface="Courier New" panose="02070309020205020404" pitchFamily="49" charset="0"/>
+                <a:ea typeface="MS Gothic" panose="020B0609070205080204" pitchFamily="49" charset="-128"/>
+              </a:rPr>
+              <a:t> numpy.ma </a:t>
+            </a:r>
+            <a:r>
+              <a:rPr lang="en-US" altLang="en-US" sz="2800" b="1">
+                <a:latin typeface="Courier New" panose="02070309020205020404" pitchFamily="49" charset="0"/>
+                <a:ea typeface="MS Gothic" panose="020B0609070205080204" pitchFamily="49" charset="-128"/>
+              </a:rPr>
+              <a:t>as</a:t>
+            </a:r>
+            <a:r>
+              <a:rPr lang="en-US" altLang="en-US" sz="2800">
+                <a:latin typeface="Courier New" panose="02070309020205020404" pitchFamily="49" charset="0"/>
+                <a:ea typeface="MS Gothic" panose="020B0609070205080204" pitchFamily="49" charset="-128"/>
+              </a:rPr>
+              <a:t> MA </a:t>
+            </a:r>
+          </a:p>
+          <a:p>
+            <a:pPr eaLnBrk="1" hangingPunct="1">
+              <a:lnSpc>
+                <a:spcPct val="103000"/>
+              </a:lnSpc>
+              <a:spcBef>
+                <a:spcPct val="0"/>
+              </a:spcBef>
+              <a:buFontTx/>
+              <a:buNone/>
+            </a:pPr>
+            <a:endParaRPr lang="en-US" altLang="en-US" sz="2800">
+              <a:cs typeface="Calibri" panose="020F0502020204030204" pitchFamily="34" charset="0"/>
+            </a:endParaRPr>
+          </a:p>
+          <a:p>
+            <a:pPr eaLnBrk="1" hangingPunct="1">
+              <a:lnSpc>
+                <a:spcPct val="103000"/>
+              </a:lnSpc>
+              <a:spcBef>
+                <a:spcPct val="0"/>
+              </a:spcBef>
+              <a:buFontTx/>
+              <a:buNone/>
+            </a:pPr>
+            <a:r>
+              <a:rPr lang="en-US" altLang="en-US" sz="2800">
+                <a:cs typeface="Calibri" panose="020F0502020204030204" pitchFamily="34" charset="0"/>
+              </a:rPr>
+              <a:t>and NumPy is imported as </a:t>
+            </a:r>
+          </a:p>
+          <a:p>
+            <a:pPr eaLnBrk="1" hangingPunct="1">
+              <a:lnSpc>
+                <a:spcPct val="103000"/>
+              </a:lnSpc>
+              <a:spcBef>
+                <a:spcPct val="0"/>
+              </a:spcBef>
+              <a:buFontTx/>
+              <a:buNone/>
+            </a:pPr>
+            <a:r>
+              <a:rPr lang="en-US" altLang="en-US" sz="2800" b="1">
+                <a:latin typeface="Courier New" panose="02070309020205020404" pitchFamily="49" charset="0"/>
+                <a:ea typeface="MS Gothic" panose="020B0609070205080204" pitchFamily="49" charset="-128"/>
+              </a:rPr>
+              <a:t>import</a:t>
+            </a:r>
+            <a:r>
+              <a:rPr lang="en-US" altLang="en-US" sz="2800">
+                <a:latin typeface="Courier New" panose="02070309020205020404" pitchFamily="49" charset="0"/>
+                <a:ea typeface="MS Gothic" panose="020B0609070205080204" pitchFamily="49" charset="-128"/>
+              </a:rPr>
+              <a:t> numpy </a:t>
+            </a:r>
+            <a:r>
+              <a:rPr lang="en-US" altLang="en-US" sz="2800" b="1">
+                <a:latin typeface="Courier New" panose="02070309020205020404" pitchFamily="49" charset="0"/>
+                <a:ea typeface="MS Gothic" panose="020B0609070205080204" pitchFamily="49" charset="-128"/>
+              </a:rPr>
+              <a:t>as</a:t>
+            </a:r>
+            <a:r>
+              <a:rPr lang="en-US" altLang="en-US" sz="2800">
+                <a:latin typeface="Courier New" panose="02070309020205020404" pitchFamily="49" charset="0"/>
+                <a:ea typeface="MS Gothic" panose="020B0609070205080204" pitchFamily="49" charset="-128"/>
+              </a:rPr>
+              <a:t> np</a:t>
+            </a:r>
+            <a:endParaRPr lang="en-US" altLang="en-US" sz="2800">
+              <a:cs typeface="Calibri" panose="020F0502020204030204" pitchFamily="34" charset="0"/>
+            </a:endParaRPr>
+          </a:p>
+        </p:txBody>
+      </p:sp>
+      <p:sp>
+        <p:nvSpPr>
+          <p:cNvPr id="66563" name="object 2"/>
+          <p:cNvSpPr txBox="1">
+            <a:spLocks/>
+          </p:cNvSpPr>
+          <p:nvPr/>
+        </p:nvSpPr>
+        <p:spPr bwMode="auto">
+          <a:xfrm>
+            <a:off x="457200" y="260350"/>
+            <a:ext cx="8229600" cy="1355725"/>
+          </a:xfrm>
+          <a:prstGeom prst="rect">
+            <a:avLst/>
+          </a:prstGeom>
+          <a:noFill/>
+          <a:ln>
+            <a:noFill/>
+          </a:ln>
+          <a:extLst>
+            <a:ext uri="{909E8E84-426E-40DD-AFC4-6F175D3DCCD1}">
+              <a14:hiddenFill xmlns:a14="http://schemas.microsoft.com/office/drawing/2010/main">
+                <a:solidFill>
+                  <a:srgbClr val="FFFFFF"/>
+                </a:solidFill>
+              </a14:hiddenFill>
+            </a:ext>
+            <a:ext uri="{91240B29-F687-4F45-9708-019B960494DF}">
+              <a14:hiddenLine xmlns:a14="http://schemas.microsoft.com/office/drawing/2010/main" w="9525">
+                <a:solidFill>
+                  <a:srgbClr val="000000"/>
+                </a:solidFill>
+                <a:miter lim="800000"/>
+                <a:headEnd/>
+                <a:tailEnd/>
+              </a14:hiddenLine>
+            </a:ext>
+          </a:extLst>
+        </p:spPr>
+        <p:txBody>
+          <a:bodyPr anchor="ctr"/>
+          <a:lstStyle>
+            <a:lvl1pPr>
+              <a:lnSpc>
+                <a:spcPct val="90000"/>
+              </a:lnSpc>
+              <a:spcBef>
+                <a:spcPts val="1000"/>
+              </a:spcBef>
+              <a:buFont typeface="Arial" panose="020B0604020202020204" pitchFamily="34" charset="0"/>
+              <a:buChar char="•"/>
+              <a:defRPr sz="2400">
+                <a:solidFill>
+                  <a:schemeClr val="tx1"/>
+                </a:solidFill>
+                <a:latin typeface="Calibri" panose="020F0502020204030204" pitchFamily="34" charset="0"/>
+              </a:defRPr>
+            </a:lvl1pPr>
+            <a:lvl2pPr marL="742950" indent="-285750">
+              <a:lnSpc>
+                <a:spcPct val="90000"/>
+              </a:lnSpc>
+              <a:spcBef>
+                <a:spcPts val="500"/>
+              </a:spcBef>
+              <a:buFont typeface="Arial" panose="020B0604020202020204" pitchFamily="34" charset="0"/>
+              <a:buChar char="•"/>
+              <a:defRPr sz="2000">
+                <a:solidFill>
+                  <a:schemeClr val="tx1"/>
+                </a:solidFill>
+                <a:latin typeface="Calibri" panose="020F0502020204030204" pitchFamily="34" charset="0"/>
+              </a:defRPr>
+            </a:lvl2pPr>
+            <a:lvl3pPr marL="1143000" indent="-228600">
+              <a:lnSpc>
+                <a:spcPct val="90000"/>
+              </a:lnSpc>
+              <a:spcBef>
+                <a:spcPts val="500"/>
+              </a:spcBef>
+              <a:buFont typeface="Arial" panose="020B0604020202020204" pitchFamily="34" charset="0"/>
+              <a:buChar char="•"/>
+              <a:defRPr>
+                <a:solidFill>
+                  <a:schemeClr val="tx1"/>
+                </a:solidFill>
+                <a:latin typeface="Calibri" panose="020F0502020204030204" pitchFamily="34" charset="0"/>
+              </a:defRPr>
+            </a:lvl3pPr>
+            <a:lvl4pPr marL="1600200" indent="-228600">
+              <a:lnSpc>
+                <a:spcPct val="90000"/>
+              </a:lnSpc>
+              <a:spcBef>
+                <a:spcPts val="500"/>
+              </a:spcBef>
+              <a:buFont typeface="Arial" panose="020B0604020202020204" pitchFamily="34" charset="0"/>
+              <a:buChar char="•"/>
+              <a:defRPr sz="1600">
+                <a:solidFill>
+                  <a:schemeClr val="tx1"/>
+                </a:solidFill>
+                <a:latin typeface="Calibri" panose="020F0502020204030204" pitchFamily="34" charset="0"/>
+              </a:defRPr>
+            </a:lvl4pPr>
+            <a:lvl5pPr marL="2057400" indent="-228600">
+              <a:lnSpc>
+                <a:spcPct val="90000"/>
+              </a:lnSpc>
+              <a:spcBef>
+                <a:spcPts val="500"/>
+              </a:spcBef>
+              <a:buFont typeface="Arial" panose="020B0604020202020204" pitchFamily="34" charset="0"/>
+              <a:buChar char="•"/>
+              <a:defRPr sz="1600">
+                <a:solidFill>
+                  <a:schemeClr val="tx1"/>
+                </a:solidFill>
+                <a:latin typeface="Calibri" panose="020F0502020204030204" pitchFamily="34" charset="0"/>
+              </a:defRPr>
+            </a:lvl5pPr>
+            <a:lvl6pPr marL="2514600" indent="-228600" fontAlgn="base">
+              <a:lnSpc>
+                <a:spcPct val="90000"/>
+              </a:lnSpc>
+              <a:spcBef>
+                <a:spcPts val="500"/>
+              </a:spcBef>
+              <a:spcAft>
+                <a:spcPct val="0"/>
+              </a:spcAft>
+              <a:buFont typeface="Arial" panose="020B0604020202020204" pitchFamily="34" charset="0"/>
+              <a:buChar char="•"/>
+              <a:defRPr sz="1600">
+                <a:solidFill>
+                  <a:schemeClr val="tx1"/>
+                </a:solidFill>
+                <a:latin typeface="Calibri" panose="020F0502020204030204" pitchFamily="34" charset="0"/>
+              </a:defRPr>
+            </a:lvl6pPr>
+            <a:lvl7pPr marL="2971800" indent="-228600" fontAlgn="base">
+              <a:lnSpc>
+                <a:spcPct val="90000"/>
+              </a:lnSpc>
+              <a:spcBef>
+                <a:spcPts val="500"/>
+              </a:spcBef>
+              <a:spcAft>
+                <a:spcPct val="0"/>
+              </a:spcAft>
+              <a:buFont typeface="Arial" panose="020B0604020202020204" pitchFamily="34" charset="0"/>
+              <a:buChar char="•"/>
+              <a:defRPr sz="1600">
+                <a:solidFill>
+                  <a:schemeClr val="tx1"/>
+                </a:solidFill>
+                <a:latin typeface="Calibri" panose="020F0502020204030204" pitchFamily="34" charset="0"/>
+              </a:defRPr>
+            </a:lvl7pPr>
+            <a:lvl8pPr marL="3429000" indent="-228600" fontAlgn="base">
+              <a:lnSpc>
+                <a:spcPct val="90000"/>
+              </a:lnSpc>
+              <a:spcBef>
+                <a:spcPts val="500"/>
+              </a:spcBef>
+              <a:spcAft>
+                <a:spcPct val="0"/>
+              </a:spcAft>
+              <a:buFont typeface="Arial" panose="020B0604020202020204" pitchFamily="34" charset="0"/>
+              <a:buChar char="•"/>
+              <a:defRPr sz="1600">
+                <a:solidFill>
+                  <a:schemeClr val="tx1"/>
+                </a:solidFill>
+                <a:latin typeface="Calibri" panose="020F0502020204030204" pitchFamily="34" charset="0"/>
+              </a:defRPr>
+            </a:lvl8pPr>
+            <a:lvl9pPr marL="3886200" indent="-228600" fontAlgn="base">
+              <a:lnSpc>
+                <a:spcPct val="90000"/>
+              </a:lnSpc>
+              <a:spcBef>
+                <a:spcPts val="500"/>
+              </a:spcBef>
+              <a:spcAft>
+                <a:spcPct val="0"/>
+              </a:spcAft>
+              <a:buFont typeface="Arial" panose="020B0604020202020204" pitchFamily="34" charset="0"/>
+              <a:buChar char="•"/>
+              <a:defRPr sz="1600">
+                <a:solidFill>
+                  <a:schemeClr val="tx1"/>
+                </a:solidFill>
+                <a:latin typeface="Calibri" panose="020F0502020204030204" pitchFamily="34" charset="0"/>
+              </a:defRPr>
+            </a:lvl9pPr>
+          </a:lstStyle>
+          <a:p>
+            <a:pPr algn="ctr" eaLnBrk="1" hangingPunct="1">
+              <a:lnSpc>
+                <a:spcPct val="100000"/>
+              </a:lnSpc>
+              <a:spcBef>
+                <a:spcPct val="0"/>
+              </a:spcBef>
+              <a:buFontTx/>
+              <a:buNone/>
+            </a:pPr>
+            <a:r>
+              <a:rPr lang="en-US" altLang="en-US" sz="4400" b="1">
+                <a:cs typeface="Calibri" panose="020F0502020204030204" pitchFamily="34" charset="0"/>
+              </a:rPr>
+              <a:t>Constructing Masked Arrays 1</a:t>
+            </a:r>
+          </a:p>
+        </p:txBody>
+      </p:sp>
+    </p:spTree>
+  </p:cSld>
+  <p:clrMapOvr>
+    <a:masterClrMapping/>
+  </p:clrMapOvr>
+  <p:transition>
+    <p:cut/>
+  </p:transition>
 </p:sld>
 </file>
 
@@ -16184,14 +15248,14 @@
           <a:lstStyle/>
           <a:p>
             <a:r>
-              <a:rPr lang="en-US" altLang="en-US" sz="4000" b="1" smtClean="0"/>
+              <a:rPr lang="en-US" altLang="en-US" sz="4000" b="1"/>
               <a:t>What is an array</a:t>
             </a:r>
             <a:r>
-              <a:rPr lang="en-GB" altLang="en-US" sz="4000" b="1" smtClean="0"/>
+              <a:rPr lang="en-GB" altLang="en-US" sz="4000" b="1"/>
               <a:t>?</a:t>
             </a:r>
-            <a:endParaRPr lang="en-US" altLang="en-US" sz="4000" b="1" smtClean="0"/>
+            <a:endParaRPr lang="en-US" altLang="en-US" sz="4000" b="1"/>
           </a:p>
         </p:txBody>
       </p:sp>
@@ -16224,11 +15288,11 @@
               <a:defRPr/>
             </a:pPr>
             <a:r>
-              <a:rPr sz="3200" spc="10" dirty="0" smtClean="0"/>
+              <a:rPr sz="3200" spc="10" dirty="0"/>
               <a:t>An</a:t>
             </a:r>
             <a:r>
-              <a:rPr sz="3200" spc="30" dirty="0" smtClean="0"/>
+              <a:rPr sz="3200" spc="30" dirty="0"/>
               <a:t> </a:t>
             </a:r>
             <a:r>
@@ -16292,7 +15356,7 @@
               <a:t> </a:t>
             </a:r>
             <a:r>
-              <a:rPr sz="3200" spc="-109" dirty="0" smtClean="0"/>
+              <a:rPr sz="3200" spc="-109" dirty="0"/>
               <a:t>except:</a:t>
             </a:r>
             <a:endParaRPr lang="en-GB" sz="3200" dirty="0">
@@ -16307,11 +15371,11 @@
               <a:defRPr/>
             </a:pPr>
             <a:r>
-              <a:rPr sz="3200" spc="40" dirty="0" smtClean="0"/>
+              <a:rPr sz="3200" spc="40" dirty="0"/>
               <a:t>All</a:t>
             </a:r>
             <a:r>
-              <a:rPr sz="3200" spc="30" dirty="0" smtClean="0"/>
+              <a:rPr sz="3200" spc="30" dirty="0"/>
               <a:t> </a:t>
             </a:r>
             <a:r>
@@ -16451,10 +15515,10 @@
               <a:t> </a:t>
             </a:r>
             <a:r>
-              <a:rPr sz="3200" spc="-79" dirty="0" smtClean="0"/>
+              <a:rPr sz="3200" spc="-79" dirty="0"/>
               <a:t>faster.</a:t>
             </a:r>
-            <a:endParaRPr lang="en-GB" sz="3200" spc="-79" dirty="0" smtClean="0"/>
+            <a:endParaRPr lang="en-GB" sz="3200" spc="-79" dirty="0"/>
           </a:p>
           <a:p>
             <a:pPr marL="680796" lvl="1" fontAlgn="auto">
@@ -16464,11 +15528,11 @@
               <a:defRPr/>
             </a:pPr>
             <a:r>
-              <a:rPr sz="3200" spc="-50" dirty="0" smtClean="0"/>
+              <a:rPr sz="3200" spc="-50" dirty="0"/>
               <a:t>Multi-dimensional</a:t>
             </a:r>
             <a:r>
-              <a:rPr sz="3200" spc="50" dirty="0" smtClean="0"/>
+              <a:rPr sz="3200" spc="50" dirty="0"/>
               <a:t> </a:t>
             </a:r>
             <a:r>
@@ -16536,22 +15600,22 @@
               <a:t> </a:t>
             </a:r>
             <a:r>
-              <a:rPr sz="3200" spc="-99" dirty="0" smtClean="0"/>
+              <a:rPr sz="3200" spc="-99" dirty="0"/>
               <a:t>sup</a:t>
             </a:r>
             <a:r>
-              <a:rPr sz="3200" spc="-50" dirty="0" smtClean="0"/>
+              <a:rPr sz="3200" spc="-50" dirty="0"/>
               <a:t>p</a:t>
             </a:r>
             <a:r>
-              <a:rPr sz="3200" spc="-159" dirty="0" smtClean="0"/>
+              <a:rPr sz="3200" spc="-159" dirty="0"/>
               <a:t>o</a:t>
             </a:r>
             <a:r>
-              <a:rPr sz="3200" spc="-59" dirty="0" smtClean="0"/>
+              <a:rPr sz="3200" spc="-59" dirty="0"/>
               <a:t>rted.</a:t>
             </a:r>
-            <a:endParaRPr lang="en-GB" sz="3200" spc="-59" dirty="0" smtClean="0"/>
+            <a:endParaRPr lang="en-GB" sz="3200" spc="-59" dirty="0"/>
           </a:p>
           <a:p>
             <a:pPr marL="680796" lvl="1" fontAlgn="auto">
@@ -16561,19 +15625,19 @@
               <a:defRPr/>
             </a:pPr>
             <a:r>
-              <a:rPr sz="3200" spc="-20" dirty="0" smtClean="0"/>
+              <a:rPr sz="3200" spc="-20" dirty="0"/>
               <a:t>Arr</a:t>
             </a:r>
             <a:r>
-              <a:rPr sz="3200" spc="-89" dirty="0" smtClean="0"/>
+              <a:rPr sz="3200" spc="-89" dirty="0"/>
               <a:t>a</a:t>
             </a:r>
             <a:r>
-              <a:rPr sz="3200" spc="-79" dirty="0" smtClean="0"/>
+              <a:rPr sz="3200" spc="-79" dirty="0"/>
               <a:t>y</a:t>
             </a:r>
             <a:r>
-              <a:rPr sz="3200" spc="30" dirty="0" smtClean="0"/>
+              <a:rPr sz="3200" spc="30" dirty="0"/>
               <a:t> </a:t>
             </a:r>
             <a:r>
@@ -16605,19 +15669,19 @@
               <a:t> </a:t>
             </a:r>
             <a:r>
-              <a:rPr sz="3200" spc="-99" dirty="0" smtClean="0"/>
+              <a:rPr sz="3200" spc="-99" dirty="0"/>
               <a:t>sup</a:t>
             </a:r>
             <a:r>
-              <a:rPr sz="3200" spc="-50" dirty="0" smtClean="0"/>
+              <a:rPr sz="3200" spc="-50" dirty="0"/>
               <a:t>p</a:t>
             </a:r>
             <a:r>
-              <a:rPr sz="3200" spc="-159" dirty="0" smtClean="0"/>
+              <a:rPr sz="3200" spc="-159" dirty="0"/>
               <a:t>o</a:t>
             </a:r>
             <a:r>
-              <a:rPr sz="3200" spc="-59" dirty="0" smtClean="0"/>
+              <a:rPr sz="3200" spc="-59" dirty="0"/>
               <a:t>rted</a:t>
             </a:r>
             <a:endParaRPr sz="3200" dirty="0">
@@ -16833,752 +15897,6 @@
       </p:grpSpPr>
       <p:sp>
         <p:nvSpPr>
-          <p:cNvPr id="64514" name="object 2"/>
-          <p:cNvSpPr>
-            <a:spLocks noGrp="1"/>
-          </p:cNvSpPr>
-          <p:nvPr>
-            <p:ph type="title"/>
-          </p:nvPr>
-        </p:nvSpPr>
-        <p:spPr>
-          <a:xfrm>
-            <a:off x="457200" y="168275"/>
-            <a:ext cx="8229600" cy="1355725"/>
-          </a:xfrm>
-        </p:spPr>
-        <p:txBody>
-          <a:bodyPr/>
-          <a:lstStyle/>
-          <a:p>
-            <a:r>
-              <a:rPr lang="en-GB" altLang="en-US" b="1" smtClean="0"/>
-              <a:t>Comparing arrays and masked arrays</a:t>
-            </a:r>
-          </a:p>
-        </p:txBody>
-      </p:sp>
-      <p:sp>
-        <p:nvSpPr>
-          <p:cNvPr id="5" name="object 3"/>
-          <p:cNvSpPr/>
-          <p:nvPr/>
-        </p:nvSpPr>
-        <p:spPr>
-          <a:xfrm>
-            <a:off x="539552" y="1904256"/>
-            <a:ext cx="8028431" cy="2667744"/>
-          </a:xfrm>
-          <a:prstGeom prst="rect">
-            <a:avLst/>
-          </a:prstGeom>
-          <a:blipFill>
-            <a:blip r:embed="rId3" cstate="print"/>
-            <a:srcRect/>
-            <a:stretch>
-              <a:fillRect t="-1" b="-80846"/>
-            </a:stretch>
-          </a:blipFill>
-        </p:spPr>
-        <p:txBody>
-          <a:bodyPr lIns="0" tIns="0" rIns="0" bIns="0"/>
-          <a:lstStyle/>
-          <a:p>
-            <a:pPr eaLnBrk="1" hangingPunct="1">
-              <a:defRPr/>
-            </a:pPr>
-            <a:endParaRPr dirty="0">
-              <a:latin typeface="Calibri" panose="020F0502020204030204" pitchFamily="34" charset="0"/>
-              <a:cs typeface="Calibri" panose="020F0502020204030204" pitchFamily="34" charset="0"/>
-            </a:endParaRPr>
-          </a:p>
-        </p:txBody>
-      </p:sp>
-    </p:spTree>
-  </p:cSld>
-  <p:clrMapOvr>
-    <a:masterClrMapping/>
-  </p:clrMapOvr>
-  <p:transition>
-    <p:cut/>
-  </p:transition>
-  <p:timing>
-    <p:tnLst>
-      <p:par>
-        <p:cTn id="1" dur="indefinite" restart="never" nodeType="tmRoot"/>
-      </p:par>
-    </p:tnLst>
-  </p:timing>
-</p:sld>
-</file>
-
-<file path=ppt/slides/slide31.xml><?xml version="1.0" encoding="utf-8"?>
-<p:sld xmlns:a="http://schemas.openxmlformats.org/drawingml/2006/main" xmlns:r="http://schemas.openxmlformats.org/officeDocument/2006/relationships" xmlns:p="http://schemas.openxmlformats.org/presentationml/2006/main">
-  <p:cSld>
-    <p:spTree>
-      <p:nvGrpSpPr>
-        <p:cNvPr id="1" name=""/>
-        <p:cNvGrpSpPr/>
-        <p:nvPr/>
-      </p:nvGrpSpPr>
-      <p:grpSpPr>
-        <a:xfrm>
-          <a:off x="0" y="0"/>
-          <a:ext cx="0" cy="0"/>
-          <a:chOff x="0" y="0"/>
-          <a:chExt cx="0" cy="0"/>
-        </a:xfrm>
-      </p:grpSpPr>
-      <p:sp>
-        <p:nvSpPr>
-          <p:cNvPr id="66562" name="object 3"/>
-          <p:cNvSpPr txBox="1">
-            <a:spLocks noChangeArrowheads="1"/>
-          </p:cNvSpPr>
-          <p:nvPr/>
-        </p:nvSpPr>
-        <p:spPr bwMode="auto">
-          <a:xfrm>
-            <a:off x="827088" y="1700213"/>
-            <a:ext cx="7489825" cy="3994150"/>
-          </a:xfrm>
-          <a:prstGeom prst="rect">
-            <a:avLst/>
-          </a:prstGeom>
-          <a:noFill/>
-          <a:ln>
-            <a:noFill/>
-          </a:ln>
-          <a:extLst>
-            <a:ext uri="{909E8E84-426E-40DD-AFC4-6F175D3DCCD1}">
-              <a14:hiddenFill xmlns:a14="http://schemas.microsoft.com/office/drawing/2010/main">
-                <a:solidFill>
-                  <a:srgbClr val="FFFFFF"/>
-                </a:solidFill>
-              </a14:hiddenFill>
-            </a:ext>
-            <a:ext uri="{91240B29-F687-4F45-9708-019B960494DF}">
-              <a14:hiddenLine xmlns:a14="http://schemas.microsoft.com/office/drawing/2010/main" w="9525">
-                <a:solidFill>
-                  <a:srgbClr val="000000"/>
-                </a:solidFill>
-                <a:miter lim="800000"/>
-                <a:headEnd/>
-                <a:tailEnd/>
-              </a14:hiddenLine>
-            </a:ext>
-          </a:extLst>
-        </p:spPr>
-        <p:txBody>
-          <a:bodyPr lIns="0" tIns="0" rIns="0" bIns="0">
-            <a:spAutoFit/>
-          </a:bodyPr>
-          <a:lstStyle>
-            <a:lvl1pPr>
-              <a:lnSpc>
-                <a:spcPct val="90000"/>
-              </a:lnSpc>
-              <a:spcBef>
-                <a:spcPts val="1000"/>
-              </a:spcBef>
-              <a:buFont typeface="Arial" panose="020B0604020202020204" pitchFamily="34" charset="0"/>
-              <a:buChar char="•"/>
-              <a:defRPr sz="2400">
-                <a:solidFill>
-                  <a:schemeClr val="tx1"/>
-                </a:solidFill>
-                <a:latin typeface="Calibri" panose="020F0502020204030204" pitchFamily="34" charset="0"/>
-              </a:defRPr>
-            </a:lvl1pPr>
-            <a:lvl2pPr marL="742950" indent="-285750">
-              <a:lnSpc>
-                <a:spcPct val="90000"/>
-              </a:lnSpc>
-              <a:spcBef>
-                <a:spcPts val="500"/>
-              </a:spcBef>
-              <a:buFont typeface="Arial" panose="020B0604020202020204" pitchFamily="34" charset="0"/>
-              <a:buChar char="•"/>
-              <a:defRPr sz="2000">
-                <a:solidFill>
-                  <a:schemeClr val="tx1"/>
-                </a:solidFill>
-                <a:latin typeface="Calibri" panose="020F0502020204030204" pitchFamily="34" charset="0"/>
-              </a:defRPr>
-            </a:lvl2pPr>
-            <a:lvl3pPr marL="1143000" indent="-228600">
-              <a:lnSpc>
-                <a:spcPct val="90000"/>
-              </a:lnSpc>
-              <a:spcBef>
-                <a:spcPts val="500"/>
-              </a:spcBef>
-              <a:buFont typeface="Arial" panose="020B0604020202020204" pitchFamily="34" charset="0"/>
-              <a:buChar char="•"/>
-              <a:defRPr>
-                <a:solidFill>
-                  <a:schemeClr val="tx1"/>
-                </a:solidFill>
-                <a:latin typeface="Calibri" panose="020F0502020204030204" pitchFamily="34" charset="0"/>
-              </a:defRPr>
-            </a:lvl3pPr>
-            <a:lvl4pPr marL="1600200" indent="-228600">
-              <a:lnSpc>
-                <a:spcPct val="90000"/>
-              </a:lnSpc>
-              <a:spcBef>
-                <a:spcPts val="500"/>
-              </a:spcBef>
-              <a:buFont typeface="Arial" panose="020B0604020202020204" pitchFamily="34" charset="0"/>
-              <a:buChar char="•"/>
-              <a:defRPr sz="1600">
-                <a:solidFill>
-                  <a:schemeClr val="tx1"/>
-                </a:solidFill>
-                <a:latin typeface="Calibri" panose="020F0502020204030204" pitchFamily="34" charset="0"/>
-              </a:defRPr>
-            </a:lvl4pPr>
-            <a:lvl5pPr marL="2057400" indent="-228600">
-              <a:lnSpc>
-                <a:spcPct val="90000"/>
-              </a:lnSpc>
-              <a:spcBef>
-                <a:spcPts val="500"/>
-              </a:spcBef>
-              <a:buFont typeface="Arial" panose="020B0604020202020204" pitchFamily="34" charset="0"/>
-              <a:buChar char="•"/>
-              <a:defRPr sz="1600">
-                <a:solidFill>
-                  <a:schemeClr val="tx1"/>
-                </a:solidFill>
-                <a:latin typeface="Calibri" panose="020F0502020204030204" pitchFamily="34" charset="0"/>
-              </a:defRPr>
-            </a:lvl5pPr>
-            <a:lvl6pPr marL="2514600" indent="-228600" fontAlgn="base">
-              <a:lnSpc>
-                <a:spcPct val="90000"/>
-              </a:lnSpc>
-              <a:spcBef>
-                <a:spcPts val="500"/>
-              </a:spcBef>
-              <a:spcAft>
-                <a:spcPct val="0"/>
-              </a:spcAft>
-              <a:buFont typeface="Arial" panose="020B0604020202020204" pitchFamily="34" charset="0"/>
-              <a:buChar char="•"/>
-              <a:defRPr sz="1600">
-                <a:solidFill>
-                  <a:schemeClr val="tx1"/>
-                </a:solidFill>
-                <a:latin typeface="Calibri" panose="020F0502020204030204" pitchFamily="34" charset="0"/>
-              </a:defRPr>
-            </a:lvl6pPr>
-            <a:lvl7pPr marL="2971800" indent="-228600" fontAlgn="base">
-              <a:lnSpc>
-                <a:spcPct val="90000"/>
-              </a:lnSpc>
-              <a:spcBef>
-                <a:spcPts val="500"/>
-              </a:spcBef>
-              <a:spcAft>
-                <a:spcPct val="0"/>
-              </a:spcAft>
-              <a:buFont typeface="Arial" panose="020B0604020202020204" pitchFamily="34" charset="0"/>
-              <a:buChar char="•"/>
-              <a:defRPr sz="1600">
-                <a:solidFill>
-                  <a:schemeClr val="tx1"/>
-                </a:solidFill>
-                <a:latin typeface="Calibri" panose="020F0502020204030204" pitchFamily="34" charset="0"/>
-              </a:defRPr>
-            </a:lvl7pPr>
-            <a:lvl8pPr marL="3429000" indent="-228600" fontAlgn="base">
-              <a:lnSpc>
-                <a:spcPct val="90000"/>
-              </a:lnSpc>
-              <a:spcBef>
-                <a:spcPts val="500"/>
-              </a:spcBef>
-              <a:spcAft>
-                <a:spcPct val="0"/>
-              </a:spcAft>
-              <a:buFont typeface="Arial" panose="020B0604020202020204" pitchFamily="34" charset="0"/>
-              <a:buChar char="•"/>
-              <a:defRPr sz="1600">
-                <a:solidFill>
-                  <a:schemeClr val="tx1"/>
-                </a:solidFill>
-                <a:latin typeface="Calibri" panose="020F0502020204030204" pitchFamily="34" charset="0"/>
-              </a:defRPr>
-            </a:lvl8pPr>
-            <a:lvl9pPr marL="3886200" indent="-228600" fontAlgn="base">
-              <a:lnSpc>
-                <a:spcPct val="90000"/>
-              </a:lnSpc>
-              <a:spcBef>
-                <a:spcPts val="500"/>
-              </a:spcBef>
-              <a:spcAft>
-                <a:spcPct val="0"/>
-              </a:spcAft>
-              <a:buFont typeface="Arial" panose="020B0604020202020204" pitchFamily="34" charset="0"/>
-              <a:buChar char="•"/>
-              <a:defRPr sz="1600">
-                <a:solidFill>
-                  <a:schemeClr val="tx1"/>
-                </a:solidFill>
-                <a:latin typeface="Calibri" panose="020F0502020204030204" pitchFamily="34" charset="0"/>
-              </a:defRPr>
-            </a:lvl9pPr>
-          </a:lstStyle>
-          <a:p>
-            <a:pPr eaLnBrk="1" hangingPunct="1">
-              <a:lnSpc>
-                <a:spcPct val="103000"/>
-              </a:lnSpc>
-              <a:spcBef>
-                <a:spcPct val="0"/>
-              </a:spcBef>
-              <a:buFontTx/>
-              <a:buNone/>
-            </a:pPr>
-            <a:r>
-              <a:rPr lang="en-US" altLang="en-US" sz="2800">
-                <a:cs typeface="Calibri" panose="020F0502020204030204" pitchFamily="34" charset="0"/>
-              </a:rPr>
-              <a:t>All functions are part of the </a:t>
-            </a:r>
-            <a:r>
-              <a:rPr lang="en-US" altLang="en-US" sz="2800">
-                <a:latin typeface="Courier New" panose="02070309020205020404" pitchFamily="49" charset="0"/>
-                <a:ea typeface="MS Gothic" panose="020B0609070205080204" pitchFamily="49" charset="-128"/>
-                <a:cs typeface="Courier New" panose="02070309020205020404" pitchFamily="49" charset="0"/>
-              </a:rPr>
-              <a:t>numpy.ma</a:t>
-            </a:r>
-            <a:r>
-              <a:rPr lang="en-US" altLang="en-US" sz="2800">
-                <a:latin typeface="MS Gothic" panose="020B0609070205080204" pitchFamily="49" charset="-128"/>
-                <a:ea typeface="MS Gothic" panose="020B0609070205080204" pitchFamily="49" charset="-128"/>
-                <a:cs typeface="Calibri" panose="020F0502020204030204" pitchFamily="34" charset="0"/>
-              </a:rPr>
-              <a:t> </a:t>
-            </a:r>
-            <a:r>
-              <a:rPr lang="en-US" altLang="en-US" sz="2800">
-                <a:cs typeface="Calibri" panose="020F0502020204030204" pitchFamily="34" charset="0"/>
-              </a:rPr>
-              <a:t>submodule. </a:t>
-            </a:r>
-            <a:br>
-              <a:rPr lang="en-US" altLang="en-US" sz="2800">
-                <a:cs typeface="Calibri" panose="020F0502020204030204" pitchFamily="34" charset="0"/>
-              </a:rPr>
-            </a:br>
-            <a:r>
-              <a:rPr lang="en-US" altLang="en-US" sz="2800">
-                <a:cs typeface="Calibri" panose="020F0502020204030204" pitchFamily="34" charset="0"/>
-              </a:rPr>
-              <a:t/>
-            </a:r>
-            <a:br>
-              <a:rPr lang="en-US" altLang="en-US" sz="2800">
-                <a:cs typeface="Calibri" panose="020F0502020204030204" pitchFamily="34" charset="0"/>
-              </a:rPr>
-            </a:br>
-            <a:r>
-              <a:rPr lang="en-US" altLang="en-US" sz="2800">
-                <a:cs typeface="Calibri" panose="020F0502020204030204" pitchFamily="34" charset="0"/>
-              </a:rPr>
-              <a:t>In these examples, assume that</a:t>
-            </a:r>
-            <a:br>
-              <a:rPr lang="en-US" altLang="en-US" sz="2800">
-                <a:cs typeface="Calibri" panose="020F0502020204030204" pitchFamily="34" charset="0"/>
-              </a:rPr>
-            </a:br>
-            <a:r>
-              <a:rPr lang="en-US" altLang="en-US" sz="2800">
-                <a:cs typeface="Calibri" panose="020F0502020204030204" pitchFamily="34" charset="0"/>
-              </a:rPr>
-              <a:t>I import that submodule with:</a:t>
-            </a:r>
-          </a:p>
-          <a:p>
-            <a:pPr eaLnBrk="1" hangingPunct="1">
-              <a:lnSpc>
-                <a:spcPct val="103000"/>
-              </a:lnSpc>
-              <a:spcBef>
-                <a:spcPct val="0"/>
-              </a:spcBef>
-              <a:buFontTx/>
-              <a:buNone/>
-            </a:pPr>
-            <a:r>
-              <a:rPr lang="en-US" altLang="en-US" sz="2800" b="1">
-                <a:latin typeface="Courier New" panose="02070309020205020404" pitchFamily="49" charset="0"/>
-                <a:ea typeface="MS Gothic" panose="020B0609070205080204" pitchFamily="49" charset="-128"/>
-              </a:rPr>
-              <a:t>import</a:t>
-            </a:r>
-            <a:r>
-              <a:rPr lang="en-US" altLang="en-US" sz="2800">
-                <a:latin typeface="Courier New" panose="02070309020205020404" pitchFamily="49" charset="0"/>
-                <a:ea typeface="MS Gothic" panose="020B0609070205080204" pitchFamily="49" charset="-128"/>
-              </a:rPr>
-              <a:t> numpy.ma </a:t>
-            </a:r>
-            <a:r>
-              <a:rPr lang="en-US" altLang="en-US" sz="2800" b="1">
-                <a:latin typeface="Courier New" panose="02070309020205020404" pitchFamily="49" charset="0"/>
-                <a:ea typeface="MS Gothic" panose="020B0609070205080204" pitchFamily="49" charset="-128"/>
-              </a:rPr>
-              <a:t>as</a:t>
-            </a:r>
-            <a:r>
-              <a:rPr lang="en-US" altLang="en-US" sz="2800">
-                <a:latin typeface="Courier New" panose="02070309020205020404" pitchFamily="49" charset="0"/>
-                <a:ea typeface="MS Gothic" panose="020B0609070205080204" pitchFamily="49" charset="-128"/>
-              </a:rPr>
-              <a:t> MA </a:t>
-            </a:r>
-          </a:p>
-          <a:p>
-            <a:pPr eaLnBrk="1" hangingPunct="1">
-              <a:lnSpc>
-                <a:spcPct val="103000"/>
-              </a:lnSpc>
-              <a:spcBef>
-                <a:spcPct val="0"/>
-              </a:spcBef>
-              <a:buFontTx/>
-              <a:buNone/>
-            </a:pPr>
-            <a:endParaRPr lang="en-US" altLang="en-US" sz="2800">
-              <a:cs typeface="Calibri" panose="020F0502020204030204" pitchFamily="34" charset="0"/>
-            </a:endParaRPr>
-          </a:p>
-          <a:p>
-            <a:pPr eaLnBrk="1" hangingPunct="1">
-              <a:lnSpc>
-                <a:spcPct val="103000"/>
-              </a:lnSpc>
-              <a:spcBef>
-                <a:spcPct val="0"/>
-              </a:spcBef>
-              <a:buFontTx/>
-              <a:buNone/>
-            </a:pPr>
-            <a:r>
-              <a:rPr lang="en-US" altLang="en-US" sz="2800">
-                <a:cs typeface="Calibri" panose="020F0502020204030204" pitchFamily="34" charset="0"/>
-              </a:rPr>
-              <a:t>and NumPy is imported as </a:t>
-            </a:r>
-          </a:p>
-          <a:p>
-            <a:pPr eaLnBrk="1" hangingPunct="1">
-              <a:lnSpc>
-                <a:spcPct val="103000"/>
-              </a:lnSpc>
-              <a:spcBef>
-                <a:spcPct val="0"/>
-              </a:spcBef>
-              <a:buFontTx/>
-              <a:buNone/>
-            </a:pPr>
-            <a:r>
-              <a:rPr lang="en-US" altLang="en-US" sz="2800" b="1">
-                <a:latin typeface="Courier New" panose="02070309020205020404" pitchFamily="49" charset="0"/>
-                <a:ea typeface="MS Gothic" panose="020B0609070205080204" pitchFamily="49" charset="-128"/>
-              </a:rPr>
-              <a:t>import</a:t>
-            </a:r>
-            <a:r>
-              <a:rPr lang="en-US" altLang="en-US" sz="2800">
-                <a:latin typeface="Courier New" panose="02070309020205020404" pitchFamily="49" charset="0"/>
-                <a:ea typeface="MS Gothic" panose="020B0609070205080204" pitchFamily="49" charset="-128"/>
-              </a:rPr>
-              <a:t> numpy </a:t>
-            </a:r>
-            <a:r>
-              <a:rPr lang="en-US" altLang="en-US" sz="2800" b="1">
-                <a:latin typeface="Courier New" panose="02070309020205020404" pitchFamily="49" charset="0"/>
-                <a:ea typeface="MS Gothic" panose="020B0609070205080204" pitchFamily="49" charset="-128"/>
-              </a:rPr>
-              <a:t>as</a:t>
-            </a:r>
-            <a:r>
-              <a:rPr lang="en-US" altLang="en-US" sz="2800">
-                <a:latin typeface="Courier New" panose="02070309020205020404" pitchFamily="49" charset="0"/>
-                <a:ea typeface="MS Gothic" panose="020B0609070205080204" pitchFamily="49" charset="-128"/>
-              </a:rPr>
-              <a:t> np</a:t>
-            </a:r>
-            <a:endParaRPr lang="en-US" altLang="en-US" sz="2800">
-              <a:cs typeface="Calibri" panose="020F0502020204030204" pitchFamily="34" charset="0"/>
-            </a:endParaRPr>
-          </a:p>
-        </p:txBody>
-      </p:sp>
-      <p:sp>
-        <p:nvSpPr>
-          <p:cNvPr id="66563" name="object 2"/>
-          <p:cNvSpPr txBox="1">
-            <a:spLocks/>
-          </p:cNvSpPr>
-          <p:nvPr/>
-        </p:nvSpPr>
-        <p:spPr bwMode="auto">
-          <a:xfrm>
-            <a:off x="457200" y="260350"/>
-            <a:ext cx="8229600" cy="1355725"/>
-          </a:xfrm>
-          <a:prstGeom prst="rect">
-            <a:avLst/>
-          </a:prstGeom>
-          <a:noFill/>
-          <a:ln>
-            <a:noFill/>
-          </a:ln>
-          <a:extLst>
-            <a:ext uri="{909E8E84-426E-40DD-AFC4-6F175D3DCCD1}">
-              <a14:hiddenFill xmlns:a14="http://schemas.microsoft.com/office/drawing/2010/main">
-                <a:solidFill>
-                  <a:srgbClr val="FFFFFF"/>
-                </a:solidFill>
-              </a14:hiddenFill>
-            </a:ext>
-            <a:ext uri="{91240B29-F687-4F45-9708-019B960494DF}">
-              <a14:hiddenLine xmlns:a14="http://schemas.microsoft.com/office/drawing/2010/main" w="9525">
-                <a:solidFill>
-                  <a:srgbClr val="000000"/>
-                </a:solidFill>
-                <a:miter lim="800000"/>
-                <a:headEnd/>
-                <a:tailEnd/>
-              </a14:hiddenLine>
-            </a:ext>
-          </a:extLst>
-        </p:spPr>
-        <p:txBody>
-          <a:bodyPr anchor="ctr"/>
-          <a:lstStyle>
-            <a:lvl1pPr>
-              <a:lnSpc>
-                <a:spcPct val="90000"/>
-              </a:lnSpc>
-              <a:spcBef>
-                <a:spcPts val="1000"/>
-              </a:spcBef>
-              <a:buFont typeface="Arial" panose="020B0604020202020204" pitchFamily="34" charset="0"/>
-              <a:buChar char="•"/>
-              <a:defRPr sz="2400">
-                <a:solidFill>
-                  <a:schemeClr val="tx1"/>
-                </a:solidFill>
-                <a:latin typeface="Calibri" panose="020F0502020204030204" pitchFamily="34" charset="0"/>
-              </a:defRPr>
-            </a:lvl1pPr>
-            <a:lvl2pPr marL="742950" indent="-285750">
-              <a:lnSpc>
-                <a:spcPct val="90000"/>
-              </a:lnSpc>
-              <a:spcBef>
-                <a:spcPts val="500"/>
-              </a:spcBef>
-              <a:buFont typeface="Arial" panose="020B0604020202020204" pitchFamily="34" charset="0"/>
-              <a:buChar char="•"/>
-              <a:defRPr sz="2000">
-                <a:solidFill>
-                  <a:schemeClr val="tx1"/>
-                </a:solidFill>
-                <a:latin typeface="Calibri" panose="020F0502020204030204" pitchFamily="34" charset="0"/>
-              </a:defRPr>
-            </a:lvl2pPr>
-            <a:lvl3pPr marL="1143000" indent="-228600">
-              <a:lnSpc>
-                <a:spcPct val="90000"/>
-              </a:lnSpc>
-              <a:spcBef>
-                <a:spcPts val="500"/>
-              </a:spcBef>
-              <a:buFont typeface="Arial" panose="020B0604020202020204" pitchFamily="34" charset="0"/>
-              <a:buChar char="•"/>
-              <a:defRPr>
-                <a:solidFill>
-                  <a:schemeClr val="tx1"/>
-                </a:solidFill>
-                <a:latin typeface="Calibri" panose="020F0502020204030204" pitchFamily="34" charset="0"/>
-              </a:defRPr>
-            </a:lvl3pPr>
-            <a:lvl4pPr marL="1600200" indent="-228600">
-              <a:lnSpc>
-                <a:spcPct val="90000"/>
-              </a:lnSpc>
-              <a:spcBef>
-                <a:spcPts val="500"/>
-              </a:spcBef>
-              <a:buFont typeface="Arial" panose="020B0604020202020204" pitchFamily="34" charset="0"/>
-              <a:buChar char="•"/>
-              <a:defRPr sz="1600">
-                <a:solidFill>
-                  <a:schemeClr val="tx1"/>
-                </a:solidFill>
-                <a:latin typeface="Calibri" panose="020F0502020204030204" pitchFamily="34" charset="0"/>
-              </a:defRPr>
-            </a:lvl4pPr>
-            <a:lvl5pPr marL="2057400" indent="-228600">
-              <a:lnSpc>
-                <a:spcPct val="90000"/>
-              </a:lnSpc>
-              <a:spcBef>
-                <a:spcPts val="500"/>
-              </a:spcBef>
-              <a:buFont typeface="Arial" panose="020B0604020202020204" pitchFamily="34" charset="0"/>
-              <a:buChar char="•"/>
-              <a:defRPr sz="1600">
-                <a:solidFill>
-                  <a:schemeClr val="tx1"/>
-                </a:solidFill>
-                <a:latin typeface="Calibri" panose="020F0502020204030204" pitchFamily="34" charset="0"/>
-              </a:defRPr>
-            </a:lvl5pPr>
-            <a:lvl6pPr marL="2514600" indent="-228600" fontAlgn="base">
-              <a:lnSpc>
-                <a:spcPct val="90000"/>
-              </a:lnSpc>
-              <a:spcBef>
-                <a:spcPts val="500"/>
-              </a:spcBef>
-              <a:spcAft>
-                <a:spcPct val="0"/>
-              </a:spcAft>
-              <a:buFont typeface="Arial" panose="020B0604020202020204" pitchFamily="34" charset="0"/>
-              <a:buChar char="•"/>
-              <a:defRPr sz="1600">
-                <a:solidFill>
-                  <a:schemeClr val="tx1"/>
-                </a:solidFill>
-                <a:latin typeface="Calibri" panose="020F0502020204030204" pitchFamily="34" charset="0"/>
-              </a:defRPr>
-            </a:lvl6pPr>
-            <a:lvl7pPr marL="2971800" indent="-228600" fontAlgn="base">
-              <a:lnSpc>
-                <a:spcPct val="90000"/>
-              </a:lnSpc>
-              <a:spcBef>
-                <a:spcPts val="500"/>
-              </a:spcBef>
-              <a:spcAft>
-                <a:spcPct val="0"/>
-              </a:spcAft>
-              <a:buFont typeface="Arial" panose="020B0604020202020204" pitchFamily="34" charset="0"/>
-              <a:buChar char="•"/>
-              <a:defRPr sz="1600">
-                <a:solidFill>
-                  <a:schemeClr val="tx1"/>
-                </a:solidFill>
-                <a:latin typeface="Calibri" panose="020F0502020204030204" pitchFamily="34" charset="0"/>
-              </a:defRPr>
-            </a:lvl7pPr>
-            <a:lvl8pPr marL="3429000" indent="-228600" fontAlgn="base">
-              <a:lnSpc>
-                <a:spcPct val="90000"/>
-              </a:lnSpc>
-              <a:spcBef>
-                <a:spcPts val="500"/>
-              </a:spcBef>
-              <a:spcAft>
-                <a:spcPct val="0"/>
-              </a:spcAft>
-              <a:buFont typeface="Arial" panose="020B0604020202020204" pitchFamily="34" charset="0"/>
-              <a:buChar char="•"/>
-              <a:defRPr sz="1600">
-                <a:solidFill>
-                  <a:schemeClr val="tx1"/>
-                </a:solidFill>
-                <a:latin typeface="Calibri" panose="020F0502020204030204" pitchFamily="34" charset="0"/>
-              </a:defRPr>
-            </a:lvl8pPr>
-            <a:lvl9pPr marL="3886200" indent="-228600" fontAlgn="base">
-              <a:lnSpc>
-                <a:spcPct val="90000"/>
-              </a:lnSpc>
-              <a:spcBef>
-                <a:spcPts val="500"/>
-              </a:spcBef>
-              <a:spcAft>
-                <a:spcPct val="0"/>
-              </a:spcAft>
-              <a:buFont typeface="Arial" panose="020B0604020202020204" pitchFamily="34" charset="0"/>
-              <a:buChar char="•"/>
-              <a:defRPr sz="1600">
-                <a:solidFill>
-                  <a:schemeClr val="tx1"/>
-                </a:solidFill>
-                <a:latin typeface="Calibri" panose="020F0502020204030204" pitchFamily="34" charset="0"/>
-              </a:defRPr>
-            </a:lvl9pPr>
-          </a:lstStyle>
-          <a:p>
-            <a:pPr algn="ctr" eaLnBrk="1" hangingPunct="1">
-              <a:lnSpc>
-                <a:spcPct val="100000"/>
-              </a:lnSpc>
-              <a:spcBef>
-                <a:spcPct val="0"/>
-              </a:spcBef>
-              <a:buFontTx/>
-              <a:buNone/>
-            </a:pPr>
-            <a:r>
-              <a:rPr lang="en-US" altLang="en-US" sz="4400" b="1">
-                <a:cs typeface="Calibri" panose="020F0502020204030204" pitchFamily="34" charset="0"/>
-              </a:rPr>
-              <a:t>Constructing Masked Arrays 1</a:t>
-            </a:r>
-          </a:p>
-        </p:txBody>
-      </p:sp>
-    </p:spTree>
-  </p:cSld>
-  <p:clrMapOvr>
-    <a:masterClrMapping/>
-  </p:clrMapOvr>
-  <p:transition>
-    <p:cut/>
-  </p:transition>
-  <p:timing>
-    <p:tnLst>
-      <p:par>
-        <p:cTn id="1" dur="indefinite" restart="never" nodeType="tmRoot"/>
-      </p:par>
-    </p:tnLst>
-  </p:timing>
-</p:sld>
-</file>
-
-<file path=ppt/slides/slide32.xml><?xml version="1.0" encoding="utf-8"?>
-<p:sld xmlns:a="http://schemas.openxmlformats.org/drawingml/2006/main" xmlns:r="http://schemas.openxmlformats.org/officeDocument/2006/relationships" xmlns:p="http://schemas.openxmlformats.org/presentationml/2006/main">
-  <p:cSld>
-    <p:spTree>
-      <p:nvGrpSpPr>
-        <p:cNvPr id="1" name=""/>
-        <p:cNvGrpSpPr/>
-        <p:nvPr/>
-      </p:nvGrpSpPr>
-      <p:grpSpPr>
-        <a:xfrm>
-          <a:off x="0" y="0"/>
-          <a:ext cx="0" cy="0"/>
-          <a:chOff x="0" y="0"/>
-          <a:chExt cx="0" cy="0"/>
-        </a:xfrm>
-      </p:grpSpPr>
-      <p:sp>
-        <p:nvSpPr>
           <p:cNvPr id="68610" name="object 3"/>
           <p:cNvSpPr txBox="1">
             <a:spLocks noChangeArrowheads="1"/>
@@ -18424,14 +16742,14 @@
               <a:defRPr/>
             </a:pPr>
             <a:r>
-              <a:rPr lang="en-GB" altLang="en-US" sz="2400" b="1" dirty="0" smtClean="0">
+              <a:rPr lang="en-GB" altLang="en-US" sz="2400" b="1" dirty="0">
                 <a:latin typeface="Courier New" panose="02070309020205020404" pitchFamily="49" charset="0"/>
                 <a:cs typeface="Courier New" panose="02070309020205020404" pitchFamily="49" charset="0"/>
               </a:rPr>
               <a:t>&gt;&gt;&gt; </a:t>
             </a:r>
             <a:r>
-              <a:rPr lang="en-GB" altLang="en-US" sz="2400" dirty="0" smtClean="0">
+              <a:rPr lang="en-GB" altLang="en-US" sz="2400" dirty="0">
                 <a:latin typeface="Courier New" panose="02070309020205020404" pitchFamily="49" charset="0"/>
                 <a:cs typeface="Courier New" panose="02070309020205020404" pitchFamily="49" charset="0"/>
               </a:rPr>
@@ -18451,7 +16769,7 @@
               <a:defRPr/>
             </a:pPr>
             <a:r>
-              <a:rPr lang="en-GB" altLang="en-US" sz="2400" i="1" dirty="0" err="1" smtClean="0">
+              <a:rPr lang="en-GB" altLang="en-US" sz="2400" i="1" dirty="0" err="1">
                 <a:solidFill>
                   <a:srgbClr val="336600"/>
                 </a:solidFill>
@@ -18461,7 +16779,7 @@
               <a:t>masked_array</a:t>
             </a:r>
             <a:r>
-              <a:rPr lang="en-GB" altLang="en-US" sz="2400" i="1" dirty="0" smtClean="0">
+              <a:rPr lang="en-GB" altLang="en-US" sz="2400" i="1" dirty="0">
                 <a:solidFill>
                   <a:srgbClr val="336600"/>
                 </a:solidFill>
@@ -18484,7 +16802,7 @@
               <a:defRPr/>
             </a:pPr>
             <a:r>
-              <a:rPr lang="en-GB" altLang="en-US" sz="2400" i="1" dirty="0" smtClean="0">
+              <a:rPr lang="en-GB" altLang="en-US" sz="2400" i="1" dirty="0">
                 <a:solidFill>
                   <a:srgbClr val="336600"/>
                 </a:solidFill>
@@ -18494,7 +16812,7 @@
               <a:t>mask = [ True  </a:t>
             </a:r>
             <a:r>
-              <a:rPr lang="en-GB" altLang="en-US" sz="2400" i="1" dirty="0" err="1" smtClean="0">
+              <a:rPr lang="en-GB" altLang="en-US" sz="2400" i="1" dirty="0" err="1">
                 <a:solidFill>
                   <a:srgbClr val="336600"/>
                 </a:solidFill>
@@ -18504,7 +16822,7 @@
               <a:t>True</a:t>
             </a:r>
             <a:r>
-              <a:rPr lang="en-GB" altLang="en-US" sz="2400" i="1" dirty="0" smtClean="0">
+              <a:rPr lang="en-GB" altLang="en-US" sz="2400" i="1" dirty="0">
                 <a:solidFill>
                   <a:srgbClr val="336600"/>
                 </a:solidFill>
@@ -18527,7 +16845,7 @@
               <a:defRPr/>
             </a:pPr>
             <a:r>
-              <a:rPr lang="en-GB" altLang="en-US" sz="2400" i="1" dirty="0" err="1" smtClean="0">
+              <a:rPr lang="en-GB" altLang="en-US" sz="2400" i="1" dirty="0" err="1">
                 <a:solidFill>
                   <a:srgbClr val="336600"/>
                 </a:solidFill>
@@ -18537,7 +16855,7 @@
               <a:t>fill_value</a:t>
             </a:r>
             <a:r>
-              <a:rPr lang="en-GB" altLang="en-US" sz="2400" i="1" dirty="0" smtClean="0">
+              <a:rPr lang="en-GB" altLang="en-US" sz="2400" i="1" dirty="0">
                 <a:solidFill>
                   <a:srgbClr val="336600"/>
                 </a:solidFill>
@@ -18547,7 +16865,7 @@
               <a:t> = 999999)</a:t>
             </a:r>
             <a:r>
-              <a:rPr lang="en-GB" altLang="en-US" sz="2400" dirty="0" smtClean="0">
+              <a:rPr lang="en-GB" altLang="en-US" sz="2400" dirty="0">
                 <a:latin typeface="Courier New" panose="02070309020205020404" pitchFamily="49" charset="0"/>
                 <a:cs typeface="Courier New" panose="02070309020205020404" pitchFamily="49" charset="0"/>
                 <a:sym typeface="Wingdings" panose="05000000000000000000" pitchFamily="2" charset="2"/>
@@ -18555,14 +16873,14 @@
               <a:t> 		</a:t>
             </a:r>
             <a:r>
-              <a:rPr lang="en-GB" altLang="en-US" sz="2400" i="1" dirty="0" smtClean="0">
+              <a:rPr lang="en-GB" altLang="en-US" sz="2400" i="1" dirty="0">
                 <a:latin typeface="+mj-lt"/>
                 <a:cs typeface="Courier New" panose="02070309020205020404" pitchFamily="49" charset="0"/>
                 <a:sym typeface="Wingdings" panose="05000000000000000000" pitchFamily="2" charset="2"/>
               </a:rPr>
               <a:t>discussed later</a:t>
             </a:r>
-            <a:endParaRPr lang="en-GB" altLang="en-US" sz="2400" i="1" dirty="0" smtClean="0">
+            <a:endParaRPr lang="en-GB" altLang="en-US" sz="2400" i="1" dirty="0">
               <a:latin typeface="+mj-lt"/>
               <a:cs typeface="Courier New" panose="02070309020205020404" pitchFamily="49" charset="0"/>
             </a:endParaRPr>
@@ -18610,17 +16928,10 @@
   <p:transition>
     <p:cut/>
   </p:transition>
-  <p:timing>
-    <p:tnLst>
-      <p:par>
-        <p:cTn id="1" dur="indefinite" restart="never" nodeType="tmRoot"/>
-      </p:par>
-    </p:tnLst>
-  </p:timing>
 </p:sld>
 </file>
 
-<file path=ppt/slides/slide33.xml><?xml version="1.0" encoding="utf-8"?>
+<file path=ppt/slides/slide31.xml><?xml version="1.0" encoding="utf-8"?>
 <p:sld xmlns:a="http://schemas.openxmlformats.org/drawingml/2006/main" xmlns:r="http://schemas.openxmlformats.org/officeDocument/2006/relationships" xmlns:p="http://schemas.openxmlformats.org/presentationml/2006/main">
   <p:cSld>
     <p:spTree>
@@ -18666,7 +16977,7 @@
               <a:defRPr/>
             </a:pPr>
             <a:r>
-              <a:rPr lang="en-GB" b="1" spc="-109" dirty="0" smtClean="0"/>
+              <a:rPr lang="en-GB" b="1" spc="-109" dirty="0"/>
               <a:t>Constructing Masked arrays 3</a:t>
             </a:r>
             <a:endParaRPr b="1" spc="-287" dirty="0"/>
@@ -18938,7 +17249,7 @@
               <a:defRPr/>
             </a:pPr>
             <a:r>
-              <a:rPr lang="en-GB" dirty="0" smtClean="0"/>
+              <a:rPr lang="en-GB" dirty="0"/>
               <a:t>b </a:t>
             </a:r>
             <a:r>
@@ -18955,23 +17266,15 @@
             </a:r>
             <a:r>
               <a:rPr dirty="0"/>
-              <a:t>([</a:t>
-            </a:r>
-            <a:r>
-              <a:rPr dirty="0" smtClean="0"/>
-              <a:t>1,2,3,4</a:t>
-            </a:r>
-            <a:r>
-              <a:rPr lang="en-GB" dirty="0" smtClean="0"/>
+              <a:t>([1,2,3,4</a:t>
+            </a:r>
+            <a:r>
+              <a:rPr lang="en-GB" dirty="0"/>
               <a:t>,5</a:t>
             </a:r>
             <a:r>
-              <a:rPr dirty="0" smtClean="0"/>
-              <a:t>],3</a:t>
-            </a:r>
-            <a:r>
               <a:rPr dirty="0"/>
-              <a:t>)</a:t>
+              <a:t>],3)</a:t>
             </a:r>
           </a:p>
         </p:txBody>
@@ -19253,11 +17556,7 @@
             </a:r>
             <a:r>
               <a:rPr lang="en-GB" dirty="0"/>
-              <a:t>([1,2,3,4,5</a:t>
-            </a:r>
-            <a:r>
-              <a:rPr lang="en-GB" dirty="0" smtClean="0"/>
-              <a:t>])</a:t>
+              <a:t>([1,2,3,4,5])</a:t>
             </a:r>
           </a:p>
           <a:p>
@@ -19265,28 +17564,20 @@
               <a:defRPr/>
             </a:pPr>
             <a:r>
-              <a:rPr lang="en-GB" dirty="0" err="1" smtClean="0"/>
+              <a:rPr lang="en-GB" dirty="0" err="1"/>
               <a:t>cond</a:t>
             </a:r>
             <a:r>
-              <a:rPr lang="en-GB" dirty="0" smtClean="0"/>
+              <a:rPr lang="en-GB" dirty="0"/>
               <a:t> = </a:t>
             </a:r>
             <a:r>
-              <a:rPr lang="en-GB" dirty="0" err="1" smtClean="0"/>
+              <a:rPr lang="en-GB" dirty="0" err="1"/>
               <a:t>np.logical_and</a:t>
             </a:r>
             <a:r>
-              <a:rPr lang="en-GB" dirty="0" smtClean="0"/>
-              <a:t>(data&gt;2</a:t>
-            </a:r>
-            <a:r>
               <a:rPr lang="en-GB" dirty="0"/>
-              <a:t>, data&lt;5</a:t>
-            </a:r>
-            <a:r>
-              <a:rPr lang="en-GB" dirty="0" smtClean="0"/>
-              <a:t>)</a:t>
+              <a:t>(data&gt;2, data&lt;5)</a:t>
             </a:r>
           </a:p>
           <a:p>
@@ -19294,7 +17585,7 @@
               <a:defRPr/>
             </a:pPr>
             <a:r>
-              <a:rPr lang="en-GB" dirty="0" smtClean="0"/>
+              <a:rPr lang="en-GB" dirty="0"/>
               <a:t>c </a:t>
             </a:r>
             <a:r>
@@ -19303,30 +17594,26 @@
             </a:r>
             <a:r>
               <a:rPr lang="en-GB" dirty="0"/>
-              <a:t> </a:t>
-            </a:r>
-            <a:r>
-              <a:rPr lang="en-GB" dirty="0" smtClean="0"/>
-              <a:t>M</a:t>
-            </a:r>
-            <a:r>
-              <a:rPr dirty="0" err="1" smtClean="0"/>
+              <a:t> M</a:t>
+            </a:r>
+            <a:r>
+              <a:rPr dirty="0" err="1"/>
               <a:t>A.masked_where</a:t>
             </a:r>
             <a:r>
-              <a:rPr dirty="0" smtClean="0"/>
+              <a:rPr dirty="0"/>
               <a:t>(</a:t>
             </a:r>
             <a:r>
-              <a:rPr lang="en-GB" dirty="0" err="1" smtClean="0"/>
+              <a:rPr lang="en-GB" dirty="0" err="1"/>
               <a:t>cond</a:t>
             </a:r>
             <a:r>
-              <a:rPr dirty="0" smtClean="0"/>
+              <a:rPr dirty="0"/>
               <a:t>,</a:t>
             </a:r>
             <a:r>
-              <a:rPr lang="en-GB" dirty="0" smtClean="0"/>
+              <a:rPr lang="en-GB" dirty="0"/>
               <a:t> </a:t>
             </a:r>
             <a:r>
@@ -19344,17 +17631,10 @@
   <p:transition>
     <p:cut/>
   </p:transition>
-  <p:timing>
-    <p:tnLst>
-      <p:par>
-        <p:cTn id="1" dur="indefinite" restart="never" nodeType="tmRoot"/>
-      </p:par>
-    </p:tnLst>
-  </p:timing>
 </p:sld>
 </file>
 
-<file path=ppt/slides/slide34.xml><?xml version="1.0" encoding="utf-8"?>
+<file path=ppt/slides/slide32.xml><?xml version="1.0" encoding="utf-8"?>
 <p:sld xmlns:a="http://schemas.openxmlformats.org/drawingml/2006/main" xmlns:r="http://schemas.openxmlformats.org/officeDocument/2006/relationships" xmlns:p="http://schemas.openxmlformats.org/presentationml/2006/main">
   <p:cSld>
     <p:spTree>
@@ -19891,10 +18171,9 @@
                     <a:lstStyle/>
                     <a:p>
                       <a:r>
-                        <a:rPr lang="en-GB" sz="1800" b="1" dirty="0" smtClean="0"/>
+                        <a:rPr lang="en-GB" sz="1800" b="1" dirty="0"/>
                         <a:t>Expression</a:t>
                       </a:r>
-                      <a:endParaRPr lang="en-GB" sz="1800" b="1" dirty="0"/>
                     </a:p>
                   </a:txBody>
                   <a:tcPr marL="91434" marR="91434" marT="45721" marB="45721"/>
@@ -19905,10 +18184,9 @@
                     <a:lstStyle/>
                     <a:p>
                       <a:r>
-                        <a:rPr lang="en-GB" sz="1800" b="1" dirty="0" smtClean="0"/>
+                        <a:rPr lang="en-GB" sz="1800" b="1" dirty="0"/>
                         <a:t>Values including mask</a:t>
                       </a:r>
-                      <a:endParaRPr lang="en-GB" sz="1800" b="1" dirty="0"/>
                     </a:p>
                   </a:txBody>
                   <a:tcPr marL="91434" marR="91434" marT="45721" marB="45721"/>
@@ -19926,16 +18204,12 @@
                     <a:lstStyle/>
                     <a:p>
                       <a:r>
-                        <a:rPr lang="en-GB" sz="1800" b="1" dirty="0" smtClean="0">
+                        <a:rPr lang="en-GB" sz="1800" b="1" dirty="0">
                           <a:latin typeface="Courier New" panose="02070309020205020404" pitchFamily="49" charset="0"/>
                           <a:cs typeface="Courier New" panose="02070309020205020404" pitchFamily="49" charset="0"/>
                         </a:rPr>
                         <a:t> b</a:t>
                       </a:r>
-                      <a:endParaRPr lang="en-GB" sz="1800" b="1" dirty="0">
-                        <a:latin typeface="Courier New" panose="02070309020205020404" pitchFamily="49" charset="0"/>
-                        <a:cs typeface="Courier New" panose="02070309020205020404" pitchFamily="49" charset="0"/>
-                      </a:endParaRPr>
                     </a:p>
                   </a:txBody>
                   <a:tcPr marL="91434" marR="91434" marT="45721" marB="45721"/>
@@ -19963,20 +18237,20 @@
                         <a:defRPr/>
                       </a:pPr>
                       <a:r>
-                        <a:rPr lang="en-US" altLang="en-US" sz="1800" b="1" dirty="0" smtClean="0">
+                        <a:rPr lang="en-US" altLang="en-US" sz="1800" b="1" dirty="0">
                           <a:latin typeface="Courier New" panose="02070309020205020404" pitchFamily="49" charset="0"/>
                           <a:cs typeface="Courier New" panose="02070309020205020404" pitchFamily="49" charset="0"/>
                         </a:rPr>
                         <a:t> [ 1  2  3 -- </a:t>
                       </a:r>
                       <a:r>
-                        <a:rPr lang="en-GB" altLang="en-US" sz="1800" b="1" dirty="0" smtClean="0">
+                        <a:rPr lang="en-GB" altLang="en-US" sz="1800" b="1" dirty="0">
                           <a:latin typeface="Courier New" panose="02070309020205020404" pitchFamily="49" charset="0"/>
                           <a:cs typeface="Courier New" panose="02070309020205020404" pitchFamily="49" charset="0"/>
                         </a:rPr>
                         <a:t>--]</a:t>
                       </a:r>
-                      <a:endParaRPr lang="en-US" altLang="en-US" sz="1800" b="1" dirty="0" smtClean="0">
+                      <a:endParaRPr lang="en-US" altLang="en-US" sz="1800" b="1" dirty="0">
                         <a:latin typeface="Courier New" panose="02070309020205020404" pitchFamily="49" charset="0"/>
                         <a:cs typeface="Courier New" panose="02070309020205020404" pitchFamily="49" charset="0"/>
                       </a:endParaRPr>
@@ -19997,7 +18271,7 @@
                     <a:lstStyle/>
                     <a:p>
                       <a:r>
-                        <a:rPr lang="en-US" sz="1800" b="1" dirty="0" smtClean="0">
+                        <a:rPr lang="en-US" sz="1800" b="1" dirty="0">
                           <a:latin typeface="Courier New" panose="02070309020205020404" pitchFamily="49" charset="0"/>
                           <a:cs typeface="Courier New" panose="02070309020205020404" pitchFamily="49" charset="0"/>
                         </a:rPr>
@@ -20034,7 +18308,7 @@
                         <a:defRPr/>
                       </a:pPr>
                       <a:r>
-                        <a:rPr lang="en-US" altLang="en-US" sz="1800" b="1" dirty="0" smtClean="0">
+                        <a:rPr lang="en-US" altLang="en-US" sz="1800" b="1" dirty="0">
                           <a:latin typeface="Courier New" panose="02070309020205020404" pitchFamily="49" charset="0"/>
                           <a:cs typeface="Courier New" panose="02070309020205020404" pitchFamily="49" charset="0"/>
                         </a:rPr>
@@ -20057,7 +18331,7 @@
                     <a:lstStyle/>
                     <a:p>
                       <a:r>
-                        <a:rPr lang="en-US" altLang="en-US" sz="1800" b="1" dirty="0" smtClean="0">
+                        <a:rPr lang="en-US" altLang="en-US" sz="1800" b="1" dirty="0">
                           <a:latin typeface="Courier New" panose="02070309020205020404" pitchFamily="49" charset="0"/>
                           <a:cs typeface="Courier New" panose="02070309020205020404" pitchFamily="49" charset="0"/>
                         </a:rPr>
@@ -20077,14 +18351,14 @@
                     <a:lstStyle/>
                     <a:p>
                       <a:r>
-                        <a:rPr lang="en-US" altLang="en-US" sz="1800" b="1" dirty="0" smtClean="0">
+                        <a:rPr lang="en-US" altLang="en-US" sz="1800" b="1" dirty="0">
                           <a:latin typeface="Courier New" panose="02070309020205020404" pitchFamily="49" charset="0"/>
                           <a:cs typeface="Courier New" panose="02070309020205020404" pitchFamily="49" charset="0"/>
                         </a:rPr>
                         <a:t> [ 1  4  9 -- </a:t>
                       </a:r>
                       <a:r>
-                        <a:rPr lang="en-GB" altLang="en-US" sz="1800" b="1" dirty="0" smtClean="0">
+                        <a:rPr lang="en-GB" altLang="en-US" sz="1800" b="1" dirty="0">
                           <a:latin typeface="Courier New" panose="02070309020205020404" pitchFamily="49" charset="0"/>
                           <a:cs typeface="Courier New" panose="02070309020205020404" pitchFamily="49" charset="0"/>
                         </a:rPr>
@@ -20111,7 +18385,7 @@
                     <a:lstStyle/>
                     <a:p>
                       <a:r>
-                        <a:rPr lang="en-US" altLang="en-US" sz="1800" b="1" dirty="0" smtClean="0">
+                        <a:rPr lang="en-US" altLang="en-US" sz="1800" b="1" dirty="0">
                           <a:latin typeface="Courier New" panose="02070309020205020404" pitchFamily="49" charset="0"/>
                           <a:cs typeface="Courier New" panose="02070309020205020404" pitchFamily="49" charset="0"/>
                         </a:rPr>
@@ -20131,14 +18405,14 @@
                     <a:lstStyle/>
                     <a:p>
                       <a:r>
-                        <a:rPr lang="en-US" altLang="en-US" sz="1800" b="1" dirty="0" smtClean="0">
+                        <a:rPr lang="en-US" altLang="en-US" sz="1800" b="1" dirty="0">
                           <a:latin typeface="Courier New" panose="02070309020205020404" pitchFamily="49" charset="0"/>
                           <a:cs typeface="Courier New" panose="02070309020205020404" pitchFamily="49" charset="0"/>
                         </a:rPr>
                         <a:t> [ 2  3  4 -- </a:t>
                       </a:r>
                       <a:r>
-                        <a:rPr lang="en-GB" altLang="en-US" sz="1800" b="1" dirty="0" smtClean="0">
+                        <a:rPr lang="en-GB" altLang="en-US" sz="1800" b="1" dirty="0">
                           <a:latin typeface="Courier New" panose="02070309020205020404" pitchFamily="49" charset="0"/>
                           <a:cs typeface="Courier New" panose="02070309020205020404" pitchFamily="49" charset="0"/>
                         </a:rPr>
@@ -20165,7 +18439,7 @@
                     <a:lstStyle/>
                     <a:p>
                       <a:r>
-                        <a:rPr lang="en-US" altLang="en-US" sz="1800" b="1" dirty="0" smtClean="0">
+                        <a:rPr lang="en-US" altLang="en-US" sz="1800" b="1" dirty="0">
                           <a:latin typeface="Courier New" panose="02070309020205020404" pitchFamily="49" charset="0"/>
                           <a:cs typeface="Courier New" panose="02070309020205020404" pitchFamily="49" charset="0"/>
                         </a:rPr>
@@ -20185,14 +18459,14 @@
                     <a:lstStyle/>
                     <a:p>
                       <a:r>
-                        <a:rPr lang="en-US" altLang="en-US" sz="1800" b="1" dirty="0" smtClean="0">
+                        <a:rPr lang="en-US" altLang="en-US" sz="1800" b="1" dirty="0">
                           <a:latin typeface="Courier New" panose="02070309020205020404" pitchFamily="49" charset="0"/>
                           <a:cs typeface="Courier New" panose="02070309020205020404" pitchFamily="49" charset="0"/>
                         </a:rPr>
                         <a:t> [ 2  4 -- </a:t>
                       </a:r>
                       <a:r>
-                        <a:rPr lang="en-GB" altLang="en-US" sz="1800" b="1" dirty="0" smtClean="0">
+                        <a:rPr lang="en-GB" altLang="en-US" sz="1800" b="1" dirty="0">
                           <a:latin typeface="Courier New" panose="02070309020205020404" pitchFamily="49" charset="0"/>
                           <a:cs typeface="Courier New" panose="02070309020205020404" pitchFamily="49" charset="0"/>
                         </a:rPr>
@@ -20224,17 +18498,10 @@
   <p:transition>
     <p:cut/>
   </p:transition>
-  <p:timing>
-    <p:tnLst>
-      <p:par>
-        <p:cTn id="1" dur="indefinite" restart="never" nodeType="tmRoot"/>
-      </p:par>
-    </p:tnLst>
-  </p:timing>
 </p:sld>
 </file>
 
-<file path=ppt/slides/slide35.xml><?xml version="1.0" encoding="utf-8"?>
+<file path=ppt/slides/slide33.xml><?xml version="1.0" encoding="utf-8"?>
 <p:sld xmlns:a="http://schemas.openxmlformats.org/drawingml/2006/main" xmlns:r="http://schemas.openxmlformats.org/officeDocument/2006/relationships" xmlns:p="http://schemas.openxmlformats.org/presentationml/2006/main">
   <p:cSld>
     <p:spTree>
@@ -20439,7 +18706,7 @@
               <a:defRPr/>
             </a:pPr>
             <a:r>
-              <a:rPr lang="en-US" altLang="en-US" sz="2400" dirty="0" smtClean="0">
+              <a:rPr lang="en-US" altLang="en-US" sz="2400" dirty="0">
                 <a:cs typeface="Calibri" panose="020F0502020204030204" pitchFamily="34" charset="0"/>
               </a:rPr>
               <a:t>An array can be "filled", which replaces masked values with</a:t>
@@ -20458,19 +18725,19 @@
               <a:defRPr/>
             </a:pPr>
             <a:r>
-              <a:rPr lang="en-US" altLang="en-US" sz="2400" dirty="0" smtClean="0">
+              <a:rPr lang="en-US" altLang="en-US" sz="2400" dirty="0">
                 <a:cs typeface="Calibri" panose="020F0502020204030204" pitchFamily="34" charset="0"/>
               </a:rPr>
               <a:t>the </a:t>
             </a:r>
             <a:r>
-              <a:rPr lang="en-US" altLang="en-US" sz="2400" dirty="0" err="1" smtClean="0">
+              <a:rPr lang="en-US" altLang="en-US" sz="2400" dirty="0" err="1">
                 <a:latin typeface="Courier New" panose="02070309020205020404" pitchFamily="49" charset="0"/>
                 <a:cs typeface="Courier New" panose="02070309020205020404" pitchFamily="49" charset="0"/>
               </a:rPr>
               <a:t>fill_value</a:t>
             </a:r>
-            <a:endParaRPr lang="en-US" altLang="en-US" sz="2400" dirty="0" smtClean="0">
+            <a:endParaRPr lang="en-US" altLang="en-US" sz="2400" dirty="0">
               <a:latin typeface="Courier New" panose="02070309020205020404" pitchFamily="49" charset="0"/>
               <a:cs typeface="Courier New" panose="02070309020205020404" pitchFamily="49" charset="0"/>
             </a:endParaRPr>
@@ -20488,28 +18755,28 @@
               <a:defRPr/>
             </a:pPr>
             <a:r>
-              <a:rPr lang="en-GB" altLang="en-US" sz="2400" dirty="0" smtClean="0">
+              <a:rPr lang="en-GB" altLang="en-US" sz="2400" dirty="0">
                 <a:latin typeface="Courier New" panose="02070309020205020404" pitchFamily="49" charset="0"/>
                 <a:cs typeface="Courier New" panose="02070309020205020404" pitchFamily="49" charset="0"/>
               </a:rPr>
               <a:t> </a:t>
             </a:r>
             <a:r>
-              <a:rPr lang="en-GB" altLang="en-US" sz="2400" b="1" dirty="0" smtClean="0">
+              <a:rPr lang="en-GB" altLang="en-US" sz="2400" b="1" dirty="0">
                 <a:latin typeface="Courier New" panose="02070309020205020404" pitchFamily="49" charset="0"/>
                 <a:cs typeface="Courier New" panose="02070309020205020404" pitchFamily="49" charset="0"/>
               </a:rPr>
               <a:t>&gt;&gt;&gt;</a:t>
             </a:r>
             <a:r>
-              <a:rPr lang="en-GB" altLang="en-US" sz="2400" dirty="0" smtClean="0">
+              <a:rPr lang="en-GB" altLang="en-US" sz="2400" dirty="0">
                 <a:latin typeface="Courier New" panose="02070309020205020404" pitchFamily="49" charset="0"/>
                 <a:cs typeface="Courier New" panose="02070309020205020404" pitchFamily="49" charset="0"/>
               </a:rPr>
               <a:t> </a:t>
             </a:r>
             <a:r>
-              <a:rPr lang="en-GB" altLang="en-US" sz="2400" b="1" dirty="0" smtClean="0">
+              <a:rPr lang="en-GB" altLang="en-US" sz="2400" b="1" dirty="0">
                 <a:latin typeface="Courier New" panose="02070309020205020404" pitchFamily="49" charset="0"/>
                 <a:cs typeface="Courier New" panose="02070309020205020404" pitchFamily="49" charset="0"/>
               </a:rPr>
@@ -20523,21 +18790,21 @@
               <a:t>(</a:t>
             </a:r>
             <a:r>
-              <a:rPr lang="en-GB" altLang="en-US" sz="2400" dirty="0" err="1" smtClean="0">
+              <a:rPr lang="en-GB" altLang="en-US" sz="2400" dirty="0" err="1">
                 <a:latin typeface="Courier New" panose="02070309020205020404" pitchFamily="49" charset="0"/>
                 <a:cs typeface="Courier New" panose="02070309020205020404" pitchFamily="49" charset="0"/>
               </a:rPr>
               <a:t>a.filled</a:t>
             </a:r>
             <a:r>
-              <a:rPr lang="en-GB" altLang="en-US" sz="2400" dirty="0" smtClean="0">
+              <a:rPr lang="en-GB" altLang="en-US" sz="2400" dirty="0">
                 <a:latin typeface="Courier New" panose="02070309020205020404" pitchFamily="49" charset="0"/>
                 <a:cs typeface="Courier New" panose="02070309020205020404" pitchFamily="49" charset="0"/>
               </a:rPr>
               <a:t>())   </a:t>
             </a:r>
             <a:r>
-              <a:rPr lang="en-GB" altLang="en-US" sz="2000" dirty="0" smtClean="0">
+              <a:rPr lang="en-GB" altLang="en-US" sz="2000" dirty="0">
                 <a:latin typeface="+mn-lt"/>
                 <a:cs typeface="Courier New" panose="02070309020205020404" pitchFamily="49" charset="0"/>
                 <a:sym typeface="Wingdings" panose="05000000000000000000" pitchFamily="2" charset="2"/>
@@ -20545,28 +18812,28 @@
               <a:t>  </a:t>
             </a:r>
             <a:r>
-              <a:rPr lang="en-GB" altLang="en-US" sz="2000" dirty="0" smtClean="0">
+              <a:rPr lang="en-GB" altLang="en-US" sz="2000" dirty="0">
                 <a:latin typeface="+mn-lt"/>
                 <a:cs typeface="Courier New" panose="02070309020205020404" pitchFamily="49" charset="0"/>
               </a:rPr>
               <a:t>or</a:t>
             </a:r>
             <a:r>
-              <a:rPr lang="en-GB" altLang="en-US" sz="2000" dirty="0" smtClean="0">
+              <a:rPr lang="en-GB" altLang="en-US" sz="2000" dirty="0">
                 <a:latin typeface="Courier New" panose="02070309020205020404" pitchFamily="49" charset="0"/>
                 <a:cs typeface="Courier New" panose="02070309020205020404" pitchFamily="49" charset="0"/>
               </a:rPr>
               <a:t> </a:t>
             </a:r>
             <a:r>
-              <a:rPr lang="en-GB" altLang="en-US" sz="2000" dirty="0" err="1" smtClean="0">
+              <a:rPr lang="en-GB" altLang="en-US" sz="2000" dirty="0" err="1">
                 <a:latin typeface="Courier New" panose="02070309020205020404" pitchFamily="49" charset="0"/>
                 <a:cs typeface="Courier New" panose="02070309020205020404" pitchFamily="49" charset="0"/>
               </a:rPr>
               <a:t>MA.filled</a:t>
             </a:r>
             <a:r>
-              <a:rPr lang="en-GB" altLang="en-US" sz="2000" dirty="0" smtClean="0">
+              <a:rPr lang="en-GB" altLang="en-US" sz="2000" dirty="0">
                 <a:latin typeface="Courier New" panose="02070309020205020404" pitchFamily="49" charset="0"/>
                 <a:cs typeface="Courier New" panose="02070309020205020404" pitchFamily="49" charset="0"/>
               </a:rPr>
@@ -20586,14 +18853,14 @@
               <a:defRPr/>
             </a:pPr>
             <a:r>
-              <a:rPr lang="en-GB" altLang="en-US" sz="2400" dirty="0" smtClean="0">
+              <a:rPr lang="en-GB" altLang="en-US" sz="2400" dirty="0">
                 <a:latin typeface="Courier New" panose="02070309020205020404" pitchFamily="49" charset="0"/>
                 <a:cs typeface="Courier New" panose="02070309020205020404" pitchFamily="49" charset="0"/>
               </a:rPr>
               <a:t> </a:t>
             </a:r>
             <a:r>
-              <a:rPr lang="en-GB" altLang="en-US" sz="2400" i="1" dirty="0" smtClean="0">
+              <a:rPr lang="en-GB" altLang="en-US" sz="2400" i="1" dirty="0">
                 <a:solidFill>
                   <a:srgbClr val="336600"/>
                 </a:solidFill>
@@ -20603,7 +18870,7 @@
               <a:t>array([999999, 999999, 3])</a:t>
             </a:r>
             <a:r>
-              <a:rPr lang="en-GB" altLang="en-US" sz="2000" i="1" dirty="0" smtClean="0">
+              <a:rPr lang="en-GB" altLang="en-US" sz="2000" i="1" dirty="0">
                 <a:solidFill>
                   <a:srgbClr val="336600"/>
                 </a:solidFill>
@@ -20613,7 +18880,7 @@
               <a:t> </a:t>
             </a:r>
             <a:r>
-              <a:rPr lang="en-GB" altLang="en-US" sz="2000" dirty="0" smtClean="0">
+              <a:rPr lang="en-GB" altLang="en-US" sz="2000" dirty="0">
                 <a:latin typeface="Courier New" panose="02070309020205020404" pitchFamily="49" charset="0"/>
                 <a:cs typeface="Courier New" panose="02070309020205020404" pitchFamily="49" charset="0"/>
                 <a:sym typeface="Wingdings" panose="05000000000000000000" pitchFamily="2" charset="2"/>
@@ -20621,7 +18888,7 @@
               <a:t> </a:t>
             </a:r>
             <a:r>
-              <a:rPr lang="en-GB" altLang="en-US" sz="2000" dirty="0" err="1" smtClean="0">
+              <a:rPr lang="en-GB" altLang="en-US" sz="2000" dirty="0" err="1">
                 <a:ea typeface="Tahoma" panose="020B0604030504040204" pitchFamily="34" charset="0"/>
                 <a:cs typeface="Calibri" panose="020F0502020204030204" pitchFamily="34" charset="0"/>
                 <a:sym typeface="Wingdings" panose="05000000000000000000" pitchFamily="2" charset="2"/>
@@ -20629,14 +18896,14 @@
               <a:t>numpy</a:t>
             </a:r>
             <a:r>
-              <a:rPr lang="en-GB" altLang="en-US" sz="2000" dirty="0" smtClean="0">
+              <a:rPr lang="en-GB" altLang="en-US" sz="2000" dirty="0">
                 <a:ea typeface="Tahoma" panose="020B0604030504040204" pitchFamily="34" charset="0"/>
                 <a:cs typeface="Calibri" panose="020F0502020204030204" pitchFamily="34" charset="0"/>
                 <a:sym typeface="Wingdings" panose="05000000000000000000" pitchFamily="2" charset="2"/>
               </a:rPr>
               <a:t> array</a:t>
             </a:r>
-            <a:endParaRPr lang="en-GB" altLang="en-US" sz="2000" dirty="0" smtClean="0">
+            <a:endParaRPr lang="en-GB" altLang="en-US" sz="2000" dirty="0">
               <a:latin typeface="Courier New" panose="02070309020205020404" pitchFamily="49" charset="0"/>
               <a:cs typeface="Courier New" panose="02070309020205020404" pitchFamily="49" charset="0"/>
             </a:endParaRPr>
@@ -21049,7 +19316,7 @@
               <a:defRPr/>
             </a:pPr>
             <a:r>
-              <a:rPr lang="en-US" altLang="en-US" sz="2400" dirty="0" smtClean="0">
+              <a:rPr lang="en-US" altLang="en-US" sz="2400" dirty="0">
                 <a:cs typeface="Calibri" panose="020F0502020204030204" pitchFamily="34" charset="0"/>
               </a:rPr>
               <a:t>Typical use: when writing to a file</a:t>
@@ -21066,7 +19333,7 @@
               <a:defRPr/>
             </a:pPr>
             <a:r>
-              <a:rPr lang="en-US" altLang="en-US" sz="2400" dirty="0" smtClean="0">
+              <a:rPr lang="en-US" altLang="en-US" sz="2400" dirty="0">
                 <a:cs typeface="Calibri" panose="020F0502020204030204" pitchFamily="34" charset="0"/>
               </a:rPr>
               <a:t>You should use a value outside the valid data range</a:t>
@@ -21083,58 +19350,58 @@
               <a:defRPr/>
             </a:pPr>
             <a:r>
-              <a:rPr lang="en-US" altLang="en-US" sz="2400" dirty="0" smtClean="0">
+              <a:rPr lang="en-US" altLang="en-US" sz="2400" dirty="0">
                 <a:cs typeface="Calibri" panose="020F0502020204030204" pitchFamily="34" charset="0"/>
               </a:rPr>
               <a:t>Can override default when creating an array, e.g.</a:t>
             </a:r>
             <a:br>
-              <a:rPr lang="en-US" altLang="en-US" sz="2400" dirty="0" smtClean="0">
+              <a:rPr lang="en-US" altLang="en-US" sz="2400" dirty="0">
                 <a:cs typeface="Calibri" panose="020F0502020204030204" pitchFamily="34" charset="0"/>
               </a:rPr>
             </a:br>
             <a:r>
-              <a:rPr lang="en-GB" sz="2400" spc="99" dirty="0" err="1" smtClean="0">
+              <a:rPr lang="en-GB" sz="2400" spc="99" dirty="0" err="1">
                 <a:latin typeface="Courier New" panose="02070309020205020404" pitchFamily="49" charset="0"/>
                 <a:cs typeface="Courier New" panose="02070309020205020404" pitchFamily="49" charset="0"/>
               </a:rPr>
               <a:t>MA.masked_array</a:t>
             </a:r>
             <a:r>
-              <a:rPr lang="en-GB" sz="2400" spc="99" dirty="0" smtClean="0">
+              <a:rPr lang="en-GB" sz="2400" spc="99" dirty="0">
                 <a:latin typeface="Courier New" panose="02070309020205020404" pitchFamily="49" charset="0"/>
                 <a:cs typeface="Courier New" panose="02070309020205020404" pitchFamily="49" charset="0"/>
               </a:rPr>
               <a:t>(data=………,mask=………,</a:t>
             </a:r>
             <a:br>
-              <a:rPr lang="en-GB" sz="2400" spc="99" dirty="0" smtClean="0">
+              <a:rPr lang="en-GB" sz="2400" spc="99" dirty="0">
                 <a:latin typeface="Courier New" panose="02070309020205020404" pitchFamily="49" charset="0"/>
                 <a:cs typeface="Courier New" panose="02070309020205020404" pitchFamily="49" charset="0"/>
               </a:rPr>
             </a:br>
             <a:r>
-              <a:rPr lang="en-GB" sz="2400" spc="99" dirty="0" smtClean="0">
+              <a:rPr lang="en-GB" sz="2400" spc="99" dirty="0">
                 <a:latin typeface="Courier New" panose="02070309020205020404" pitchFamily="49" charset="0"/>
                 <a:cs typeface="Courier New" panose="02070309020205020404" pitchFamily="49" charset="0"/>
               </a:rPr>
               <a:t>                </a:t>
             </a:r>
             <a:r>
-              <a:rPr lang="en-GB" sz="2400" spc="188" dirty="0" err="1" smtClean="0">
+              <a:rPr lang="en-GB" sz="2400" spc="188" dirty="0" err="1">
                 <a:latin typeface="Courier New" panose="02070309020205020404" pitchFamily="49" charset="0"/>
                 <a:cs typeface="Courier New" panose="02070309020205020404" pitchFamily="49" charset="0"/>
               </a:rPr>
               <a:t>fill_value</a:t>
             </a:r>
             <a:r>
-              <a:rPr lang="en-GB" sz="2400" spc="188" dirty="0" smtClean="0">
+              <a:rPr lang="en-GB" sz="2400" spc="188" dirty="0">
                 <a:latin typeface="Courier New" panose="02070309020205020404" pitchFamily="49" charset="0"/>
                 <a:cs typeface="Courier New" panose="02070309020205020404" pitchFamily="49" charset="0"/>
               </a:rPr>
               <a:t>=1e30)</a:t>
             </a:r>
-            <a:endParaRPr lang="en-US" altLang="en-US" sz="2400" dirty="0" smtClean="0">
+            <a:endParaRPr lang="en-US" altLang="en-US" sz="2400" dirty="0">
               <a:cs typeface="Calibri" panose="020F0502020204030204" pitchFamily="34" charset="0"/>
             </a:endParaRPr>
           </a:p>
@@ -21148,17 +19415,10 @@
   <p:transition>
     <p:cut/>
   </p:transition>
-  <p:timing>
-    <p:tnLst>
-      <p:par>
-        <p:cTn id="1" dur="indefinite" restart="never" nodeType="tmRoot"/>
-      </p:par>
-    </p:tnLst>
-  </p:timing>
 </p:sld>
 </file>
 
-<file path=ppt/slides/slide36.xml><?xml version="1.0" encoding="utf-8"?>
+<file path=ppt/slides/slide34.xml><?xml version="1.0" encoding="utf-8"?>
 <p:sld xmlns:a="http://schemas.openxmlformats.org/drawingml/2006/main" xmlns:r="http://schemas.openxmlformats.org/officeDocument/2006/relationships" xmlns:p="http://schemas.openxmlformats.org/presentationml/2006/main">
   <p:cSld>
     <p:spTree>
@@ -21196,7 +19456,7 @@
           <a:lstStyle/>
           <a:p>
             <a:r>
-              <a:rPr lang="en-US" altLang="en-US" b="1" smtClean="0"/>
+              <a:rPr lang="en-US" altLang="en-US" b="1"/>
               <a:t>Conclusions</a:t>
             </a:r>
           </a:p>
@@ -21230,17 +19490,17 @@
               </a:lnSpc>
             </a:pPr>
             <a:r>
-              <a:rPr lang="en-US" altLang="en-US" sz="2800" smtClean="0">
+              <a:rPr lang="en-US" altLang="en-US" sz="2800">
                 <a:latin typeface="Courier New" panose="02070309020205020404" pitchFamily="49" charset="0"/>
                 <a:cs typeface="Courier New" panose="02070309020205020404" pitchFamily="49" charset="0"/>
               </a:rPr>
               <a:t>NumPy</a:t>
             </a:r>
             <a:r>
-              <a:rPr lang="en-US" altLang="en-US" sz="2800" smtClean="0"/>
+              <a:rPr lang="en-US" altLang="en-US" sz="2800"/>
               <a:t> is a powerful array handling package that provides the array handling functionality of IDL, Matlab, Fortran 90 etc.</a:t>
             </a:r>
-            <a:endParaRPr lang="en-US" altLang="en-US" sz="2800" smtClean="0">
+            <a:endParaRPr lang="en-US" altLang="en-US" sz="2800">
               <a:cs typeface="Calibri" panose="020F0502020204030204" pitchFamily="34" charset="0"/>
             </a:endParaRPr>
           </a:p>
@@ -21254,7 +19514,7 @@
               </a:spcBef>
             </a:pPr>
             <a:r>
-              <a:rPr lang="en-US" altLang="en-US" sz="2800" smtClean="0"/>
+              <a:rPr lang="en-US" altLang="en-US" sz="2800"/>
               <a:t>Array syntax enables you to write more streamlined and flexible code: The same code can handle operations on arrays of arbitrary rank.</a:t>
             </a:r>
           </a:p>
@@ -21268,7 +19528,7 @@
               </a:spcBef>
             </a:pPr>
             <a:r>
-              <a:rPr lang="en-US" altLang="en-US" sz="2800" smtClean="0">
+              <a:rPr lang="en-US" altLang="en-US" sz="2800">
                 <a:cs typeface="Calibri" panose="020F0502020204030204" pitchFamily="34" charset="0"/>
               </a:rPr>
               <a:t>Masked arrays extend the functionality by providing support for "bad values".</a:t>
@@ -21284,13 +19544,6 @@
   <p:transition>
     <p:cut/>
   </p:transition>
-  <p:timing>
-    <p:tnLst>
-      <p:par>
-        <p:cTn id="1" dur="indefinite" restart="never" nodeType="tmRoot"/>
-      </p:par>
-    </p:tnLst>
-  </p:timing>
 </p:sld>
 </file>
 
@@ -21332,11 +19585,11 @@
           <a:lstStyle/>
           <a:p>
             <a:r>
-              <a:rPr lang="en-GB" altLang="en-US" sz="4000" b="1" smtClean="0"/>
+              <a:rPr lang="en-GB" altLang="en-US" sz="4000" b="1"/>
               <a:t>The </a:t>
             </a:r>
             <a:r>
-              <a:rPr lang="en-US" altLang="en-US" sz="4000" b="1" smtClean="0"/>
+              <a:rPr lang="en-US" altLang="en-US" sz="4000" b="1"/>
               <a:t>NumPy package</a:t>
             </a:r>
           </a:p>
@@ -21373,11 +19626,11 @@
               </a:spcBef>
             </a:pPr>
             <a:r>
-              <a:rPr lang="en-US" altLang="en-US" sz="2800" smtClean="0"/>
+              <a:rPr lang="en-US" altLang="en-US" sz="2800"/>
               <a:t>NumPy is the standard array package in Python. (There are others, but the community has now converged on NumPy)</a:t>
             </a:r>
             <a:r>
-              <a:rPr lang="en-GB" altLang="en-US" sz="2800" smtClean="0"/>
+              <a:rPr lang="en-GB" altLang="en-US" sz="2800"/>
               <a:t>.</a:t>
             </a:r>
           </a:p>
@@ -21391,10 +19644,10 @@
               </a:spcBef>
             </a:pPr>
             <a:r>
-              <a:rPr lang="en-GB" altLang="en-US" sz="2800" smtClean="0"/>
+              <a:rPr lang="en-GB" altLang="en-US" sz="2800"/>
               <a:t>NumPy is written in C so processing of large arrays is much faster than processing lists.</a:t>
             </a:r>
-            <a:endParaRPr lang="en-US" altLang="en-US" sz="1000" smtClean="0">
+            <a:endParaRPr lang="en-US" altLang="en-US" sz="1000">
               <a:cs typeface="Calibri" panose="020F0502020204030204" pitchFamily="34" charset="0"/>
             </a:endParaRPr>
           </a:p>
@@ -21408,21 +19661,21 @@
               </a:spcBef>
             </a:pPr>
             <a:r>
-              <a:rPr lang="en-US" altLang="en-US" sz="2800" smtClean="0"/>
+              <a:rPr lang="en-US" altLang="en-US" sz="2800"/>
               <a:t>To utilize NumPy's functions and attributes, you import the package </a:t>
             </a:r>
             <a:r>
-              <a:rPr lang="en-US" altLang="en-US" sz="2800" smtClean="0">
+              <a:rPr lang="en-US" altLang="en-US" sz="2800">
                 <a:latin typeface="Courier New" panose="02070309020205020404" pitchFamily="49" charset="0"/>
                 <a:cs typeface="Courier New" panose="02070309020205020404" pitchFamily="49" charset="0"/>
               </a:rPr>
               <a:t>numpy</a:t>
             </a:r>
             <a:r>
-              <a:rPr lang="en-US" altLang="en-US" sz="2800" smtClean="0"/>
+              <a:rPr lang="en-US" altLang="en-US" sz="2800"/>
               <a:t>.</a:t>
             </a:r>
-            <a:endParaRPr lang="en-US" altLang="en-US" sz="2800" smtClean="0">
+            <a:endParaRPr lang="en-US" altLang="en-US" sz="2800">
               <a:cs typeface="Calibri" panose="020F0502020204030204" pitchFamily="34" charset="0"/>
             </a:endParaRPr>
           </a:p>
@@ -21436,10 +19689,10 @@
               </a:spcBef>
             </a:pPr>
             <a:r>
-              <a:rPr lang="en-US" altLang="en-US" sz="2800" smtClean="0"/>
+              <a:rPr lang="en-US" altLang="en-US" sz="2800"/>
               <a:t>Often NumPy is imported as an alias, e.g.:</a:t>
             </a:r>
-            <a:endParaRPr lang="en-GB" altLang="en-US" sz="1200" smtClean="0"/>
+            <a:endParaRPr lang="en-GB" altLang="en-US" sz="1200"/>
           </a:p>
           <a:p>
             <a:pPr marL="573088" indent="-293688">
@@ -21453,48 +19706,48 @@
               <a:buNone/>
             </a:pPr>
             <a:r>
-              <a:rPr lang="en-GB" altLang="en-US" sz="2800" smtClean="0">
+              <a:rPr lang="en-GB" altLang="en-US" sz="2800">
                 <a:latin typeface="MS Gothic" panose="020B0609070205080204" pitchFamily="49" charset="-128"/>
                 <a:ea typeface="MS Gothic" panose="020B0609070205080204" pitchFamily="49" charset="-128"/>
               </a:rPr>
               <a:t>	</a:t>
             </a:r>
             <a:r>
-              <a:rPr lang="en-US" altLang="en-US" b="1" smtClean="0">
+              <a:rPr lang="en-US" altLang="en-US" b="1">
                 <a:latin typeface="Courier New" panose="02070309020205020404" pitchFamily="49" charset="0"/>
                 <a:cs typeface="Courier New" panose="02070309020205020404" pitchFamily="49" charset="0"/>
               </a:rPr>
               <a:t>import</a:t>
             </a:r>
             <a:r>
-              <a:rPr lang="en-US" altLang="en-US" smtClean="0">
+              <a:rPr lang="en-US" altLang="en-US">
                 <a:latin typeface="Courier New" panose="02070309020205020404" pitchFamily="49" charset="0"/>
                 <a:cs typeface="Courier New" panose="02070309020205020404" pitchFamily="49" charset="0"/>
               </a:rPr>
               <a:t> numpy </a:t>
             </a:r>
             <a:r>
-              <a:rPr lang="en-US" altLang="en-US" b="1" smtClean="0">
+              <a:rPr lang="en-US" altLang="en-US" b="1">
                 <a:latin typeface="Courier New" panose="02070309020205020404" pitchFamily="49" charset="0"/>
                 <a:cs typeface="Courier New" panose="02070309020205020404" pitchFamily="49" charset="0"/>
               </a:rPr>
               <a:t>as</a:t>
             </a:r>
             <a:r>
-              <a:rPr lang="en-US" altLang="en-US" smtClean="0">
+              <a:rPr lang="en-US" altLang="en-US">
                 <a:latin typeface="Courier New" panose="02070309020205020404" pitchFamily="49" charset="0"/>
                 <a:cs typeface="Courier New" panose="02070309020205020404" pitchFamily="49" charset="0"/>
               </a:rPr>
               <a:t> </a:t>
             </a:r>
             <a:r>
-              <a:rPr lang="en-GB" altLang="en-US" smtClean="0">
+              <a:rPr lang="en-GB" altLang="en-US">
                 <a:latin typeface="Courier New" panose="02070309020205020404" pitchFamily="49" charset="0"/>
                 <a:cs typeface="Courier New" panose="02070309020205020404" pitchFamily="49" charset="0"/>
               </a:rPr>
               <a:t>np</a:t>
             </a:r>
-            <a:endParaRPr lang="en-US" altLang="en-US" smtClean="0">
+            <a:endParaRPr lang="en-US" altLang="en-US">
               <a:latin typeface="Courier New" panose="02070309020205020404" pitchFamily="49" charset="0"/>
               <a:cs typeface="Courier New" panose="02070309020205020404" pitchFamily="49" charset="0"/>
             </a:endParaRPr>
@@ -21691,7 +19944,7 @@
           <a:lstStyle/>
           <a:p>
             <a:r>
-              <a:rPr lang="en-US" altLang="en-US" b="1" smtClean="0"/>
+              <a:rPr lang="en-US" altLang="en-US" b="1"/>
               <a:t>Creating arrays</a:t>
             </a:r>
           </a:p>
@@ -21721,7 +19974,7 @@
               <a:defRPr/>
             </a:pPr>
             <a:r>
-              <a:rPr lang="en-GB" dirty="0" smtClean="0"/>
+              <a:rPr lang="en-GB" dirty="0"/>
               <a:t>Use the </a:t>
             </a:r>
             <a:r>
@@ -21732,7 +19985,7 @@
               <a:t>array</a:t>
             </a:r>
             <a:r>
-              <a:rPr lang="en-GB" dirty="0" smtClean="0"/>
+              <a:rPr lang="en-GB" dirty="0"/>
               <a:t> function on a list:</a:t>
             </a:r>
           </a:p>
@@ -21745,7 +19998,7 @@
               <a:buNone/>
               <a:defRPr/>
             </a:pPr>
-            <a:endParaRPr lang="en-GB" sz="1100" dirty="0" smtClean="0"/>
+            <a:endParaRPr lang="en-GB" sz="1100" dirty="0"/>
           </a:p>
           <a:p>
             <a:pPr marL="0" indent="0" fontAlgn="auto">
@@ -21757,35 +20010,35 @@
               <a:defRPr/>
             </a:pPr>
             <a:r>
-              <a:rPr lang="pt-BR" dirty="0" smtClean="0">
+              <a:rPr lang="pt-BR" dirty="0">
                 <a:latin typeface="Courier New" panose="02070309020205020404" pitchFamily="49" charset="0"/>
                 <a:cs typeface="Courier New" panose="02070309020205020404" pitchFamily="49" charset="0"/>
               </a:rPr>
               <a:t>	</a:t>
             </a:r>
             <a:r>
-              <a:rPr lang="pt-BR" b="1" dirty="0" smtClean="0">
+              <a:rPr lang="pt-BR" b="1" dirty="0">
                 <a:latin typeface="Courier New" panose="02070309020205020404" pitchFamily="49" charset="0"/>
                 <a:cs typeface="Courier New" panose="02070309020205020404" pitchFamily="49" charset="0"/>
               </a:rPr>
               <a:t>import</a:t>
             </a:r>
             <a:r>
-              <a:rPr lang="pt-BR" dirty="0" smtClean="0">
+              <a:rPr lang="pt-BR" dirty="0">
                 <a:latin typeface="Courier New" panose="02070309020205020404" pitchFamily="49" charset="0"/>
                 <a:cs typeface="Courier New" panose="02070309020205020404" pitchFamily="49" charset="0"/>
               </a:rPr>
               <a:t> numpy </a:t>
             </a:r>
             <a:r>
-              <a:rPr lang="pt-BR" b="1" dirty="0" smtClean="0">
+              <a:rPr lang="pt-BR" b="1" dirty="0">
                 <a:latin typeface="Courier New" panose="02070309020205020404" pitchFamily="49" charset="0"/>
                 <a:cs typeface="Courier New" panose="02070309020205020404" pitchFamily="49" charset="0"/>
               </a:rPr>
               <a:t>as</a:t>
             </a:r>
             <a:r>
-              <a:rPr lang="pt-BR" dirty="0" smtClean="0">
+              <a:rPr lang="pt-BR" dirty="0">
                 <a:latin typeface="Courier New" panose="02070309020205020404" pitchFamily="49" charset="0"/>
                 <a:cs typeface="Courier New" panose="02070309020205020404" pitchFamily="49" charset="0"/>
               </a:rPr>
@@ -21802,7 +20055,7 @@
               <a:defRPr/>
             </a:pPr>
             <a:r>
-              <a:rPr lang="pt-BR" dirty="0" smtClean="0">
+              <a:rPr lang="pt-BR" dirty="0">
                 <a:latin typeface="Courier New" panose="02070309020205020404" pitchFamily="49" charset="0"/>
                 <a:cs typeface="Courier New" panose="02070309020205020404" pitchFamily="49" charset="0"/>
               </a:rPr>
@@ -21819,13 +20072,6 @@
   <p:transition>
     <p:cut/>
   </p:transition>
-  <p:timing>
-    <p:tnLst>
-      <p:par>
-        <p:cTn id="1" dur="indefinite" restart="never" nodeType="tmRoot"/>
-      </p:par>
-    </p:tnLst>
-  </p:timing>
 </p:sld>
 </file>
 
@@ -21867,7 +20113,7 @@
           <a:lstStyle/>
           <a:p>
             <a:r>
-              <a:rPr lang="en-US" altLang="en-US" b="1" smtClean="0"/>
+              <a:rPr lang="en-US" altLang="en-US" b="1"/>
               <a:t>Creating arrays</a:t>
             </a:r>
           </a:p>
@@ -21897,7 +20143,7 @@
               <a:defRPr/>
             </a:pPr>
             <a:r>
-              <a:rPr lang="en-GB" dirty="0" smtClean="0"/>
+              <a:rPr lang="en-GB" dirty="0"/>
               <a:t>Use the </a:t>
             </a:r>
             <a:r>
@@ -21908,7 +20154,7 @@
               <a:t>array</a:t>
             </a:r>
             <a:r>
-              <a:rPr lang="en-GB" dirty="0" smtClean="0"/>
+              <a:rPr lang="en-GB" dirty="0"/>
               <a:t> function on a list:</a:t>
             </a:r>
           </a:p>
@@ -21921,7 +20167,7 @@
               <a:buNone/>
               <a:defRPr/>
             </a:pPr>
-            <a:endParaRPr lang="en-GB" sz="1100" dirty="0" smtClean="0"/>
+            <a:endParaRPr lang="en-GB" sz="1100" dirty="0"/>
           </a:p>
           <a:p>
             <a:pPr marL="0" indent="0" fontAlgn="auto">
@@ -21933,35 +20179,35 @@
               <a:defRPr/>
             </a:pPr>
             <a:r>
-              <a:rPr lang="pt-BR" dirty="0" smtClean="0">
+              <a:rPr lang="pt-BR" dirty="0">
                 <a:latin typeface="Courier New" panose="02070309020205020404" pitchFamily="49" charset="0"/>
                 <a:cs typeface="Courier New" panose="02070309020205020404" pitchFamily="49" charset="0"/>
               </a:rPr>
               <a:t>	</a:t>
             </a:r>
             <a:r>
-              <a:rPr lang="pt-BR" b="1" dirty="0" smtClean="0">
+              <a:rPr lang="pt-BR" b="1" dirty="0">
                 <a:latin typeface="Courier New" panose="02070309020205020404" pitchFamily="49" charset="0"/>
                 <a:cs typeface="Courier New" panose="02070309020205020404" pitchFamily="49" charset="0"/>
               </a:rPr>
               <a:t>import</a:t>
             </a:r>
             <a:r>
-              <a:rPr lang="pt-BR" dirty="0" smtClean="0">
+              <a:rPr lang="pt-BR" dirty="0">
                 <a:latin typeface="Courier New" panose="02070309020205020404" pitchFamily="49" charset="0"/>
                 <a:cs typeface="Courier New" panose="02070309020205020404" pitchFamily="49" charset="0"/>
               </a:rPr>
               <a:t> numpy </a:t>
             </a:r>
             <a:r>
-              <a:rPr lang="pt-BR" b="1" dirty="0" smtClean="0">
+              <a:rPr lang="pt-BR" b="1" dirty="0">
                 <a:latin typeface="Courier New" panose="02070309020205020404" pitchFamily="49" charset="0"/>
                 <a:cs typeface="Courier New" panose="02070309020205020404" pitchFamily="49" charset="0"/>
               </a:rPr>
               <a:t>as</a:t>
             </a:r>
             <a:r>
-              <a:rPr lang="pt-BR" dirty="0" smtClean="0">
+              <a:rPr lang="pt-BR" dirty="0">
                 <a:latin typeface="Courier New" panose="02070309020205020404" pitchFamily="49" charset="0"/>
                 <a:cs typeface="Courier New" panose="02070309020205020404" pitchFamily="49" charset="0"/>
               </a:rPr>
@@ -21978,7 +20224,7 @@
               <a:defRPr/>
             </a:pPr>
             <a:r>
-              <a:rPr lang="pt-BR" dirty="0" smtClean="0">
+              <a:rPr lang="pt-BR" dirty="0">
                 <a:latin typeface="Courier New" panose="02070309020205020404" pitchFamily="49" charset="0"/>
                 <a:cs typeface="Courier New" panose="02070309020205020404" pitchFamily="49" charset="0"/>
               </a:rPr>
@@ -21994,7 +20240,7 @@
               <a:buNone/>
               <a:defRPr/>
             </a:pPr>
-            <a:endParaRPr lang="en-GB" dirty="0" smtClean="0"/>
+            <a:endParaRPr lang="en-GB" dirty="0"/>
           </a:p>
           <a:p>
             <a:pPr fontAlgn="auto">
@@ -22004,7 +20250,7 @@
               <a:defRPr/>
             </a:pPr>
             <a:r>
-              <a:rPr lang="en-GB" dirty="0" smtClean="0">
+              <a:rPr lang="en-GB" dirty="0">
                 <a:solidFill>
                   <a:prstClr val="black"/>
                 </a:solidFill>
@@ -22019,18 +20265,13 @@
               <a:t>array</a:t>
             </a:r>
             <a:r>
-              <a:rPr lang="en-GB" dirty="0" smtClean="0">
+              <a:rPr lang="en-GB" dirty="0">
                 <a:solidFill>
                   <a:prstClr val="black"/>
                 </a:solidFill>
               </a:rPr>
               <a:t> function will match the array type to the contents of the list.</a:t>
             </a:r>
-            <a:endParaRPr lang="en-GB" dirty="0">
-              <a:solidFill>
-                <a:prstClr val="black"/>
-              </a:solidFill>
-            </a:endParaRPr>
           </a:p>
           <a:p>
             <a:pPr marL="0" indent="0" fontAlgn="auto">
@@ -22053,13 +20294,6 @@
   <p:transition>
     <p:cut/>
   </p:transition>
-  <p:timing>
-    <p:tnLst>
-      <p:par>
-        <p:cTn id="1" dur="indefinite" restart="never" nodeType="tmRoot"/>
-      </p:par>
-    </p:tnLst>
-  </p:timing>
 </p:sld>
 </file>
 
@@ -22101,7 +20335,7 @@
           <a:lstStyle/>
           <a:p>
             <a:r>
-              <a:rPr lang="en-US" altLang="en-US" b="1" smtClean="0"/>
+              <a:rPr lang="en-US" altLang="en-US" b="1"/>
               <a:t>Creating arrays</a:t>
             </a:r>
           </a:p>
@@ -22131,18 +20365,18 @@
               <a:defRPr/>
             </a:pPr>
             <a:r>
-              <a:rPr lang="en-GB" dirty="0" smtClean="0"/>
+              <a:rPr lang="en-GB" dirty="0"/>
               <a:t>To force a certain numerical type for the array, set the </a:t>
             </a:r>
             <a:r>
-              <a:rPr lang="en-GB" sz="2800" dirty="0" err="1" smtClean="0">
+              <a:rPr lang="en-GB" sz="2800" dirty="0" err="1">
                 <a:latin typeface="Courier New" panose="02070309020205020404" pitchFamily="49" charset="0"/>
                 <a:cs typeface="Courier New" panose="02070309020205020404" pitchFamily="49" charset="0"/>
               </a:rPr>
               <a:t>dtype</a:t>
             </a:r>
             <a:r>
-              <a:rPr lang="en-GB" dirty="0" smtClean="0"/>
+              <a:rPr lang="en-GB" dirty="0"/>
               <a:t> keyword to a type code:</a:t>
             </a:r>
           </a:p>
@@ -22155,7 +20389,7 @@
               <a:buNone/>
               <a:defRPr/>
             </a:pPr>
-            <a:endParaRPr lang="en-GB" dirty="0" smtClean="0"/>
+            <a:endParaRPr lang="en-GB" dirty="0"/>
           </a:p>
           <a:p>
             <a:pPr marL="0" indent="0" fontAlgn="auto">
@@ -22166,7 +20400,7 @@
               <a:buNone/>
               <a:defRPr/>
             </a:pPr>
-            <a:endParaRPr lang="en-GB" sz="1100" dirty="0" smtClean="0"/>
+            <a:endParaRPr lang="en-GB" sz="1100" dirty="0"/>
           </a:p>
           <a:p>
             <a:pPr marL="0" indent="0" fontAlgn="auto">
@@ -22178,7 +20412,7 @@
               <a:defRPr/>
             </a:pPr>
             <a:r>
-              <a:rPr lang="pt-BR" dirty="0" smtClean="0">
+              <a:rPr lang="pt-BR" dirty="0">
                 <a:latin typeface="Courier New" panose="02070309020205020404" pitchFamily="49" charset="0"/>
                 <a:cs typeface="Courier New" panose="02070309020205020404" pitchFamily="49" charset="0"/>
               </a:rPr>
@@ -22194,7 +20428,7 @@
               <a:buNone/>
               <a:defRPr/>
             </a:pPr>
-            <a:endParaRPr lang="en-GB" dirty="0" smtClean="0"/>
+            <a:endParaRPr lang="en-GB" dirty="0"/>
           </a:p>
         </p:txBody>
       </p:sp>
@@ -22206,13 +20440,6 @@
   <p:transition>
     <p:cut/>
   </p:transition>
-  <p:timing>
-    <p:tnLst>
-      <p:par>
-        <p:cTn id="1" dur="indefinite" restart="never" nodeType="tmRoot"/>
-      </p:par>
-    </p:tnLst>
-  </p:timing>
 </p:sld>
 </file>
 
@@ -22254,10 +20481,10 @@
           <a:lstStyle/>
           <a:p>
             <a:r>
-              <a:rPr lang="en-GB" altLang="en-US" b="1" smtClean="0"/>
+              <a:rPr lang="en-GB" altLang="en-US" b="1"/>
               <a:t>Typecodes for arrays</a:t>
             </a:r>
-            <a:endParaRPr lang="en-US" altLang="en-US" b="1" smtClean="0"/>
+            <a:endParaRPr lang="en-US" altLang="en-US" b="1"/>
           </a:p>
         </p:txBody>
       </p:sp>
@@ -22716,13 +20943,6 @@
   <p:transition>
     <p:cut/>
   </p:transition>
-  <p:timing>
-    <p:tnLst>
-      <p:par>
-        <p:cTn id="1" dur="indefinite" restart="never" nodeType="tmRoot"/>
-      </p:par>
-    </p:tnLst>
-  </p:timing>
 </p:sld>
 </file>
 
@@ -22764,10 +20984,10 @@
           <a:lstStyle/>
           <a:p>
             <a:r>
-              <a:rPr lang="en-GB" altLang="en-US" b="1" smtClean="0"/>
+              <a:rPr lang="en-GB" altLang="en-US" b="1"/>
               <a:t>Other ways of creating arrays</a:t>
             </a:r>
-            <a:endParaRPr lang="en-US" altLang="en-US" b="1" smtClean="0"/>
+            <a:endParaRPr lang="en-US" altLang="en-US" b="1"/>
           </a:p>
         </p:txBody>
       </p:sp>
@@ -23850,13 +22070,6 @@
   <p:transition>
     <p:cut/>
   </p:transition>
-  <p:timing>
-    <p:tnLst>
-      <p:par>
-        <p:cTn id="1" dur="indefinite" restart="never" nodeType="tmRoot"/>
-      </p:par>
-    </p:tnLst>
-  </p:timing>
 </p:sld>
 </file>
 

--- a/python/presentations/handling_arrays/numpy.pptx
+++ b/python/presentations/handling_arrays/numpy.pptx
@@ -289,7 +289,7 @@
               <a:pPr>
                 <a:defRPr/>
               </a:pPr>
-              <a:t>05/11/2018</a:t>
+              <a:t>06/11/2018</a:t>
             </a:fld>
             <a:endParaRPr lang="en-GB" dirty="0"/>
           </a:p>
@@ -3902,7 +3902,7 @@
               <a:pPr>
                 <a:defRPr/>
               </a:pPr>
-              <a:t>05/11/2018</a:t>
+              <a:t>06/11/2018</a:t>
             </a:fld>
             <a:endParaRPr lang="en-GB" dirty="0"/>
           </a:p>
@@ -10066,14 +10066,7 @@
           <a:p>
             <a:r>
               <a:rPr lang="en-US" altLang="en-US" b="1" dirty="0"/>
-              <a:t>General array operations:</a:t>
-            </a:r>
-            <a:br>
-              <a:rPr lang="en-US" altLang="en-US" b="1" dirty="0"/>
-            </a:br>
-            <a:r>
-              <a:rPr lang="en-US" altLang="en-US" b="1" dirty="0"/>
-              <a:t>Element by Element Multiplication</a:t>
+              <a:t>General array operations</a:t>
             </a:r>
             <a:br>
               <a:rPr lang="en-US" altLang="en-US" b="1" dirty="0"/>
@@ -11026,14 +11019,7 @@
           <a:p>
             <a:r>
               <a:rPr lang="en-US" altLang="en-US" b="1" dirty="0"/>
-              <a:t>General array operations:</a:t>
-            </a:r>
-            <a:br>
-              <a:rPr lang="en-US" altLang="en-US" b="1" dirty="0"/>
-            </a:br>
-            <a:r>
-              <a:rPr lang="en-US" altLang="en-US" b="1" dirty="0"/>
-              <a:t>Element by Element Multiplication</a:t>
+              <a:t>General array operations</a:t>
             </a:r>
           </a:p>
         </p:txBody>

--- a/python/presentations/handling_arrays/numpy.pptx
+++ b/python/presentations/handling_arrays/numpy.pptx
@@ -289,7 +289,7 @@
               <a:pPr>
                 <a:defRPr/>
               </a:pPr>
-              <a:t>06/11/2018</a:t>
+              <a:t>18/12/2018</a:t>
             </a:fld>
             <a:endParaRPr lang="en-GB" dirty="0"/>
           </a:p>
@@ -3902,7 +3902,7 @@
               <a:pPr>
                 <a:defRPr/>
               </a:pPr>
-              <a:t>06/11/2018</a:t>
+              <a:t>18/12/2018</a:t>
             </a:fld>
             <a:endParaRPr lang="en-GB" dirty="0"/>
           </a:p>
@@ -8356,20 +8356,20 @@
               <a:buNone/>
             </a:pPr>
             <a:r>
-              <a:rPr lang="en-US" altLang="en-US" sz="2800">
+              <a:rPr lang="en-US" altLang="en-US" sz="2800" dirty="0">
                 <a:cs typeface="Calibri" panose="020F0502020204030204" pitchFamily="34" charset="0"/>
               </a:rPr>
               <a:t>Arrays have methods or attributes, including equivalents of the more commonly used </a:t>
             </a:r>
             <a:r>
-              <a:rPr lang="en-US" altLang="en-US" sz="2800">
+              <a:rPr lang="en-US" altLang="en-US" sz="2800" dirty="0">
                 <a:latin typeface="Courier New" panose="02070309020205020404" pitchFamily="49" charset="0"/>
                 <a:cs typeface="Courier New" panose="02070309020205020404" pitchFamily="49" charset="0"/>
               </a:rPr>
               <a:t>np.………</a:t>
             </a:r>
             <a:r>
-              <a:rPr lang="en-US" altLang="en-US" sz="2800">
+              <a:rPr lang="en-US" altLang="en-US" sz="2800" dirty="0">
                 <a:cs typeface="Calibri" panose="020F0502020204030204" pitchFamily="34" charset="0"/>
               </a:rPr>
               <a:t> functions, e.g.:</a:t>
@@ -8387,36 +8387,51 @@
               <a:buNone/>
             </a:pPr>
             <a:r>
-              <a:rPr lang="en-US" altLang="en-US" sz="2800">
+              <a:rPr lang="en-US" altLang="en-US" sz="2800" dirty="0">
                 <a:latin typeface="Courier New" panose="02070309020205020404" pitchFamily="49" charset="0"/>
                 <a:cs typeface="Courier New" panose="02070309020205020404" pitchFamily="49" charset="0"/>
               </a:rPr>
               <a:t>   </a:t>
             </a:r>
             <a:r>
-              <a:rPr lang="en-US" altLang="en-US" sz="2800" b="1">
+              <a:rPr lang="en-US" altLang="en-US" sz="2800" b="1" dirty="0" err="1">
                 <a:latin typeface="Courier New" panose="02070309020205020404" pitchFamily="49" charset="0"/>
                 <a:cs typeface="Courier New" panose="02070309020205020404" pitchFamily="49" charset="0"/>
                 <a:sym typeface="Wingdings" panose="05000000000000000000" pitchFamily="2" charset="2"/>
               </a:rPr>
-              <a:t>a.shape     </a:t>
-            </a:r>
-            <a:r>
-              <a:rPr lang="en-US" altLang="en-US" sz="2800">
+              <a:t>a.shape</a:t>
+            </a:r>
+            <a:r>
+              <a:rPr lang="en-US" altLang="en-US" sz="2800" b="1" dirty="0">
                 <a:latin typeface="Courier New" panose="02070309020205020404" pitchFamily="49" charset="0"/>
                 <a:cs typeface="Courier New" panose="02070309020205020404" pitchFamily="49" charset="0"/>
                 <a:sym typeface="Wingdings" panose="05000000000000000000" pitchFamily="2" charset="2"/>
               </a:rPr>
+              <a:t>     </a:t>
+            </a:r>
+            <a:r>
+              <a:rPr lang="en-US" altLang="en-US" sz="2800" dirty="0">
+                <a:latin typeface="Courier New" panose="02070309020205020404" pitchFamily="49" charset="0"/>
+                <a:cs typeface="Courier New" panose="02070309020205020404" pitchFamily="49" charset="0"/>
+                <a:sym typeface="Wingdings" panose="05000000000000000000" pitchFamily="2" charset="2"/>
+              </a:rPr>
               <a:t>  </a:t>
             </a:r>
             <a:r>
-              <a:rPr lang="en-US" altLang="en-US" sz="2800">
-                <a:latin typeface="Courier New" panose="02070309020205020404" pitchFamily="49" charset="0"/>
-                <a:cs typeface="Courier New" panose="02070309020205020404" pitchFamily="49" charset="0"/>
-              </a:rPr>
-              <a:t>np.shape(a)</a:t>
-            </a:r>
-            <a:endParaRPr lang="en-US" altLang="en-US" sz="2800" b="1">
+              <a:rPr lang="en-US" altLang="en-US" sz="2800" dirty="0" err="1">
+                <a:latin typeface="Courier New" panose="02070309020205020404" pitchFamily="49" charset="0"/>
+                <a:cs typeface="Courier New" panose="02070309020205020404" pitchFamily="49" charset="0"/>
+              </a:rPr>
+              <a:t>np.shape</a:t>
+            </a:r>
+            <a:r>
+              <a:rPr lang="en-US" altLang="en-US" sz="2800" dirty="0">
+                <a:latin typeface="Courier New" panose="02070309020205020404" pitchFamily="49" charset="0"/>
+                <a:cs typeface="Courier New" panose="02070309020205020404" pitchFamily="49" charset="0"/>
+              </a:rPr>
+              <a:t>(a)</a:t>
+            </a:r>
+            <a:endParaRPr lang="en-US" altLang="en-US" sz="2800" b="1" dirty="0">
               <a:latin typeface="Courier New" panose="02070309020205020404" pitchFamily="49" charset="0"/>
               <a:cs typeface="Courier New" panose="02070309020205020404" pitchFamily="49" charset="0"/>
               <a:sym typeface="Wingdings" panose="05000000000000000000" pitchFamily="2" charset="2"/>
@@ -8434,7 +8449,7 @@
               <a:buNone/>
             </a:pPr>
             <a:r>
-              <a:rPr lang="en-US" altLang="en-US" sz="2800">
+              <a:rPr lang="en-US" altLang="en-US" sz="2800" dirty="0">
                 <a:latin typeface="Courier New" panose="02070309020205020404" pitchFamily="49" charset="0"/>
                 <a:cs typeface="Courier New" panose="02070309020205020404" pitchFamily="49" charset="0"/>
                 <a:sym typeface="Wingdings" panose="05000000000000000000" pitchFamily="2" charset="2"/>
@@ -8442,7 +8457,7 @@
               <a:t>   </a:t>
             </a:r>
             <a:r>
-              <a:rPr lang="en-US" altLang="en-US" sz="2800" b="1">
+              <a:rPr lang="en-US" altLang="en-US" sz="2800" b="1" dirty="0" err="1">
                 <a:latin typeface="Courier New" panose="02070309020205020404" pitchFamily="49" charset="0"/>
                 <a:cs typeface="Courier New" panose="02070309020205020404" pitchFamily="49" charset="0"/>
                 <a:sym typeface="Wingdings" panose="05000000000000000000" pitchFamily="2" charset="2"/>
@@ -8450,12 +8465,28 @@
               <a:t>a.max</a:t>
             </a:r>
             <a:r>
-              <a:rPr lang="en-US" altLang="en-US" sz="2800">
+              <a:rPr lang="en-US" altLang="en-US" sz="2800" dirty="0">
                 <a:latin typeface="Courier New" panose="02070309020205020404" pitchFamily="49" charset="0"/>
                 <a:cs typeface="Courier New" panose="02070309020205020404" pitchFamily="49" charset="0"/>
                 <a:sym typeface="Wingdings" panose="05000000000000000000" pitchFamily="2" charset="2"/>
               </a:rPr>
-              <a:t>()       np.max(a)</a:t>
+              <a:t>()       </a:t>
+            </a:r>
+            <a:r>
+              <a:rPr lang="en-US" altLang="en-US" sz="2800" dirty="0" err="1">
+                <a:latin typeface="Courier New" panose="02070309020205020404" pitchFamily="49" charset="0"/>
+                <a:cs typeface="Courier New" panose="02070309020205020404" pitchFamily="49" charset="0"/>
+                <a:sym typeface="Wingdings" panose="05000000000000000000" pitchFamily="2" charset="2"/>
+              </a:rPr>
+              <a:t>np.max</a:t>
+            </a:r>
+            <a:r>
+              <a:rPr lang="en-US" altLang="en-US" sz="2800" dirty="0">
+                <a:latin typeface="Courier New" panose="02070309020205020404" pitchFamily="49" charset="0"/>
+                <a:cs typeface="Courier New" panose="02070309020205020404" pitchFamily="49" charset="0"/>
+                <a:sym typeface="Wingdings" panose="05000000000000000000" pitchFamily="2" charset="2"/>
+              </a:rPr>
+              <a:t>(a)</a:t>
             </a:r>
           </a:p>
           <a:p>
@@ -8470,7 +8501,7 @@
               <a:buNone/>
             </a:pPr>
             <a:r>
-              <a:rPr lang="en-US" altLang="en-US" sz="2800">
+              <a:rPr lang="en-US" altLang="en-US" sz="2800" dirty="0">
                 <a:latin typeface="Courier New" panose="02070309020205020404" pitchFamily="49" charset="0"/>
                 <a:cs typeface="Courier New" panose="02070309020205020404" pitchFamily="49" charset="0"/>
                 <a:sym typeface="Wingdings" panose="05000000000000000000" pitchFamily="2" charset="2"/>
@@ -8478,7 +8509,7 @@
               <a:t>   </a:t>
             </a:r>
             <a:r>
-              <a:rPr lang="en-US" altLang="en-US" sz="2800" b="1">
+              <a:rPr lang="en-US" altLang="en-US" sz="2800" b="1" dirty="0" err="1">
                 <a:latin typeface="Courier New" panose="02070309020205020404" pitchFamily="49" charset="0"/>
                 <a:cs typeface="Courier New" panose="02070309020205020404" pitchFamily="49" charset="0"/>
                 <a:sym typeface="Wingdings" panose="05000000000000000000" pitchFamily="2" charset="2"/>
@@ -8486,29 +8517,53 @@
               <a:t>a.repeat</a:t>
             </a:r>
             <a:r>
-              <a:rPr lang="en-US" altLang="en-US" sz="2800">
+              <a:rPr lang="en-US" altLang="en-US" sz="2800" dirty="0">
                 <a:latin typeface="Courier New" panose="02070309020205020404" pitchFamily="49" charset="0"/>
                 <a:cs typeface="Courier New" panose="02070309020205020404" pitchFamily="49" charset="0"/>
                 <a:sym typeface="Wingdings" panose="05000000000000000000" pitchFamily="2" charset="2"/>
               </a:rPr>
-              <a:t>(3)   np.repeat(a,3)</a:t>
+              <a:t>(3)   </a:t>
+            </a:r>
+            <a:r>
+              <a:rPr lang="en-US" altLang="en-US" sz="2800" dirty="0" err="1">
+                <a:latin typeface="Courier New" panose="02070309020205020404" pitchFamily="49" charset="0"/>
+                <a:cs typeface="Courier New" panose="02070309020205020404" pitchFamily="49" charset="0"/>
+                <a:sym typeface="Wingdings" panose="05000000000000000000" pitchFamily="2" charset="2"/>
+              </a:rPr>
+              <a:t>np.repeat</a:t>
+            </a:r>
+            <a:r>
+              <a:rPr lang="en-US" altLang="en-US" sz="2800" dirty="0">
+                <a:latin typeface="Courier New" panose="02070309020205020404" pitchFamily="49" charset="0"/>
+                <a:cs typeface="Courier New" panose="02070309020205020404" pitchFamily="49" charset="0"/>
+                <a:sym typeface="Wingdings" panose="05000000000000000000" pitchFamily="2" charset="2"/>
+              </a:rPr>
+              <a:t>(a,3)</a:t>
             </a:r>
             <a:br>
-              <a:rPr lang="en-US" altLang="en-US" sz="2800">
+              <a:rPr lang="en-US" altLang="en-US" sz="2800" dirty="0">
                 <a:latin typeface="Courier New" panose="02070309020205020404" pitchFamily="49" charset="0"/>
                 <a:cs typeface="Courier New" panose="02070309020205020404" pitchFamily="49" charset="0"/>
                 <a:sym typeface="Wingdings" panose="05000000000000000000" pitchFamily="2" charset="2"/>
               </a:rPr>
             </a:br>
+            <a:r>
+              <a:rPr lang="en-US" altLang="en-US" sz="1400" dirty="0">
+                <a:latin typeface="Courier New" panose="02070309020205020404" pitchFamily="49" charset="0"/>
+                <a:cs typeface="Courier New" panose="02070309020205020404" pitchFamily="49" charset="0"/>
+                <a:sym typeface="Wingdings" panose="05000000000000000000" pitchFamily="2" charset="2"/>
+              </a:rPr>
+              <a:t/>
+            </a:r>
             <a:br>
-              <a:rPr lang="en-US" altLang="en-US" sz="1400">
+              <a:rPr lang="en-US" altLang="en-US" sz="1400" dirty="0">
                 <a:latin typeface="Courier New" panose="02070309020205020404" pitchFamily="49" charset="0"/>
                 <a:cs typeface="Courier New" panose="02070309020205020404" pitchFamily="49" charset="0"/>
                 <a:sym typeface="Wingdings" panose="05000000000000000000" pitchFamily="2" charset="2"/>
               </a:rPr>
             </a:br>
             <a:r>
-              <a:rPr lang="en-US" altLang="en-US" sz="2800">
+              <a:rPr lang="en-US" altLang="en-US" sz="2800" dirty="0">
                 <a:cs typeface="Calibri" panose="020F0502020204030204" pitchFamily="34" charset="0"/>
               </a:rPr>
               <a:t>as well as various others, e.g.:</a:t>
@@ -8526,7 +8581,7 @@
               <a:buNone/>
             </a:pPr>
             <a:r>
-              <a:rPr lang="en-US" altLang="en-US" sz="2800">
+              <a:rPr lang="en-US" altLang="en-US" sz="2800" dirty="0">
                 <a:latin typeface="Courier New" panose="02070309020205020404" pitchFamily="49" charset="0"/>
                 <a:cs typeface="Courier New" panose="02070309020205020404" pitchFamily="49" charset="0"/>
                 <a:sym typeface="Wingdings" panose="05000000000000000000" pitchFamily="2" charset="2"/>
@@ -8534,7 +8589,7 @@
               <a:t>  </a:t>
             </a:r>
             <a:r>
-              <a:rPr lang="en-US" altLang="en-US" sz="2800" b="1">
+              <a:rPr lang="en-US" altLang="en-US" sz="2800" b="1" dirty="0" err="1">
                 <a:latin typeface="Courier New" panose="02070309020205020404" pitchFamily="49" charset="0"/>
                 <a:cs typeface="Courier New" panose="02070309020205020404" pitchFamily="49" charset="0"/>
                 <a:sym typeface="Wingdings" panose="05000000000000000000" pitchFamily="2" charset="2"/>
@@ -8542,7 +8597,7 @@
               <a:t>a.dtype</a:t>
             </a:r>
             <a:r>
-              <a:rPr lang="en-US" altLang="en-US" sz="2800">
+              <a:rPr lang="en-US" altLang="en-US" sz="2800" dirty="0">
                 <a:latin typeface="Courier New" panose="02070309020205020404" pitchFamily="49" charset="0"/>
                 <a:cs typeface="Courier New" panose="02070309020205020404" pitchFamily="49" charset="0"/>
                 <a:sym typeface="Wingdings" panose="05000000000000000000" pitchFamily="2" charset="2"/>
@@ -8550,27 +8605,34 @@
               <a:t> </a:t>
             </a:r>
             <a:r>
-              <a:rPr lang="en-US" altLang="en-US" sz="2800">
+              <a:rPr lang="en-US" altLang="en-US" sz="2800" dirty="0">
                 <a:cs typeface="Courier New" panose="02070309020205020404" pitchFamily="49" charset="0"/>
                 <a:sym typeface="Wingdings" panose="05000000000000000000" pitchFamily="2" charset="2"/>
               </a:rPr>
               <a:t> </a:t>
             </a:r>
             <a:r>
-              <a:rPr lang="en-US" altLang="en-US" sz="2800" i="1">
+              <a:rPr lang="en-US" altLang="en-US" sz="2800" i="1" dirty="0">
                 <a:cs typeface="Courier New" panose="02070309020205020404" pitchFamily="49" charset="0"/>
                 <a:sym typeface="Wingdings" panose="05000000000000000000" pitchFamily="2" charset="2"/>
               </a:rPr>
               <a:t>interrogate data type</a:t>
             </a:r>
+            <a:r>
+              <a:rPr lang="en-US" altLang="en-US" i="1" dirty="0">
+                <a:cs typeface="Courier New" panose="02070309020205020404" pitchFamily="49" charset="0"/>
+                <a:sym typeface="Wingdings" panose="05000000000000000000" pitchFamily="2" charset="2"/>
+              </a:rPr>
+              <a:t/>
+            </a:r>
             <a:br>
-              <a:rPr lang="en-US" altLang="en-US" i="1">
+              <a:rPr lang="en-US" altLang="en-US" i="1" dirty="0">
                 <a:cs typeface="Courier New" panose="02070309020205020404" pitchFamily="49" charset="0"/>
                 <a:sym typeface="Wingdings" panose="05000000000000000000" pitchFamily="2" charset="2"/>
               </a:rPr>
             </a:br>
             <a:r>
-              <a:rPr lang="en-US" altLang="en-US" sz="2800">
+              <a:rPr lang="en-US" altLang="en-US" sz="2800" dirty="0">
                 <a:latin typeface="Courier New" panose="02070309020205020404" pitchFamily="49" charset="0"/>
                 <a:cs typeface="Courier New" panose="02070309020205020404" pitchFamily="49" charset="0"/>
                 <a:sym typeface="Wingdings" panose="05000000000000000000" pitchFamily="2" charset="2"/>
@@ -8578,7 +8640,7 @@
               <a:t>  b = </a:t>
             </a:r>
             <a:r>
-              <a:rPr lang="en-US" altLang="en-US" sz="2800" b="1">
+              <a:rPr lang="en-US" altLang="en-US" sz="2800" b="1" dirty="0" err="1">
                 <a:latin typeface="Courier New" panose="02070309020205020404" pitchFamily="49" charset="0"/>
                 <a:cs typeface="Courier New" panose="02070309020205020404" pitchFamily="49" charset="0"/>
                 <a:sym typeface="Wingdings" panose="05000000000000000000" pitchFamily="2" charset="2"/>
@@ -8586,7 +8648,7 @@
               <a:t>a.astype</a:t>
             </a:r>
             <a:r>
-              <a:rPr lang="en-US" altLang="en-US" sz="2800">
+              <a:rPr lang="en-US" altLang="en-US" sz="2800" dirty="0">
                 <a:latin typeface="Courier New" panose="02070309020205020404" pitchFamily="49" charset="0"/>
                 <a:cs typeface="Courier New" panose="02070309020205020404" pitchFamily="49" charset="0"/>
                 <a:sym typeface="Wingdings" panose="05000000000000000000" pitchFamily="2" charset="2"/>
@@ -8594,53 +8656,60 @@
               <a:t>(np.int32) </a:t>
             </a:r>
             <a:r>
-              <a:rPr lang="en-US" altLang="en-US" sz="2800">
+              <a:rPr lang="en-US" altLang="en-US" sz="2800" dirty="0">
                 <a:cs typeface="Courier New" panose="02070309020205020404" pitchFamily="49" charset="0"/>
                 <a:sym typeface="Wingdings" panose="05000000000000000000" pitchFamily="2" charset="2"/>
               </a:rPr>
               <a:t> </a:t>
             </a:r>
             <a:r>
-              <a:rPr lang="en-US" altLang="en-US" sz="2800" i="1">
+              <a:rPr lang="en-US" altLang="en-US" sz="2800" i="1" dirty="0">
                 <a:cs typeface="Courier New" panose="02070309020205020404" pitchFamily="49" charset="0"/>
                 <a:sym typeface="Wingdings" panose="05000000000000000000" pitchFamily="2" charset="2"/>
               </a:rPr>
               <a:t>convert data type</a:t>
             </a:r>
             <a:br>
-              <a:rPr lang="en-US" altLang="en-US" sz="2800" i="1">
+              <a:rPr lang="en-US" altLang="en-US" sz="2800" i="1" dirty="0">
                 <a:cs typeface="Courier New" panose="02070309020205020404" pitchFamily="49" charset="0"/>
                 <a:sym typeface="Wingdings" panose="05000000000000000000" pitchFamily="2" charset="2"/>
               </a:rPr>
             </a:br>
+            <a:r>
+              <a:rPr lang="en-US" altLang="en-US" i="1" dirty="0">
+                <a:cs typeface="Courier New" panose="02070309020205020404" pitchFamily="49" charset="0"/>
+                <a:sym typeface="Wingdings" panose="05000000000000000000" pitchFamily="2" charset="2"/>
+              </a:rPr>
+              <a:t/>
+            </a:r>
             <a:br>
-              <a:rPr lang="en-US" altLang="en-US" i="1">
+              <a:rPr lang="en-US" altLang="en-US" i="1" dirty="0">
                 <a:cs typeface="Courier New" panose="02070309020205020404" pitchFamily="49" charset="0"/>
                 <a:sym typeface="Wingdings" panose="05000000000000000000" pitchFamily="2" charset="2"/>
               </a:rPr>
             </a:br>
             <a:r>
-              <a:rPr lang="en-US" altLang="en-US" sz="2800">
+              <a:rPr lang="en-US" altLang="en-US" sz="2800" dirty="0">
                 <a:cs typeface="Calibri" panose="020F0502020204030204" pitchFamily="34" charset="0"/>
                 <a:sym typeface="Wingdings" panose="05000000000000000000" pitchFamily="2" charset="2"/>
               </a:rPr>
               <a:t>although </a:t>
             </a:r>
             <a:r>
-              <a:rPr lang="en-US" altLang="en-US" sz="2800">
+              <a:rPr lang="en-US" altLang="en-US" sz="2800" dirty="0">
                 <a:cs typeface="Calibri" panose="020F0502020204030204" pitchFamily="34" charset="0"/>
               </a:rPr>
               <a:t>much else exists only as </a:t>
             </a:r>
             <a:r>
-              <a:rPr lang="en-US" altLang="en-US" sz="2800">
+              <a:rPr lang="en-US" altLang="en-US" sz="2800" dirty="0">
                 <a:latin typeface="Courier New" panose="02070309020205020404" pitchFamily="49" charset="0"/>
                 <a:cs typeface="Courier New" panose="02070309020205020404" pitchFamily="49" charset="0"/>
               </a:rPr>
               <a:t>np.………</a:t>
             </a:r>
             <a:r>
-              <a:rPr lang="en-US" altLang="en-US" sz="2800">
+              <a:rPr lang="en-US" altLang="en-US" sz="2800" dirty="0">
                 <a:cs typeface="Calibri" panose="020F0502020204030204" pitchFamily="34" charset="0"/>
               </a:rPr>
               <a:t> , e.g.</a:t>
@@ -8658,27 +8727,41 @@
               <a:buNone/>
             </a:pPr>
             <a:r>
-              <a:rPr lang="en-US" altLang="en-US" sz="2800">
-                <a:latin typeface="Courier New" panose="02070309020205020404" pitchFamily="49" charset="0"/>
-                <a:cs typeface="Courier New" panose="02070309020205020404" pitchFamily="49" charset="0"/>
-              </a:rPr>
-              <a:t>   np.average(a) </a:t>
-            </a:r>
-            <a:r>
-              <a:rPr lang="en-US" altLang="en-US" sz="2800">
+              <a:rPr lang="en-US" altLang="en-US" sz="2800" dirty="0">
+                <a:latin typeface="Courier New" panose="02070309020205020404" pitchFamily="49" charset="0"/>
+                <a:cs typeface="Courier New" panose="02070309020205020404" pitchFamily="49" charset="0"/>
+              </a:rPr>
+              <a:t>   </a:t>
+            </a:r>
+            <a:r>
+              <a:rPr lang="en-US" altLang="en-US" sz="2800" dirty="0" err="1">
+                <a:latin typeface="Courier New" panose="02070309020205020404" pitchFamily="49" charset="0"/>
+                <a:cs typeface="Courier New" panose="02070309020205020404" pitchFamily="49" charset="0"/>
+              </a:rPr>
+              <a:t>np.average</a:t>
+            </a:r>
+            <a:r>
+              <a:rPr lang="en-US" altLang="en-US" sz="2800" dirty="0">
+                <a:latin typeface="Courier New" panose="02070309020205020404" pitchFamily="49" charset="0"/>
+                <a:cs typeface="Courier New" panose="02070309020205020404" pitchFamily="49" charset="0"/>
+              </a:rPr>
+              <a:t>(a) </a:t>
+            </a:r>
+            <a:r>
+              <a:rPr lang="en-US" altLang="en-US" sz="2800" dirty="0">
                 <a:cs typeface="Calibri" panose="020F0502020204030204" pitchFamily="34" charset="0"/>
               </a:rPr>
               <a:t> </a:t>
             </a:r>
             <a:r>
-              <a:rPr lang="en-US" altLang="en-US" sz="2800">
+              <a:rPr lang="en-US" altLang="en-US" sz="2800" dirty="0">
                 <a:cs typeface="Calibri" panose="020F0502020204030204" pitchFamily="34" charset="0"/>
                 <a:sym typeface="Wingdings" panose="05000000000000000000" pitchFamily="2" charset="2"/>
               </a:rPr>
               <a:t> </a:t>
             </a:r>
             <a:r>
-              <a:rPr lang="en-US" altLang="en-US" sz="2800" i="1">
+              <a:rPr lang="en-US" altLang="en-US" sz="2800" i="1" dirty="0" err="1">
                 <a:latin typeface="Courier New" panose="02070309020205020404" pitchFamily="49" charset="0"/>
                 <a:cs typeface="Courier New" panose="02070309020205020404" pitchFamily="49" charset="0"/>
                 <a:sym typeface="Wingdings" panose="05000000000000000000" pitchFamily="2" charset="2"/>
@@ -8686,13 +8769,13 @@
               <a:t>a.average</a:t>
             </a:r>
             <a:r>
-              <a:rPr lang="en-US" altLang="en-US" sz="2800" i="1">
+              <a:rPr lang="en-US" altLang="en-US" sz="2800" i="1" dirty="0">
                 <a:cs typeface="Calibri" panose="020F0502020204030204" pitchFamily="34" charset="0"/>
                 <a:sym typeface="Wingdings" panose="05000000000000000000" pitchFamily="2" charset="2"/>
               </a:rPr>
               <a:t> doesn't exist</a:t>
             </a:r>
-            <a:endParaRPr lang="en-US" altLang="en-US" sz="2800" i="1">
+            <a:endParaRPr lang="en-US" altLang="en-US" sz="2800" i="1" dirty="0">
               <a:cs typeface="Calibri" panose="020F0502020204030204" pitchFamily="34" charset="0"/>
             </a:endParaRPr>
           </a:p>
@@ -10434,12 +10517,32 @@
               <a:buNone/>
             </a:pPr>
             <a:r>
-              <a:rPr lang="en-GB" altLang="en-US" sz="2800" b="1"/>
+              <a:rPr lang="en-GB" altLang="en-US" sz="2800" b="1" dirty="0"/>
               <a:t>Johnny Lin</a:t>
             </a:r>
             <a:r>
-              <a:rPr lang="en-GB" altLang="en-US" sz="2800"/>
-              <a:t> writes a great python/atmospheric science blog with exercises, examples, presentations, books etc.</a:t>
+              <a:rPr lang="en-GB" altLang="en-US" sz="2800" dirty="0"/>
+              <a:t> </a:t>
+            </a:r>
+            <a:r>
+              <a:rPr lang="en-GB" altLang="en-US" sz="2800" dirty="0" smtClean="0"/>
+              <a:t>wrote </a:t>
+            </a:r>
+            <a:r>
+              <a:rPr lang="en-GB" altLang="en-US" sz="2800" dirty="0"/>
+              <a:t>a great python/atmospheric science </a:t>
+            </a:r>
+            <a:r>
+              <a:rPr lang="en-GB" altLang="en-US" sz="2800" dirty="0" smtClean="0"/>
+              <a:t>book </a:t>
+            </a:r>
+            <a:r>
+              <a:rPr lang="en-GB" altLang="en-US" sz="2800" dirty="0"/>
+              <a:t>with exercises, examples, presentations, books etc</a:t>
+            </a:r>
+            <a:r>
+              <a:rPr lang="en-GB" altLang="en-US" sz="2800" dirty="0" smtClean="0"/>
+              <a:t>.</a:t>
             </a:r>
           </a:p>
           <a:p>
@@ -10447,7 +10550,18 @@
               <a:buFont typeface="Arial" panose="020B0604020202020204" pitchFamily="34" charset="0"/>
               <a:buNone/>
             </a:pPr>
-            <a:endParaRPr lang="en-GB" altLang="en-US" sz="2800">
+            <a:r>
+              <a:rPr lang="en-GB" altLang="en-US" sz="2800" dirty="0" smtClean="0"/>
+              <a:t>It is Python 2 however.</a:t>
+            </a:r>
+            <a:endParaRPr lang="en-GB" altLang="en-US" sz="2800" dirty="0"/>
+          </a:p>
+          <a:p>
+            <a:pPr marL="0" indent="0">
+              <a:buFont typeface="Arial" panose="020B0604020202020204" pitchFamily="34" charset="0"/>
+              <a:buNone/>
+            </a:pPr>
+            <a:endParaRPr lang="en-GB" altLang="en-US" sz="2800" dirty="0">
               <a:cs typeface="Courier New" panose="02070309020205020404" pitchFamily="49" charset="0"/>
             </a:endParaRPr>
           </a:p>
@@ -10457,23 +10571,23 @@
               <a:buNone/>
             </a:pPr>
             <a:r>
-              <a:rPr lang="en-GB" altLang="en-US" sz="2800">
+              <a:rPr lang="en-GB" altLang="en-US" sz="2800" dirty="0">
                 <a:cs typeface="Courier New" panose="02070309020205020404" pitchFamily="49" charset="0"/>
               </a:rPr>
               <a:t>Much of this is borrowed </a:t>
             </a:r>
             <a:br>
-              <a:rPr lang="en-GB" altLang="en-US" sz="2800">
+              <a:rPr lang="en-GB" altLang="en-US" sz="2800" dirty="0">
                 <a:cs typeface="Courier New" panose="02070309020205020404" pitchFamily="49" charset="0"/>
               </a:rPr>
             </a:br>
             <a:r>
-              <a:rPr lang="en-GB" altLang="en-US" sz="2800">
+              <a:rPr lang="en-GB" altLang="en-US" sz="2800" dirty="0">
                 <a:cs typeface="Courier New" panose="02070309020205020404" pitchFamily="49" charset="0"/>
               </a:rPr>
               <a:t>from...</a:t>
             </a:r>
-            <a:endParaRPr lang="en-GB" altLang="en-US" sz="2800"/>
+            <a:endParaRPr lang="en-GB" altLang="en-US" sz="2800" dirty="0"/>
           </a:p>
         </p:txBody>
       </p:sp>
@@ -10956,17 +11070,23 @@
               <a:spcBef>
                 <a:spcPct val="20000"/>
               </a:spcBef>
-              <a:buFont typeface="Arial" panose="020B0604020202020204" pitchFamily="34" charset="0"/>
               <a:buNone/>
             </a:pPr>
             <a:r>
-              <a:rPr lang="en-GB" altLang="en-US" sz="3200">
+              <a:rPr lang="en-GB" altLang="en-US" sz="3200" dirty="0">
                 <a:cs typeface="Calibri" panose="020F0502020204030204" pitchFamily="34" charset="0"/>
                 <a:hlinkClick r:id="rId3"/>
               </a:rPr>
-              <a:t>http://pyaos.johnny-lin.com/?p=1256</a:t>
-            </a:r>
-            <a:endParaRPr lang="en-GB" altLang="en-US" sz="3200">
+              <a:t>https://www.johnny-lin.com/pyintro</a:t>
+            </a:r>
+            <a:r>
+              <a:rPr lang="en-GB" altLang="en-US" sz="3200" dirty="0" smtClean="0">
+                <a:cs typeface="Calibri" panose="020F0502020204030204" pitchFamily="34" charset="0"/>
+                <a:hlinkClick r:id="rId3"/>
+              </a:rPr>
+              <a:t>/</a:t>
+            </a:r>
+            <a:endParaRPr lang="en-GB" altLang="en-US" sz="3200" dirty="0">
               <a:cs typeface="Calibri" panose="020F0502020204030204" pitchFamily="34" charset="0"/>
             </a:endParaRPr>
           </a:p>
@@ -14824,6 +14944,12 @@
                 <a:cs typeface="Calibri" panose="020F0502020204030204" pitchFamily="34" charset="0"/>
               </a:rPr>
             </a:br>
+            <a:r>
+              <a:rPr lang="en-US" altLang="en-US" sz="2800">
+                <a:cs typeface="Calibri" panose="020F0502020204030204" pitchFamily="34" charset="0"/>
+              </a:rPr>
+              <a:t/>
+            </a:r>
             <a:br>
               <a:rPr lang="en-US" altLang="en-US" sz="2800">
                 <a:cs typeface="Calibri" panose="020F0502020204030204" pitchFamily="34" charset="0"/>
@@ -19476,17 +19602,25 @@
               </a:lnSpc>
             </a:pPr>
             <a:r>
-              <a:rPr lang="en-US" altLang="en-US" sz="2800">
+              <a:rPr lang="en-US" altLang="en-US" sz="2800" dirty="0" err="1">
                 <a:latin typeface="Courier New" panose="02070309020205020404" pitchFamily="49" charset="0"/>
                 <a:cs typeface="Courier New" panose="02070309020205020404" pitchFamily="49" charset="0"/>
               </a:rPr>
               <a:t>NumPy</a:t>
             </a:r>
             <a:r>
-              <a:rPr lang="en-US" altLang="en-US" sz="2800"/>
-              <a:t> is a powerful array handling package that provides the array handling functionality of IDL, Matlab, Fortran 90 etc.</a:t>
-            </a:r>
-            <a:endParaRPr lang="en-US" altLang="en-US" sz="2800">
+              <a:rPr lang="en-US" altLang="en-US" sz="2800" dirty="0"/>
+              <a:t> is a powerful array handling package that provides the array handling functionality of IDL, </a:t>
+            </a:r>
+            <a:r>
+              <a:rPr lang="en-US" altLang="en-US" sz="2800" dirty="0" err="1"/>
+              <a:t>Matlab</a:t>
+            </a:r>
+            <a:r>
+              <a:rPr lang="en-US" altLang="en-US" sz="2800" dirty="0"/>
+              <a:t>, Fortran 90 etc.</a:t>
+            </a:r>
+            <a:endParaRPr lang="en-US" altLang="en-US" sz="2800" dirty="0">
               <a:cs typeface="Calibri" panose="020F0502020204030204" pitchFamily="34" charset="0"/>
             </a:endParaRPr>
           </a:p>
@@ -19500,7 +19634,7 @@
               </a:spcBef>
             </a:pPr>
             <a:r>
-              <a:rPr lang="en-US" altLang="en-US" sz="2800"/>
+              <a:rPr lang="en-US" altLang="en-US" sz="2800" dirty="0"/>
               <a:t>Array syntax enables you to write more streamlined and flexible code: The same code can handle operations on arrays of arbitrary rank.</a:t>
             </a:r>
           </a:p>
@@ -19514,7 +19648,7 @@
               </a:spcBef>
             </a:pPr>
             <a:r>
-              <a:rPr lang="en-US" altLang="en-US" sz="2800">
+              <a:rPr lang="en-US" altLang="en-US" sz="2800" dirty="0">
                 <a:cs typeface="Calibri" panose="020F0502020204030204" pitchFamily="34" charset="0"/>
               </a:rPr>
               <a:t>Masked arrays extend the functionality by providing support for "bad values".</a:t>

--- a/python/presentations/handling_arrays/numpy.pptx
+++ b/python/presentations/handling_arrays/numpy.pptx
@@ -289,7 +289,7 @@
               <a:pPr>
                 <a:defRPr/>
               </a:pPr>
-              <a:t>18/12/2018</a:t>
+              <a:t>21/11/2019</a:t>
             </a:fld>
             <a:endParaRPr lang="en-GB" dirty="0"/>
           </a:p>
@@ -3902,7 +3902,7 @@
               <a:pPr>
                 <a:defRPr/>
               </a:pPr>
-              <a:t>18/12/2018</a:t>
+              <a:t>21/11/2019</a:t>
             </a:fld>
             <a:endParaRPr lang="en-GB" dirty="0"/>
           </a:p>
@@ -5153,6 +5153,13 @@
   <p:clrMapOvr>
     <a:masterClrMapping/>
   </p:clrMapOvr>
+  <p:timing>
+    <p:tnLst>
+      <p:par>
+        <p:cTn id="1" dur="indefinite" restart="never" nodeType="tmRoot"/>
+      </p:par>
+    </p:tnLst>
+  </p:timing>
 </p:sld>
 </file>
 
@@ -5533,6 +5540,13 @@
   <p:transition>
     <p:cut/>
   </p:transition>
+  <p:timing>
+    <p:tnLst>
+      <p:par>
+        <p:cTn id="1" dur="indefinite" restart="never" nodeType="tmRoot"/>
+      </p:par>
+    </p:tnLst>
+  </p:timing>
 </p:sld>
 </file>
 
@@ -6181,6 +6195,13 @@
   <p:transition>
     <p:cut/>
   </p:transition>
+  <p:timing>
+    <p:tnLst>
+      <p:par>
+        <p:cTn id="1" dur="indefinite" restart="never" nodeType="tmRoot"/>
+      </p:par>
+    </p:tnLst>
+  </p:timing>
 </p:sld>
 </file>
 
@@ -8095,6 +8116,13 @@
   <p:transition>
     <p:cut/>
   </p:transition>
+  <p:timing>
+    <p:tnLst>
+      <p:par>
+        <p:cTn id="1" dur="indefinite" restart="never" nodeType="tmRoot"/>
+      </p:par>
+    </p:tnLst>
+  </p:timing>
 </p:sld>
 </file>
 
@@ -8851,6 +8879,13 @@
   <p:transition>
     <p:cut/>
   </p:transition>
+  <p:timing>
+    <p:tnLst>
+      <p:par>
+        <p:cTn id="1" dur="indefinite" restart="never" nodeType="tmRoot"/>
+      </p:par>
+    </p:tnLst>
+  </p:timing>
 </p:sld>
 </file>
 
@@ -10107,6 +10142,13 @@
   <p:clrMapOvr>
     <a:masterClrMapping/>
   </p:clrMapOvr>
+  <p:timing>
+    <p:tnLst>
+      <p:par>
+        <p:cTn id="1" dur="indefinite" restart="never" nodeType="tmRoot"/>
+      </p:par>
+    </p:tnLst>
+  </p:timing>
 </p:sld>
 </file>
 
@@ -10450,6 +10492,13 @@
   <p:transition>
     <p:cut/>
   </p:transition>
+  <p:timing>
+    <p:tnLst>
+      <p:par>
+        <p:cTn id="1" dur="indefinite" restart="never" nodeType="tmRoot"/>
+      </p:par>
+    </p:tnLst>
+  </p:timing>
 </p:sld>
 </file>
 
@@ -11097,6 +11146,13 @@
   <p:clrMapOvr>
     <a:masterClrMapping/>
   </p:clrMapOvr>
+  <p:timing>
+    <p:tnLst>
+      <p:par>
+        <p:cTn id="1" dur="indefinite" restart="never" nodeType="tmRoot"/>
+      </p:par>
+    </p:tnLst>
+  </p:timing>
 </p:sld>
 </file>
 
@@ -12133,6 +12189,13 @@
   <p:transition>
     <p:cut/>
   </p:transition>
+  <p:timing>
+    <p:tnLst>
+      <p:par>
+        <p:cTn id="1" dur="indefinite" restart="never" nodeType="tmRoot"/>
+      </p:par>
+    </p:tnLst>
+  </p:timing>
 </p:sld>
 </file>
 
@@ -12721,6 +12784,13 @@
   <p:transition>
     <p:cut/>
   </p:transition>
+  <p:timing>
+    <p:tnLst>
+      <p:par>
+        <p:cTn id="1" dur="indefinite" restart="never" nodeType="tmRoot"/>
+      </p:par>
+    </p:tnLst>
+  </p:timing>
 </p:sld>
 </file>
 
@@ -13368,6 +13438,13 @@
   <p:transition>
     <p:cut/>
   </p:transition>
+  <p:timing>
+    <p:tnLst>
+      <p:par>
+        <p:cTn id="1" dur="indefinite" restart="never" nodeType="tmRoot"/>
+      </p:par>
+    </p:tnLst>
+  </p:timing>
 </p:sld>
 </file>
 
@@ -13735,6 +13812,13 @@
   <p:transition>
     <p:cut/>
   </p:transition>
+  <p:timing>
+    <p:tnLst>
+      <p:par>
+        <p:cTn id="1" dur="indefinite" restart="never" nodeType="tmRoot"/>
+      </p:par>
+    </p:tnLst>
+  </p:timing>
 </p:sld>
 </file>
 
@@ -14139,6 +14223,13 @@
   <p:transition>
     <p:cut/>
   </p:transition>
+  <p:timing>
+    <p:tnLst>
+      <p:par>
+        <p:cTn id="1" dur="indefinite" restart="never" nodeType="tmRoot"/>
+      </p:par>
+    </p:tnLst>
+  </p:timing>
 </p:sld>
 </file>
 
@@ -14202,6 +14293,13 @@
   <p:transition>
     <p:cut/>
   </p:transition>
+  <p:timing>
+    <p:tnLst>
+      <p:par>
+        <p:cTn id="1" dur="indefinite" restart="never" nodeType="tmRoot"/>
+      </p:par>
+    </p:tnLst>
+  </p:timing>
 </p:sld>
 </file>
 
@@ -14587,6 +14685,13 @@
   <p:transition>
     <p:cut/>
   </p:transition>
+  <p:timing>
+    <p:tnLst>
+      <p:par>
+        <p:cTn id="1" dur="indefinite" restart="never" nodeType="tmRoot"/>
+      </p:par>
+    </p:tnLst>
+  </p:timing>
 </p:sld>
 </file>
 
@@ -14678,6 +14783,13 @@
   <p:transition>
     <p:cut/>
   </p:transition>
+  <p:timing>
+    <p:tnLst>
+      <p:par>
+        <p:cTn id="1" dur="indefinite" restart="never" nodeType="tmRoot"/>
+      </p:par>
+    </p:tnLst>
+  </p:timing>
 </p:sld>
 </file>
 
@@ -15319,6 +15431,13 @@
   <p:transition>
     <p:cut/>
   </p:transition>
+  <p:timing>
+    <p:tnLst>
+      <p:par>
+        <p:cTn id="1" dur="indefinite" restart="never" nodeType="tmRoot"/>
+      </p:par>
+    </p:tnLst>
+  </p:timing>
 </p:sld>
 </file>
 
@@ -17040,6 +17159,13 @@
   <p:transition>
     <p:cut/>
   </p:transition>
+  <p:timing>
+    <p:tnLst>
+      <p:par>
+        <p:cTn id="1" dur="indefinite" restart="never" nodeType="tmRoot"/>
+      </p:par>
+    </p:tnLst>
+  </p:timing>
 </p:sld>
 </file>
 
@@ -17072,8 +17198,8 @@
         </p:nvSpPr>
         <p:spPr>
           <a:xfrm>
-            <a:off x="457200" y="508000"/>
-            <a:ext cx="8229600" cy="676275"/>
+            <a:off x="457200" y="569138"/>
+            <a:ext cx="8229600" cy="553998"/>
           </a:xfrm>
         </p:spPr>
         <p:txBody>
@@ -17089,10 +17215,18 @@
               <a:defRPr/>
             </a:pPr>
             <a:r>
-              <a:rPr lang="en-GB" b="1" spc="-109" dirty="0"/>
-              <a:t>Constructing Masked arrays 3</a:t>
-            </a:r>
-            <a:endParaRPr b="1" spc="-287" dirty="0"/>
+              <a:rPr lang="en-GB" sz="4000" b="1" spc="-109" dirty="0"/>
+              <a:t>Constructing Masked </a:t>
+            </a:r>
+            <a:r>
+              <a:rPr lang="en-GB" sz="4000" b="1" spc="-109" dirty="0" smtClean="0"/>
+              <a:t>Arrays </a:t>
+            </a:r>
+            <a:r>
+              <a:rPr lang="en-GB" sz="4000" b="1" spc="-109" dirty="0"/>
+              <a:t>3</a:t>
+            </a:r>
+            <a:endParaRPr sz="4000" b="1" spc="-287" dirty="0"/>
           </a:p>
         </p:txBody>
       </p:sp>
@@ -17743,6 +17877,13 @@
   <p:transition>
     <p:cut/>
   </p:transition>
+  <p:timing>
+    <p:tnLst>
+      <p:par>
+        <p:cTn id="1" dur="indefinite" restart="never" nodeType="tmRoot"/>
+      </p:par>
+    </p:tnLst>
+  </p:timing>
 </p:sld>
 </file>
 
@@ -18610,6 +18751,13 @@
   <p:transition>
     <p:cut/>
   </p:transition>
+  <p:timing>
+    <p:tnLst>
+      <p:par>
+        <p:cTn id="1" dur="indefinite" restart="never" nodeType="tmRoot"/>
+      </p:par>
+    </p:tnLst>
+  </p:timing>
 </p:sld>
 </file>
 
@@ -19484,7 +19632,35 @@
                 <a:latin typeface="Courier New" panose="02070309020205020404" pitchFamily="49" charset="0"/>
                 <a:cs typeface="Courier New" panose="02070309020205020404" pitchFamily="49" charset="0"/>
               </a:rPr>
-              <a:t>(data=………,mask=………,</a:t>
+              <a:t>(data</a:t>
+            </a:r>
+            <a:r>
+              <a:rPr lang="en-GB" sz="2400" spc="99" dirty="0" smtClean="0">
+                <a:latin typeface="Courier New" panose="02070309020205020404" pitchFamily="49" charset="0"/>
+                <a:cs typeface="Courier New" panose="02070309020205020404" pitchFamily="49" charset="0"/>
+              </a:rPr>
+              <a:t>=...,</a:t>
+            </a:r>
+            <a:r>
+              <a:rPr lang="en-GB" sz="2400" spc="99" dirty="0">
+                <a:latin typeface="Courier New" panose="02070309020205020404" pitchFamily="49" charset="0"/>
+                <a:cs typeface="Courier New" panose="02070309020205020404" pitchFamily="49" charset="0"/>
+              </a:rPr>
+              <a:t>mask</a:t>
+            </a:r>
+            <a:r>
+              <a:rPr lang="en-GB" sz="2400" spc="99" dirty="0" smtClean="0">
+                <a:latin typeface="Courier New" panose="02070309020205020404" pitchFamily="49" charset="0"/>
+                <a:cs typeface="Courier New" panose="02070309020205020404" pitchFamily="49" charset="0"/>
+              </a:rPr>
+              <a:t>=...,</a:t>
+            </a:r>
+            <a:r>
+              <a:rPr lang="en-GB" sz="2400" spc="99" dirty="0">
+                <a:latin typeface="Courier New" panose="02070309020205020404" pitchFamily="49" charset="0"/>
+                <a:cs typeface="Courier New" panose="02070309020205020404" pitchFamily="49" charset="0"/>
+              </a:rPr>
+              <a:t/>
             </a:r>
             <a:br>
               <a:rPr lang="en-GB" sz="2400" spc="99" dirty="0">
@@ -19500,18 +19676,25 @@
               <a:t>                </a:t>
             </a:r>
             <a:r>
-              <a:rPr lang="en-GB" sz="2400" spc="188" dirty="0" err="1">
+              <a:rPr lang="en-GB" sz="2400" b="1" spc="188" dirty="0" err="1">
                 <a:latin typeface="Courier New" panose="02070309020205020404" pitchFamily="49" charset="0"/>
                 <a:cs typeface="Courier New" panose="02070309020205020404" pitchFamily="49" charset="0"/>
               </a:rPr>
               <a:t>fill_value</a:t>
             </a:r>
             <a:r>
+              <a:rPr lang="en-GB" sz="2400" b="1" spc="188" dirty="0">
+                <a:latin typeface="Courier New" panose="02070309020205020404" pitchFamily="49" charset="0"/>
+                <a:cs typeface="Courier New" panose="02070309020205020404" pitchFamily="49" charset="0"/>
+              </a:rPr>
+              <a:t>=1e30</a:t>
+            </a:r>
+            <a:r>
               <a:rPr lang="en-GB" sz="2400" spc="188" dirty="0">
                 <a:latin typeface="Courier New" panose="02070309020205020404" pitchFamily="49" charset="0"/>
                 <a:cs typeface="Courier New" panose="02070309020205020404" pitchFamily="49" charset="0"/>
               </a:rPr>
-              <a:t>=1e30)</a:t>
+              <a:t>)</a:t>
             </a:r>
             <a:endParaRPr lang="en-US" altLang="en-US" sz="2400" dirty="0">
               <a:cs typeface="Calibri" panose="020F0502020204030204" pitchFamily="34" charset="0"/>
@@ -19527,6 +19710,13 @@
   <p:transition>
     <p:cut/>
   </p:transition>
+  <p:timing>
+    <p:tnLst>
+      <p:par>
+        <p:cTn id="1" dur="indefinite" restart="never" nodeType="tmRoot"/>
+      </p:par>
+    </p:tnLst>
+  </p:timing>
 </p:sld>
 </file>
 
@@ -19587,7 +19777,7 @@
         <p:spPr>
           <a:xfrm>
             <a:off x="468313" y="1412875"/>
-            <a:ext cx="8229600" cy="3687763"/>
+            <a:ext cx="8229600" cy="4669227"/>
           </a:xfrm>
         </p:spPr>
         <p:txBody>
@@ -19651,8 +19841,45 @@
               <a:rPr lang="en-US" altLang="en-US" sz="2800" dirty="0">
                 <a:cs typeface="Calibri" panose="020F0502020204030204" pitchFamily="34" charset="0"/>
               </a:rPr>
-              <a:t>Masked arrays extend the functionality by providing support for "bad values".</a:t>
-            </a:r>
+              <a:t>Masked arrays extend the functionality by providing support for "bad values</a:t>
+            </a:r>
+            <a:r>
+              <a:rPr lang="en-US" altLang="en-US" sz="2800" dirty="0" smtClean="0">
+                <a:cs typeface="Calibri" panose="020F0502020204030204" pitchFamily="34" charset="0"/>
+              </a:rPr>
+              <a:t>".</a:t>
+            </a:r>
+          </a:p>
+          <a:p>
+            <a:pPr marL="573088" indent="-293688">
+              <a:lnSpc>
+                <a:spcPct val="103000"/>
+              </a:lnSpc>
+              <a:spcBef>
+                <a:spcPts val="600"/>
+              </a:spcBef>
+            </a:pPr>
+            <a:r>
+              <a:rPr lang="en-US" altLang="en-US" sz="2800" dirty="0" smtClean="0">
+                <a:cs typeface="Calibri" panose="020F0502020204030204" pitchFamily="34" charset="0"/>
+              </a:rPr>
+              <a:t>Other libraries, such as Pandas, netCDF4, cf-python, iris and Xarray all use </a:t>
+            </a:r>
+            <a:r>
+              <a:rPr lang="en-US" altLang="en-US" sz="2800" dirty="0" err="1" smtClean="0">
+                <a:cs typeface="Calibri" panose="020F0502020204030204" pitchFamily="34" charset="0"/>
+              </a:rPr>
+              <a:t>NumPy</a:t>
+            </a:r>
+            <a:r>
+              <a:rPr lang="en-US" altLang="en-US" sz="2800" dirty="0" smtClean="0">
+                <a:cs typeface="Calibri" panose="020F0502020204030204" pitchFamily="34" charset="0"/>
+              </a:rPr>
+              <a:t>.</a:t>
+            </a:r>
+            <a:endParaRPr lang="en-US" altLang="en-US" sz="2800" dirty="0">
+              <a:cs typeface="Calibri" panose="020F0502020204030204" pitchFamily="34" charset="0"/>
+            </a:endParaRPr>
           </a:p>
         </p:txBody>
       </p:sp>
@@ -19664,6 +19891,13 @@
   <p:transition>
     <p:cut/>
   </p:transition>
+  <p:timing>
+    <p:tnLst>
+      <p:par>
+        <p:cTn id="1" dur="indefinite" restart="never" nodeType="tmRoot"/>
+      </p:par>
+    </p:tnLst>
+  </p:timing>
 </p:sld>
 </file>
 
@@ -20192,6 +20426,13 @@
   <p:transition>
     <p:cut/>
   </p:transition>
+  <p:timing>
+    <p:tnLst>
+      <p:par>
+        <p:cTn id="1" dur="indefinite" restart="never" nodeType="tmRoot"/>
+      </p:par>
+    </p:tnLst>
+  </p:timing>
 </p:sld>
 </file>
 
@@ -20414,6 +20655,13 @@
   <p:transition>
     <p:cut/>
   </p:transition>
+  <p:timing>
+    <p:tnLst>
+      <p:par>
+        <p:cTn id="1" dur="indefinite" restart="never" nodeType="tmRoot"/>
+      </p:par>
+    </p:tnLst>
+  </p:timing>
 </p:sld>
 </file>
 
@@ -20560,6 +20808,13 @@
   <p:transition>
     <p:cut/>
   </p:transition>
+  <p:timing>
+    <p:tnLst>
+      <p:par>
+        <p:cTn id="1" dur="indefinite" restart="never" nodeType="tmRoot"/>
+      </p:par>
+    </p:tnLst>
+  </p:timing>
 </p:sld>
 </file>
 
@@ -21063,6 +21318,13 @@
   <p:transition>
     <p:cut/>
   </p:transition>
+  <p:timing>
+    <p:tnLst>
+      <p:par>
+        <p:cTn id="1" dur="indefinite" restart="never" nodeType="tmRoot"/>
+      </p:par>
+    </p:tnLst>
+  </p:timing>
 </p:sld>
 </file>
 
@@ -22190,6 +22452,13 @@
   <p:transition>
     <p:cut/>
   </p:transition>
+  <p:timing>
+    <p:tnLst>
+      <p:par>
+        <p:cTn id="1" dur="indefinite" restart="never" nodeType="tmRoot"/>
+      </p:par>
+    </p:tnLst>
+  </p:timing>
 </p:sld>
 </file>
 

--- a/python/presentations/handling_arrays/numpy.pptx
+++ b/python/presentations/handling_arrays/numpy.pptx
@@ -289,7 +289,7 @@
               <a:pPr>
                 <a:defRPr/>
               </a:pPr>
-              <a:t>21/11/2019</a:t>
+              <a:t>22/10/2021</a:t>
             </a:fld>
             <a:endParaRPr lang="en-GB" dirty="0"/>
           </a:p>
@@ -3902,7 +3902,7 @@
               <a:pPr>
                 <a:defRPr/>
               </a:pPr>
-              <a:t>21/11/2019</a:t>
+              <a:t>22/10/2021</a:t>
             </a:fld>
             <a:endParaRPr lang="en-GB" dirty="0"/>
           </a:p>
@@ -5153,13 +5153,6 @@
   <p:clrMapOvr>
     <a:masterClrMapping/>
   </p:clrMapOvr>
-  <p:timing>
-    <p:tnLst>
-      <p:par>
-        <p:cTn id="1" dur="indefinite" restart="never" nodeType="tmRoot"/>
-      </p:par>
-    </p:tnLst>
-  </p:timing>
 </p:sld>
 </file>
 
@@ -5540,13 +5533,6 @@
   <p:transition>
     <p:cut/>
   </p:transition>
-  <p:timing>
-    <p:tnLst>
-      <p:par>
-        <p:cTn id="1" dur="indefinite" restart="never" nodeType="tmRoot"/>
-      </p:par>
-    </p:tnLst>
-  </p:timing>
 </p:sld>
 </file>
 
@@ -6195,13 +6181,6 @@
   <p:transition>
     <p:cut/>
   </p:transition>
-  <p:timing>
-    <p:tnLst>
-      <p:par>
-        <p:cTn id="1" dur="indefinite" restart="never" nodeType="tmRoot"/>
-      </p:par>
-    </p:tnLst>
-  </p:timing>
 </p:sld>
 </file>
 
@@ -8116,13 +8095,6 @@
   <p:transition>
     <p:cut/>
   </p:transition>
-  <p:timing>
-    <p:tnLst>
-      <p:par>
-        <p:cTn id="1" dur="indefinite" restart="never" nodeType="tmRoot"/>
-      </p:par>
-    </p:tnLst>
-  </p:timing>
 </p:sld>
 </file>
 
@@ -8575,14 +8547,6 @@
                 <a:sym typeface="Wingdings" panose="05000000000000000000" pitchFamily="2" charset="2"/>
               </a:rPr>
             </a:br>
-            <a:r>
-              <a:rPr lang="en-US" altLang="en-US" sz="1400" dirty="0">
-                <a:latin typeface="Courier New" panose="02070309020205020404" pitchFamily="49" charset="0"/>
-                <a:cs typeface="Courier New" panose="02070309020205020404" pitchFamily="49" charset="0"/>
-                <a:sym typeface="Wingdings" panose="05000000000000000000" pitchFamily="2" charset="2"/>
-              </a:rPr>
-              <a:t/>
-            </a:r>
             <a:br>
               <a:rPr lang="en-US" altLang="en-US" sz="1400" dirty="0">
                 <a:latin typeface="Courier New" panose="02070309020205020404" pitchFamily="49" charset="0"/>
@@ -8646,13 +8610,6 @@
               </a:rPr>
               <a:t>interrogate data type</a:t>
             </a:r>
-            <a:r>
-              <a:rPr lang="en-US" altLang="en-US" i="1" dirty="0">
-                <a:cs typeface="Courier New" panose="02070309020205020404" pitchFamily="49" charset="0"/>
-                <a:sym typeface="Wingdings" panose="05000000000000000000" pitchFamily="2" charset="2"/>
-              </a:rPr>
-              <a:t/>
-            </a:r>
             <a:br>
               <a:rPr lang="en-US" altLang="en-US" i="1" dirty="0">
                 <a:cs typeface="Courier New" panose="02070309020205020404" pitchFamily="49" charset="0"/>
@@ -8703,13 +8660,6 @@
                 <a:sym typeface="Wingdings" panose="05000000000000000000" pitchFamily="2" charset="2"/>
               </a:rPr>
             </a:br>
-            <a:r>
-              <a:rPr lang="en-US" altLang="en-US" i="1" dirty="0">
-                <a:cs typeface="Courier New" panose="02070309020205020404" pitchFamily="49" charset="0"/>
-                <a:sym typeface="Wingdings" panose="05000000000000000000" pitchFamily="2" charset="2"/>
-              </a:rPr>
-              <a:t/>
-            </a:r>
             <a:br>
               <a:rPr lang="en-US" altLang="en-US" i="1" dirty="0">
                 <a:cs typeface="Courier New" panose="02070309020205020404" pitchFamily="49" charset="0"/>
@@ -8879,13 +8829,6 @@
   <p:transition>
     <p:cut/>
   </p:transition>
-  <p:timing>
-    <p:tnLst>
-      <p:par>
-        <p:cTn id="1" dur="indefinite" restart="never" nodeType="tmRoot"/>
-      </p:par>
-    </p:tnLst>
-  </p:timing>
 </p:sld>
 </file>
 
@@ -10142,13 +10085,6 @@
   <p:clrMapOvr>
     <a:masterClrMapping/>
   </p:clrMapOvr>
-  <p:timing>
-    <p:tnLst>
-      <p:par>
-        <p:cTn id="1" dur="indefinite" restart="never" nodeType="tmRoot"/>
-      </p:par>
-    </p:tnLst>
-  </p:timing>
 </p:sld>
 </file>
 
@@ -10492,13 +10428,6 @@
   <p:transition>
     <p:cut/>
   </p:transition>
-  <p:timing>
-    <p:tnLst>
-      <p:par>
-        <p:cTn id="1" dur="indefinite" restart="never" nodeType="tmRoot"/>
-      </p:par>
-    </p:tnLst>
-  </p:timing>
 </p:sld>
 </file>
 
@@ -10571,27 +10500,7 @@
             </a:r>
             <a:r>
               <a:rPr lang="en-GB" altLang="en-US" sz="2800" dirty="0"/>
-              <a:t> </a:t>
-            </a:r>
-            <a:r>
-              <a:rPr lang="en-GB" altLang="en-US" sz="2800" dirty="0" smtClean="0"/>
-              <a:t>wrote </a:t>
-            </a:r>
-            <a:r>
-              <a:rPr lang="en-GB" altLang="en-US" sz="2800" dirty="0"/>
-              <a:t>a great python/atmospheric science </a:t>
-            </a:r>
-            <a:r>
-              <a:rPr lang="en-GB" altLang="en-US" sz="2800" dirty="0" smtClean="0"/>
-              <a:t>book </a:t>
-            </a:r>
-            <a:r>
-              <a:rPr lang="en-GB" altLang="en-US" sz="2800" dirty="0"/>
-              <a:t>with exercises, examples, presentations, books etc</a:t>
-            </a:r>
-            <a:r>
-              <a:rPr lang="en-GB" altLang="en-US" sz="2800" dirty="0" smtClean="0"/>
-              <a:t>.</a:t>
+              <a:t> wrote a great python/atmospheric science book with exercises, examples, presentations, books etc.</a:t>
             </a:r>
           </a:p>
           <a:p>
@@ -10600,10 +10509,9 @@
               <a:buNone/>
             </a:pPr>
             <a:r>
-              <a:rPr lang="en-GB" altLang="en-US" sz="2800" dirty="0" smtClean="0"/>
+              <a:rPr lang="en-GB" altLang="en-US" sz="2800" dirty="0"/>
               <a:t>It is Python 2 however.</a:t>
             </a:r>
-            <a:endParaRPr lang="en-GB" altLang="en-US" sz="2800" dirty="0"/>
           </a:p>
           <a:p>
             <a:pPr marL="0" indent="0">
@@ -11126,14 +11034,7 @@
                 <a:cs typeface="Calibri" panose="020F0502020204030204" pitchFamily="34" charset="0"/>
                 <a:hlinkClick r:id="rId3"/>
               </a:rPr>
-              <a:t>https://www.johnny-lin.com/pyintro</a:t>
-            </a:r>
-            <a:r>
-              <a:rPr lang="en-GB" altLang="en-US" sz="3200" dirty="0" smtClean="0">
-                <a:cs typeface="Calibri" panose="020F0502020204030204" pitchFamily="34" charset="0"/>
-                <a:hlinkClick r:id="rId3"/>
-              </a:rPr>
-              <a:t>/</a:t>
+              <a:t>https://www.johnny-lin.com/pyintro/</a:t>
             </a:r>
             <a:endParaRPr lang="en-GB" altLang="en-US" sz="3200" dirty="0">
               <a:cs typeface="Calibri" panose="020F0502020204030204" pitchFamily="34" charset="0"/>
@@ -11146,13 +11047,6 @@
   <p:clrMapOvr>
     <a:masterClrMapping/>
   </p:clrMapOvr>
-  <p:timing>
-    <p:tnLst>
-      <p:par>
-        <p:cTn id="1" dur="indefinite" restart="never" nodeType="tmRoot"/>
-      </p:par>
-    </p:tnLst>
-  </p:timing>
 </p:sld>
 </file>
 
@@ -12189,13 +12083,6 @@
   <p:transition>
     <p:cut/>
   </p:transition>
-  <p:timing>
-    <p:tnLst>
-      <p:par>
-        <p:cTn id="1" dur="indefinite" restart="never" nodeType="tmRoot"/>
-      </p:par>
-    </p:tnLst>
-  </p:timing>
 </p:sld>
 </file>
 
@@ -12784,13 +12671,6 @@
   <p:transition>
     <p:cut/>
   </p:transition>
-  <p:timing>
-    <p:tnLst>
-      <p:par>
-        <p:cTn id="1" dur="indefinite" restart="never" nodeType="tmRoot"/>
-      </p:par>
-    </p:tnLst>
-  </p:timing>
 </p:sld>
 </file>
 
@@ -13438,13 +13318,6 @@
   <p:transition>
     <p:cut/>
   </p:transition>
-  <p:timing>
-    <p:tnLst>
-      <p:par>
-        <p:cTn id="1" dur="indefinite" restart="never" nodeType="tmRoot"/>
-      </p:par>
-    </p:tnLst>
-  </p:timing>
 </p:sld>
 </file>
 
@@ -13812,13 +13685,6 @@
   <p:transition>
     <p:cut/>
   </p:transition>
-  <p:timing>
-    <p:tnLst>
-      <p:par>
-        <p:cTn id="1" dur="indefinite" restart="never" nodeType="tmRoot"/>
-      </p:par>
-    </p:tnLst>
-  </p:timing>
 </p:sld>
 </file>
 
@@ -14223,13 +14089,6 @@
   <p:transition>
     <p:cut/>
   </p:transition>
-  <p:timing>
-    <p:tnLst>
-      <p:par>
-        <p:cTn id="1" dur="indefinite" restart="never" nodeType="tmRoot"/>
-      </p:par>
-    </p:tnLst>
-  </p:timing>
 </p:sld>
 </file>
 
@@ -14293,13 +14152,6 @@
   <p:transition>
     <p:cut/>
   </p:transition>
-  <p:timing>
-    <p:tnLst>
-      <p:par>
-        <p:cTn id="1" dur="indefinite" restart="never" nodeType="tmRoot"/>
-      </p:par>
-    </p:tnLst>
-  </p:timing>
 </p:sld>
 </file>
 
@@ -14685,13 +14537,6 @@
   <p:transition>
     <p:cut/>
   </p:transition>
-  <p:timing>
-    <p:tnLst>
-      <p:par>
-        <p:cTn id="1" dur="indefinite" restart="never" nodeType="tmRoot"/>
-      </p:par>
-    </p:tnLst>
-  </p:timing>
 </p:sld>
 </file>
 
@@ -14783,13 +14628,6 @@
   <p:transition>
     <p:cut/>
   </p:transition>
-  <p:timing>
-    <p:tnLst>
-      <p:par>
-        <p:cTn id="1" dur="indefinite" restart="never" nodeType="tmRoot"/>
-      </p:par>
-    </p:tnLst>
-  </p:timing>
 </p:sld>
 </file>
 
@@ -15056,12 +14894,6 @@
                 <a:cs typeface="Calibri" panose="020F0502020204030204" pitchFamily="34" charset="0"/>
               </a:rPr>
             </a:br>
-            <a:r>
-              <a:rPr lang="en-US" altLang="en-US" sz="2800">
-                <a:cs typeface="Calibri" panose="020F0502020204030204" pitchFamily="34" charset="0"/>
-              </a:rPr>
-              <a:t/>
-            </a:r>
             <a:br>
               <a:rPr lang="en-US" altLang="en-US" sz="2800">
                 <a:cs typeface="Calibri" panose="020F0502020204030204" pitchFamily="34" charset="0"/>
@@ -15431,13 +15263,6 @@
   <p:transition>
     <p:cut/>
   </p:transition>
-  <p:timing>
-    <p:tnLst>
-      <p:par>
-        <p:cTn id="1" dur="indefinite" restart="never" nodeType="tmRoot"/>
-      </p:par>
-    </p:tnLst>
-  </p:timing>
 </p:sld>
 </file>
 
@@ -17159,13 +16984,6 @@
   <p:transition>
     <p:cut/>
   </p:transition>
-  <p:timing>
-    <p:tnLst>
-      <p:par>
-        <p:cTn id="1" dur="indefinite" restart="never" nodeType="tmRoot"/>
-      </p:par>
-    </p:tnLst>
-  </p:timing>
 </p:sld>
 </file>
 
@@ -17216,15 +17034,7 @@
             </a:pPr>
             <a:r>
               <a:rPr lang="en-GB" sz="4000" b="1" spc="-109" dirty="0"/>
-              <a:t>Constructing Masked </a:t>
-            </a:r>
-            <a:r>
-              <a:rPr lang="en-GB" sz="4000" b="1" spc="-109" dirty="0" smtClean="0"/>
-              <a:t>Arrays </a:t>
-            </a:r>
-            <a:r>
-              <a:rPr lang="en-GB" sz="4000" b="1" spc="-109" dirty="0"/>
-              <a:t>3</a:t>
+              <a:t>Constructing Masked Arrays 3</a:t>
             </a:r>
             <a:endParaRPr sz="4000" b="1" spc="-287" dirty="0"/>
           </a:p>
@@ -17877,13 +17687,6 @@
   <p:transition>
     <p:cut/>
   </p:transition>
-  <p:timing>
-    <p:tnLst>
-      <p:par>
-        <p:cTn id="1" dur="indefinite" restart="never" nodeType="tmRoot"/>
-      </p:par>
-    </p:tnLst>
-  </p:timing>
 </p:sld>
 </file>
 
@@ -18743,6 +18546,58 @@
           </a:graphicData>
         </a:graphic>
       </p:graphicFrame>
+      <p:sp>
+        <p:nvSpPr>
+          <p:cNvPr id="2" name="TextBox 1">
+            <a:extLst>
+              <a:ext uri="{FF2B5EF4-FFF2-40B4-BE49-F238E27FC236}">
+                <a16:creationId xmlns:a16="http://schemas.microsoft.com/office/drawing/2014/main" id="{6C75AB4E-7840-A745-8A7C-3F89C7221A0F}"/>
+              </a:ext>
+            </a:extLst>
+          </p:cNvPr>
+          <p:cNvSpPr txBox="1"/>
+          <p:nvPr/>
+        </p:nvSpPr>
+        <p:spPr>
+          <a:xfrm>
+            <a:off x="251520" y="2152651"/>
+            <a:ext cx="1672253" cy="923330"/>
+          </a:xfrm>
+          <a:prstGeom prst="rect">
+            <a:avLst/>
+          </a:prstGeom>
+          <a:noFill/>
+          <a:ln w="28575">
+            <a:solidFill>
+              <a:srgbClr val="00B0F0"/>
+            </a:solidFill>
+          </a:ln>
+        </p:spPr>
+        <p:txBody>
+          <a:bodyPr wrap="none" rtlCol="0">
+            <a:spAutoFit/>
+          </a:bodyPr>
+          <a:lstStyle/>
+          <a:p>
+            <a:r>
+              <a:rPr lang="en-GB" dirty="0"/>
+              <a:t>Masked when:</a:t>
+            </a:r>
+          </a:p>
+          <a:p>
+            <a:r>
+              <a:rPr lang="en-GB" dirty="0"/>
+              <a:t>b &gt; 3</a:t>
+            </a:r>
+          </a:p>
+          <a:p>
+            <a:r>
+              <a:rPr lang="en-GB" dirty="0"/>
+              <a:t>c &gt; 2, c &lt; 5</a:t>
+            </a:r>
+          </a:p>
+        </p:txBody>
+      </p:sp>
     </p:spTree>
   </p:cSld>
   <p:clrMapOvr>
@@ -18751,13 +18606,6 @@
   <p:transition>
     <p:cut/>
   </p:transition>
-  <p:timing>
-    <p:tnLst>
-      <p:par>
-        <p:cTn id="1" dur="indefinite" restart="never" nodeType="tmRoot"/>
-      </p:par>
-    </p:tnLst>
-  </p:timing>
 </p:sld>
 </file>
 
@@ -19632,35 +19480,7 @@
                 <a:latin typeface="Courier New" panose="02070309020205020404" pitchFamily="49" charset="0"/>
                 <a:cs typeface="Courier New" panose="02070309020205020404" pitchFamily="49" charset="0"/>
               </a:rPr>
-              <a:t>(data</a:t>
-            </a:r>
-            <a:r>
-              <a:rPr lang="en-GB" sz="2400" spc="99" dirty="0" smtClean="0">
-                <a:latin typeface="Courier New" panose="02070309020205020404" pitchFamily="49" charset="0"/>
-                <a:cs typeface="Courier New" panose="02070309020205020404" pitchFamily="49" charset="0"/>
-              </a:rPr>
-              <a:t>=...,</a:t>
-            </a:r>
-            <a:r>
-              <a:rPr lang="en-GB" sz="2400" spc="99" dirty="0">
-                <a:latin typeface="Courier New" panose="02070309020205020404" pitchFamily="49" charset="0"/>
-                <a:cs typeface="Courier New" panose="02070309020205020404" pitchFamily="49" charset="0"/>
-              </a:rPr>
-              <a:t>mask</a:t>
-            </a:r>
-            <a:r>
-              <a:rPr lang="en-GB" sz="2400" spc="99" dirty="0" smtClean="0">
-                <a:latin typeface="Courier New" panose="02070309020205020404" pitchFamily="49" charset="0"/>
-                <a:cs typeface="Courier New" panose="02070309020205020404" pitchFamily="49" charset="0"/>
-              </a:rPr>
-              <a:t>=...,</a:t>
-            </a:r>
-            <a:r>
-              <a:rPr lang="en-GB" sz="2400" spc="99" dirty="0">
-                <a:latin typeface="Courier New" panose="02070309020205020404" pitchFamily="49" charset="0"/>
-                <a:cs typeface="Courier New" panose="02070309020205020404" pitchFamily="49" charset="0"/>
-              </a:rPr>
-              <a:t/>
+              <a:t>(data=...,mask=...,</a:t>
             </a:r>
             <a:br>
               <a:rPr lang="en-GB" sz="2400" spc="99" dirty="0">
@@ -19710,13 +19530,6 @@
   <p:transition>
     <p:cut/>
   </p:transition>
-  <p:timing>
-    <p:tnLst>
-      <p:par>
-        <p:cTn id="1" dur="indefinite" restart="never" nodeType="tmRoot"/>
-      </p:par>
-    </p:tnLst>
-  </p:timing>
 </p:sld>
 </file>
 
@@ -19841,13 +19654,7 @@
               <a:rPr lang="en-US" altLang="en-US" sz="2800" dirty="0">
                 <a:cs typeface="Calibri" panose="020F0502020204030204" pitchFamily="34" charset="0"/>
               </a:rPr>
-              <a:t>Masked arrays extend the functionality by providing support for "bad values</a:t>
-            </a:r>
-            <a:r>
-              <a:rPr lang="en-US" altLang="en-US" sz="2800" dirty="0" smtClean="0">
-                <a:cs typeface="Calibri" panose="020F0502020204030204" pitchFamily="34" charset="0"/>
-              </a:rPr>
-              <a:t>".</a:t>
+              <a:t>Masked arrays extend the functionality by providing support for "bad values".</a:t>
             </a:r>
           </a:p>
           <a:p>
@@ -19860,26 +19667,23 @@
               </a:spcBef>
             </a:pPr>
             <a:r>
-              <a:rPr lang="en-US" altLang="en-US" sz="2800" dirty="0" smtClean="0">
+              <a:rPr lang="en-US" altLang="en-US" sz="2800" dirty="0">
                 <a:cs typeface="Calibri" panose="020F0502020204030204" pitchFamily="34" charset="0"/>
               </a:rPr>
               <a:t>Other libraries, such as Pandas, netCDF4, cf-python, iris and Xarray all use </a:t>
             </a:r>
             <a:r>
-              <a:rPr lang="en-US" altLang="en-US" sz="2800" dirty="0" err="1" smtClean="0">
+              <a:rPr lang="en-US" altLang="en-US" sz="2800" dirty="0" err="1">
                 <a:cs typeface="Calibri" panose="020F0502020204030204" pitchFamily="34" charset="0"/>
               </a:rPr>
               <a:t>NumPy</a:t>
             </a:r>
             <a:r>
-              <a:rPr lang="en-US" altLang="en-US" sz="2800" dirty="0" smtClean="0">
+              <a:rPr lang="en-US" altLang="en-US" sz="2800" dirty="0">
                 <a:cs typeface="Calibri" panose="020F0502020204030204" pitchFamily="34" charset="0"/>
               </a:rPr>
               <a:t>.</a:t>
             </a:r>
-            <a:endParaRPr lang="en-US" altLang="en-US" sz="2800" dirty="0">
-              <a:cs typeface="Calibri" panose="020F0502020204030204" pitchFamily="34" charset="0"/>
-            </a:endParaRPr>
           </a:p>
         </p:txBody>
       </p:sp>
@@ -19891,13 +19695,6 @@
   <p:transition>
     <p:cut/>
   </p:transition>
-  <p:timing>
-    <p:tnLst>
-      <p:par>
-        <p:cTn id="1" dur="indefinite" restart="never" nodeType="tmRoot"/>
-      </p:par>
-    </p:tnLst>
-  </p:timing>
 </p:sld>
 </file>
 
@@ -20426,13 +20223,6 @@
   <p:transition>
     <p:cut/>
   </p:transition>
-  <p:timing>
-    <p:tnLst>
-      <p:par>
-        <p:cTn id="1" dur="indefinite" restart="never" nodeType="tmRoot"/>
-      </p:par>
-    </p:tnLst>
-  </p:timing>
 </p:sld>
 </file>
 
@@ -20655,13 +20445,6 @@
   <p:transition>
     <p:cut/>
   </p:transition>
-  <p:timing>
-    <p:tnLst>
-      <p:par>
-        <p:cTn id="1" dur="indefinite" restart="never" nodeType="tmRoot"/>
-      </p:par>
-    </p:tnLst>
-  </p:timing>
 </p:sld>
 </file>
 
@@ -20808,13 +20591,6 @@
   <p:transition>
     <p:cut/>
   </p:transition>
-  <p:timing>
-    <p:tnLst>
-      <p:par>
-        <p:cTn id="1" dur="indefinite" restart="never" nodeType="tmRoot"/>
-      </p:par>
-    </p:tnLst>
-  </p:timing>
 </p:sld>
 </file>
 
@@ -21318,13 +21094,6 @@
   <p:transition>
     <p:cut/>
   </p:transition>
-  <p:timing>
-    <p:tnLst>
-      <p:par>
-        <p:cTn id="1" dur="indefinite" restart="never" nodeType="tmRoot"/>
-      </p:par>
-    </p:tnLst>
-  </p:timing>
 </p:sld>
 </file>
 
@@ -22452,13 +22221,6 @@
   <p:transition>
     <p:cut/>
   </p:transition>
-  <p:timing>
-    <p:tnLst>
-      <p:par>
-        <p:cTn id="1" dur="indefinite" restart="never" nodeType="tmRoot"/>
-      </p:par>
-    </p:tnLst>
-  </p:timing>
 </p:sld>
 </file>
 

--- a/python/presentations/handling_arrays/numpy.pptx
+++ b/python/presentations/handling_arrays/numpy.pptx
@@ -5,43 +5,42 @@
     <p:sldMasterId id="2147483660" r:id="rId1"/>
   </p:sldMasterIdLst>
   <p:notesMasterIdLst>
-    <p:notesMasterId r:id="rId36"/>
+    <p:notesMasterId r:id="rId35"/>
   </p:notesMasterIdLst>
   <p:sldIdLst>
     <p:sldId id="332" r:id="rId2"/>
     <p:sldId id="258" r:id="rId3"/>
     <p:sldId id="261" r:id="rId4"/>
     <p:sldId id="291" r:id="rId5"/>
-    <p:sldId id="323" r:id="rId6"/>
-    <p:sldId id="292" r:id="rId7"/>
-    <p:sldId id="293" r:id="rId8"/>
-    <p:sldId id="263" r:id="rId9"/>
-    <p:sldId id="294" r:id="rId10"/>
-    <p:sldId id="295" r:id="rId11"/>
-    <p:sldId id="264" r:id="rId12"/>
-    <p:sldId id="296" r:id="rId13"/>
-    <p:sldId id="266" r:id="rId14"/>
-    <p:sldId id="269" r:id="rId15"/>
-    <p:sldId id="270" r:id="rId16"/>
-    <p:sldId id="331" r:id="rId17"/>
-    <p:sldId id="298" r:id="rId18"/>
-    <p:sldId id="322" r:id="rId19"/>
-    <p:sldId id="273" r:id="rId20"/>
-    <p:sldId id="274" r:id="rId21"/>
-    <p:sldId id="280" r:id="rId22"/>
-    <p:sldId id="282" r:id="rId23"/>
-    <p:sldId id="283" r:id="rId24"/>
-    <p:sldId id="300" r:id="rId25"/>
-    <p:sldId id="326" r:id="rId26"/>
-    <p:sldId id="303" r:id="rId27"/>
-    <p:sldId id="327" r:id="rId28"/>
-    <p:sldId id="302" r:id="rId29"/>
-    <p:sldId id="324" r:id="rId30"/>
-    <p:sldId id="317" r:id="rId31"/>
-    <p:sldId id="318" r:id="rId32"/>
-    <p:sldId id="330" r:id="rId33"/>
-    <p:sldId id="329" r:id="rId34"/>
-    <p:sldId id="290" r:id="rId35"/>
+    <p:sldId id="292" r:id="rId6"/>
+    <p:sldId id="293" r:id="rId7"/>
+    <p:sldId id="263" r:id="rId8"/>
+    <p:sldId id="294" r:id="rId9"/>
+    <p:sldId id="295" r:id="rId10"/>
+    <p:sldId id="264" r:id="rId11"/>
+    <p:sldId id="296" r:id="rId12"/>
+    <p:sldId id="266" r:id="rId13"/>
+    <p:sldId id="269" r:id="rId14"/>
+    <p:sldId id="270" r:id="rId15"/>
+    <p:sldId id="331" r:id="rId16"/>
+    <p:sldId id="298" r:id="rId17"/>
+    <p:sldId id="322" r:id="rId18"/>
+    <p:sldId id="273" r:id="rId19"/>
+    <p:sldId id="274" r:id="rId20"/>
+    <p:sldId id="280" r:id="rId21"/>
+    <p:sldId id="282" r:id="rId22"/>
+    <p:sldId id="283" r:id="rId23"/>
+    <p:sldId id="300" r:id="rId24"/>
+    <p:sldId id="326" r:id="rId25"/>
+    <p:sldId id="303" r:id="rId26"/>
+    <p:sldId id="327" r:id="rId27"/>
+    <p:sldId id="302" r:id="rId28"/>
+    <p:sldId id="324" r:id="rId29"/>
+    <p:sldId id="317" r:id="rId30"/>
+    <p:sldId id="318" r:id="rId31"/>
+    <p:sldId id="330" r:id="rId32"/>
+    <p:sldId id="329" r:id="rId33"/>
+    <p:sldId id="290" r:id="rId34"/>
   </p:sldIdLst>
   <p:sldSz cx="9144000" cy="6858000" type="screen4x3"/>
   <p:notesSz cx="6858000" cy="9144000"/>
@@ -289,7 +288,7 @@
               <a:pPr>
                 <a:defRPr/>
               </a:pPr>
-              <a:t>22/10/2021</a:t>
+              <a:t>18/11/2021</a:t>
             </a:fld>
             <a:endParaRPr lang="en-GB" dirty="0"/>
           </a:p>
@@ -695,7 +694,7 @@
       </p:grpSpPr>
       <p:sp>
         <p:nvSpPr>
-          <p:cNvPr id="29698" name="Notes Placeholder"/>
+          <p:cNvPr id="31746" name="Notes Placeholder"/>
           <p:cNvSpPr>
             <a:spLocks noGrp="1"/>
           </p:cNvSpPr>
@@ -751,80 +750,6 @@
 </file>
 
 <file path=ppt/notesSlides/notesSlide11.xml><?xml version="1.0" encoding="utf-8"?>
-<p:notes xmlns:a="http://schemas.openxmlformats.org/drawingml/2006/main" xmlns:r="http://schemas.openxmlformats.org/officeDocument/2006/relationships" xmlns:p="http://schemas.openxmlformats.org/presentationml/2006/main">
-  <p:cSld>
-    <p:spTree>
-      <p:nvGrpSpPr>
-        <p:cNvPr id="1" name=""/>
-        <p:cNvGrpSpPr/>
-        <p:nvPr/>
-      </p:nvGrpSpPr>
-      <p:grpSpPr>
-        <a:xfrm>
-          <a:off x="0" y="0"/>
-          <a:ext cx="0" cy="0"/>
-          <a:chOff x="0" y="0"/>
-          <a:chExt cx="0" cy="0"/>
-        </a:xfrm>
-      </p:grpSpPr>
-      <p:sp>
-        <p:nvSpPr>
-          <p:cNvPr id="31746" name="Notes Placeholder"/>
-          <p:cNvSpPr>
-            <a:spLocks noGrp="1"/>
-          </p:cNvSpPr>
-          <p:nvPr>
-            <p:ph type="body" idx="1"/>
-          </p:nvPr>
-        </p:nvSpPr>
-        <p:spPr bwMode="auto">
-          <a:noFill/>
-          <a:extLst>
-            <a:ext uri="{909E8E84-426E-40DD-AFC4-6F175D3DCCD1}">
-              <a14:hiddenFill xmlns:a14="http://schemas.microsoft.com/office/drawing/2010/main">
-                <a:solidFill>
-                  <a:srgbClr val="FFFFFF"/>
-                </a:solidFill>
-              </a14:hiddenFill>
-            </a:ext>
-            <a:ext uri="{91240B29-F687-4F45-9708-019B960494DF}">
-              <a14:hiddenLine xmlns:a14="http://schemas.microsoft.com/office/drawing/2010/main" w="9525">
-                <a:solidFill>
-                  <a:srgbClr val="000000"/>
-                </a:solidFill>
-                <a:miter lim="800000"/>
-                <a:headEnd/>
-                <a:tailEnd/>
-              </a14:hiddenLine>
-            </a:ext>
-          </a:extLst>
-        </p:spPr>
-        <p:txBody>
-          <a:bodyPr wrap="square" numCol="1" anchor="t" anchorCtr="0" compatLnSpc="1">
-            <a:prstTxWarp prst="textNoShape">
-              <a:avLst/>
-            </a:prstTxWarp>
-          </a:bodyPr>
-          <a:lstStyle/>
-          <a:p>
-            <a:pPr eaLnBrk="1" hangingPunct="1">
-              <a:spcBef>
-                <a:spcPct val="0"/>
-              </a:spcBef>
-            </a:pPr>
-            <a:endParaRPr lang="en-US" altLang="en-US"/>
-          </a:p>
-        </p:txBody>
-      </p:sp>
-    </p:spTree>
-  </p:cSld>
-  <p:clrMapOvr>
-    <a:masterClrMapping/>
-  </p:clrMapOvr>
-</p:notes>
-</file>
-
-<file path=ppt/notesSlides/notesSlide12.xml><?xml version="1.0" encoding="utf-8"?>
 <p:notes xmlns:a="http://schemas.openxmlformats.org/drawingml/2006/main" xmlns:r="http://schemas.openxmlformats.org/officeDocument/2006/relationships" xmlns:p="http://schemas.openxmlformats.org/presentationml/2006/main">
   <p:cSld>
     <p:spTree>
@@ -898,7 +823,7 @@
 </p:notes>
 </file>
 
-<file path=ppt/notesSlides/notesSlide13.xml><?xml version="1.0" encoding="utf-8"?>
+<file path=ppt/notesSlides/notesSlide12.xml><?xml version="1.0" encoding="utf-8"?>
 <p:notes xmlns:a="http://schemas.openxmlformats.org/drawingml/2006/main" xmlns:r="http://schemas.openxmlformats.org/officeDocument/2006/relationships" xmlns:p="http://schemas.openxmlformats.org/presentationml/2006/main">
   <p:cSld>
     <p:spTree>
@@ -972,7 +897,7 @@
 </p:notes>
 </file>
 
-<file path=ppt/notesSlides/notesSlide14.xml><?xml version="1.0" encoding="utf-8"?>
+<file path=ppt/notesSlides/notesSlide13.xml><?xml version="1.0" encoding="utf-8"?>
 <p:notes xmlns:a="http://schemas.openxmlformats.org/drawingml/2006/main" xmlns:r="http://schemas.openxmlformats.org/officeDocument/2006/relationships" xmlns:p="http://schemas.openxmlformats.org/presentationml/2006/main">
   <p:cSld>
     <p:spTree>
@@ -1046,7 +971,7 @@
 </p:notes>
 </file>
 
-<file path=ppt/notesSlides/notesSlide15.xml><?xml version="1.0" encoding="utf-8"?>
+<file path=ppt/notesSlides/notesSlide14.xml><?xml version="1.0" encoding="utf-8"?>
 <p:notes xmlns:a="http://schemas.openxmlformats.org/drawingml/2006/main" xmlns:r="http://schemas.openxmlformats.org/officeDocument/2006/relationships" xmlns:p="http://schemas.openxmlformats.org/presentationml/2006/main">
   <p:cSld>
     <p:spTree>
@@ -1120,7 +1045,7 @@
 </p:notes>
 </file>
 
-<file path=ppt/notesSlides/notesSlide16.xml><?xml version="1.0" encoding="utf-8"?>
+<file path=ppt/notesSlides/notesSlide15.xml><?xml version="1.0" encoding="utf-8"?>
 <p:notes xmlns:a="http://schemas.openxmlformats.org/drawingml/2006/main" xmlns:r="http://schemas.openxmlformats.org/officeDocument/2006/relationships" xmlns:p="http://schemas.openxmlformats.org/presentationml/2006/main">
   <p:cSld>
     <p:spTree>
@@ -1194,7 +1119,7 @@
 </p:notes>
 </file>
 
-<file path=ppt/notesSlides/notesSlide17.xml><?xml version="1.0" encoding="utf-8"?>
+<file path=ppt/notesSlides/notesSlide16.xml><?xml version="1.0" encoding="utf-8"?>
 <p:notes xmlns:a="http://schemas.openxmlformats.org/drawingml/2006/main" xmlns:r="http://schemas.openxmlformats.org/officeDocument/2006/relationships" xmlns:p="http://schemas.openxmlformats.org/presentationml/2006/main">
   <p:cSld>
     <p:spTree>
@@ -1268,7 +1193,7 @@
 </p:notes>
 </file>
 
-<file path=ppt/notesSlides/notesSlide18.xml><?xml version="1.0" encoding="utf-8"?>
+<file path=ppt/notesSlides/notesSlide17.xml><?xml version="1.0" encoding="utf-8"?>
 <p:notes xmlns:a="http://schemas.openxmlformats.org/drawingml/2006/main" xmlns:r="http://schemas.openxmlformats.org/officeDocument/2006/relationships" xmlns:p="http://schemas.openxmlformats.org/presentationml/2006/main">
   <p:cSld>
     <p:spTree>
@@ -1342,6 +1267,80 @@
 </p:notes>
 </file>
 
+<file path=ppt/notesSlides/notesSlide18.xml><?xml version="1.0" encoding="utf-8"?>
+<p:notes xmlns:a="http://schemas.openxmlformats.org/drawingml/2006/main" xmlns:r="http://schemas.openxmlformats.org/officeDocument/2006/relationships" xmlns:p="http://schemas.openxmlformats.org/presentationml/2006/main">
+  <p:cSld>
+    <p:spTree>
+      <p:nvGrpSpPr>
+        <p:cNvPr id="1" name=""/>
+        <p:cNvGrpSpPr/>
+        <p:nvPr/>
+      </p:nvGrpSpPr>
+      <p:grpSpPr>
+        <a:xfrm>
+          <a:off x="0" y="0"/>
+          <a:ext cx="0" cy="0"/>
+          <a:chOff x="0" y="0"/>
+          <a:chExt cx="0" cy="0"/>
+        </a:xfrm>
+      </p:grpSpPr>
+      <p:sp>
+        <p:nvSpPr>
+          <p:cNvPr id="53250" name="Notes Placeholder"/>
+          <p:cNvSpPr>
+            <a:spLocks noGrp="1"/>
+          </p:cNvSpPr>
+          <p:nvPr>
+            <p:ph type="body" idx="1"/>
+          </p:nvPr>
+        </p:nvSpPr>
+        <p:spPr bwMode="auto">
+          <a:noFill/>
+          <a:extLst>
+            <a:ext uri="{909E8E84-426E-40DD-AFC4-6F175D3DCCD1}">
+              <a14:hiddenFill xmlns:a14="http://schemas.microsoft.com/office/drawing/2010/main">
+                <a:solidFill>
+                  <a:srgbClr val="FFFFFF"/>
+                </a:solidFill>
+              </a14:hiddenFill>
+            </a:ext>
+            <a:ext uri="{91240B29-F687-4F45-9708-019B960494DF}">
+              <a14:hiddenLine xmlns:a14="http://schemas.microsoft.com/office/drawing/2010/main" w="9525">
+                <a:solidFill>
+                  <a:srgbClr val="000000"/>
+                </a:solidFill>
+                <a:miter lim="800000"/>
+                <a:headEnd/>
+                <a:tailEnd/>
+              </a14:hiddenLine>
+            </a:ext>
+          </a:extLst>
+        </p:spPr>
+        <p:txBody>
+          <a:bodyPr wrap="square" numCol="1" anchor="t" anchorCtr="0" compatLnSpc="1">
+            <a:prstTxWarp prst="textNoShape">
+              <a:avLst/>
+            </a:prstTxWarp>
+          </a:bodyPr>
+          <a:lstStyle/>
+          <a:p>
+            <a:pPr eaLnBrk="1" hangingPunct="1">
+              <a:spcBef>
+                <a:spcPct val="0"/>
+              </a:spcBef>
+            </a:pPr>
+            <a:endParaRPr lang="en-US" altLang="en-US"/>
+          </a:p>
+        </p:txBody>
+      </p:sp>
+    </p:spTree>
+  </p:cSld>
+  <p:clrMapOvr>
+    <a:masterClrMapping/>
+  </p:clrMapOvr>
+</p:notes>
+</file>
+
 <file path=ppt/notesSlides/notesSlide19.xml><?xml version="1.0" encoding="utf-8"?>
 <p:notes xmlns:a="http://schemas.openxmlformats.org/drawingml/2006/main" xmlns:r="http://schemas.openxmlformats.org/officeDocument/2006/relationships" xmlns:p="http://schemas.openxmlformats.org/presentationml/2006/main">
   <p:cSld>
@@ -1361,7 +1360,7 @@
       </p:grpSpPr>
       <p:sp>
         <p:nvSpPr>
-          <p:cNvPr id="53250" name="Notes Placeholder"/>
+          <p:cNvPr id="55298" name="Notes Placeholder"/>
           <p:cNvSpPr>
             <a:spLocks noGrp="1"/>
           </p:cNvSpPr>
@@ -1509,7 +1508,7 @@
       </p:grpSpPr>
       <p:sp>
         <p:nvSpPr>
-          <p:cNvPr id="55298" name="Notes Placeholder"/>
+          <p:cNvPr id="57346" name="Notes Placeholder"/>
           <p:cNvSpPr>
             <a:spLocks noGrp="1"/>
           </p:cNvSpPr>
@@ -1565,80 +1564,6 @@
 </file>
 
 <file path=ppt/notesSlides/notesSlide21.xml><?xml version="1.0" encoding="utf-8"?>
-<p:notes xmlns:a="http://schemas.openxmlformats.org/drawingml/2006/main" xmlns:r="http://schemas.openxmlformats.org/officeDocument/2006/relationships" xmlns:p="http://schemas.openxmlformats.org/presentationml/2006/main">
-  <p:cSld>
-    <p:spTree>
-      <p:nvGrpSpPr>
-        <p:cNvPr id="1" name=""/>
-        <p:cNvGrpSpPr/>
-        <p:nvPr/>
-      </p:nvGrpSpPr>
-      <p:grpSpPr>
-        <a:xfrm>
-          <a:off x="0" y="0"/>
-          <a:ext cx="0" cy="0"/>
-          <a:chOff x="0" y="0"/>
-          <a:chExt cx="0" cy="0"/>
-        </a:xfrm>
-      </p:grpSpPr>
-      <p:sp>
-        <p:nvSpPr>
-          <p:cNvPr id="57346" name="Notes Placeholder"/>
-          <p:cNvSpPr>
-            <a:spLocks noGrp="1"/>
-          </p:cNvSpPr>
-          <p:nvPr>
-            <p:ph type="body" idx="1"/>
-          </p:nvPr>
-        </p:nvSpPr>
-        <p:spPr bwMode="auto">
-          <a:noFill/>
-          <a:extLst>
-            <a:ext uri="{909E8E84-426E-40DD-AFC4-6F175D3DCCD1}">
-              <a14:hiddenFill xmlns:a14="http://schemas.microsoft.com/office/drawing/2010/main">
-                <a:solidFill>
-                  <a:srgbClr val="FFFFFF"/>
-                </a:solidFill>
-              </a14:hiddenFill>
-            </a:ext>
-            <a:ext uri="{91240B29-F687-4F45-9708-019B960494DF}">
-              <a14:hiddenLine xmlns:a14="http://schemas.microsoft.com/office/drawing/2010/main" w="9525">
-                <a:solidFill>
-                  <a:srgbClr val="000000"/>
-                </a:solidFill>
-                <a:miter lim="800000"/>
-                <a:headEnd/>
-                <a:tailEnd/>
-              </a14:hiddenLine>
-            </a:ext>
-          </a:extLst>
-        </p:spPr>
-        <p:txBody>
-          <a:bodyPr wrap="square" numCol="1" anchor="t" anchorCtr="0" compatLnSpc="1">
-            <a:prstTxWarp prst="textNoShape">
-              <a:avLst/>
-            </a:prstTxWarp>
-          </a:bodyPr>
-          <a:lstStyle/>
-          <a:p>
-            <a:pPr eaLnBrk="1" hangingPunct="1">
-              <a:spcBef>
-                <a:spcPct val="0"/>
-              </a:spcBef>
-            </a:pPr>
-            <a:endParaRPr lang="en-US" altLang="en-US"/>
-          </a:p>
-        </p:txBody>
-      </p:sp>
-    </p:spTree>
-  </p:cSld>
-  <p:clrMapOvr>
-    <a:masterClrMapping/>
-  </p:clrMapOvr>
-</p:notes>
-</file>
-
-<file path=ppt/notesSlides/notesSlide22.xml><?xml version="1.0" encoding="utf-8"?>
 <p:notes xmlns:a="http://schemas.openxmlformats.org/drawingml/2006/main" xmlns:r="http://schemas.openxmlformats.org/officeDocument/2006/relationships" xmlns:p="http://schemas.openxmlformats.org/presentationml/2006/main">
   <p:cSld>
     <p:spTree>
@@ -1712,7 +1637,7 @@
 </p:notes>
 </file>
 
-<file path=ppt/notesSlides/notesSlide23.xml><?xml version="1.0" encoding="utf-8"?>
+<file path=ppt/notesSlides/notesSlide22.xml><?xml version="1.0" encoding="utf-8"?>
 <p:notes xmlns:a="http://schemas.openxmlformats.org/drawingml/2006/main" xmlns:r="http://schemas.openxmlformats.org/officeDocument/2006/relationships" xmlns:p="http://schemas.openxmlformats.org/presentationml/2006/main">
   <p:cSld>
     <p:spTree>
@@ -1786,7 +1711,7 @@
 </p:notes>
 </file>
 
-<file path=ppt/notesSlides/notesSlide24.xml><?xml version="1.0" encoding="utf-8"?>
+<file path=ppt/notesSlides/notesSlide23.xml><?xml version="1.0" encoding="utf-8"?>
 <p:notes xmlns:a="http://schemas.openxmlformats.org/drawingml/2006/main" xmlns:r="http://schemas.openxmlformats.org/officeDocument/2006/relationships" xmlns:p="http://schemas.openxmlformats.org/presentationml/2006/main">
   <p:cSld>
     <p:spTree>
@@ -1860,7 +1785,7 @@
 </p:notes>
 </file>
 
-<file path=ppt/notesSlides/notesSlide25.xml><?xml version="1.0" encoding="utf-8"?>
+<file path=ppt/notesSlides/notesSlide24.xml><?xml version="1.0" encoding="utf-8"?>
 <p:notes xmlns:a="http://schemas.openxmlformats.org/drawingml/2006/main" xmlns:r="http://schemas.openxmlformats.org/officeDocument/2006/relationships" xmlns:p="http://schemas.openxmlformats.org/presentationml/2006/main">
   <p:cSld>
     <p:spTree>
@@ -1934,7 +1859,7 @@
 </p:notes>
 </file>
 
-<file path=ppt/notesSlides/notesSlide26.xml><?xml version="1.0" encoding="utf-8"?>
+<file path=ppt/notesSlides/notesSlide25.xml><?xml version="1.0" encoding="utf-8"?>
 <p:notes xmlns:a="http://schemas.openxmlformats.org/drawingml/2006/main" xmlns:r="http://schemas.openxmlformats.org/officeDocument/2006/relationships" xmlns:p="http://schemas.openxmlformats.org/presentationml/2006/main">
   <p:cSld>
     <p:spTree>
@@ -2008,7 +1933,7 @@
 </p:notes>
 </file>
 
-<file path=ppt/notesSlides/notesSlide27.xml><?xml version="1.0" encoding="utf-8"?>
+<file path=ppt/notesSlides/notesSlide26.xml><?xml version="1.0" encoding="utf-8"?>
 <p:notes xmlns:a="http://schemas.openxmlformats.org/drawingml/2006/main" xmlns:r="http://schemas.openxmlformats.org/officeDocument/2006/relationships" xmlns:p="http://schemas.openxmlformats.org/presentationml/2006/main">
   <p:cSld>
     <p:spTree>
@@ -2082,7 +2007,7 @@
 </p:notes>
 </file>
 
-<file path=ppt/notesSlides/notesSlide28.xml><?xml version="1.0" encoding="utf-8"?>
+<file path=ppt/notesSlides/notesSlide27.xml><?xml version="1.0" encoding="utf-8"?>
 <p:notes xmlns:a="http://schemas.openxmlformats.org/drawingml/2006/main" xmlns:r="http://schemas.openxmlformats.org/officeDocument/2006/relationships" xmlns:p="http://schemas.openxmlformats.org/presentationml/2006/main">
   <p:cSld>
     <p:spTree>
@@ -2156,7 +2081,7 @@
 </p:notes>
 </file>
 
-<file path=ppt/notesSlides/notesSlide29.xml><?xml version="1.0" encoding="utf-8"?>
+<file path=ppt/notesSlides/notesSlide28.xml><?xml version="1.0" encoding="utf-8"?>
 <p:notes xmlns:a="http://schemas.openxmlformats.org/drawingml/2006/main" xmlns:r="http://schemas.openxmlformats.org/officeDocument/2006/relationships" xmlns:p="http://schemas.openxmlformats.org/presentationml/2006/main">
   <p:cSld>
     <p:spTree>
@@ -2230,81 +2155,7 @@
 </p:notes>
 </file>
 
-<file path=ppt/notesSlides/notesSlide3.xml><?xml version="1.0" encoding="utf-8"?>
-<p:notes xmlns:a="http://schemas.openxmlformats.org/drawingml/2006/main" xmlns:r="http://schemas.openxmlformats.org/officeDocument/2006/relationships" xmlns:p="http://schemas.openxmlformats.org/presentationml/2006/main">
-  <p:cSld>
-    <p:spTree>
-      <p:nvGrpSpPr>
-        <p:cNvPr id="1" name=""/>
-        <p:cNvGrpSpPr/>
-        <p:nvPr/>
-      </p:nvGrpSpPr>
-      <p:grpSpPr>
-        <a:xfrm>
-          <a:off x="0" y="0"/>
-          <a:ext cx="0" cy="0"/>
-          <a:chOff x="0" y="0"/>
-          <a:chExt cx="0" cy="0"/>
-        </a:xfrm>
-      </p:grpSpPr>
-      <p:sp>
-        <p:nvSpPr>
-          <p:cNvPr id="15362" name="Notes Placeholder"/>
-          <p:cNvSpPr>
-            <a:spLocks noGrp="1"/>
-          </p:cNvSpPr>
-          <p:nvPr>
-            <p:ph type="body" idx="1"/>
-          </p:nvPr>
-        </p:nvSpPr>
-        <p:spPr bwMode="auto">
-          <a:noFill/>
-          <a:extLst>
-            <a:ext uri="{909E8E84-426E-40DD-AFC4-6F175D3DCCD1}">
-              <a14:hiddenFill xmlns:a14="http://schemas.microsoft.com/office/drawing/2010/main">
-                <a:solidFill>
-                  <a:srgbClr val="FFFFFF"/>
-                </a:solidFill>
-              </a14:hiddenFill>
-            </a:ext>
-            <a:ext uri="{91240B29-F687-4F45-9708-019B960494DF}">
-              <a14:hiddenLine xmlns:a14="http://schemas.microsoft.com/office/drawing/2010/main" w="9525">
-                <a:solidFill>
-                  <a:srgbClr val="000000"/>
-                </a:solidFill>
-                <a:miter lim="800000"/>
-                <a:headEnd/>
-                <a:tailEnd/>
-              </a14:hiddenLine>
-            </a:ext>
-          </a:extLst>
-        </p:spPr>
-        <p:txBody>
-          <a:bodyPr wrap="square" numCol="1" anchor="t" anchorCtr="0" compatLnSpc="1">
-            <a:prstTxWarp prst="textNoShape">
-              <a:avLst/>
-            </a:prstTxWarp>
-          </a:bodyPr>
-          <a:lstStyle/>
-          <a:p>
-            <a:pPr eaLnBrk="1" hangingPunct="1">
-              <a:spcBef>
-                <a:spcPct val="0"/>
-              </a:spcBef>
-            </a:pPr>
-            <a:endParaRPr lang="en-US" altLang="en-US"/>
-          </a:p>
-        </p:txBody>
-      </p:sp>
-    </p:spTree>
-  </p:cSld>
-  <p:clrMapOvr>
-    <a:masterClrMapping/>
-  </p:clrMapOvr>
-</p:notes>
-</file>
-
-<file path=ppt/notesSlides/notesSlide30.xml><?xml version="1.0" encoding="utf-8"?>
+<file path=ppt/notesSlides/notesSlide29.xml><?xml version="1.0" encoding="utf-8"?>
 <p:notes xmlns:a="http://schemas.openxmlformats.org/drawingml/2006/main" xmlns:r="http://schemas.openxmlformats.org/officeDocument/2006/relationships" xmlns:p="http://schemas.openxmlformats.org/presentationml/2006/main">
   <p:cSld>
     <p:spTree>
@@ -2378,7 +2229,81 @@
 </p:notes>
 </file>
 
-<file path=ppt/notesSlides/notesSlide31.xml><?xml version="1.0" encoding="utf-8"?>
+<file path=ppt/notesSlides/notesSlide3.xml><?xml version="1.0" encoding="utf-8"?>
+<p:notes xmlns:a="http://schemas.openxmlformats.org/drawingml/2006/main" xmlns:r="http://schemas.openxmlformats.org/officeDocument/2006/relationships" xmlns:p="http://schemas.openxmlformats.org/presentationml/2006/main">
+  <p:cSld>
+    <p:spTree>
+      <p:nvGrpSpPr>
+        <p:cNvPr id="1" name=""/>
+        <p:cNvGrpSpPr/>
+        <p:nvPr/>
+      </p:nvGrpSpPr>
+      <p:grpSpPr>
+        <a:xfrm>
+          <a:off x="0" y="0"/>
+          <a:ext cx="0" cy="0"/>
+          <a:chOff x="0" y="0"/>
+          <a:chExt cx="0" cy="0"/>
+        </a:xfrm>
+      </p:grpSpPr>
+      <p:sp>
+        <p:nvSpPr>
+          <p:cNvPr id="17410" name="Notes Placeholder"/>
+          <p:cNvSpPr>
+            <a:spLocks noGrp="1"/>
+          </p:cNvSpPr>
+          <p:nvPr>
+            <p:ph type="body" idx="1"/>
+          </p:nvPr>
+        </p:nvSpPr>
+        <p:spPr bwMode="auto">
+          <a:noFill/>
+          <a:extLst>
+            <a:ext uri="{909E8E84-426E-40DD-AFC4-6F175D3DCCD1}">
+              <a14:hiddenFill xmlns:a14="http://schemas.microsoft.com/office/drawing/2010/main">
+                <a:solidFill>
+                  <a:srgbClr val="FFFFFF"/>
+                </a:solidFill>
+              </a14:hiddenFill>
+            </a:ext>
+            <a:ext uri="{91240B29-F687-4F45-9708-019B960494DF}">
+              <a14:hiddenLine xmlns:a14="http://schemas.microsoft.com/office/drawing/2010/main" w="9525">
+                <a:solidFill>
+                  <a:srgbClr val="000000"/>
+                </a:solidFill>
+                <a:miter lim="800000"/>
+                <a:headEnd/>
+                <a:tailEnd/>
+              </a14:hiddenLine>
+            </a:ext>
+          </a:extLst>
+        </p:spPr>
+        <p:txBody>
+          <a:bodyPr wrap="square" numCol="1" anchor="t" anchorCtr="0" compatLnSpc="1">
+            <a:prstTxWarp prst="textNoShape">
+              <a:avLst/>
+            </a:prstTxWarp>
+          </a:bodyPr>
+          <a:lstStyle/>
+          <a:p>
+            <a:pPr eaLnBrk="1" hangingPunct="1">
+              <a:spcBef>
+                <a:spcPct val="0"/>
+              </a:spcBef>
+            </a:pPr>
+            <a:endParaRPr lang="en-US" altLang="en-US"/>
+          </a:p>
+        </p:txBody>
+      </p:sp>
+    </p:spTree>
+  </p:cSld>
+  <p:clrMapOvr>
+    <a:masterClrMapping/>
+  </p:clrMapOvr>
+</p:notes>
+</file>
+
+<file path=ppt/notesSlides/notesSlide30.xml><?xml version="1.0" encoding="utf-8"?>
 <p:notes xmlns:a="http://schemas.openxmlformats.org/drawingml/2006/main" xmlns:r="http://schemas.openxmlformats.org/officeDocument/2006/relationships" xmlns:p="http://schemas.openxmlformats.org/presentationml/2006/main">
   <p:cSld>
     <p:spTree>
@@ -2471,7 +2396,7 @@
       </p:grpSpPr>
       <p:sp>
         <p:nvSpPr>
-          <p:cNvPr id="17410" name="Notes Placeholder"/>
+          <p:cNvPr id="19458" name="Notes Placeholder"/>
           <p:cNvSpPr>
             <a:spLocks noGrp="1"/>
           </p:cNvSpPr>
@@ -2527,80 +2452,6 @@
 </file>
 
 <file path=ppt/notesSlides/notesSlide5.xml><?xml version="1.0" encoding="utf-8"?>
-<p:notes xmlns:a="http://schemas.openxmlformats.org/drawingml/2006/main" xmlns:r="http://schemas.openxmlformats.org/officeDocument/2006/relationships" xmlns:p="http://schemas.openxmlformats.org/presentationml/2006/main">
-  <p:cSld>
-    <p:spTree>
-      <p:nvGrpSpPr>
-        <p:cNvPr id="1" name=""/>
-        <p:cNvGrpSpPr/>
-        <p:nvPr/>
-      </p:nvGrpSpPr>
-      <p:grpSpPr>
-        <a:xfrm>
-          <a:off x="0" y="0"/>
-          <a:ext cx="0" cy="0"/>
-          <a:chOff x="0" y="0"/>
-          <a:chExt cx="0" cy="0"/>
-        </a:xfrm>
-      </p:grpSpPr>
-      <p:sp>
-        <p:nvSpPr>
-          <p:cNvPr id="19458" name="Notes Placeholder"/>
-          <p:cNvSpPr>
-            <a:spLocks noGrp="1"/>
-          </p:cNvSpPr>
-          <p:nvPr>
-            <p:ph type="body" idx="1"/>
-          </p:nvPr>
-        </p:nvSpPr>
-        <p:spPr bwMode="auto">
-          <a:noFill/>
-          <a:extLst>
-            <a:ext uri="{909E8E84-426E-40DD-AFC4-6F175D3DCCD1}">
-              <a14:hiddenFill xmlns:a14="http://schemas.microsoft.com/office/drawing/2010/main">
-                <a:solidFill>
-                  <a:srgbClr val="FFFFFF"/>
-                </a:solidFill>
-              </a14:hiddenFill>
-            </a:ext>
-            <a:ext uri="{91240B29-F687-4F45-9708-019B960494DF}">
-              <a14:hiddenLine xmlns:a14="http://schemas.microsoft.com/office/drawing/2010/main" w="9525">
-                <a:solidFill>
-                  <a:srgbClr val="000000"/>
-                </a:solidFill>
-                <a:miter lim="800000"/>
-                <a:headEnd/>
-                <a:tailEnd/>
-              </a14:hiddenLine>
-            </a:ext>
-          </a:extLst>
-        </p:spPr>
-        <p:txBody>
-          <a:bodyPr wrap="square" numCol="1" anchor="t" anchorCtr="0" compatLnSpc="1">
-            <a:prstTxWarp prst="textNoShape">
-              <a:avLst/>
-            </a:prstTxWarp>
-          </a:bodyPr>
-          <a:lstStyle/>
-          <a:p>
-            <a:pPr eaLnBrk="1" hangingPunct="1">
-              <a:spcBef>
-                <a:spcPct val="0"/>
-              </a:spcBef>
-            </a:pPr>
-            <a:endParaRPr lang="en-US" altLang="en-US"/>
-          </a:p>
-        </p:txBody>
-      </p:sp>
-    </p:spTree>
-  </p:cSld>
-  <p:clrMapOvr>
-    <a:masterClrMapping/>
-  </p:clrMapOvr>
-</p:notes>
-</file>
-
-<file path=ppt/notesSlides/notesSlide6.xml><?xml version="1.0" encoding="utf-8"?>
 <p:notes xmlns:a="http://schemas.openxmlformats.org/drawingml/2006/main" xmlns:r="http://schemas.openxmlformats.org/officeDocument/2006/relationships" xmlns:p="http://schemas.openxmlformats.org/presentationml/2006/main">
   <p:cSld>
     <p:spTree>
@@ -2674,7 +2525,7 @@
 </p:notes>
 </file>
 
-<file path=ppt/notesSlides/notesSlide7.xml><?xml version="1.0" encoding="utf-8"?>
+<file path=ppt/notesSlides/notesSlide6.xml><?xml version="1.0" encoding="utf-8"?>
 <p:notes xmlns:a="http://schemas.openxmlformats.org/drawingml/2006/main" xmlns:r="http://schemas.openxmlformats.org/officeDocument/2006/relationships" xmlns:p="http://schemas.openxmlformats.org/presentationml/2006/main">
   <p:cSld>
     <p:spTree>
@@ -2748,7 +2599,7 @@
 </p:notes>
 </file>
 
-<file path=ppt/notesSlides/notesSlide8.xml><?xml version="1.0" encoding="utf-8"?>
+<file path=ppt/notesSlides/notesSlide7.xml><?xml version="1.0" encoding="utf-8"?>
 <p:notes xmlns:a="http://schemas.openxmlformats.org/drawingml/2006/main" xmlns:r="http://schemas.openxmlformats.org/officeDocument/2006/relationships" xmlns:p="http://schemas.openxmlformats.org/presentationml/2006/main">
   <p:cSld>
     <p:spTree>
@@ -2822,6 +2673,80 @@
 </p:notes>
 </file>
 
+<file path=ppt/notesSlides/notesSlide8.xml><?xml version="1.0" encoding="utf-8"?>
+<p:notes xmlns:a="http://schemas.openxmlformats.org/drawingml/2006/main" xmlns:r="http://schemas.openxmlformats.org/officeDocument/2006/relationships" xmlns:p="http://schemas.openxmlformats.org/presentationml/2006/main">
+  <p:cSld>
+    <p:spTree>
+      <p:nvGrpSpPr>
+        <p:cNvPr id="1" name=""/>
+        <p:cNvGrpSpPr/>
+        <p:nvPr/>
+      </p:nvGrpSpPr>
+      <p:grpSpPr>
+        <a:xfrm>
+          <a:off x="0" y="0"/>
+          <a:ext cx="0" cy="0"/>
+          <a:chOff x="0" y="0"/>
+          <a:chExt cx="0" cy="0"/>
+        </a:xfrm>
+      </p:grpSpPr>
+      <p:sp>
+        <p:nvSpPr>
+          <p:cNvPr id="27650" name="Notes Placeholder"/>
+          <p:cNvSpPr>
+            <a:spLocks noGrp="1"/>
+          </p:cNvSpPr>
+          <p:nvPr>
+            <p:ph type="body" idx="1"/>
+          </p:nvPr>
+        </p:nvSpPr>
+        <p:spPr bwMode="auto">
+          <a:noFill/>
+          <a:extLst>
+            <a:ext uri="{909E8E84-426E-40DD-AFC4-6F175D3DCCD1}">
+              <a14:hiddenFill xmlns:a14="http://schemas.microsoft.com/office/drawing/2010/main">
+                <a:solidFill>
+                  <a:srgbClr val="FFFFFF"/>
+                </a:solidFill>
+              </a14:hiddenFill>
+            </a:ext>
+            <a:ext uri="{91240B29-F687-4F45-9708-019B960494DF}">
+              <a14:hiddenLine xmlns:a14="http://schemas.microsoft.com/office/drawing/2010/main" w="9525">
+                <a:solidFill>
+                  <a:srgbClr val="000000"/>
+                </a:solidFill>
+                <a:miter lim="800000"/>
+                <a:headEnd/>
+                <a:tailEnd/>
+              </a14:hiddenLine>
+            </a:ext>
+          </a:extLst>
+        </p:spPr>
+        <p:txBody>
+          <a:bodyPr wrap="square" numCol="1" anchor="t" anchorCtr="0" compatLnSpc="1">
+            <a:prstTxWarp prst="textNoShape">
+              <a:avLst/>
+            </a:prstTxWarp>
+          </a:bodyPr>
+          <a:lstStyle/>
+          <a:p>
+            <a:pPr eaLnBrk="1" hangingPunct="1">
+              <a:spcBef>
+                <a:spcPct val="0"/>
+              </a:spcBef>
+            </a:pPr>
+            <a:endParaRPr lang="en-US" altLang="en-US"/>
+          </a:p>
+        </p:txBody>
+      </p:sp>
+    </p:spTree>
+  </p:cSld>
+  <p:clrMapOvr>
+    <a:masterClrMapping/>
+  </p:clrMapOvr>
+</p:notes>
+</file>
+
 <file path=ppt/notesSlides/notesSlide9.xml><?xml version="1.0" encoding="utf-8"?>
 <p:notes xmlns:a="http://schemas.openxmlformats.org/drawingml/2006/main" xmlns:r="http://schemas.openxmlformats.org/officeDocument/2006/relationships" xmlns:p="http://schemas.openxmlformats.org/presentationml/2006/main">
   <p:cSld>
@@ -2841,7 +2766,7 @@
       </p:grpSpPr>
       <p:sp>
         <p:nvSpPr>
-          <p:cNvPr id="27650" name="Notes Placeholder"/>
+          <p:cNvPr id="29698" name="Notes Placeholder"/>
           <p:cNvSpPr>
             <a:spLocks noGrp="1"/>
           </p:cNvSpPr>
@@ -3902,7 +3827,7 @@
               <a:pPr>
                 <a:defRPr/>
               </a:pPr>
-              <a:t>22/10/2021</a:t>
+              <a:t>18/11/2021</a:t>
             </a:fld>
             <a:endParaRPr lang="en-GB" dirty="0"/>
           </a:p>
@@ -5175,386 +5100,6 @@
       </p:grpSpPr>
       <p:sp>
         <p:nvSpPr>
-          <p:cNvPr id="24578" name="object 2"/>
-          <p:cNvSpPr>
-            <a:spLocks noGrp="1"/>
-          </p:cNvSpPr>
-          <p:nvPr>
-            <p:ph type="title"/>
-          </p:nvPr>
-        </p:nvSpPr>
-        <p:spPr>
-          <a:xfrm>
-            <a:off x="457200" y="508000"/>
-            <a:ext cx="8229600" cy="676275"/>
-          </a:xfrm>
-        </p:spPr>
-        <p:txBody>
-          <a:bodyPr/>
-          <a:lstStyle/>
-          <a:p>
-            <a:r>
-              <a:rPr lang="en-US" altLang="en-US" b="1"/>
-              <a:t>Array indexing</a:t>
-            </a:r>
-          </a:p>
-        </p:txBody>
-      </p:sp>
-      <p:sp>
-        <p:nvSpPr>
-          <p:cNvPr id="24579" name="object 3"/>
-          <p:cNvSpPr txBox="1">
-            <a:spLocks noChangeArrowheads="1"/>
-          </p:cNvSpPr>
-          <p:nvPr/>
-        </p:nvSpPr>
-        <p:spPr bwMode="auto">
-          <a:xfrm>
-            <a:off x="944563" y="1479550"/>
-            <a:ext cx="7499350" cy="4157663"/>
-          </a:xfrm>
-          <a:prstGeom prst="rect">
-            <a:avLst/>
-          </a:prstGeom>
-          <a:noFill/>
-          <a:ln>
-            <a:noFill/>
-          </a:ln>
-          <a:extLst>
-            <a:ext uri="{909E8E84-426E-40DD-AFC4-6F175D3DCCD1}">
-              <a14:hiddenFill xmlns:a14="http://schemas.microsoft.com/office/drawing/2010/main">
-                <a:solidFill>
-                  <a:srgbClr val="FFFFFF"/>
-                </a:solidFill>
-              </a14:hiddenFill>
-            </a:ext>
-            <a:ext uri="{91240B29-F687-4F45-9708-019B960494DF}">
-              <a14:hiddenLine xmlns:a14="http://schemas.microsoft.com/office/drawing/2010/main" w="9525">
-                <a:solidFill>
-                  <a:srgbClr val="000000"/>
-                </a:solidFill>
-                <a:miter lim="800000"/>
-                <a:headEnd/>
-                <a:tailEnd/>
-              </a14:hiddenLine>
-            </a:ext>
-          </a:extLst>
-        </p:spPr>
-        <p:txBody>
-          <a:bodyPr lIns="0" tIns="0" rIns="0" bIns="0">
-            <a:spAutoFit/>
-          </a:bodyPr>
-          <a:lstStyle>
-            <a:lvl1pPr>
-              <a:lnSpc>
-                <a:spcPct val="90000"/>
-              </a:lnSpc>
-              <a:spcBef>
-                <a:spcPts val="1000"/>
-              </a:spcBef>
-              <a:buFont typeface="Arial" panose="020B0604020202020204" pitchFamily="34" charset="0"/>
-              <a:buChar char="•"/>
-              <a:defRPr sz="2400">
-                <a:solidFill>
-                  <a:schemeClr val="tx1"/>
-                </a:solidFill>
-                <a:latin typeface="Calibri" panose="020F0502020204030204" pitchFamily="34" charset="0"/>
-              </a:defRPr>
-            </a:lvl1pPr>
-            <a:lvl2pPr marL="742950" indent="-285750">
-              <a:lnSpc>
-                <a:spcPct val="90000"/>
-              </a:lnSpc>
-              <a:spcBef>
-                <a:spcPts val="500"/>
-              </a:spcBef>
-              <a:buFont typeface="Arial" panose="020B0604020202020204" pitchFamily="34" charset="0"/>
-              <a:buChar char="•"/>
-              <a:defRPr sz="2000">
-                <a:solidFill>
-                  <a:schemeClr val="tx1"/>
-                </a:solidFill>
-                <a:latin typeface="Calibri" panose="020F0502020204030204" pitchFamily="34" charset="0"/>
-              </a:defRPr>
-            </a:lvl2pPr>
-            <a:lvl3pPr marL="1143000" indent="-228600">
-              <a:lnSpc>
-                <a:spcPct val="90000"/>
-              </a:lnSpc>
-              <a:spcBef>
-                <a:spcPts val="500"/>
-              </a:spcBef>
-              <a:buFont typeface="Arial" panose="020B0604020202020204" pitchFamily="34" charset="0"/>
-              <a:buChar char="•"/>
-              <a:defRPr>
-                <a:solidFill>
-                  <a:schemeClr val="tx1"/>
-                </a:solidFill>
-                <a:latin typeface="Calibri" panose="020F0502020204030204" pitchFamily="34" charset="0"/>
-              </a:defRPr>
-            </a:lvl3pPr>
-            <a:lvl4pPr marL="1600200" indent="-228600">
-              <a:lnSpc>
-                <a:spcPct val="90000"/>
-              </a:lnSpc>
-              <a:spcBef>
-                <a:spcPts val="500"/>
-              </a:spcBef>
-              <a:buFont typeface="Arial" panose="020B0604020202020204" pitchFamily="34" charset="0"/>
-              <a:buChar char="•"/>
-              <a:defRPr sz="1600">
-                <a:solidFill>
-                  <a:schemeClr val="tx1"/>
-                </a:solidFill>
-                <a:latin typeface="Calibri" panose="020F0502020204030204" pitchFamily="34" charset="0"/>
-              </a:defRPr>
-            </a:lvl4pPr>
-            <a:lvl5pPr marL="2057400" indent="-228600">
-              <a:lnSpc>
-                <a:spcPct val="90000"/>
-              </a:lnSpc>
-              <a:spcBef>
-                <a:spcPts val="500"/>
-              </a:spcBef>
-              <a:buFont typeface="Arial" panose="020B0604020202020204" pitchFamily="34" charset="0"/>
-              <a:buChar char="•"/>
-              <a:defRPr sz="1600">
-                <a:solidFill>
-                  <a:schemeClr val="tx1"/>
-                </a:solidFill>
-                <a:latin typeface="Calibri" panose="020F0502020204030204" pitchFamily="34" charset="0"/>
-              </a:defRPr>
-            </a:lvl5pPr>
-            <a:lvl6pPr marL="2514600" indent="-228600" fontAlgn="base">
-              <a:lnSpc>
-                <a:spcPct val="90000"/>
-              </a:lnSpc>
-              <a:spcBef>
-                <a:spcPts val="500"/>
-              </a:spcBef>
-              <a:spcAft>
-                <a:spcPct val="0"/>
-              </a:spcAft>
-              <a:buFont typeface="Arial" panose="020B0604020202020204" pitchFamily="34" charset="0"/>
-              <a:buChar char="•"/>
-              <a:defRPr sz="1600">
-                <a:solidFill>
-                  <a:schemeClr val="tx1"/>
-                </a:solidFill>
-                <a:latin typeface="Calibri" panose="020F0502020204030204" pitchFamily="34" charset="0"/>
-              </a:defRPr>
-            </a:lvl6pPr>
-            <a:lvl7pPr marL="2971800" indent="-228600" fontAlgn="base">
-              <a:lnSpc>
-                <a:spcPct val="90000"/>
-              </a:lnSpc>
-              <a:spcBef>
-                <a:spcPts val="500"/>
-              </a:spcBef>
-              <a:spcAft>
-                <a:spcPct val="0"/>
-              </a:spcAft>
-              <a:buFont typeface="Arial" panose="020B0604020202020204" pitchFamily="34" charset="0"/>
-              <a:buChar char="•"/>
-              <a:defRPr sz="1600">
-                <a:solidFill>
-                  <a:schemeClr val="tx1"/>
-                </a:solidFill>
-                <a:latin typeface="Calibri" panose="020F0502020204030204" pitchFamily="34" charset="0"/>
-              </a:defRPr>
-            </a:lvl7pPr>
-            <a:lvl8pPr marL="3429000" indent="-228600" fontAlgn="base">
-              <a:lnSpc>
-                <a:spcPct val="90000"/>
-              </a:lnSpc>
-              <a:spcBef>
-                <a:spcPts val="500"/>
-              </a:spcBef>
-              <a:spcAft>
-                <a:spcPct val="0"/>
-              </a:spcAft>
-              <a:buFont typeface="Arial" panose="020B0604020202020204" pitchFamily="34" charset="0"/>
-              <a:buChar char="•"/>
-              <a:defRPr sz="1600">
-                <a:solidFill>
-                  <a:schemeClr val="tx1"/>
-                </a:solidFill>
-                <a:latin typeface="Calibri" panose="020F0502020204030204" pitchFamily="34" charset="0"/>
-              </a:defRPr>
-            </a:lvl8pPr>
-            <a:lvl9pPr marL="3886200" indent="-228600" fontAlgn="base">
-              <a:lnSpc>
-                <a:spcPct val="90000"/>
-              </a:lnSpc>
-              <a:spcBef>
-                <a:spcPts val="500"/>
-              </a:spcBef>
-              <a:spcAft>
-                <a:spcPct val="0"/>
-              </a:spcAft>
-              <a:buFont typeface="Arial" panose="020B0604020202020204" pitchFamily="34" charset="0"/>
-              <a:buChar char="•"/>
-              <a:defRPr sz="1600">
-                <a:solidFill>
-                  <a:schemeClr val="tx1"/>
-                </a:solidFill>
-                <a:latin typeface="Calibri" panose="020F0502020204030204" pitchFamily="34" charset="0"/>
-              </a:defRPr>
-            </a:lvl9pPr>
-          </a:lstStyle>
-          <a:p>
-            <a:pPr eaLnBrk="1" hangingPunct="1">
-              <a:lnSpc>
-                <a:spcPct val="103000"/>
-              </a:lnSpc>
-              <a:spcBef>
-                <a:spcPct val="0"/>
-              </a:spcBef>
-              <a:buFontTx/>
-              <a:buNone/>
-            </a:pPr>
-            <a:r>
-              <a:rPr lang="en-US" altLang="en-US" sz="3200">
-                <a:cs typeface="Calibri" panose="020F0502020204030204" pitchFamily="34" charset="0"/>
-              </a:rPr>
-              <a:t>Like lists, element addresses start with zero, so the first element of 1-D array </a:t>
-            </a:r>
-            <a:r>
-              <a:rPr lang="en-US" altLang="en-US" sz="3200">
-                <a:ea typeface="MS Gothic" panose="020B0609070205080204" pitchFamily="49" charset="-128"/>
-                <a:cs typeface="Calibri" panose="020F0502020204030204" pitchFamily="34" charset="0"/>
-              </a:rPr>
-              <a:t>a </a:t>
-            </a:r>
-            <a:r>
-              <a:rPr lang="en-US" altLang="en-US" sz="3200">
-                <a:cs typeface="Calibri" panose="020F0502020204030204" pitchFamily="34" charset="0"/>
-              </a:rPr>
-              <a:t>is </a:t>
-            </a:r>
-            <a:r>
-              <a:rPr lang="en-US" altLang="en-US">
-                <a:latin typeface="Courier New" panose="02070309020205020404" pitchFamily="49" charset="0"/>
-                <a:ea typeface="MS Gothic" panose="020B0609070205080204" pitchFamily="49" charset="-128"/>
-              </a:rPr>
-              <a:t>a[0], </a:t>
-            </a:r>
-            <a:r>
-              <a:rPr lang="en-US" altLang="en-US" sz="3200">
-                <a:cs typeface="Calibri" panose="020F0502020204030204" pitchFamily="34" charset="0"/>
-              </a:rPr>
-              <a:t>the second is  </a:t>
-            </a:r>
-            <a:r>
-              <a:rPr lang="en-US" altLang="en-US">
-                <a:latin typeface="Courier New" panose="02070309020205020404" pitchFamily="49" charset="0"/>
-                <a:ea typeface="MS Gothic" panose="020B0609070205080204" pitchFamily="49" charset="-128"/>
-              </a:rPr>
-              <a:t>a[1], </a:t>
-            </a:r>
-            <a:r>
-              <a:rPr lang="en-US" altLang="en-US" sz="3200">
-                <a:cs typeface="Calibri" panose="020F0502020204030204" pitchFamily="34" charset="0"/>
-              </a:rPr>
-              <a:t>etc.</a:t>
-            </a:r>
-            <a:endParaRPr lang="en-GB" altLang="en-US" sz="3200">
-              <a:cs typeface="Calibri" panose="020F0502020204030204" pitchFamily="34" charset="0"/>
-            </a:endParaRPr>
-          </a:p>
-          <a:p>
-            <a:pPr eaLnBrk="1" hangingPunct="1">
-              <a:lnSpc>
-                <a:spcPct val="103000"/>
-              </a:lnSpc>
-              <a:spcBef>
-                <a:spcPct val="0"/>
-              </a:spcBef>
-              <a:buFontTx/>
-              <a:buNone/>
-            </a:pPr>
-            <a:endParaRPr lang="en-US" altLang="en-US" sz="3200">
-              <a:cs typeface="Calibri" panose="020F0502020204030204" pitchFamily="34" charset="0"/>
-            </a:endParaRPr>
-          </a:p>
-          <a:p>
-            <a:pPr eaLnBrk="1" hangingPunct="1">
-              <a:lnSpc>
-                <a:spcPct val="103000"/>
-              </a:lnSpc>
-              <a:spcBef>
-                <a:spcPts val="600"/>
-              </a:spcBef>
-              <a:buFontTx/>
-              <a:buNone/>
-            </a:pPr>
-            <a:r>
-              <a:rPr lang="en-US" altLang="en-US" sz="3200">
-                <a:cs typeface="Calibri" panose="020F0502020204030204" pitchFamily="34" charset="0"/>
-              </a:rPr>
-              <a:t>Like lists, you can reference elements starting from the end, e.g., element  </a:t>
-            </a:r>
-            <a:r>
-              <a:rPr lang="en-US" altLang="en-US">
-                <a:latin typeface="Courier New" panose="02070309020205020404" pitchFamily="49" charset="0"/>
-                <a:ea typeface="MS Gothic" panose="020B0609070205080204" pitchFamily="49" charset="-128"/>
-              </a:rPr>
-              <a:t>a[-1] </a:t>
-            </a:r>
-            <a:r>
-              <a:rPr lang="en-US" altLang="en-US" sz="3200">
-                <a:cs typeface="Calibri" panose="020F0502020204030204" pitchFamily="34" charset="0"/>
-              </a:rPr>
-              <a:t>is the last element in a 1-D array.</a:t>
-            </a:r>
-          </a:p>
-          <a:p>
-            <a:pPr eaLnBrk="1" hangingPunct="1">
-              <a:lnSpc>
-                <a:spcPct val="100000"/>
-              </a:lnSpc>
-              <a:spcBef>
-                <a:spcPts val="350"/>
-              </a:spcBef>
-              <a:buFontTx/>
-              <a:buNone/>
-            </a:pPr>
-            <a:endParaRPr lang="en-US" altLang="en-US" sz="3200">
-              <a:cs typeface="Calibri" panose="020F0502020204030204" pitchFamily="34" charset="0"/>
-            </a:endParaRPr>
-          </a:p>
-        </p:txBody>
-      </p:sp>
-    </p:spTree>
-  </p:cSld>
-  <p:clrMapOvr>
-    <a:masterClrMapping/>
-  </p:clrMapOvr>
-  <p:transition>
-    <p:cut/>
-  </p:transition>
-</p:sld>
-</file>
-
-<file path=ppt/slides/slide11.xml><?xml version="1.0" encoding="utf-8"?>
-<p:sld xmlns:a="http://schemas.openxmlformats.org/drawingml/2006/main" xmlns:r="http://schemas.openxmlformats.org/officeDocument/2006/relationships" xmlns:p="http://schemas.openxmlformats.org/presentationml/2006/main">
-  <p:cSld>
-    <p:spTree>
-      <p:nvGrpSpPr>
-        <p:cNvPr id="1" name=""/>
-        <p:cNvGrpSpPr/>
-        <p:nvPr/>
-      </p:nvGrpSpPr>
-      <p:grpSpPr>
-        <a:xfrm>
-          <a:off x="0" y="0"/>
-          <a:ext cx="0" cy="0"/>
-          <a:chOff x="0" y="0"/>
-          <a:chExt cx="0" cy="0"/>
-        </a:xfrm>
-      </p:grpSpPr>
-      <p:sp>
-        <p:nvSpPr>
           <p:cNvPr id="26626" name="object 2"/>
           <p:cNvSpPr>
             <a:spLocks noGrp="1"/>
@@ -6059,7 +5604,7 @@
 </p:sld>
 </file>
 
-<file path=ppt/slides/slide12.xml><?xml version="1.0" encoding="utf-8"?>
+<file path=ppt/slides/slide11.xml><?xml version="1.0" encoding="utf-8"?>
 <p:sld xmlns:a="http://schemas.openxmlformats.org/drawingml/2006/main" xmlns:r="http://schemas.openxmlformats.org/officeDocument/2006/relationships" xmlns:p="http://schemas.openxmlformats.org/presentationml/2006/main">
   <p:cSld>
     <p:spTree>
@@ -6184,7 +5729,7 @@
 </p:sld>
 </file>
 
-<file path=ppt/slides/slide13.xml><?xml version="1.0" encoding="utf-8"?>
+<file path=ppt/slides/slide12.xml><?xml version="1.0" encoding="utf-8"?>
 <p:sld xmlns:a="http://schemas.openxmlformats.org/drawingml/2006/main" xmlns:r="http://schemas.openxmlformats.org/officeDocument/2006/relationships" xmlns:p="http://schemas.openxmlformats.org/presentationml/2006/main">
   <p:cSld>
     <p:spTree>
@@ -6551,7 +6096,75 @@
                 <a:latin typeface="Courier New" panose="02070309020205020404" pitchFamily="49" charset="0"/>
                 <a:cs typeface="Courier New" panose="02070309020205020404" pitchFamily="49" charset="0"/>
               </a:rPr>
-              <a:t>([[2, 3.2, 5.5, -6.4, -2.2, 2.4], [1, 22, 4, 0.1, 5.3, -9],                  [3, 1, 2.1, 21, 1.1, -2]])</a:t>
+              <a:t>([[2, 3.2, 5.5, -6.4, -2.2, </a:t>
+            </a:r>
+            <a:r>
+              <a:rPr lang="en-GB" sz="2400">
+                <a:latin typeface="Courier New" panose="02070309020205020404" pitchFamily="49" charset="0"/>
+                <a:cs typeface="Courier New" panose="02070309020205020404" pitchFamily="49" charset="0"/>
+              </a:rPr>
+              <a:t>2.4</a:t>
+            </a:r>
+            <a:r>
+              <a:rPr lang="en-GB" sz="2400" smtClean="0">
+                <a:latin typeface="Courier New" panose="02070309020205020404" pitchFamily="49" charset="0"/>
+                <a:cs typeface="Courier New" panose="02070309020205020404" pitchFamily="49" charset="0"/>
+              </a:rPr>
+              <a:t>],</a:t>
+            </a:r>
+            <a:br>
+              <a:rPr lang="en-GB" sz="2400" smtClean="0">
+                <a:latin typeface="Courier New" panose="02070309020205020404" pitchFamily="49" charset="0"/>
+                <a:cs typeface="Courier New" panose="02070309020205020404" pitchFamily="49" charset="0"/>
+              </a:rPr>
+            </a:br>
+            <a:r>
+              <a:rPr lang="en-GB" sz="2400" smtClean="0">
+                <a:latin typeface="Courier New" panose="02070309020205020404" pitchFamily="49" charset="0"/>
+                <a:cs typeface="Courier New" panose="02070309020205020404" pitchFamily="49" charset="0"/>
+              </a:rPr>
+              <a:t>              [</a:t>
+            </a:r>
+            <a:r>
+              <a:rPr lang="en-GB" sz="2400" dirty="0">
+                <a:latin typeface="Courier New" panose="02070309020205020404" pitchFamily="49" charset="0"/>
+                <a:cs typeface="Courier New" panose="02070309020205020404" pitchFamily="49" charset="0"/>
+              </a:rPr>
+              <a:t>1, 22, 4, 0.1, 5.3, -</a:t>
+            </a:r>
+            <a:r>
+              <a:rPr lang="en-GB" sz="2400">
+                <a:latin typeface="Courier New" panose="02070309020205020404" pitchFamily="49" charset="0"/>
+                <a:cs typeface="Courier New" panose="02070309020205020404" pitchFamily="49" charset="0"/>
+              </a:rPr>
+              <a:t>9</a:t>
+            </a:r>
+            <a:r>
+              <a:rPr lang="en-GB" sz="2400" smtClean="0">
+                <a:latin typeface="Courier New" panose="02070309020205020404" pitchFamily="49" charset="0"/>
+                <a:cs typeface="Courier New" panose="02070309020205020404" pitchFamily="49" charset="0"/>
+              </a:rPr>
+              <a:t>],</a:t>
+            </a:r>
+            <a:br>
+              <a:rPr lang="en-GB" sz="2400" smtClean="0">
+                <a:latin typeface="Courier New" panose="02070309020205020404" pitchFamily="49" charset="0"/>
+                <a:cs typeface="Courier New" panose="02070309020205020404" pitchFamily="49" charset="0"/>
+              </a:rPr>
+            </a:br>
+            <a:r>
+              <a:rPr lang="en-GB" sz="2400" smtClean="0">
+                <a:latin typeface="Courier New" panose="02070309020205020404" pitchFamily="49" charset="0"/>
+                <a:cs typeface="Courier New" panose="02070309020205020404" pitchFamily="49" charset="0"/>
+              </a:rPr>
+              <a:t>              [</a:t>
+            </a:r>
+            <a:r>
+              <a:rPr lang="en-GB" sz="2400" dirty="0">
+                <a:latin typeface="Courier New" panose="02070309020205020404" pitchFamily="49" charset="0"/>
+                <a:cs typeface="Courier New" panose="02070309020205020404" pitchFamily="49" charset="0"/>
+              </a:rPr>
+              <a:t>3, 1, 2.1, 21, 1.1, -2]])</a:t>
             </a:r>
           </a:p>
         </p:txBody>
@@ -6770,14 +6383,14 @@
               <a:buNone/>
             </a:pPr>
             <a:r>
-              <a:rPr lang="en-GB" altLang="en-US">
+              <a:rPr lang="en-GB" altLang="en-US" dirty="0">
                 <a:latin typeface="Courier New" panose="02070309020205020404" pitchFamily="49" charset="0"/>
                 <a:cs typeface="Courier New" panose="02070309020205020404" pitchFamily="49" charset="0"/>
               </a:rPr>
               <a:t>a[1, 2]   </a:t>
             </a:r>
             <a:r>
-              <a:rPr lang="en-GB" altLang="en-US">
+              <a:rPr lang="en-GB" altLang="en-US" dirty="0">
                 <a:latin typeface="Courier New" panose="02070309020205020404" pitchFamily="49" charset="0"/>
                 <a:cs typeface="Courier New" panose="02070309020205020404" pitchFamily="49" charset="0"/>
                 <a:sym typeface="Wingdings" panose="05000000000000000000" pitchFamily="2" charset="2"/>
@@ -6797,7 +6410,7 @@
               <a:buNone/>
             </a:pPr>
             <a:r>
-              <a:rPr lang="en-GB" altLang="en-US">
+              <a:rPr lang="en-GB" altLang="en-US" dirty="0">
                 <a:latin typeface="Courier New" panose="02070309020205020404" pitchFamily="49" charset="0"/>
                 <a:cs typeface="Courier New" panose="02070309020205020404" pitchFamily="49" charset="0"/>
                 <a:sym typeface="Wingdings" panose="05000000000000000000" pitchFamily="2" charset="2"/>
@@ -6805,12 +6418,38 @@
               <a:t>a[1, :]     </a:t>
             </a:r>
             <a:r>
-              <a:rPr lang="en-GB" altLang="en-US">
-                <a:latin typeface="Courier New" panose="02070309020205020404" pitchFamily="49" charset="0"/>
-                <a:cs typeface="Courier New" panose="02070309020205020404" pitchFamily="49" charset="0"/>
-              </a:rPr>
-              <a:t>[1, 22, 4, 0.1, 5.3, -9]</a:t>
-            </a:r>
+              <a:rPr lang="en-GB" altLang="en-US" dirty="0" smtClean="0">
+                <a:latin typeface="Courier New" panose="02070309020205020404" pitchFamily="49" charset="0"/>
+                <a:cs typeface="Courier New" panose="02070309020205020404" pitchFamily="49" charset="0"/>
+                <a:sym typeface="Wingdings" panose="05000000000000000000" pitchFamily="2" charset="2"/>
+              </a:rPr>
+              <a:t>array(</a:t>
+            </a:r>
+            <a:r>
+              <a:rPr lang="en-GB" altLang="en-US" dirty="0" smtClean="0">
+                <a:latin typeface="Courier New" panose="02070309020205020404" pitchFamily="49" charset="0"/>
+                <a:cs typeface="Courier New" panose="02070309020205020404" pitchFamily="49" charset="0"/>
+              </a:rPr>
+              <a:t>[1, 22, 4, 0.1, 5.3, </a:t>
+            </a:r>
+            <a:r>
+              <a:rPr lang="en-GB" altLang="en-US" dirty="0">
+                <a:latin typeface="Courier New" panose="02070309020205020404" pitchFamily="49" charset="0"/>
+                <a:cs typeface="Courier New" panose="02070309020205020404" pitchFamily="49" charset="0"/>
+              </a:rPr>
+              <a:t>-9</a:t>
+            </a:r>
+            <a:r>
+              <a:rPr lang="en-GB" altLang="en-US" dirty="0" smtClean="0">
+                <a:latin typeface="Courier New" panose="02070309020205020404" pitchFamily="49" charset="0"/>
+                <a:cs typeface="Courier New" panose="02070309020205020404" pitchFamily="49" charset="0"/>
+              </a:rPr>
+              <a:t>])</a:t>
+            </a:r>
+            <a:endParaRPr lang="en-GB" altLang="en-US" dirty="0">
+              <a:latin typeface="Courier New" panose="02070309020205020404" pitchFamily="49" charset="0"/>
+              <a:cs typeface="Courier New" panose="02070309020205020404" pitchFamily="49" charset="0"/>
+            </a:endParaRPr>
           </a:p>
           <a:p>
             <a:pPr eaLnBrk="1" fontAlgn="t" hangingPunct="1">
@@ -6824,27 +6463,39 @@
               <a:buNone/>
             </a:pPr>
             <a:r>
-              <a:rPr lang="en-GB" altLang="en-US">
+              <a:rPr lang="en-GB" altLang="en-US" dirty="0">
                 <a:latin typeface="Courier New" panose="02070309020205020404" pitchFamily="49" charset="0"/>
                 <a:cs typeface="Courier New" panose="02070309020205020404" pitchFamily="49" charset="0"/>
               </a:rPr>
               <a:t>a[1, 1:4] </a:t>
             </a:r>
             <a:r>
-              <a:rPr lang="en-GB" altLang="en-US">
+              <a:rPr lang="en-GB" altLang="en-US" dirty="0">
                 <a:latin typeface="Courier New" panose="02070309020205020404" pitchFamily="49" charset="0"/>
                 <a:cs typeface="Courier New" panose="02070309020205020404" pitchFamily="49" charset="0"/>
                 <a:sym typeface="Wingdings" panose="05000000000000000000" pitchFamily="2" charset="2"/>
               </a:rPr>
-              <a:t>  [</a:t>
-            </a:r>
-            <a:r>
-              <a:rPr lang="en-GB" altLang="en-US">
-                <a:latin typeface="Courier New" panose="02070309020205020404" pitchFamily="49" charset="0"/>
-                <a:cs typeface="Courier New" panose="02070309020205020404" pitchFamily="49" charset="0"/>
-              </a:rPr>
-              <a:t>22, 4, 0.1]</a:t>
-            </a:r>
+              <a:t>  </a:t>
+            </a:r>
+            <a:r>
+              <a:rPr lang="en-GB" altLang="en-US" dirty="0" smtClean="0">
+                <a:latin typeface="Courier New" panose="02070309020205020404" pitchFamily="49" charset="0"/>
+                <a:cs typeface="Courier New" panose="02070309020205020404" pitchFamily="49" charset="0"/>
+                <a:sym typeface="Wingdings" panose="05000000000000000000" pitchFamily="2" charset="2"/>
+              </a:rPr>
+              <a:t>array([</a:t>
+            </a:r>
+            <a:r>
+              <a:rPr lang="en-GB" altLang="en-US" dirty="0" smtClean="0">
+                <a:latin typeface="Courier New" panose="02070309020205020404" pitchFamily="49" charset="0"/>
+                <a:cs typeface="Courier New" panose="02070309020205020404" pitchFamily="49" charset="0"/>
+              </a:rPr>
+              <a:t>22, 4, 0.1])</a:t>
+            </a:r>
+            <a:endParaRPr lang="en-GB" altLang="en-US" dirty="0">
+              <a:latin typeface="Courier New" panose="02070309020205020404" pitchFamily="49" charset="0"/>
+              <a:cs typeface="Courier New" panose="02070309020205020404" pitchFamily="49" charset="0"/>
+            </a:endParaRPr>
           </a:p>
         </p:txBody>
       </p:sp>
@@ -6937,7 +6588,7 @@
 </p:sld>
 </file>
 
-<file path=ppt/slides/slide14.xml><?xml version="1.0" encoding="utf-8"?>
+<file path=ppt/slides/slide13.xml><?xml version="1.0" encoding="utf-8"?>
 <p:sld xmlns:a="http://schemas.openxmlformats.org/drawingml/2006/main" xmlns:r="http://schemas.openxmlformats.org/officeDocument/2006/relationships" xmlns:p="http://schemas.openxmlformats.org/presentationml/2006/main">
   <p:cSld>
     <p:spTree>
@@ -7674,7 +7325,7 @@
 </p:sld>
 </file>
 
-<file path=ppt/slides/slide15.xml><?xml version="1.0" encoding="utf-8"?>
+<file path=ppt/slides/slide14.xml><?xml version="1.0" encoding="utf-8"?>
 <p:sld xmlns:a="http://schemas.openxmlformats.org/drawingml/2006/main" xmlns:r="http://schemas.openxmlformats.org/officeDocument/2006/relationships" xmlns:p="http://schemas.openxmlformats.org/presentationml/2006/main">
   <p:cSld>
     <p:spTree>
@@ -8098,7 +7749,7 @@
 </p:sld>
 </file>
 
-<file path=ppt/slides/slide16.xml><?xml version="1.0" encoding="utf-8"?>
+<file path=ppt/slides/slide15.xml><?xml version="1.0" encoding="utf-8"?>
 <p:sld xmlns:a="http://schemas.openxmlformats.org/drawingml/2006/main" xmlns:r="http://schemas.openxmlformats.org/officeDocument/2006/relationships" xmlns:p="http://schemas.openxmlformats.org/presentationml/2006/main">
   <p:cSld>
     <p:spTree>
@@ -8547,6 +8198,14 @@
                 <a:sym typeface="Wingdings" panose="05000000000000000000" pitchFamily="2" charset="2"/>
               </a:rPr>
             </a:br>
+            <a:r>
+              <a:rPr lang="en-US" altLang="en-US" sz="1400" dirty="0">
+                <a:latin typeface="Courier New" panose="02070309020205020404" pitchFamily="49" charset="0"/>
+                <a:cs typeface="Courier New" panose="02070309020205020404" pitchFamily="49" charset="0"/>
+                <a:sym typeface="Wingdings" panose="05000000000000000000" pitchFamily="2" charset="2"/>
+              </a:rPr>
+              <a:t/>
+            </a:r>
             <a:br>
               <a:rPr lang="en-US" altLang="en-US" sz="1400" dirty="0">
                 <a:latin typeface="Courier New" panose="02070309020205020404" pitchFamily="49" charset="0"/>
@@ -8610,6 +8269,13 @@
               </a:rPr>
               <a:t>interrogate data type</a:t>
             </a:r>
+            <a:r>
+              <a:rPr lang="en-US" altLang="en-US" i="1" dirty="0">
+                <a:cs typeface="Courier New" panose="02070309020205020404" pitchFamily="49" charset="0"/>
+                <a:sym typeface="Wingdings" panose="05000000000000000000" pitchFamily="2" charset="2"/>
+              </a:rPr>
+              <a:t/>
+            </a:r>
             <a:br>
               <a:rPr lang="en-US" altLang="en-US" i="1" dirty="0">
                 <a:cs typeface="Courier New" panose="02070309020205020404" pitchFamily="49" charset="0"/>
@@ -8660,6 +8326,13 @@
                 <a:sym typeface="Wingdings" panose="05000000000000000000" pitchFamily="2" charset="2"/>
               </a:rPr>
             </a:br>
+            <a:r>
+              <a:rPr lang="en-US" altLang="en-US" i="1" dirty="0">
+                <a:cs typeface="Courier New" panose="02070309020205020404" pitchFamily="49" charset="0"/>
+                <a:sym typeface="Wingdings" panose="05000000000000000000" pitchFamily="2" charset="2"/>
+              </a:rPr>
+              <a:t/>
+            </a:r>
             <a:br>
               <a:rPr lang="en-US" altLang="en-US" i="1" dirty="0">
                 <a:cs typeface="Courier New" panose="02070309020205020404" pitchFamily="49" charset="0"/>
@@ -8832,7 +8505,7 @@
 </p:sld>
 </file>
 
-<file path=ppt/slides/slide17.xml><?xml version="1.0" encoding="utf-8"?>
+<file path=ppt/slides/slide16.xml><?xml version="1.0" encoding="utf-8"?>
 <p:sld xmlns:a="http://schemas.openxmlformats.org/drawingml/2006/main" xmlns:r="http://schemas.openxmlformats.org/officeDocument/2006/relationships" xmlns:p="http://schemas.openxmlformats.org/presentationml/2006/main">
   <p:cSld>
     <p:spTree>
@@ -10036,7 +9709,7 @@
 </p:sld>
 </file>
 
-<file path=ppt/slides/slide18.xml><?xml version="1.0" encoding="utf-8"?>
+<file path=ppt/slides/slide17.xml><?xml version="1.0" encoding="utf-8"?>
 <p:sld xmlns:a="http://schemas.openxmlformats.org/drawingml/2006/main" xmlns:r="http://schemas.openxmlformats.org/officeDocument/2006/relationships" xmlns:p="http://schemas.openxmlformats.org/presentationml/2006/main">
   <p:cSld>
     <p:spTree>
@@ -10088,7 +9761,7 @@
 </p:sld>
 </file>
 
-<file path=ppt/slides/slide19.xml><?xml version="1.0" encoding="utf-8"?>
+<file path=ppt/slides/slide18.xml><?xml version="1.0" encoding="utf-8"?>
 <p:sld xmlns:a="http://schemas.openxmlformats.org/drawingml/2006/main" xmlns:r="http://schemas.openxmlformats.org/officeDocument/2006/relationships" xmlns:p="http://schemas.openxmlformats.org/presentationml/2006/main">
   <p:cSld>
     <p:spTree>
@@ -10431,626 +10104,7 @@
 </p:sld>
 </file>
 
-<file path=ppt/slides/slide2.xml><?xml version="1.0" encoding="utf-8"?>
-<p:sld xmlns:a="http://schemas.openxmlformats.org/drawingml/2006/main" xmlns:r="http://schemas.openxmlformats.org/officeDocument/2006/relationships" xmlns:p="http://schemas.openxmlformats.org/presentationml/2006/main">
-  <p:cSld>
-    <p:spTree>
-      <p:nvGrpSpPr>
-        <p:cNvPr id="1" name=""/>
-        <p:cNvGrpSpPr/>
-        <p:nvPr/>
-      </p:nvGrpSpPr>
-      <p:grpSpPr>
-        <a:xfrm>
-          <a:off x="0" y="0"/>
-          <a:ext cx="0" cy="0"/>
-          <a:chOff x="0" y="0"/>
-          <a:chExt cx="0" cy="0"/>
-        </a:xfrm>
-      </p:grpSpPr>
-      <p:sp>
-        <p:nvSpPr>
-          <p:cNvPr id="9218" name="Title 1"/>
-          <p:cNvSpPr>
-            <a:spLocks noGrp="1"/>
-          </p:cNvSpPr>
-          <p:nvPr>
-            <p:ph type="title"/>
-          </p:nvPr>
-        </p:nvSpPr>
-        <p:spPr/>
-        <p:txBody>
-          <a:bodyPr/>
-          <a:lstStyle/>
-          <a:p>
-            <a:r>
-              <a:rPr lang="en-GB" altLang="en-US" b="1"/>
-              <a:t>With special thanks to…</a:t>
-            </a:r>
-          </a:p>
-        </p:txBody>
-      </p:sp>
-      <p:sp>
-        <p:nvSpPr>
-          <p:cNvPr id="9219" name="Content Placeholder 2"/>
-          <p:cNvSpPr>
-            <a:spLocks noGrp="1"/>
-          </p:cNvSpPr>
-          <p:nvPr>
-            <p:ph idx="1"/>
-          </p:nvPr>
-        </p:nvSpPr>
-        <p:spPr>
-          <a:xfrm>
-            <a:off x="457200" y="1600200"/>
-            <a:ext cx="5627688" cy="4525963"/>
-          </a:xfrm>
-        </p:spPr>
-        <p:txBody>
-          <a:bodyPr/>
-          <a:lstStyle/>
-          <a:p>
-            <a:pPr marL="0" indent="0">
-              <a:buFont typeface="Arial" panose="020B0604020202020204" pitchFamily="34" charset="0"/>
-              <a:buNone/>
-            </a:pPr>
-            <a:r>
-              <a:rPr lang="en-GB" altLang="en-US" sz="2800" b="1" dirty="0"/>
-              <a:t>Johnny Lin</a:t>
-            </a:r>
-            <a:r>
-              <a:rPr lang="en-GB" altLang="en-US" sz="2800" dirty="0"/>
-              <a:t> wrote a great python/atmospheric science book with exercises, examples, presentations, books etc.</a:t>
-            </a:r>
-          </a:p>
-          <a:p>
-            <a:pPr marL="0" indent="0">
-              <a:buFont typeface="Arial" panose="020B0604020202020204" pitchFamily="34" charset="0"/>
-              <a:buNone/>
-            </a:pPr>
-            <a:r>
-              <a:rPr lang="en-GB" altLang="en-US" sz="2800" dirty="0"/>
-              <a:t>It is Python 2 however.</a:t>
-            </a:r>
-          </a:p>
-          <a:p>
-            <a:pPr marL="0" indent="0">
-              <a:buFont typeface="Arial" panose="020B0604020202020204" pitchFamily="34" charset="0"/>
-              <a:buNone/>
-            </a:pPr>
-            <a:endParaRPr lang="en-GB" altLang="en-US" sz="2800" dirty="0">
-              <a:cs typeface="Courier New" panose="02070309020205020404" pitchFamily="49" charset="0"/>
-            </a:endParaRPr>
-          </a:p>
-          <a:p>
-            <a:pPr marL="0" indent="0">
-              <a:buFont typeface="Arial" panose="020B0604020202020204" pitchFamily="34" charset="0"/>
-              <a:buNone/>
-            </a:pPr>
-            <a:r>
-              <a:rPr lang="en-GB" altLang="en-US" sz="2800" dirty="0">
-                <a:cs typeface="Courier New" panose="02070309020205020404" pitchFamily="49" charset="0"/>
-              </a:rPr>
-              <a:t>Much of this is borrowed </a:t>
-            </a:r>
-            <a:br>
-              <a:rPr lang="en-GB" altLang="en-US" sz="2800" dirty="0">
-                <a:cs typeface="Courier New" panose="02070309020205020404" pitchFamily="49" charset="0"/>
-              </a:rPr>
-            </a:br>
-            <a:r>
-              <a:rPr lang="en-GB" altLang="en-US" sz="2800" dirty="0">
-                <a:cs typeface="Courier New" panose="02070309020205020404" pitchFamily="49" charset="0"/>
-              </a:rPr>
-              <a:t>from...</a:t>
-            </a:r>
-            <a:endParaRPr lang="en-GB" altLang="en-US" sz="2800" dirty="0"/>
-          </a:p>
-        </p:txBody>
-      </p:sp>
-      <p:sp>
-        <p:nvSpPr>
-          <p:cNvPr id="9220" name="AutoShape 5" descr="http://static.lulu.com/browse/product_thumbnail.php?productId=20343907&amp;resolution=320"/>
-          <p:cNvSpPr>
-            <a:spLocks noChangeAspect="1" noChangeArrowheads="1"/>
-          </p:cNvSpPr>
-          <p:nvPr/>
-        </p:nvSpPr>
-        <p:spPr bwMode="auto">
-          <a:xfrm>
-            <a:off x="63500" y="-136525"/>
-            <a:ext cx="304800" cy="304800"/>
-          </a:xfrm>
-          <a:prstGeom prst="rect">
-            <a:avLst/>
-          </a:prstGeom>
-          <a:noFill/>
-          <a:ln>
-            <a:noFill/>
-          </a:ln>
-          <a:extLst>
-            <a:ext uri="{909E8E84-426E-40DD-AFC4-6F175D3DCCD1}">
-              <a14:hiddenFill xmlns:a14="http://schemas.microsoft.com/office/drawing/2010/main">
-                <a:solidFill>
-                  <a:srgbClr val="FFFFFF"/>
-                </a:solidFill>
-              </a14:hiddenFill>
-            </a:ext>
-            <a:ext uri="{91240B29-F687-4F45-9708-019B960494DF}">
-              <a14:hiddenLine xmlns:a14="http://schemas.microsoft.com/office/drawing/2010/main" w="9525">
-                <a:solidFill>
-                  <a:srgbClr val="000000"/>
-                </a:solidFill>
-                <a:miter lim="800000"/>
-                <a:headEnd/>
-                <a:tailEnd/>
-              </a14:hiddenLine>
-            </a:ext>
-          </a:extLst>
-        </p:spPr>
-        <p:txBody>
-          <a:bodyPr/>
-          <a:lstStyle>
-            <a:lvl1pPr>
-              <a:lnSpc>
-                <a:spcPct val="90000"/>
-              </a:lnSpc>
-              <a:spcBef>
-                <a:spcPts val="1000"/>
-              </a:spcBef>
-              <a:buFont typeface="Arial" panose="020B0604020202020204" pitchFamily="34" charset="0"/>
-              <a:buChar char="•"/>
-              <a:defRPr sz="2400">
-                <a:solidFill>
-                  <a:schemeClr val="tx1"/>
-                </a:solidFill>
-                <a:latin typeface="Calibri" panose="020F0502020204030204" pitchFamily="34" charset="0"/>
-              </a:defRPr>
-            </a:lvl1pPr>
-            <a:lvl2pPr marL="742950" indent="-285750">
-              <a:lnSpc>
-                <a:spcPct val="90000"/>
-              </a:lnSpc>
-              <a:spcBef>
-                <a:spcPts val="500"/>
-              </a:spcBef>
-              <a:buFont typeface="Arial" panose="020B0604020202020204" pitchFamily="34" charset="0"/>
-              <a:buChar char="•"/>
-              <a:defRPr sz="2000">
-                <a:solidFill>
-                  <a:schemeClr val="tx1"/>
-                </a:solidFill>
-                <a:latin typeface="Calibri" panose="020F0502020204030204" pitchFamily="34" charset="0"/>
-              </a:defRPr>
-            </a:lvl2pPr>
-            <a:lvl3pPr marL="1143000" indent="-228600">
-              <a:lnSpc>
-                <a:spcPct val="90000"/>
-              </a:lnSpc>
-              <a:spcBef>
-                <a:spcPts val="500"/>
-              </a:spcBef>
-              <a:buFont typeface="Arial" panose="020B0604020202020204" pitchFamily="34" charset="0"/>
-              <a:buChar char="•"/>
-              <a:defRPr>
-                <a:solidFill>
-                  <a:schemeClr val="tx1"/>
-                </a:solidFill>
-                <a:latin typeface="Calibri" panose="020F0502020204030204" pitchFamily="34" charset="0"/>
-              </a:defRPr>
-            </a:lvl3pPr>
-            <a:lvl4pPr marL="1600200" indent="-228600">
-              <a:lnSpc>
-                <a:spcPct val="90000"/>
-              </a:lnSpc>
-              <a:spcBef>
-                <a:spcPts val="500"/>
-              </a:spcBef>
-              <a:buFont typeface="Arial" panose="020B0604020202020204" pitchFamily="34" charset="0"/>
-              <a:buChar char="•"/>
-              <a:defRPr sz="1600">
-                <a:solidFill>
-                  <a:schemeClr val="tx1"/>
-                </a:solidFill>
-                <a:latin typeface="Calibri" panose="020F0502020204030204" pitchFamily="34" charset="0"/>
-              </a:defRPr>
-            </a:lvl4pPr>
-            <a:lvl5pPr marL="2057400" indent="-228600">
-              <a:lnSpc>
-                <a:spcPct val="90000"/>
-              </a:lnSpc>
-              <a:spcBef>
-                <a:spcPts val="500"/>
-              </a:spcBef>
-              <a:buFont typeface="Arial" panose="020B0604020202020204" pitchFamily="34" charset="0"/>
-              <a:buChar char="•"/>
-              <a:defRPr sz="1600">
-                <a:solidFill>
-                  <a:schemeClr val="tx1"/>
-                </a:solidFill>
-                <a:latin typeface="Calibri" panose="020F0502020204030204" pitchFamily="34" charset="0"/>
-              </a:defRPr>
-            </a:lvl5pPr>
-            <a:lvl6pPr marL="2514600" indent="-228600" fontAlgn="base">
-              <a:lnSpc>
-                <a:spcPct val="90000"/>
-              </a:lnSpc>
-              <a:spcBef>
-                <a:spcPts val="500"/>
-              </a:spcBef>
-              <a:spcAft>
-                <a:spcPct val="0"/>
-              </a:spcAft>
-              <a:buFont typeface="Arial" panose="020B0604020202020204" pitchFamily="34" charset="0"/>
-              <a:buChar char="•"/>
-              <a:defRPr sz="1600">
-                <a:solidFill>
-                  <a:schemeClr val="tx1"/>
-                </a:solidFill>
-                <a:latin typeface="Calibri" panose="020F0502020204030204" pitchFamily="34" charset="0"/>
-              </a:defRPr>
-            </a:lvl6pPr>
-            <a:lvl7pPr marL="2971800" indent="-228600" fontAlgn="base">
-              <a:lnSpc>
-                <a:spcPct val="90000"/>
-              </a:lnSpc>
-              <a:spcBef>
-                <a:spcPts val="500"/>
-              </a:spcBef>
-              <a:spcAft>
-                <a:spcPct val="0"/>
-              </a:spcAft>
-              <a:buFont typeface="Arial" panose="020B0604020202020204" pitchFamily="34" charset="0"/>
-              <a:buChar char="•"/>
-              <a:defRPr sz="1600">
-                <a:solidFill>
-                  <a:schemeClr val="tx1"/>
-                </a:solidFill>
-                <a:latin typeface="Calibri" panose="020F0502020204030204" pitchFamily="34" charset="0"/>
-              </a:defRPr>
-            </a:lvl7pPr>
-            <a:lvl8pPr marL="3429000" indent="-228600" fontAlgn="base">
-              <a:lnSpc>
-                <a:spcPct val="90000"/>
-              </a:lnSpc>
-              <a:spcBef>
-                <a:spcPts val="500"/>
-              </a:spcBef>
-              <a:spcAft>
-                <a:spcPct val="0"/>
-              </a:spcAft>
-              <a:buFont typeface="Arial" panose="020B0604020202020204" pitchFamily="34" charset="0"/>
-              <a:buChar char="•"/>
-              <a:defRPr sz="1600">
-                <a:solidFill>
-                  <a:schemeClr val="tx1"/>
-                </a:solidFill>
-                <a:latin typeface="Calibri" panose="020F0502020204030204" pitchFamily="34" charset="0"/>
-              </a:defRPr>
-            </a:lvl8pPr>
-            <a:lvl9pPr marL="3886200" indent="-228600" fontAlgn="base">
-              <a:lnSpc>
-                <a:spcPct val="90000"/>
-              </a:lnSpc>
-              <a:spcBef>
-                <a:spcPts val="500"/>
-              </a:spcBef>
-              <a:spcAft>
-                <a:spcPct val="0"/>
-              </a:spcAft>
-              <a:buFont typeface="Arial" panose="020B0604020202020204" pitchFamily="34" charset="0"/>
-              <a:buChar char="•"/>
-              <a:defRPr sz="1600">
-                <a:solidFill>
-                  <a:schemeClr val="tx1"/>
-                </a:solidFill>
-                <a:latin typeface="Calibri" panose="020F0502020204030204" pitchFamily="34" charset="0"/>
-              </a:defRPr>
-            </a:lvl9pPr>
-          </a:lstStyle>
-          <a:p>
-            <a:pPr eaLnBrk="1" hangingPunct="1">
-              <a:lnSpc>
-                <a:spcPct val="100000"/>
-              </a:lnSpc>
-              <a:spcBef>
-                <a:spcPct val="0"/>
-              </a:spcBef>
-              <a:buFontTx/>
-              <a:buNone/>
-            </a:pPr>
-            <a:endParaRPr lang="en-GB" altLang="en-US" sz="1800">
-              <a:cs typeface="Calibri" panose="020F0502020204030204" pitchFamily="34" charset="0"/>
-            </a:endParaRPr>
-          </a:p>
-        </p:txBody>
-      </p:sp>
-      <p:pic>
-        <p:nvPicPr>
-          <p:cNvPr id="9221" name="Picture 2"/>
-          <p:cNvPicPr>
-            <a:picLocks noChangeAspect="1"/>
-          </p:cNvPicPr>
-          <p:nvPr/>
-        </p:nvPicPr>
-        <p:blipFill>
-          <a:blip r:embed="rId2">
-            <a:extLst>
-              <a:ext uri="{28A0092B-C50C-407E-A947-70E740481C1C}">
-                <a14:useLocalDpi xmlns:a14="http://schemas.microsoft.com/office/drawing/2010/main" val="0"/>
-              </a:ext>
-            </a:extLst>
-          </a:blip>
-          <a:srcRect/>
-          <a:stretch>
-            <a:fillRect/>
-          </a:stretch>
-        </p:blipFill>
-        <p:spPr bwMode="auto">
-          <a:xfrm>
-            <a:off x="5940425" y="1484313"/>
-            <a:ext cx="2908300" cy="3783012"/>
-          </a:xfrm>
-          <a:prstGeom prst="rect">
-            <a:avLst/>
-          </a:prstGeom>
-          <a:noFill/>
-          <a:ln>
-            <a:noFill/>
-          </a:ln>
-          <a:extLst>
-            <a:ext uri="{909E8E84-426E-40DD-AFC4-6F175D3DCCD1}">
-              <a14:hiddenFill xmlns:a14="http://schemas.microsoft.com/office/drawing/2010/main">
-                <a:solidFill>
-                  <a:srgbClr val="FFFFFF"/>
-                </a:solidFill>
-              </a14:hiddenFill>
-            </a:ext>
-            <a:ext uri="{91240B29-F687-4F45-9708-019B960494DF}">
-              <a14:hiddenLine xmlns:a14="http://schemas.microsoft.com/office/drawing/2010/main" w="9525">
-                <a:solidFill>
-                  <a:srgbClr val="000000"/>
-                </a:solidFill>
-                <a:miter lim="800000"/>
-                <a:headEnd/>
-                <a:tailEnd/>
-              </a14:hiddenLine>
-            </a:ext>
-          </a:extLst>
-        </p:spPr>
-      </p:pic>
-      <p:sp>
-        <p:nvSpPr>
-          <p:cNvPr id="9222" name="Content Placeholder 2"/>
-          <p:cNvSpPr txBox="1">
-            <a:spLocks/>
-          </p:cNvSpPr>
-          <p:nvPr/>
-        </p:nvSpPr>
-        <p:spPr bwMode="auto">
-          <a:xfrm>
-            <a:off x="219075" y="5373688"/>
-            <a:ext cx="8175625" cy="884237"/>
-          </a:xfrm>
-          <a:prstGeom prst="rect">
-            <a:avLst/>
-          </a:prstGeom>
-          <a:noFill/>
-          <a:ln>
-            <a:noFill/>
-          </a:ln>
-          <a:extLst>
-            <a:ext uri="{909E8E84-426E-40DD-AFC4-6F175D3DCCD1}">
-              <a14:hiddenFill xmlns:a14="http://schemas.microsoft.com/office/drawing/2010/main">
-                <a:solidFill>
-                  <a:srgbClr val="FFFFFF"/>
-                </a:solidFill>
-              </a14:hiddenFill>
-            </a:ext>
-            <a:ext uri="{91240B29-F687-4F45-9708-019B960494DF}">
-              <a14:hiddenLine xmlns:a14="http://schemas.microsoft.com/office/drawing/2010/main" w="9525">
-                <a:solidFill>
-                  <a:srgbClr val="000000"/>
-                </a:solidFill>
-                <a:miter lim="800000"/>
-                <a:headEnd/>
-                <a:tailEnd/>
-              </a14:hiddenLine>
-            </a:ext>
-          </a:extLst>
-        </p:spPr>
-        <p:txBody>
-          <a:bodyPr/>
-          <a:lstStyle>
-            <a:lvl1pPr marL="342900" indent="-342900">
-              <a:lnSpc>
-                <a:spcPct val="90000"/>
-              </a:lnSpc>
-              <a:spcBef>
-                <a:spcPts val="1000"/>
-              </a:spcBef>
-              <a:buFont typeface="Arial" panose="020B0604020202020204" pitchFamily="34" charset="0"/>
-              <a:buChar char="•"/>
-              <a:defRPr sz="2400">
-                <a:solidFill>
-                  <a:schemeClr val="tx1"/>
-                </a:solidFill>
-                <a:latin typeface="Calibri" panose="020F0502020204030204" pitchFamily="34" charset="0"/>
-              </a:defRPr>
-            </a:lvl1pPr>
-            <a:lvl2pPr marL="742950" indent="-285750">
-              <a:lnSpc>
-                <a:spcPct val="90000"/>
-              </a:lnSpc>
-              <a:spcBef>
-                <a:spcPts val="500"/>
-              </a:spcBef>
-              <a:buFont typeface="Arial" panose="020B0604020202020204" pitchFamily="34" charset="0"/>
-              <a:buChar char="•"/>
-              <a:defRPr sz="2000">
-                <a:solidFill>
-                  <a:schemeClr val="tx1"/>
-                </a:solidFill>
-                <a:latin typeface="Calibri" panose="020F0502020204030204" pitchFamily="34" charset="0"/>
-              </a:defRPr>
-            </a:lvl2pPr>
-            <a:lvl3pPr marL="1143000" indent="-228600">
-              <a:lnSpc>
-                <a:spcPct val="90000"/>
-              </a:lnSpc>
-              <a:spcBef>
-                <a:spcPts val="500"/>
-              </a:spcBef>
-              <a:buFont typeface="Arial" panose="020B0604020202020204" pitchFamily="34" charset="0"/>
-              <a:buChar char="•"/>
-              <a:defRPr>
-                <a:solidFill>
-                  <a:schemeClr val="tx1"/>
-                </a:solidFill>
-                <a:latin typeface="Calibri" panose="020F0502020204030204" pitchFamily="34" charset="0"/>
-              </a:defRPr>
-            </a:lvl3pPr>
-            <a:lvl4pPr marL="1600200" indent="-228600">
-              <a:lnSpc>
-                <a:spcPct val="90000"/>
-              </a:lnSpc>
-              <a:spcBef>
-                <a:spcPts val="500"/>
-              </a:spcBef>
-              <a:buFont typeface="Arial" panose="020B0604020202020204" pitchFamily="34" charset="0"/>
-              <a:buChar char="•"/>
-              <a:defRPr sz="1600">
-                <a:solidFill>
-                  <a:schemeClr val="tx1"/>
-                </a:solidFill>
-                <a:latin typeface="Calibri" panose="020F0502020204030204" pitchFamily="34" charset="0"/>
-              </a:defRPr>
-            </a:lvl4pPr>
-            <a:lvl5pPr marL="2057400" indent="-228600">
-              <a:lnSpc>
-                <a:spcPct val="90000"/>
-              </a:lnSpc>
-              <a:spcBef>
-                <a:spcPts val="500"/>
-              </a:spcBef>
-              <a:buFont typeface="Arial" panose="020B0604020202020204" pitchFamily="34" charset="0"/>
-              <a:buChar char="•"/>
-              <a:defRPr sz="1600">
-                <a:solidFill>
-                  <a:schemeClr val="tx1"/>
-                </a:solidFill>
-                <a:latin typeface="Calibri" panose="020F0502020204030204" pitchFamily="34" charset="0"/>
-              </a:defRPr>
-            </a:lvl5pPr>
-            <a:lvl6pPr marL="2514600" indent="-228600" fontAlgn="base">
-              <a:lnSpc>
-                <a:spcPct val="90000"/>
-              </a:lnSpc>
-              <a:spcBef>
-                <a:spcPts val="500"/>
-              </a:spcBef>
-              <a:spcAft>
-                <a:spcPct val="0"/>
-              </a:spcAft>
-              <a:buFont typeface="Arial" panose="020B0604020202020204" pitchFamily="34" charset="0"/>
-              <a:buChar char="•"/>
-              <a:defRPr sz="1600">
-                <a:solidFill>
-                  <a:schemeClr val="tx1"/>
-                </a:solidFill>
-                <a:latin typeface="Calibri" panose="020F0502020204030204" pitchFamily="34" charset="0"/>
-              </a:defRPr>
-            </a:lvl6pPr>
-            <a:lvl7pPr marL="2971800" indent="-228600" fontAlgn="base">
-              <a:lnSpc>
-                <a:spcPct val="90000"/>
-              </a:lnSpc>
-              <a:spcBef>
-                <a:spcPts val="500"/>
-              </a:spcBef>
-              <a:spcAft>
-                <a:spcPct val="0"/>
-              </a:spcAft>
-              <a:buFont typeface="Arial" panose="020B0604020202020204" pitchFamily="34" charset="0"/>
-              <a:buChar char="•"/>
-              <a:defRPr sz="1600">
-                <a:solidFill>
-                  <a:schemeClr val="tx1"/>
-                </a:solidFill>
-                <a:latin typeface="Calibri" panose="020F0502020204030204" pitchFamily="34" charset="0"/>
-              </a:defRPr>
-            </a:lvl7pPr>
-            <a:lvl8pPr marL="3429000" indent="-228600" fontAlgn="base">
-              <a:lnSpc>
-                <a:spcPct val="90000"/>
-              </a:lnSpc>
-              <a:spcBef>
-                <a:spcPts val="500"/>
-              </a:spcBef>
-              <a:spcAft>
-                <a:spcPct val="0"/>
-              </a:spcAft>
-              <a:buFont typeface="Arial" panose="020B0604020202020204" pitchFamily="34" charset="0"/>
-              <a:buChar char="•"/>
-              <a:defRPr sz="1600">
-                <a:solidFill>
-                  <a:schemeClr val="tx1"/>
-                </a:solidFill>
-                <a:latin typeface="Calibri" panose="020F0502020204030204" pitchFamily="34" charset="0"/>
-              </a:defRPr>
-            </a:lvl8pPr>
-            <a:lvl9pPr marL="3886200" indent="-228600" fontAlgn="base">
-              <a:lnSpc>
-                <a:spcPct val="90000"/>
-              </a:lnSpc>
-              <a:spcBef>
-                <a:spcPts val="500"/>
-              </a:spcBef>
-              <a:spcAft>
-                <a:spcPct val="0"/>
-              </a:spcAft>
-              <a:buFont typeface="Arial" panose="020B0604020202020204" pitchFamily="34" charset="0"/>
-              <a:buChar char="•"/>
-              <a:defRPr sz="1600">
-                <a:solidFill>
-                  <a:schemeClr val="tx1"/>
-                </a:solidFill>
-                <a:latin typeface="Calibri" panose="020F0502020204030204" pitchFamily="34" charset="0"/>
-              </a:defRPr>
-            </a:lvl9pPr>
-          </a:lstStyle>
-          <a:p>
-            <a:pPr eaLnBrk="1" hangingPunct="1">
-              <a:lnSpc>
-                <a:spcPct val="100000"/>
-              </a:lnSpc>
-              <a:spcBef>
-                <a:spcPct val="20000"/>
-              </a:spcBef>
-              <a:buNone/>
-            </a:pPr>
-            <a:r>
-              <a:rPr lang="en-GB" altLang="en-US" sz="3200" dirty="0">
-                <a:cs typeface="Calibri" panose="020F0502020204030204" pitchFamily="34" charset="0"/>
-                <a:hlinkClick r:id="rId3"/>
-              </a:rPr>
-              <a:t>https://www.johnny-lin.com/pyintro/</a:t>
-            </a:r>
-            <a:endParaRPr lang="en-GB" altLang="en-US" sz="3200" dirty="0">
-              <a:cs typeface="Calibri" panose="020F0502020204030204" pitchFamily="34" charset="0"/>
-            </a:endParaRPr>
-          </a:p>
-        </p:txBody>
-      </p:sp>
-    </p:spTree>
-  </p:cSld>
-  <p:clrMapOvr>
-    <a:masterClrMapping/>
-  </p:clrMapOvr>
-</p:sld>
-</file>
-
-<file path=ppt/slides/slide20.xml><?xml version="1.0" encoding="utf-8"?>
+<file path=ppt/slides/slide19.xml><?xml version="1.0" encoding="utf-8"?>
 <p:sld xmlns:a="http://schemas.openxmlformats.org/drawingml/2006/main" xmlns:r="http://schemas.openxmlformats.org/officeDocument/2006/relationships" xmlns:p="http://schemas.openxmlformats.org/presentationml/2006/main">
   <p:cSld>
     <p:spTree>
@@ -11799,7 +10853,626 @@
 </p:sld>
 </file>
 
-<file path=ppt/slides/slide21.xml><?xml version="1.0" encoding="utf-8"?>
+<file path=ppt/slides/slide2.xml><?xml version="1.0" encoding="utf-8"?>
+<p:sld xmlns:a="http://schemas.openxmlformats.org/drawingml/2006/main" xmlns:r="http://schemas.openxmlformats.org/officeDocument/2006/relationships" xmlns:p="http://schemas.openxmlformats.org/presentationml/2006/main">
+  <p:cSld>
+    <p:spTree>
+      <p:nvGrpSpPr>
+        <p:cNvPr id="1" name=""/>
+        <p:cNvGrpSpPr/>
+        <p:nvPr/>
+      </p:nvGrpSpPr>
+      <p:grpSpPr>
+        <a:xfrm>
+          <a:off x="0" y="0"/>
+          <a:ext cx="0" cy="0"/>
+          <a:chOff x="0" y="0"/>
+          <a:chExt cx="0" cy="0"/>
+        </a:xfrm>
+      </p:grpSpPr>
+      <p:sp>
+        <p:nvSpPr>
+          <p:cNvPr id="9218" name="Title 1"/>
+          <p:cNvSpPr>
+            <a:spLocks noGrp="1"/>
+          </p:cNvSpPr>
+          <p:nvPr>
+            <p:ph type="title"/>
+          </p:nvPr>
+        </p:nvSpPr>
+        <p:spPr/>
+        <p:txBody>
+          <a:bodyPr/>
+          <a:lstStyle/>
+          <a:p>
+            <a:r>
+              <a:rPr lang="en-GB" altLang="en-US" b="1"/>
+              <a:t>With special thanks to…</a:t>
+            </a:r>
+          </a:p>
+        </p:txBody>
+      </p:sp>
+      <p:sp>
+        <p:nvSpPr>
+          <p:cNvPr id="9219" name="Content Placeholder 2"/>
+          <p:cNvSpPr>
+            <a:spLocks noGrp="1"/>
+          </p:cNvSpPr>
+          <p:nvPr>
+            <p:ph idx="1"/>
+          </p:nvPr>
+        </p:nvSpPr>
+        <p:spPr>
+          <a:xfrm>
+            <a:off x="457200" y="1600200"/>
+            <a:ext cx="5627688" cy="4525963"/>
+          </a:xfrm>
+        </p:spPr>
+        <p:txBody>
+          <a:bodyPr/>
+          <a:lstStyle/>
+          <a:p>
+            <a:pPr marL="0" indent="0">
+              <a:buFont typeface="Arial" panose="020B0604020202020204" pitchFamily="34" charset="0"/>
+              <a:buNone/>
+            </a:pPr>
+            <a:r>
+              <a:rPr lang="en-GB" altLang="en-US" sz="2800" b="1" dirty="0"/>
+              <a:t>Johnny Lin</a:t>
+            </a:r>
+            <a:r>
+              <a:rPr lang="en-GB" altLang="en-US" sz="2800" dirty="0"/>
+              <a:t> wrote a great python/atmospheric science book with exercises, examples, presentations, books etc.</a:t>
+            </a:r>
+          </a:p>
+          <a:p>
+            <a:pPr marL="0" indent="0">
+              <a:buFont typeface="Arial" panose="020B0604020202020204" pitchFamily="34" charset="0"/>
+              <a:buNone/>
+            </a:pPr>
+            <a:r>
+              <a:rPr lang="en-GB" altLang="en-US" sz="2800" dirty="0"/>
+              <a:t>It is Python 2 however.</a:t>
+            </a:r>
+          </a:p>
+          <a:p>
+            <a:pPr marL="0" indent="0">
+              <a:buFont typeface="Arial" panose="020B0604020202020204" pitchFamily="34" charset="0"/>
+              <a:buNone/>
+            </a:pPr>
+            <a:endParaRPr lang="en-GB" altLang="en-US" sz="2800" dirty="0">
+              <a:cs typeface="Courier New" panose="02070309020205020404" pitchFamily="49" charset="0"/>
+            </a:endParaRPr>
+          </a:p>
+          <a:p>
+            <a:pPr marL="0" indent="0">
+              <a:buFont typeface="Arial" panose="020B0604020202020204" pitchFamily="34" charset="0"/>
+              <a:buNone/>
+            </a:pPr>
+            <a:r>
+              <a:rPr lang="en-GB" altLang="en-US" sz="2800" dirty="0">
+                <a:cs typeface="Courier New" panose="02070309020205020404" pitchFamily="49" charset="0"/>
+              </a:rPr>
+              <a:t>Much of this is borrowed </a:t>
+            </a:r>
+            <a:br>
+              <a:rPr lang="en-GB" altLang="en-US" sz="2800" dirty="0">
+                <a:cs typeface="Courier New" panose="02070309020205020404" pitchFamily="49" charset="0"/>
+              </a:rPr>
+            </a:br>
+            <a:r>
+              <a:rPr lang="en-GB" altLang="en-US" sz="2800" dirty="0">
+                <a:cs typeface="Courier New" panose="02070309020205020404" pitchFamily="49" charset="0"/>
+              </a:rPr>
+              <a:t>from...</a:t>
+            </a:r>
+            <a:endParaRPr lang="en-GB" altLang="en-US" sz="2800" dirty="0"/>
+          </a:p>
+        </p:txBody>
+      </p:sp>
+      <p:sp>
+        <p:nvSpPr>
+          <p:cNvPr id="9220" name="AutoShape 5" descr="http://static.lulu.com/browse/product_thumbnail.php?productId=20343907&amp;resolution=320"/>
+          <p:cNvSpPr>
+            <a:spLocks noChangeAspect="1" noChangeArrowheads="1"/>
+          </p:cNvSpPr>
+          <p:nvPr/>
+        </p:nvSpPr>
+        <p:spPr bwMode="auto">
+          <a:xfrm>
+            <a:off x="63500" y="-136525"/>
+            <a:ext cx="304800" cy="304800"/>
+          </a:xfrm>
+          <a:prstGeom prst="rect">
+            <a:avLst/>
+          </a:prstGeom>
+          <a:noFill/>
+          <a:ln>
+            <a:noFill/>
+          </a:ln>
+          <a:extLst>
+            <a:ext uri="{909E8E84-426E-40DD-AFC4-6F175D3DCCD1}">
+              <a14:hiddenFill xmlns:a14="http://schemas.microsoft.com/office/drawing/2010/main">
+                <a:solidFill>
+                  <a:srgbClr val="FFFFFF"/>
+                </a:solidFill>
+              </a14:hiddenFill>
+            </a:ext>
+            <a:ext uri="{91240B29-F687-4F45-9708-019B960494DF}">
+              <a14:hiddenLine xmlns:a14="http://schemas.microsoft.com/office/drawing/2010/main" w="9525">
+                <a:solidFill>
+                  <a:srgbClr val="000000"/>
+                </a:solidFill>
+                <a:miter lim="800000"/>
+                <a:headEnd/>
+                <a:tailEnd/>
+              </a14:hiddenLine>
+            </a:ext>
+          </a:extLst>
+        </p:spPr>
+        <p:txBody>
+          <a:bodyPr/>
+          <a:lstStyle>
+            <a:lvl1pPr>
+              <a:lnSpc>
+                <a:spcPct val="90000"/>
+              </a:lnSpc>
+              <a:spcBef>
+                <a:spcPts val="1000"/>
+              </a:spcBef>
+              <a:buFont typeface="Arial" panose="020B0604020202020204" pitchFamily="34" charset="0"/>
+              <a:buChar char="•"/>
+              <a:defRPr sz="2400">
+                <a:solidFill>
+                  <a:schemeClr val="tx1"/>
+                </a:solidFill>
+                <a:latin typeface="Calibri" panose="020F0502020204030204" pitchFamily="34" charset="0"/>
+              </a:defRPr>
+            </a:lvl1pPr>
+            <a:lvl2pPr marL="742950" indent="-285750">
+              <a:lnSpc>
+                <a:spcPct val="90000"/>
+              </a:lnSpc>
+              <a:spcBef>
+                <a:spcPts val="500"/>
+              </a:spcBef>
+              <a:buFont typeface="Arial" panose="020B0604020202020204" pitchFamily="34" charset="0"/>
+              <a:buChar char="•"/>
+              <a:defRPr sz="2000">
+                <a:solidFill>
+                  <a:schemeClr val="tx1"/>
+                </a:solidFill>
+                <a:latin typeface="Calibri" panose="020F0502020204030204" pitchFamily="34" charset="0"/>
+              </a:defRPr>
+            </a:lvl2pPr>
+            <a:lvl3pPr marL="1143000" indent="-228600">
+              <a:lnSpc>
+                <a:spcPct val="90000"/>
+              </a:lnSpc>
+              <a:spcBef>
+                <a:spcPts val="500"/>
+              </a:spcBef>
+              <a:buFont typeface="Arial" panose="020B0604020202020204" pitchFamily="34" charset="0"/>
+              <a:buChar char="•"/>
+              <a:defRPr>
+                <a:solidFill>
+                  <a:schemeClr val="tx1"/>
+                </a:solidFill>
+                <a:latin typeface="Calibri" panose="020F0502020204030204" pitchFamily="34" charset="0"/>
+              </a:defRPr>
+            </a:lvl3pPr>
+            <a:lvl4pPr marL="1600200" indent="-228600">
+              <a:lnSpc>
+                <a:spcPct val="90000"/>
+              </a:lnSpc>
+              <a:spcBef>
+                <a:spcPts val="500"/>
+              </a:spcBef>
+              <a:buFont typeface="Arial" panose="020B0604020202020204" pitchFamily="34" charset="0"/>
+              <a:buChar char="•"/>
+              <a:defRPr sz="1600">
+                <a:solidFill>
+                  <a:schemeClr val="tx1"/>
+                </a:solidFill>
+                <a:latin typeface="Calibri" panose="020F0502020204030204" pitchFamily="34" charset="0"/>
+              </a:defRPr>
+            </a:lvl4pPr>
+            <a:lvl5pPr marL="2057400" indent="-228600">
+              <a:lnSpc>
+                <a:spcPct val="90000"/>
+              </a:lnSpc>
+              <a:spcBef>
+                <a:spcPts val="500"/>
+              </a:spcBef>
+              <a:buFont typeface="Arial" panose="020B0604020202020204" pitchFamily="34" charset="0"/>
+              <a:buChar char="•"/>
+              <a:defRPr sz="1600">
+                <a:solidFill>
+                  <a:schemeClr val="tx1"/>
+                </a:solidFill>
+                <a:latin typeface="Calibri" panose="020F0502020204030204" pitchFamily="34" charset="0"/>
+              </a:defRPr>
+            </a:lvl5pPr>
+            <a:lvl6pPr marL="2514600" indent="-228600" fontAlgn="base">
+              <a:lnSpc>
+                <a:spcPct val="90000"/>
+              </a:lnSpc>
+              <a:spcBef>
+                <a:spcPts val="500"/>
+              </a:spcBef>
+              <a:spcAft>
+                <a:spcPct val="0"/>
+              </a:spcAft>
+              <a:buFont typeface="Arial" panose="020B0604020202020204" pitchFamily="34" charset="0"/>
+              <a:buChar char="•"/>
+              <a:defRPr sz="1600">
+                <a:solidFill>
+                  <a:schemeClr val="tx1"/>
+                </a:solidFill>
+                <a:latin typeface="Calibri" panose="020F0502020204030204" pitchFamily="34" charset="0"/>
+              </a:defRPr>
+            </a:lvl6pPr>
+            <a:lvl7pPr marL="2971800" indent="-228600" fontAlgn="base">
+              <a:lnSpc>
+                <a:spcPct val="90000"/>
+              </a:lnSpc>
+              <a:spcBef>
+                <a:spcPts val="500"/>
+              </a:spcBef>
+              <a:spcAft>
+                <a:spcPct val="0"/>
+              </a:spcAft>
+              <a:buFont typeface="Arial" panose="020B0604020202020204" pitchFamily="34" charset="0"/>
+              <a:buChar char="•"/>
+              <a:defRPr sz="1600">
+                <a:solidFill>
+                  <a:schemeClr val="tx1"/>
+                </a:solidFill>
+                <a:latin typeface="Calibri" panose="020F0502020204030204" pitchFamily="34" charset="0"/>
+              </a:defRPr>
+            </a:lvl7pPr>
+            <a:lvl8pPr marL="3429000" indent="-228600" fontAlgn="base">
+              <a:lnSpc>
+                <a:spcPct val="90000"/>
+              </a:lnSpc>
+              <a:spcBef>
+                <a:spcPts val="500"/>
+              </a:spcBef>
+              <a:spcAft>
+                <a:spcPct val="0"/>
+              </a:spcAft>
+              <a:buFont typeface="Arial" panose="020B0604020202020204" pitchFamily="34" charset="0"/>
+              <a:buChar char="•"/>
+              <a:defRPr sz="1600">
+                <a:solidFill>
+                  <a:schemeClr val="tx1"/>
+                </a:solidFill>
+                <a:latin typeface="Calibri" panose="020F0502020204030204" pitchFamily="34" charset="0"/>
+              </a:defRPr>
+            </a:lvl8pPr>
+            <a:lvl9pPr marL="3886200" indent="-228600" fontAlgn="base">
+              <a:lnSpc>
+                <a:spcPct val="90000"/>
+              </a:lnSpc>
+              <a:spcBef>
+                <a:spcPts val="500"/>
+              </a:spcBef>
+              <a:spcAft>
+                <a:spcPct val="0"/>
+              </a:spcAft>
+              <a:buFont typeface="Arial" panose="020B0604020202020204" pitchFamily="34" charset="0"/>
+              <a:buChar char="•"/>
+              <a:defRPr sz="1600">
+                <a:solidFill>
+                  <a:schemeClr val="tx1"/>
+                </a:solidFill>
+                <a:latin typeface="Calibri" panose="020F0502020204030204" pitchFamily="34" charset="0"/>
+              </a:defRPr>
+            </a:lvl9pPr>
+          </a:lstStyle>
+          <a:p>
+            <a:pPr eaLnBrk="1" hangingPunct="1">
+              <a:lnSpc>
+                <a:spcPct val="100000"/>
+              </a:lnSpc>
+              <a:spcBef>
+                <a:spcPct val="0"/>
+              </a:spcBef>
+              <a:buFontTx/>
+              <a:buNone/>
+            </a:pPr>
+            <a:endParaRPr lang="en-GB" altLang="en-US" sz="1800">
+              <a:cs typeface="Calibri" panose="020F0502020204030204" pitchFamily="34" charset="0"/>
+            </a:endParaRPr>
+          </a:p>
+        </p:txBody>
+      </p:sp>
+      <p:pic>
+        <p:nvPicPr>
+          <p:cNvPr id="9221" name="Picture 2"/>
+          <p:cNvPicPr>
+            <a:picLocks noChangeAspect="1"/>
+          </p:cNvPicPr>
+          <p:nvPr/>
+        </p:nvPicPr>
+        <p:blipFill>
+          <a:blip r:embed="rId2">
+            <a:extLst>
+              <a:ext uri="{28A0092B-C50C-407E-A947-70E740481C1C}">
+                <a14:useLocalDpi xmlns:a14="http://schemas.microsoft.com/office/drawing/2010/main" val="0"/>
+              </a:ext>
+            </a:extLst>
+          </a:blip>
+          <a:srcRect/>
+          <a:stretch>
+            <a:fillRect/>
+          </a:stretch>
+        </p:blipFill>
+        <p:spPr bwMode="auto">
+          <a:xfrm>
+            <a:off x="5940425" y="1484313"/>
+            <a:ext cx="2908300" cy="3783012"/>
+          </a:xfrm>
+          <a:prstGeom prst="rect">
+            <a:avLst/>
+          </a:prstGeom>
+          <a:noFill/>
+          <a:ln>
+            <a:noFill/>
+          </a:ln>
+          <a:extLst>
+            <a:ext uri="{909E8E84-426E-40DD-AFC4-6F175D3DCCD1}">
+              <a14:hiddenFill xmlns:a14="http://schemas.microsoft.com/office/drawing/2010/main">
+                <a:solidFill>
+                  <a:srgbClr val="FFFFFF"/>
+                </a:solidFill>
+              </a14:hiddenFill>
+            </a:ext>
+            <a:ext uri="{91240B29-F687-4F45-9708-019B960494DF}">
+              <a14:hiddenLine xmlns:a14="http://schemas.microsoft.com/office/drawing/2010/main" w="9525">
+                <a:solidFill>
+                  <a:srgbClr val="000000"/>
+                </a:solidFill>
+                <a:miter lim="800000"/>
+                <a:headEnd/>
+                <a:tailEnd/>
+              </a14:hiddenLine>
+            </a:ext>
+          </a:extLst>
+        </p:spPr>
+      </p:pic>
+      <p:sp>
+        <p:nvSpPr>
+          <p:cNvPr id="9222" name="Content Placeholder 2"/>
+          <p:cNvSpPr txBox="1">
+            <a:spLocks/>
+          </p:cNvSpPr>
+          <p:nvPr/>
+        </p:nvSpPr>
+        <p:spPr bwMode="auto">
+          <a:xfrm>
+            <a:off x="219075" y="5373688"/>
+            <a:ext cx="8175625" cy="884237"/>
+          </a:xfrm>
+          <a:prstGeom prst="rect">
+            <a:avLst/>
+          </a:prstGeom>
+          <a:noFill/>
+          <a:ln>
+            <a:noFill/>
+          </a:ln>
+          <a:extLst>
+            <a:ext uri="{909E8E84-426E-40DD-AFC4-6F175D3DCCD1}">
+              <a14:hiddenFill xmlns:a14="http://schemas.microsoft.com/office/drawing/2010/main">
+                <a:solidFill>
+                  <a:srgbClr val="FFFFFF"/>
+                </a:solidFill>
+              </a14:hiddenFill>
+            </a:ext>
+            <a:ext uri="{91240B29-F687-4F45-9708-019B960494DF}">
+              <a14:hiddenLine xmlns:a14="http://schemas.microsoft.com/office/drawing/2010/main" w="9525">
+                <a:solidFill>
+                  <a:srgbClr val="000000"/>
+                </a:solidFill>
+                <a:miter lim="800000"/>
+                <a:headEnd/>
+                <a:tailEnd/>
+              </a14:hiddenLine>
+            </a:ext>
+          </a:extLst>
+        </p:spPr>
+        <p:txBody>
+          <a:bodyPr/>
+          <a:lstStyle>
+            <a:lvl1pPr marL="342900" indent="-342900">
+              <a:lnSpc>
+                <a:spcPct val="90000"/>
+              </a:lnSpc>
+              <a:spcBef>
+                <a:spcPts val="1000"/>
+              </a:spcBef>
+              <a:buFont typeface="Arial" panose="020B0604020202020204" pitchFamily="34" charset="0"/>
+              <a:buChar char="•"/>
+              <a:defRPr sz="2400">
+                <a:solidFill>
+                  <a:schemeClr val="tx1"/>
+                </a:solidFill>
+                <a:latin typeface="Calibri" panose="020F0502020204030204" pitchFamily="34" charset="0"/>
+              </a:defRPr>
+            </a:lvl1pPr>
+            <a:lvl2pPr marL="742950" indent="-285750">
+              <a:lnSpc>
+                <a:spcPct val="90000"/>
+              </a:lnSpc>
+              <a:spcBef>
+                <a:spcPts val="500"/>
+              </a:spcBef>
+              <a:buFont typeface="Arial" panose="020B0604020202020204" pitchFamily="34" charset="0"/>
+              <a:buChar char="•"/>
+              <a:defRPr sz="2000">
+                <a:solidFill>
+                  <a:schemeClr val="tx1"/>
+                </a:solidFill>
+                <a:latin typeface="Calibri" panose="020F0502020204030204" pitchFamily="34" charset="0"/>
+              </a:defRPr>
+            </a:lvl2pPr>
+            <a:lvl3pPr marL="1143000" indent="-228600">
+              <a:lnSpc>
+                <a:spcPct val="90000"/>
+              </a:lnSpc>
+              <a:spcBef>
+                <a:spcPts val="500"/>
+              </a:spcBef>
+              <a:buFont typeface="Arial" panose="020B0604020202020204" pitchFamily="34" charset="0"/>
+              <a:buChar char="•"/>
+              <a:defRPr>
+                <a:solidFill>
+                  <a:schemeClr val="tx1"/>
+                </a:solidFill>
+                <a:latin typeface="Calibri" panose="020F0502020204030204" pitchFamily="34" charset="0"/>
+              </a:defRPr>
+            </a:lvl3pPr>
+            <a:lvl4pPr marL="1600200" indent="-228600">
+              <a:lnSpc>
+                <a:spcPct val="90000"/>
+              </a:lnSpc>
+              <a:spcBef>
+                <a:spcPts val="500"/>
+              </a:spcBef>
+              <a:buFont typeface="Arial" panose="020B0604020202020204" pitchFamily="34" charset="0"/>
+              <a:buChar char="•"/>
+              <a:defRPr sz="1600">
+                <a:solidFill>
+                  <a:schemeClr val="tx1"/>
+                </a:solidFill>
+                <a:latin typeface="Calibri" panose="020F0502020204030204" pitchFamily="34" charset="0"/>
+              </a:defRPr>
+            </a:lvl4pPr>
+            <a:lvl5pPr marL="2057400" indent="-228600">
+              <a:lnSpc>
+                <a:spcPct val="90000"/>
+              </a:lnSpc>
+              <a:spcBef>
+                <a:spcPts val="500"/>
+              </a:spcBef>
+              <a:buFont typeface="Arial" panose="020B0604020202020204" pitchFamily="34" charset="0"/>
+              <a:buChar char="•"/>
+              <a:defRPr sz="1600">
+                <a:solidFill>
+                  <a:schemeClr val="tx1"/>
+                </a:solidFill>
+                <a:latin typeface="Calibri" panose="020F0502020204030204" pitchFamily="34" charset="0"/>
+              </a:defRPr>
+            </a:lvl5pPr>
+            <a:lvl6pPr marL="2514600" indent="-228600" fontAlgn="base">
+              <a:lnSpc>
+                <a:spcPct val="90000"/>
+              </a:lnSpc>
+              <a:spcBef>
+                <a:spcPts val="500"/>
+              </a:spcBef>
+              <a:spcAft>
+                <a:spcPct val="0"/>
+              </a:spcAft>
+              <a:buFont typeface="Arial" panose="020B0604020202020204" pitchFamily="34" charset="0"/>
+              <a:buChar char="•"/>
+              <a:defRPr sz="1600">
+                <a:solidFill>
+                  <a:schemeClr val="tx1"/>
+                </a:solidFill>
+                <a:latin typeface="Calibri" panose="020F0502020204030204" pitchFamily="34" charset="0"/>
+              </a:defRPr>
+            </a:lvl6pPr>
+            <a:lvl7pPr marL="2971800" indent="-228600" fontAlgn="base">
+              <a:lnSpc>
+                <a:spcPct val="90000"/>
+              </a:lnSpc>
+              <a:spcBef>
+                <a:spcPts val="500"/>
+              </a:spcBef>
+              <a:spcAft>
+                <a:spcPct val="0"/>
+              </a:spcAft>
+              <a:buFont typeface="Arial" panose="020B0604020202020204" pitchFamily="34" charset="0"/>
+              <a:buChar char="•"/>
+              <a:defRPr sz="1600">
+                <a:solidFill>
+                  <a:schemeClr val="tx1"/>
+                </a:solidFill>
+                <a:latin typeface="Calibri" panose="020F0502020204030204" pitchFamily="34" charset="0"/>
+              </a:defRPr>
+            </a:lvl7pPr>
+            <a:lvl8pPr marL="3429000" indent="-228600" fontAlgn="base">
+              <a:lnSpc>
+                <a:spcPct val="90000"/>
+              </a:lnSpc>
+              <a:spcBef>
+                <a:spcPts val="500"/>
+              </a:spcBef>
+              <a:spcAft>
+                <a:spcPct val="0"/>
+              </a:spcAft>
+              <a:buFont typeface="Arial" panose="020B0604020202020204" pitchFamily="34" charset="0"/>
+              <a:buChar char="•"/>
+              <a:defRPr sz="1600">
+                <a:solidFill>
+                  <a:schemeClr val="tx1"/>
+                </a:solidFill>
+                <a:latin typeface="Calibri" panose="020F0502020204030204" pitchFamily="34" charset="0"/>
+              </a:defRPr>
+            </a:lvl8pPr>
+            <a:lvl9pPr marL="3886200" indent="-228600" fontAlgn="base">
+              <a:lnSpc>
+                <a:spcPct val="90000"/>
+              </a:lnSpc>
+              <a:spcBef>
+                <a:spcPts val="500"/>
+              </a:spcBef>
+              <a:spcAft>
+                <a:spcPct val="0"/>
+              </a:spcAft>
+              <a:buFont typeface="Arial" panose="020B0604020202020204" pitchFamily="34" charset="0"/>
+              <a:buChar char="•"/>
+              <a:defRPr sz="1600">
+                <a:solidFill>
+                  <a:schemeClr val="tx1"/>
+                </a:solidFill>
+                <a:latin typeface="Calibri" panose="020F0502020204030204" pitchFamily="34" charset="0"/>
+              </a:defRPr>
+            </a:lvl9pPr>
+          </a:lstStyle>
+          <a:p>
+            <a:pPr eaLnBrk="1" hangingPunct="1">
+              <a:lnSpc>
+                <a:spcPct val="100000"/>
+              </a:lnSpc>
+              <a:spcBef>
+                <a:spcPct val="20000"/>
+              </a:spcBef>
+              <a:buNone/>
+            </a:pPr>
+            <a:r>
+              <a:rPr lang="en-GB" altLang="en-US" sz="3200" dirty="0">
+                <a:cs typeface="Calibri" panose="020F0502020204030204" pitchFamily="34" charset="0"/>
+                <a:hlinkClick r:id="rId3"/>
+              </a:rPr>
+              <a:t>https://www.johnny-lin.com/pyintro/</a:t>
+            </a:r>
+            <a:endParaRPr lang="en-GB" altLang="en-US" sz="3200" dirty="0">
+              <a:cs typeface="Calibri" panose="020F0502020204030204" pitchFamily="34" charset="0"/>
+            </a:endParaRPr>
+          </a:p>
+        </p:txBody>
+      </p:sp>
+    </p:spTree>
+  </p:cSld>
+  <p:clrMapOvr>
+    <a:masterClrMapping/>
+  </p:clrMapOvr>
+</p:sld>
+</file>
+
+<file path=ppt/slides/slide20.xml><?xml version="1.0" encoding="utf-8"?>
 <p:sld xmlns:a="http://schemas.openxmlformats.org/drawingml/2006/main" xmlns:r="http://schemas.openxmlformats.org/officeDocument/2006/relationships" xmlns:p="http://schemas.openxmlformats.org/presentationml/2006/main">
   <p:cSld>
     <p:spTree>
@@ -12086,7 +11759,7 @@
 </p:sld>
 </file>
 
-<file path=ppt/slides/slide22.xml><?xml version="1.0" encoding="utf-8"?>
+<file path=ppt/slides/slide21.xml><?xml version="1.0" encoding="utf-8"?>
 <p:sld xmlns:a="http://schemas.openxmlformats.org/drawingml/2006/main" xmlns:r="http://schemas.openxmlformats.org/officeDocument/2006/relationships" xmlns:p="http://schemas.openxmlformats.org/presentationml/2006/main">
   <p:cSld>
     <p:spTree>
@@ -12674,7 +12347,7 @@
 </p:sld>
 </file>
 
-<file path=ppt/slides/slide23.xml><?xml version="1.0" encoding="utf-8"?>
+<file path=ppt/slides/slide22.xml><?xml version="1.0" encoding="utf-8"?>
 <p:sld xmlns:a="http://schemas.openxmlformats.org/drawingml/2006/main" xmlns:r="http://schemas.openxmlformats.org/officeDocument/2006/relationships" xmlns:p="http://schemas.openxmlformats.org/presentationml/2006/main">
   <p:cSld>
     <p:spTree>
@@ -13321,7 +12994,7 @@
 </p:sld>
 </file>
 
-<file path=ppt/slides/slide24.xml><?xml version="1.0" encoding="utf-8"?>
+<file path=ppt/slides/slide23.xml><?xml version="1.0" encoding="utf-8"?>
 <p:sld xmlns:a="http://schemas.openxmlformats.org/drawingml/2006/main" xmlns:r="http://schemas.openxmlformats.org/officeDocument/2006/relationships" xmlns:p="http://schemas.openxmlformats.org/presentationml/2006/main">
   <p:cSld>
     <p:spTree>
@@ -13688,7 +13361,7 @@
 </p:sld>
 </file>
 
-<file path=ppt/slides/slide25.xml><?xml version="1.0" encoding="utf-8"?>
+<file path=ppt/slides/slide24.xml><?xml version="1.0" encoding="utf-8"?>
 <p:sld xmlns:a="http://schemas.openxmlformats.org/drawingml/2006/main" xmlns:r="http://schemas.openxmlformats.org/officeDocument/2006/relationships" xmlns:p="http://schemas.openxmlformats.org/presentationml/2006/main">
   <p:cSld>
     <p:spTree>
@@ -14092,7 +13765,7 @@
 </p:sld>
 </file>
 
-<file path=ppt/slides/slide26.xml><?xml version="1.0" encoding="utf-8"?>
+<file path=ppt/slides/slide25.xml><?xml version="1.0" encoding="utf-8"?>
 <p:sld xmlns:a="http://schemas.openxmlformats.org/drawingml/2006/main" xmlns:r="http://schemas.openxmlformats.org/officeDocument/2006/relationships" xmlns:p="http://schemas.openxmlformats.org/presentationml/2006/main">
   <p:cSld>
     <p:spTree>
@@ -14155,7 +13828,7 @@
 </p:sld>
 </file>
 
-<file path=ppt/slides/slide27.xml><?xml version="1.0" encoding="utf-8"?>
+<file path=ppt/slides/slide26.xml><?xml version="1.0" encoding="utf-8"?>
 <p:sld xmlns:a="http://schemas.openxmlformats.org/drawingml/2006/main" xmlns:r="http://schemas.openxmlformats.org/officeDocument/2006/relationships" xmlns:p="http://schemas.openxmlformats.org/presentationml/2006/main">
   <p:cSld>
     <p:spTree>
@@ -14540,7 +14213,7 @@
 </p:sld>
 </file>
 
-<file path=ppt/slides/slide28.xml><?xml version="1.0" encoding="utf-8"?>
+<file path=ppt/slides/slide27.xml><?xml version="1.0" encoding="utf-8"?>
 <p:sld xmlns:a="http://schemas.openxmlformats.org/drawingml/2006/main" xmlns:r="http://schemas.openxmlformats.org/officeDocument/2006/relationships" xmlns:p="http://schemas.openxmlformats.org/presentationml/2006/main">
   <p:cSld>
     <p:spTree>
@@ -14631,7 +14304,7 @@
 </p:sld>
 </file>
 
-<file path=ppt/slides/slide29.xml><?xml version="1.0" encoding="utf-8"?>
+<file path=ppt/slides/slide28.xml><?xml version="1.0" encoding="utf-8"?>
 <p:sld xmlns:a="http://schemas.openxmlformats.org/drawingml/2006/main" xmlns:r="http://schemas.openxmlformats.org/officeDocument/2006/relationships" xmlns:p="http://schemas.openxmlformats.org/presentationml/2006/main">
   <p:cSld>
     <p:spTree>
@@ -14894,6 +14567,12 @@
                 <a:cs typeface="Calibri" panose="020F0502020204030204" pitchFamily="34" charset="0"/>
               </a:rPr>
             </a:br>
+            <a:r>
+              <a:rPr lang="en-US" altLang="en-US" sz="2800">
+                <a:cs typeface="Calibri" panose="020F0502020204030204" pitchFamily="34" charset="0"/>
+              </a:rPr>
+              <a:t/>
+            </a:r>
             <a:br>
               <a:rPr lang="en-US" altLang="en-US" sz="2800">
                 <a:cs typeface="Calibri" panose="020F0502020204030204" pitchFamily="34" charset="0"/>
@@ -15255,6 +14934,1059 @@
           </a:p>
         </p:txBody>
       </p:sp>
+    </p:spTree>
+  </p:cSld>
+  <p:clrMapOvr>
+    <a:masterClrMapping/>
+  </p:clrMapOvr>
+  <p:transition>
+    <p:cut/>
+  </p:transition>
+</p:sld>
+</file>
+
+<file path=ppt/slides/slide29.xml><?xml version="1.0" encoding="utf-8"?>
+<p:sld xmlns:a="http://schemas.openxmlformats.org/drawingml/2006/main" xmlns:r="http://schemas.openxmlformats.org/officeDocument/2006/relationships" xmlns:p="http://schemas.openxmlformats.org/presentationml/2006/main">
+  <p:cSld>
+    <p:spTree>
+      <p:nvGrpSpPr>
+        <p:cNvPr id="1" name=""/>
+        <p:cNvGrpSpPr/>
+        <p:nvPr/>
+      </p:nvGrpSpPr>
+      <p:grpSpPr>
+        <a:xfrm>
+          <a:off x="0" y="0"/>
+          <a:ext cx="0" cy="0"/>
+          <a:chOff x="0" y="0"/>
+          <a:chExt cx="0" cy="0"/>
+        </a:xfrm>
+      </p:grpSpPr>
+      <p:sp>
+        <p:nvSpPr>
+          <p:cNvPr id="68610" name="object 3"/>
+          <p:cNvSpPr txBox="1">
+            <a:spLocks noChangeArrowheads="1"/>
+          </p:cNvSpPr>
+          <p:nvPr/>
+        </p:nvSpPr>
+        <p:spPr bwMode="auto">
+          <a:xfrm>
+            <a:off x="576263" y="1479550"/>
+            <a:ext cx="8229600" cy="1090613"/>
+          </a:xfrm>
+          <a:prstGeom prst="rect">
+            <a:avLst/>
+          </a:prstGeom>
+          <a:noFill/>
+          <a:ln>
+            <a:noFill/>
+          </a:ln>
+          <a:extLst>
+            <a:ext uri="{909E8E84-426E-40DD-AFC4-6F175D3DCCD1}">
+              <a14:hiddenFill xmlns:a14="http://schemas.microsoft.com/office/drawing/2010/main">
+                <a:solidFill>
+                  <a:srgbClr val="FFFFFF"/>
+                </a:solidFill>
+              </a14:hiddenFill>
+            </a:ext>
+            <a:ext uri="{91240B29-F687-4F45-9708-019B960494DF}">
+              <a14:hiddenLine xmlns:a14="http://schemas.microsoft.com/office/drawing/2010/main" w="9525">
+                <a:solidFill>
+                  <a:srgbClr val="000000"/>
+                </a:solidFill>
+                <a:miter lim="800000"/>
+                <a:headEnd/>
+                <a:tailEnd/>
+              </a14:hiddenLine>
+            </a:ext>
+          </a:extLst>
+        </p:spPr>
+        <p:txBody>
+          <a:bodyPr lIns="0" tIns="0" rIns="0" bIns="0">
+            <a:spAutoFit/>
+          </a:bodyPr>
+          <a:lstStyle>
+            <a:lvl1pPr marL="317500" indent="-293688">
+              <a:lnSpc>
+                <a:spcPct val="90000"/>
+              </a:lnSpc>
+              <a:spcBef>
+                <a:spcPts val="1000"/>
+              </a:spcBef>
+              <a:buFont typeface="Arial" panose="020B0604020202020204" pitchFamily="34" charset="0"/>
+              <a:buChar char="•"/>
+              <a:defRPr sz="2400">
+                <a:solidFill>
+                  <a:schemeClr val="tx1"/>
+                </a:solidFill>
+                <a:latin typeface="Calibri" panose="020F0502020204030204" pitchFamily="34" charset="0"/>
+              </a:defRPr>
+            </a:lvl1pPr>
+            <a:lvl2pPr marL="742950" indent="-285750">
+              <a:lnSpc>
+                <a:spcPct val="90000"/>
+              </a:lnSpc>
+              <a:spcBef>
+                <a:spcPts val="500"/>
+              </a:spcBef>
+              <a:buFont typeface="Arial" panose="020B0604020202020204" pitchFamily="34" charset="0"/>
+              <a:buChar char="•"/>
+              <a:defRPr sz="2000">
+                <a:solidFill>
+                  <a:schemeClr val="tx1"/>
+                </a:solidFill>
+                <a:latin typeface="Calibri" panose="020F0502020204030204" pitchFamily="34" charset="0"/>
+              </a:defRPr>
+            </a:lvl2pPr>
+            <a:lvl3pPr marL="1143000" indent="-228600">
+              <a:lnSpc>
+                <a:spcPct val="90000"/>
+              </a:lnSpc>
+              <a:spcBef>
+                <a:spcPts val="500"/>
+              </a:spcBef>
+              <a:buFont typeface="Arial" panose="020B0604020202020204" pitchFamily="34" charset="0"/>
+              <a:buChar char="•"/>
+              <a:defRPr>
+                <a:solidFill>
+                  <a:schemeClr val="tx1"/>
+                </a:solidFill>
+                <a:latin typeface="Calibri" panose="020F0502020204030204" pitchFamily="34" charset="0"/>
+              </a:defRPr>
+            </a:lvl3pPr>
+            <a:lvl4pPr marL="1600200" indent="-228600">
+              <a:lnSpc>
+                <a:spcPct val="90000"/>
+              </a:lnSpc>
+              <a:spcBef>
+                <a:spcPts val="500"/>
+              </a:spcBef>
+              <a:buFont typeface="Arial" panose="020B0604020202020204" pitchFamily="34" charset="0"/>
+              <a:buChar char="•"/>
+              <a:defRPr sz="1600">
+                <a:solidFill>
+                  <a:schemeClr val="tx1"/>
+                </a:solidFill>
+                <a:latin typeface="Calibri" panose="020F0502020204030204" pitchFamily="34" charset="0"/>
+              </a:defRPr>
+            </a:lvl4pPr>
+            <a:lvl5pPr marL="2057400" indent="-228600">
+              <a:lnSpc>
+                <a:spcPct val="90000"/>
+              </a:lnSpc>
+              <a:spcBef>
+                <a:spcPts val="500"/>
+              </a:spcBef>
+              <a:buFont typeface="Arial" panose="020B0604020202020204" pitchFamily="34" charset="0"/>
+              <a:buChar char="•"/>
+              <a:defRPr sz="1600">
+                <a:solidFill>
+                  <a:schemeClr val="tx1"/>
+                </a:solidFill>
+                <a:latin typeface="Calibri" panose="020F0502020204030204" pitchFamily="34" charset="0"/>
+              </a:defRPr>
+            </a:lvl5pPr>
+            <a:lvl6pPr marL="2514600" indent="-228600" fontAlgn="base">
+              <a:lnSpc>
+                <a:spcPct val="90000"/>
+              </a:lnSpc>
+              <a:spcBef>
+                <a:spcPts val="500"/>
+              </a:spcBef>
+              <a:spcAft>
+                <a:spcPct val="0"/>
+              </a:spcAft>
+              <a:buFont typeface="Arial" panose="020B0604020202020204" pitchFamily="34" charset="0"/>
+              <a:buChar char="•"/>
+              <a:defRPr sz="1600">
+                <a:solidFill>
+                  <a:schemeClr val="tx1"/>
+                </a:solidFill>
+                <a:latin typeface="Calibri" panose="020F0502020204030204" pitchFamily="34" charset="0"/>
+              </a:defRPr>
+            </a:lvl6pPr>
+            <a:lvl7pPr marL="2971800" indent="-228600" fontAlgn="base">
+              <a:lnSpc>
+                <a:spcPct val="90000"/>
+              </a:lnSpc>
+              <a:spcBef>
+                <a:spcPts val="500"/>
+              </a:spcBef>
+              <a:spcAft>
+                <a:spcPct val="0"/>
+              </a:spcAft>
+              <a:buFont typeface="Arial" panose="020B0604020202020204" pitchFamily="34" charset="0"/>
+              <a:buChar char="•"/>
+              <a:defRPr sz="1600">
+                <a:solidFill>
+                  <a:schemeClr val="tx1"/>
+                </a:solidFill>
+                <a:latin typeface="Calibri" panose="020F0502020204030204" pitchFamily="34" charset="0"/>
+              </a:defRPr>
+            </a:lvl7pPr>
+            <a:lvl8pPr marL="3429000" indent="-228600" fontAlgn="base">
+              <a:lnSpc>
+                <a:spcPct val="90000"/>
+              </a:lnSpc>
+              <a:spcBef>
+                <a:spcPts val="500"/>
+              </a:spcBef>
+              <a:spcAft>
+                <a:spcPct val="0"/>
+              </a:spcAft>
+              <a:buFont typeface="Arial" panose="020B0604020202020204" pitchFamily="34" charset="0"/>
+              <a:buChar char="•"/>
+              <a:defRPr sz="1600">
+                <a:solidFill>
+                  <a:schemeClr val="tx1"/>
+                </a:solidFill>
+                <a:latin typeface="Calibri" panose="020F0502020204030204" pitchFamily="34" charset="0"/>
+              </a:defRPr>
+            </a:lvl8pPr>
+            <a:lvl9pPr marL="3886200" indent="-228600" fontAlgn="base">
+              <a:lnSpc>
+                <a:spcPct val="90000"/>
+              </a:lnSpc>
+              <a:spcBef>
+                <a:spcPts val="500"/>
+              </a:spcBef>
+              <a:spcAft>
+                <a:spcPct val="0"/>
+              </a:spcAft>
+              <a:buFont typeface="Arial" panose="020B0604020202020204" pitchFamily="34" charset="0"/>
+              <a:buChar char="•"/>
+              <a:defRPr sz="1600">
+                <a:solidFill>
+                  <a:schemeClr val="tx1"/>
+                </a:solidFill>
+                <a:latin typeface="Calibri" panose="020F0502020204030204" pitchFamily="34" charset="0"/>
+              </a:defRPr>
+            </a:lvl9pPr>
+          </a:lstStyle>
+          <a:p>
+            <a:pPr eaLnBrk="1" hangingPunct="1">
+              <a:lnSpc>
+                <a:spcPct val="103000"/>
+              </a:lnSpc>
+              <a:spcBef>
+                <a:spcPts val="600"/>
+              </a:spcBef>
+              <a:buFontTx/>
+              <a:buNone/>
+            </a:pPr>
+            <a:r>
+              <a:rPr lang="en-US" altLang="en-US" sz="3200">
+                <a:cs typeface="Calibri" panose="020F0502020204030204" pitchFamily="34" charset="0"/>
+              </a:rPr>
+              <a:t>Make a masked array by explicitly specifying a  </a:t>
+            </a:r>
+          </a:p>
+          <a:p>
+            <a:pPr eaLnBrk="1" hangingPunct="1">
+              <a:lnSpc>
+                <a:spcPct val="103000"/>
+              </a:lnSpc>
+              <a:spcBef>
+                <a:spcPts val="600"/>
+              </a:spcBef>
+              <a:buFontTx/>
+              <a:buNone/>
+            </a:pPr>
+            <a:r>
+              <a:rPr lang="en-US" altLang="en-US" sz="3200">
+                <a:cs typeface="Calibri" panose="020F0502020204030204" pitchFamily="34" charset="0"/>
+              </a:rPr>
+              <a:t>mask (missing values have mask = True):</a:t>
+            </a:r>
+          </a:p>
+        </p:txBody>
+      </p:sp>
+      <p:sp>
+        <p:nvSpPr>
+          <p:cNvPr id="4" name="object 4"/>
+          <p:cNvSpPr txBox="1"/>
+          <p:nvPr/>
+        </p:nvSpPr>
+        <p:spPr>
+          <a:xfrm>
+            <a:off x="576263" y="2708275"/>
+            <a:ext cx="7883525" cy="1108075"/>
+          </a:xfrm>
+          <a:prstGeom prst="rect">
+            <a:avLst/>
+          </a:prstGeom>
+          <a:ln w="5054">
+            <a:noFill/>
+          </a:ln>
+        </p:spPr>
+        <p:txBody>
+          <a:bodyPr lIns="0" tIns="0" rIns="0" bIns="0">
+            <a:spAutoFit/>
+          </a:bodyPr>
+          <a:lstStyle/>
+          <a:p>
+            <a:pPr marL="74278" eaLnBrk="1" hangingPunct="1">
+              <a:defRPr/>
+            </a:pPr>
+            <a:r>
+              <a:rPr sz="2400" spc="129" dirty="0">
+                <a:latin typeface="Courier New" panose="02070309020205020404" pitchFamily="49" charset="0"/>
+                <a:cs typeface="Courier New" panose="02070309020205020404" pitchFamily="49" charset="0"/>
+              </a:rPr>
+              <a:t>a</a:t>
+            </a:r>
+            <a:r>
+              <a:rPr lang="en-GB" sz="2400" spc="129" dirty="0">
+                <a:latin typeface="Courier New" panose="02070309020205020404" pitchFamily="49" charset="0"/>
+                <a:cs typeface="Courier New" panose="02070309020205020404" pitchFamily="49" charset="0"/>
+              </a:rPr>
+              <a:t> </a:t>
+            </a:r>
+            <a:r>
+              <a:rPr sz="2400" spc="-10" dirty="0">
+                <a:latin typeface="Courier New" panose="02070309020205020404" pitchFamily="49" charset="0"/>
+                <a:cs typeface="Courier New" panose="02070309020205020404" pitchFamily="49" charset="0"/>
+              </a:rPr>
+              <a:t>=</a:t>
+            </a:r>
+            <a:r>
+              <a:rPr lang="en-GB" sz="2400" dirty="0">
+                <a:latin typeface="Courier New" panose="02070309020205020404" pitchFamily="49" charset="0"/>
+                <a:cs typeface="Courier New" panose="02070309020205020404" pitchFamily="49" charset="0"/>
+              </a:rPr>
+              <a:t> </a:t>
+            </a:r>
+            <a:r>
+              <a:rPr sz="2400" spc="99" dirty="0" err="1">
+                <a:latin typeface="Courier New" panose="02070309020205020404" pitchFamily="49" charset="0"/>
+                <a:cs typeface="Courier New" panose="02070309020205020404" pitchFamily="49" charset="0"/>
+              </a:rPr>
+              <a:t>MA.masked_array</a:t>
+            </a:r>
+            <a:r>
+              <a:rPr sz="2400" spc="99" dirty="0">
+                <a:latin typeface="Courier New" panose="02070309020205020404" pitchFamily="49" charset="0"/>
+                <a:cs typeface="Courier New" panose="02070309020205020404" pitchFamily="49" charset="0"/>
+              </a:rPr>
+              <a:t>(</a:t>
+            </a:r>
+            <a:endParaRPr lang="en-GB" sz="2400" spc="99" dirty="0">
+              <a:latin typeface="Courier New" panose="02070309020205020404" pitchFamily="49" charset="0"/>
+              <a:cs typeface="Courier New" panose="02070309020205020404" pitchFamily="49" charset="0"/>
+            </a:endParaRPr>
+          </a:p>
+          <a:p>
+            <a:pPr marL="74278" eaLnBrk="1" hangingPunct="1">
+              <a:defRPr/>
+            </a:pPr>
+            <a:r>
+              <a:rPr lang="en-GB" sz="2400" spc="99" dirty="0">
+                <a:latin typeface="Courier New" panose="02070309020205020404" pitchFamily="49" charset="0"/>
+                <a:cs typeface="Courier New" panose="02070309020205020404" pitchFamily="49" charset="0"/>
+              </a:rPr>
+              <a:t>       </a:t>
+            </a:r>
+            <a:r>
+              <a:rPr sz="2400" spc="99" dirty="0">
+                <a:latin typeface="Courier New" panose="02070309020205020404" pitchFamily="49" charset="0"/>
+                <a:cs typeface="Courier New" panose="02070309020205020404" pitchFamily="49" charset="0"/>
+              </a:rPr>
+              <a:t>data=</a:t>
+            </a:r>
+            <a:r>
+              <a:rPr sz="2400" spc="59" dirty="0">
+                <a:latin typeface="Courier New" panose="02070309020205020404" pitchFamily="49" charset="0"/>
+                <a:cs typeface="Courier New" panose="02070309020205020404" pitchFamily="49" charset="0"/>
+              </a:rPr>
+              <a:t>[</a:t>
+            </a:r>
+            <a:r>
+              <a:rPr sz="2400" spc="208" dirty="0">
+                <a:latin typeface="Courier New" panose="02070309020205020404" pitchFamily="49" charset="0"/>
+                <a:cs typeface="Courier New" panose="02070309020205020404" pitchFamily="49" charset="0"/>
+              </a:rPr>
+              <a:t>1,</a:t>
+            </a:r>
+            <a:r>
+              <a:rPr lang="en-GB" sz="2400" spc="208" dirty="0">
+                <a:latin typeface="Courier New" panose="02070309020205020404" pitchFamily="49" charset="0"/>
+                <a:cs typeface="Courier New" panose="02070309020205020404" pitchFamily="49" charset="0"/>
+              </a:rPr>
+              <a:t> </a:t>
+            </a:r>
+            <a:r>
+              <a:rPr sz="2400" spc="208" dirty="0">
+                <a:latin typeface="Courier New" panose="02070309020205020404" pitchFamily="49" charset="0"/>
+                <a:cs typeface="Courier New" panose="02070309020205020404" pitchFamily="49" charset="0"/>
+              </a:rPr>
+              <a:t>2,</a:t>
+            </a:r>
+            <a:r>
+              <a:rPr lang="en-GB" sz="2400" spc="208" dirty="0">
+                <a:latin typeface="Courier New" panose="02070309020205020404" pitchFamily="49" charset="0"/>
+                <a:cs typeface="Courier New" panose="02070309020205020404" pitchFamily="49" charset="0"/>
+              </a:rPr>
+              <a:t> </a:t>
+            </a:r>
+            <a:r>
+              <a:rPr sz="2400" spc="208" dirty="0">
+                <a:latin typeface="Courier New" panose="02070309020205020404" pitchFamily="49" charset="0"/>
+                <a:cs typeface="Courier New" panose="02070309020205020404" pitchFamily="49" charset="0"/>
+              </a:rPr>
+              <a:t>3],</a:t>
+            </a:r>
+            <a:endParaRPr lang="en-GB" sz="2400" spc="208" dirty="0">
+              <a:latin typeface="Courier New" panose="02070309020205020404" pitchFamily="49" charset="0"/>
+              <a:cs typeface="Courier New" panose="02070309020205020404" pitchFamily="49" charset="0"/>
+            </a:endParaRPr>
+          </a:p>
+          <a:p>
+            <a:pPr marL="74278" eaLnBrk="1" hangingPunct="1">
+              <a:defRPr/>
+            </a:pPr>
+            <a:r>
+              <a:rPr lang="en-GB" sz="2400" spc="99" dirty="0">
+                <a:latin typeface="Courier New" panose="02070309020205020404" pitchFamily="49" charset="0"/>
+                <a:cs typeface="Courier New" panose="02070309020205020404" pitchFamily="49" charset="0"/>
+              </a:rPr>
+              <a:t>       </a:t>
+            </a:r>
+            <a:r>
+              <a:rPr sz="2400" spc="99" dirty="0">
+                <a:latin typeface="Courier New" panose="02070309020205020404" pitchFamily="49" charset="0"/>
+                <a:cs typeface="Courier New" panose="02070309020205020404" pitchFamily="49" charset="0"/>
+              </a:rPr>
+              <a:t>mask=[True,</a:t>
+            </a:r>
+            <a:r>
+              <a:rPr lang="en-GB" sz="2400" dirty="0">
+                <a:latin typeface="Courier New" panose="02070309020205020404" pitchFamily="49" charset="0"/>
+                <a:cs typeface="Courier New" panose="02070309020205020404" pitchFamily="49" charset="0"/>
+              </a:rPr>
+              <a:t> </a:t>
+            </a:r>
+            <a:r>
+              <a:rPr sz="2400" spc="139" dirty="0">
+                <a:latin typeface="Courier New" panose="02070309020205020404" pitchFamily="49" charset="0"/>
+                <a:cs typeface="Courier New" panose="02070309020205020404" pitchFamily="49" charset="0"/>
+              </a:rPr>
+              <a:t>True,</a:t>
+            </a:r>
+            <a:r>
+              <a:rPr lang="en-GB" sz="2400" dirty="0">
+                <a:latin typeface="Courier New" panose="02070309020205020404" pitchFamily="49" charset="0"/>
+                <a:cs typeface="Courier New" panose="02070309020205020404" pitchFamily="49" charset="0"/>
+              </a:rPr>
+              <a:t> </a:t>
+            </a:r>
+            <a:r>
+              <a:rPr sz="2400" spc="188" dirty="0">
+                <a:latin typeface="Courier New" panose="02070309020205020404" pitchFamily="49" charset="0"/>
+                <a:cs typeface="Courier New" panose="02070309020205020404" pitchFamily="49" charset="0"/>
+              </a:rPr>
+              <a:t>False]</a:t>
+            </a:r>
+            <a:r>
+              <a:rPr lang="en-GB" sz="2400" spc="188" dirty="0">
+                <a:latin typeface="Courier New" panose="02070309020205020404" pitchFamily="49" charset="0"/>
+                <a:cs typeface="Courier New" panose="02070309020205020404" pitchFamily="49" charset="0"/>
+              </a:rPr>
+              <a:t>)</a:t>
+            </a:r>
+            <a:endParaRPr sz="2400" dirty="0">
+              <a:latin typeface="Courier New" panose="02070309020205020404" pitchFamily="49" charset="0"/>
+              <a:cs typeface="Courier New" panose="02070309020205020404" pitchFamily="49" charset="0"/>
+            </a:endParaRPr>
+          </a:p>
+        </p:txBody>
+      </p:sp>
+      <p:sp>
+        <p:nvSpPr>
+          <p:cNvPr id="68612" name="object 2"/>
+          <p:cNvSpPr txBox="1">
+            <a:spLocks/>
+          </p:cNvSpPr>
+          <p:nvPr/>
+        </p:nvSpPr>
+        <p:spPr bwMode="auto">
+          <a:xfrm>
+            <a:off x="576263" y="123825"/>
+            <a:ext cx="8229600" cy="1355725"/>
+          </a:xfrm>
+          <a:prstGeom prst="rect">
+            <a:avLst/>
+          </a:prstGeom>
+          <a:noFill/>
+          <a:ln>
+            <a:noFill/>
+          </a:ln>
+          <a:extLst>
+            <a:ext uri="{909E8E84-426E-40DD-AFC4-6F175D3DCCD1}">
+              <a14:hiddenFill xmlns:a14="http://schemas.microsoft.com/office/drawing/2010/main">
+                <a:solidFill>
+                  <a:srgbClr val="FFFFFF"/>
+                </a:solidFill>
+              </a14:hiddenFill>
+            </a:ext>
+            <a:ext uri="{91240B29-F687-4F45-9708-019B960494DF}">
+              <a14:hiddenLine xmlns:a14="http://schemas.microsoft.com/office/drawing/2010/main" w="9525">
+                <a:solidFill>
+                  <a:srgbClr val="000000"/>
+                </a:solidFill>
+                <a:miter lim="800000"/>
+                <a:headEnd/>
+                <a:tailEnd/>
+              </a14:hiddenLine>
+            </a:ext>
+          </a:extLst>
+        </p:spPr>
+        <p:txBody>
+          <a:bodyPr anchor="ctr"/>
+          <a:lstStyle>
+            <a:lvl1pPr>
+              <a:lnSpc>
+                <a:spcPct val="90000"/>
+              </a:lnSpc>
+              <a:spcBef>
+                <a:spcPts val="1000"/>
+              </a:spcBef>
+              <a:buFont typeface="Arial" panose="020B0604020202020204" pitchFamily="34" charset="0"/>
+              <a:buChar char="•"/>
+              <a:defRPr sz="2400">
+                <a:solidFill>
+                  <a:schemeClr val="tx1"/>
+                </a:solidFill>
+                <a:latin typeface="Calibri" panose="020F0502020204030204" pitchFamily="34" charset="0"/>
+              </a:defRPr>
+            </a:lvl1pPr>
+            <a:lvl2pPr marL="742950" indent="-285750">
+              <a:lnSpc>
+                <a:spcPct val="90000"/>
+              </a:lnSpc>
+              <a:spcBef>
+                <a:spcPts val="500"/>
+              </a:spcBef>
+              <a:buFont typeface="Arial" panose="020B0604020202020204" pitchFamily="34" charset="0"/>
+              <a:buChar char="•"/>
+              <a:defRPr sz="2000">
+                <a:solidFill>
+                  <a:schemeClr val="tx1"/>
+                </a:solidFill>
+                <a:latin typeface="Calibri" panose="020F0502020204030204" pitchFamily="34" charset="0"/>
+              </a:defRPr>
+            </a:lvl2pPr>
+            <a:lvl3pPr marL="1143000" indent="-228600">
+              <a:lnSpc>
+                <a:spcPct val="90000"/>
+              </a:lnSpc>
+              <a:spcBef>
+                <a:spcPts val="500"/>
+              </a:spcBef>
+              <a:buFont typeface="Arial" panose="020B0604020202020204" pitchFamily="34" charset="0"/>
+              <a:buChar char="•"/>
+              <a:defRPr>
+                <a:solidFill>
+                  <a:schemeClr val="tx1"/>
+                </a:solidFill>
+                <a:latin typeface="Calibri" panose="020F0502020204030204" pitchFamily="34" charset="0"/>
+              </a:defRPr>
+            </a:lvl3pPr>
+            <a:lvl4pPr marL="1600200" indent="-228600">
+              <a:lnSpc>
+                <a:spcPct val="90000"/>
+              </a:lnSpc>
+              <a:spcBef>
+                <a:spcPts val="500"/>
+              </a:spcBef>
+              <a:buFont typeface="Arial" panose="020B0604020202020204" pitchFamily="34" charset="0"/>
+              <a:buChar char="•"/>
+              <a:defRPr sz="1600">
+                <a:solidFill>
+                  <a:schemeClr val="tx1"/>
+                </a:solidFill>
+                <a:latin typeface="Calibri" panose="020F0502020204030204" pitchFamily="34" charset="0"/>
+              </a:defRPr>
+            </a:lvl4pPr>
+            <a:lvl5pPr marL="2057400" indent="-228600">
+              <a:lnSpc>
+                <a:spcPct val="90000"/>
+              </a:lnSpc>
+              <a:spcBef>
+                <a:spcPts val="500"/>
+              </a:spcBef>
+              <a:buFont typeface="Arial" panose="020B0604020202020204" pitchFamily="34" charset="0"/>
+              <a:buChar char="•"/>
+              <a:defRPr sz="1600">
+                <a:solidFill>
+                  <a:schemeClr val="tx1"/>
+                </a:solidFill>
+                <a:latin typeface="Calibri" panose="020F0502020204030204" pitchFamily="34" charset="0"/>
+              </a:defRPr>
+            </a:lvl5pPr>
+            <a:lvl6pPr marL="2514600" indent="-228600" fontAlgn="base">
+              <a:lnSpc>
+                <a:spcPct val="90000"/>
+              </a:lnSpc>
+              <a:spcBef>
+                <a:spcPts val="500"/>
+              </a:spcBef>
+              <a:spcAft>
+                <a:spcPct val="0"/>
+              </a:spcAft>
+              <a:buFont typeface="Arial" panose="020B0604020202020204" pitchFamily="34" charset="0"/>
+              <a:buChar char="•"/>
+              <a:defRPr sz="1600">
+                <a:solidFill>
+                  <a:schemeClr val="tx1"/>
+                </a:solidFill>
+                <a:latin typeface="Calibri" panose="020F0502020204030204" pitchFamily="34" charset="0"/>
+              </a:defRPr>
+            </a:lvl6pPr>
+            <a:lvl7pPr marL="2971800" indent="-228600" fontAlgn="base">
+              <a:lnSpc>
+                <a:spcPct val="90000"/>
+              </a:lnSpc>
+              <a:spcBef>
+                <a:spcPts val="500"/>
+              </a:spcBef>
+              <a:spcAft>
+                <a:spcPct val="0"/>
+              </a:spcAft>
+              <a:buFont typeface="Arial" panose="020B0604020202020204" pitchFamily="34" charset="0"/>
+              <a:buChar char="•"/>
+              <a:defRPr sz="1600">
+                <a:solidFill>
+                  <a:schemeClr val="tx1"/>
+                </a:solidFill>
+                <a:latin typeface="Calibri" panose="020F0502020204030204" pitchFamily="34" charset="0"/>
+              </a:defRPr>
+            </a:lvl7pPr>
+            <a:lvl8pPr marL="3429000" indent="-228600" fontAlgn="base">
+              <a:lnSpc>
+                <a:spcPct val="90000"/>
+              </a:lnSpc>
+              <a:spcBef>
+                <a:spcPts val="500"/>
+              </a:spcBef>
+              <a:spcAft>
+                <a:spcPct val="0"/>
+              </a:spcAft>
+              <a:buFont typeface="Arial" panose="020B0604020202020204" pitchFamily="34" charset="0"/>
+              <a:buChar char="•"/>
+              <a:defRPr sz="1600">
+                <a:solidFill>
+                  <a:schemeClr val="tx1"/>
+                </a:solidFill>
+                <a:latin typeface="Calibri" panose="020F0502020204030204" pitchFamily="34" charset="0"/>
+              </a:defRPr>
+            </a:lvl8pPr>
+            <a:lvl9pPr marL="3886200" indent="-228600" fontAlgn="base">
+              <a:lnSpc>
+                <a:spcPct val="90000"/>
+              </a:lnSpc>
+              <a:spcBef>
+                <a:spcPts val="500"/>
+              </a:spcBef>
+              <a:spcAft>
+                <a:spcPct val="0"/>
+              </a:spcAft>
+              <a:buFont typeface="Arial" panose="020B0604020202020204" pitchFamily="34" charset="0"/>
+              <a:buChar char="•"/>
+              <a:defRPr sz="1600">
+                <a:solidFill>
+                  <a:schemeClr val="tx1"/>
+                </a:solidFill>
+                <a:latin typeface="Calibri" panose="020F0502020204030204" pitchFamily="34" charset="0"/>
+              </a:defRPr>
+            </a:lvl9pPr>
+          </a:lstStyle>
+          <a:p>
+            <a:pPr algn="ctr" eaLnBrk="1" hangingPunct="1">
+              <a:lnSpc>
+                <a:spcPct val="100000"/>
+              </a:lnSpc>
+              <a:spcBef>
+                <a:spcPct val="0"/>
+              </a:spcBef>
+              <a:buFontTx/>
+              <a:buNone/>
+            </a:pPr>
+            <a:r>
+              <a:rPr lang="en-US" altLang="en-US" sz="4400" b="1">
+                <a:cs typeface="Calibri" panose="020F0502020204030204" pitchFamily="34" charset="0"/>
+              </a:rPr>
+              <a:t>Constructing Masked Arrays 2</a:t>
+            </a:r>
+          </a:p>
+        </p:txBody>
+      </p:sp>
+      <p:sp>
+        <p:nvSpPr>
+          <p:cNvPr id="6" name="object 3"/>
+          <p:cNvSpPr txBox="1">
+            <a:spLocks noChangeArrowheads="1"/>
+          </p:cNvSpPr>
+          <p:nvPr/>
+        </p:nvSpPr>
+        <p:spPr bwMode="auto">
+          <a:xfrm>
+            <a:off x="468313" y="4032250"/>
+            <a:ext cx="7991475" cy="1752600"/>
+          </a:xfrm>
+          <a:prstGeom prst="rect">
+            <a:avLst/>
+          </a:prstGeom>
+          <a:noFill/>
+          <a:ln>
+            <a:noFill/>
+          </a:ln>
+          <a:extLst>
+            <a:ext uri="{909E8E84-426E-40DD-AFC4-6F175D3DCCD1}">
+              <a14:hiddenFill xmlns:a14="http://schemas.microsoft.com/office/drawing/2010/main">
+                <a:solidFill>
+                  <a:srgbClr val="FFFFFF"/>
+                </a:solidFill>
+              </a14:hiddenFill>
+            </a:ext>
+            <a:ext uri="{91240B29-F687-4F45-9708-019B960494DF}">
+              <a14:hiddenLine xmlns:a14="http://schemas.microsoft.com/office/drawing/2010/main" w="9525">
+                <a:solidFill>
+                  <a:srgbClr val="000000"/>
+                </a:solidFill>
+                <a:miter lim="800000"/>
+                <a:headEnd/>
+                <a:tailEnd/>
+              </a14:hiddenLine>
+            </a:ext>
+          </a:extLst>
+        </p:spPr>
+        <p:txBody>
+          <a:bodyPr lIns="0" tIns="0" rIns="0" bIns="0">
+            <a:spAutoFit/>
+          </a:bodyPr>
+          <a:lstStyle>
+            <a:lvl1pPr marL="317500" indent="-293688" eaLnBrk="0" hangingPunct="0">
+              <a:spcBef>
+                <a:spcPct val="20000"/>
+              </a:spcBef>
+              <a:buFont typeface="Arial" charset="0"/>
+              <a:buChar char="•"/>
+              <a:defRPr sz="3200">
+                <a:solidFill>
+                  <a:schemeClr val="tx1"/>
+                </a:solidFill>
+                <a:latin typeface="Calibri" pitchFamily="34" charset="0"/>
+              </a:defRPr>
+            </a:lvl1pPr>
+            <a:lvl2pPr marL="742950" indent="-285750" eaLnBrk="0" hangingPunct="0">
+              <a:spcBef>
+                <a:spcPct val="20000"/>
+              </a:spcBef>
+              <a:buFont typeface="Arial" charset="0"/>
+              <a:buChar char="–"/>
+              <a:defRPr sz="2800">
+                <a:solidFill>
+                  <a:schemeClr val="tx1"/>
+                </a:solidFill>
+                <a:latin typeface="Calibri" pitchFamily="34" charset="0"/>
+              </a:defRPr>
+            </a:lvl2pPr>
+            <a:lvl3pPr marL="1143000" indent="-228600" eaLnBrk="0" hangingPunct="0">
+              <a:spcBef>
+                <a:spcPct val="20000"/>
+              </a:spcBef>
+              <a:buFont typeface="Arial" charset="0"/>
+              <a:buChar char="•"/>
+              <a:defRPr sz="2400">
+                <a:solidFill>
+                  <a:schemeClr val="tx1"/>
+                </a:solidFill>
+                <a:latin typeface="Calibri" pitchFamily="34" charset="0"/>
+              </a:defRPr>
+            </a:lvl3pPr>
+            <a:lvl4pPr marL="1600200" indent="-228600" eaLnBrk="0" hangingPunct="0">
+              <a:spcBef>
+                <a:spcPct val="20000"/>
+              </a:spcBef>
+              <a:buFont typeface="Arial" charset="0"/>
+              <a:buChar char="–"/>
+              <a:defRPr sz="2000">
+                <a:solidFill>
+                  <a:schemeClr val="tx1"/>
+                </a:solidFill>
+                <a:latin typeface="Calibri" pitchFamily="34" charset="0"/>
+              </a:defRPr>
+            </a:lvl4pPr>
+            <a:lvl5pPr marL="2057400" indent="-228600" eaLnBrk="0" hangingPunct="0">
+              <a:spcBef>
+                <a:spcPct val="20000"/>
+              </a:spcBef>
+              <a:buFont typeface="Arial" charset="0"/>
+              <a:buChar char="»"/>
+              <a:defRPr sz="2000">
+                <a:solidFill>
+                  <a:schemeClr val="tx1"/>
+                </a:solidFill>
+                <a:latin typeface="Calibri" pitchFamily="34" charset="0"/>
+              </a:defRPr>
+            </a:lvl5pPr>
+            <a:lvl6pPr marL="2514600" indent="-228600" eaLnBrk="0" fontAlgn="base" hangingPunct="0">
+              <a:spcBef>
+                <a:spcPct val="20000"/>
+              </a:spcBef>
+              <a:spcAft>
+                <a:spcPct val="0"/>
+              </a:spcAft>
+              <a:buFont typeface="Arial" charset="0"/>
+              <a:buChar char="»"/>
+              <a:defRPr sz="2000">
+                <a:solidFill>
+                  <a:schemeClr val="tx1"/>
+                </a:solidFill>
+                <a:latin typeface="Calibri" pitchFamily="34" charset="0"/>
+              </a:defRPr>
+            </a:lvl6pPr>
+            <a:lvl7pPr marL="2971800" indent="-228600" eaLnBrk="0" fontAlgn="base" hangingPunct="0">
+              <a:spcBef>
+                <a:spcPct val="20000"/>
+              </a:spcBef>
+              <a:spcAft>
+                <a:spcPct val="0"/>
+              </a:spcAft>
+              <a:buFont typeface="Arial" charset="0"/>
+              <a:buChar char="»"/>
+              <a:defRPr sz="2000">
+                <a:solidFill>
+                  <a:schemeClr val="tx1"/>
+                </a:solidFill>
+                <a:latin typeface="Calibri" pitchFamily="34" charset="0"/>
+              </a:defRPr>
+            </a:lvl7pPr>
+            <a:lvl8pPr marL="3429000" indent="-228600" eaLnBrk="0" fontAlgn="base" hangingPunct="0">
+              <a:spcBef>
+                <a:spcPct val="20000"/>
+              </a:spcBef>
+              <a:spcAft>
+                <a:spcPct val="0"/>
+              </a:spcAft>
+              <a:buFont typeface="Arial" charset="0"/>
+              <a:buChar char="»"/>
+              <a:defRPr sz="2000">
+                <a:solidFill>
+                  <a:schemeClr val="tx1"/>
+                </a:solidFill>
+                <a:latin typeface="Calibri" pitchFamily="34" charset="0"/>
+              </a:defRPr>
+            </a:lvl8pPr>
+            <a:lvl9pPr marL="3886200" indent="-228600" eaLnBrk="0" fontAlgn="base" hangingPunct="0">
+              <a:spcBef>
+                <a:spcPct val="20000"/>
+              </a:spcBef>
+              <a:spcAft>
+                <a:spcPct val="0"/>
+              </a:spcAft>
+              <a:buFont typeface="Arial" charset="0"/>
+              <a:buChar char="»"/>
+              <a:defRPr sz="2000">
+                <a:solidFill>
+                  <a:schemeClr val="tx1"/>
+                </a:solidFill>
+                <a:latin typeface="Calibri" pitchFamily="34" charset="0"/>
+              </a:defRPr>
+            </a:lvl9pPr>
+          </a:lstStyle>
+          <a:p>
+            <a:pPr eaLnBrk="1" hangingPunct="1">
+              <a:lnSpc>
+                <a:spcPct val="103000"/>
+              </a:lnSpc>
+              <a:spcBef>
+                <a:spcPts val="600"/>
+              </a:spcBef>
+              <a:buFontTx/>
+              <a:buNone/>
+              <a:defRPr/>
+            </a:pPr>
+            <a:r>
+              <a:rPr lang="en-GB" altLang="en-US" sz="2400" b="1" dirty="0">
+                <a:latin typeface="Courier New" panose="02070309020205020404" pitchFamily="49" charset="0"/>
+                <a:cs typeface="Courier New" panose="02070309020205020404" pitchFamily="49" charset="0"/>
+              </a:rPr>
+              <a:t>&gt;&gt;&gt; </a:t>
+            </a:r>
+            <a:r>
+              <a:rPr lang="en-GB" altLang="en-US" sz="2400" dirty="0">
+                <a:latin typeface="Courier New" panose="02070309020205020404" pitchFamily="49" charset="0"/>
+                <a:cs typeface="Courier New" panose="02070309020205020404" pitchFamily="49" charset="0"/>
+              </a:rPr>
+              <a:t>a</a:t>
+            </a:r>
+          </a:p>
+          <a:p>
+            <a:pPr eaLnBrk="1" hangingPunct="1">
+              <a:lnSpc>
+                <a:spcPct val="103000"/>
+              </a:lnSpc>
+              <a:spcBef>
+                <a:spcPts val="600"/>
+              </a:spcBef>
+              <a:buFontTx/>
+              <a:buNone/>
+              <a:defRPr/>
+            </a:pPr>
+            <a:r>
+              <a:rPr lang="en-GB" altLang="en-US" sz="2400" i="1" dirty="0" err="1">
+                <a:solidFill>
+                  <a:srgbClr val="336600"/>
+                </a:solidFill>
+                <a:latin typeface="Courier New" panose="02070309020205020404" pitchFamily="49" charset="0"/>
+                <a:cs typeface="Courier New" panose="02070309020205020404" pitchFamily="49" charset="0"/>
+              </a:rPr>
+              <a:t>masked_array</a:t>
+            </a:r>
+            <a:r>
+              <a:rPr lang="en-GB" altLang="en-US" sz="2400" i="1" dirty="0">
+                <a:solidFill>
+                  <a:srgbClr val="336600"/>
+                </a:solidFill>
+                <a:latin typeface="Courier New" panose="02070309020205020404" pitchFamily="49" charset="0"/>
+                <a:cs typeface="Courier New" panose="02070309020205020404" pitchFamily="49" charset="0"/>
+              </a:rPr>
+              <a:t>(data = [-- -- 3],</a:t>
+            </a:r>
+          </a:p>
+          <a:p>
+            <a:pPr eaLnBrk="1" hangingPunct="1">
+              <a:lnSpc>
+                <a:spcPct val="103000"/>
+              </a:lnSpc>
+              <a:spcBef>
+                <a:spcPts val="600"/>
+              </a:spcBef>
+              <a:buFontTx/>
+              <a:buNone/>
+              <a:defRPr/>
+            </a:pPr>
+            <a:r>
+              <a:rPr lang="en-GB" altLang="en-US" sz="2400" i="1" dirty="0">
+                <a:solidFill>
+                  <a:srgbClr val="336600"/>
+                </a:solidFill>
+                <a:latin typeface="Courier New" panose="02070309020205020404" pitchFamily="49" charset="0"/>
+                <a:cs typeface="Courier New" panose="02070309020205020404" pitchFamily="49" charset="0"/>
+              </a:rPr>
+              <a:t>mask = [ True  </a:t>
+            </a:r>
+            <a:r>
+              <a:rPr lang="en-GB" altLang="en-US" sz="2400" i="1" dirty="0" err="1">
+                <a:solidFill>
+                  <a:srgbClr val="336600"/>
+                </a:solidFill>
+                <a:latin typeface="Courier New" panose="02070309020205020404" pitchFamily="49" charset="0"/>
+                <a:cs typeface="Courier New" panose="02070309020205020404" pitchFamily="49" charset="0"/>
+              </a:rPr>
+              <a:t>True</a:t>
+            </a:r>
+            <a:r>
+              <a:rPr lang="en-GB" altLang="en-US" sz="2400" i="1" dirty="0">
+                <a:solidFill>
+                  <a:srgbClr val="336600"/>
+                </a:solidFill>
+                <a:latin typeface="Courier New" panose="02070309020205020404" pitchFamily="49" charset="0"/>
+                <a:cs typeface="Courier New" panose="02070309020205020404" pitchFamily="49" charset="0"/>
+              </a:rPr>
+              <a:t> False],</a:t>
+            </a:r>
+          </a:p>
+          <a:p>
+            <a:pPr eaLnBrk="1" hangingPunct="1">
+              <a:lnSpc>
+                <a:spcPct val="103000"/>
+              </a:lnSpc>
+              <a:spcBef>
+                <a:spcPts val="600"/>
+              </a:spcBef>
+              <a:buFontTx/>
+              <a:buNone/>
+              <a:defRPr/>
+            </a:pPr>
+            <a:r>
+              <a:rPr lang="en-GB" altLang="en-US" sz="2400" i="1" dirty="0" err="1">
+                <a:solidFill>
+                  <a:srgbClr val="336600"/>
+                </a:solidFill>
+                <a:latin typeface="Courier New" panose="02070309020205020404" pitchFamily="49" charset="0"/>
+                <a:cs typeface="Courier New" panose="02070309020205020404" pitchFamily="49" charset="0"/>
+              </a:rPr>
+              <a:t>fill_value</a:t>
+            </a:r>
+            <a:r>
+              <a:rPr lang="en-GB" altLang="en-US" sz="2400" i="1" dirty="0">
+                <a:solidFill>
+                  <a:srgbClr val="336600"/>
+                </a:solidFill>
+                <a:latin typeface="Courier New" panose="02070309020205020404" pitchFamily="49" charset="0"/>
+                <a:cs typeface="Courier New" panose="02070309020205020404" pitchFamily="49" charset="0"/>
+              </a:rPr>
+              <a:t> = 999999)</a:t>
+            </a:r>
+            <a:r>
+              <a:rPr lang="en-GB" altLang="en-US" sz="2400" dirty="0">
+                <a:latin typeface="Courier New" panose="02070309020205020404" pitchFamily="49" charset="0"/>
+                <a:cs typeface="Courier New" panose="02070309020205020404" pitchFamily="49" charset="0"/>
+                <a:sym typeface="Wingdings" panose="05000000000000000000" pitchFamily="2" charset="2"/>
+              </a:rPr>
+              <a:t> 		</a:t>
+            </a:r>
+            <a:r>
+              <a:rPr lang="en-GB" altLang="en-US" sz="2400" i="1" dirty="0">
+                <a:latin typeface="+mj-lt"/>
+                <a:cs typeface="Courier New" panose="02070309020205020404" pitchFamily="49" charset="0"/>
+                <a:sym typeface="Wingdings" panose="05000000000000000000" pitchFamily="2" charset="2"/>
+              </a:rPr>
+              <a:t>discussed later</a:t>
+            </a:r>
+            <a:endParaRPr lang="en-GB" altLang="en-US" sz="2400" i="1" dirty="0">
+              <a:latin typeface="+mj-lt"/>
+              <a:cs typeface="Courier New" panose="02070309020205020404" pitchFamily="49" charset="0"/>
+            </a:endParaRPr>
+          </a:p>
+        </p:txBody>
+      </p:sp>
+      <p:cxnSp>
+        <p:nvCxnSpPr>
+          <p:cNvPr id="3" name="Straight Arrow Connector 2"/>
+          <p:cNvCxnSpPr/>
+          <p:nvPr/>
+        </p:nvCxnSpPr>
+        <p:spPr>
+          <a:xfrm flipH="1">
+            <a:off x="4140200" y="5589588"/>
+            <a:ext cx="1655763" cy="0"/>
+          </a:xfrm>
+          <a:prstGeom prst="straightConnector1">
+            <a:avLst/>
+          </a:prstGeom>
+          <a:ln>
+            <a:tailEnd type="triangle"/>
+          </a:ln>
+        </p:spPr>
+        <p:style>
+          <a:lnRef idx="2">
+            <a:schemeClr val="dk1"/>
+          </a:lnRef>
+          <a:fillRef idx="0">
+            <a:schemeClr val="dk1"/>
+          </a:fillRef>
+          <a:effectRef idx="1">
+            <a:schemeClr val="dk1"/>
+          </a:effectRef>
+          <a:fontRef idx="minor">
+            <a:schemeClr val="tx1"/>
+          </a:fontRef>
+        </p:style>
+      </p:cxnSp>
     </p:spTree>
   </p:cSld>
   <p:clrMapOvr>
@@ -15953,1059 +16685,6 @@
       </p:grpSpPr>
       <p:sp>
         <p:nvSpPr>
-          <p:cNvPr id="68610" name="object 3"/>
-          <p:cNvSpPr txBox="1">
-            <a:spLocks noChangeArrowheads="1"/>
-          </p:cNvSpPr>
-          <p:nvPr/>
-        </p:nvSpPr>
-        <p:spPr bwMode="auto">
-          <a:xfrm>
-            <a:off x="576263" y="1479550"/>
-            <a:ext cx="8229600" cy="1090613"/>
-          </a:xfrm>
-          <a:prstGeom prst="rect">
-            <a:avLst/>
-          </a:prstGeom>
-          <a:noFill/>
-          <a:ln>
-            <a:noFill/>
-          </a:ln>
-          <a:extLst>
-            <a:ext uri="{909E8E84-426E-40DD-AFC4-6F175D3DCCD1}">
-              <a14:hiddenFill xmlns:a14="http://schemas.microsoft.com/office/drawing/2010/main">
-                <a:solidFill>
-                  <a:srgbClr val="FFFFFF"/>
-                </a:solidFill>
-              </a14:hiddenFill>
-            </a:ext>
-            <a:ext uri="{91240B29-F687-4F45-9708-019B960494DF}">
-              <a14:hiddenLine xmlns:a14="http://schemas.microsoft.com/office/drawing/2010/main" w="9525">
-                <a:solidFill>
-                  <a:srgbClr val="000000"/>
-                </a:solidFill>
-                <a:miter lim="800000"/>
-                <a:headEnd/>
-                <a:tailEnd/>
-              </a14:hiddenLine>
-            </a:ext>
-          </a:extLst>
-        </p:spPr>
-        <p:txBody>
-          <a:bodyPr lIns="0" tIns="0" rIns="0" bIns="0">
-            <a:spAutoFit/>
-          </a:bodyPr>
-          <a:lstStyle>
-            <a:lvl1pPr marL="317500" indent="-293688">
-              <a:lnSpc>
-                <a:spcPct val="90000"/>
-              </a:lnSpc>
-              <a:spcBef>
-                <a:spcPts val="1000"/>
-              </a:spcBef>
-              <a:buFont typeface="Arial" panose="020B0604020202020204" pitchFamily="34" charset="0"/>
-              <a:buChar char="•"/>
-              <a:defRPr sz="2400">
-                <a:solidFill>
-                  <a:schemeClr val="tx1"/>
-                </a:solidFill>
-                <a:latin typeface="Calibri" panose="020F0502020204030204" pitchFamily="34" charset="0"/>
-              </a:defRPr>
-            </a:lvl1pPr>
-            <a:lvl2pPr marL="742950" indent="-285750">
-              <a:lnSpc>
-                <a:spcPct val="90000"/>
-              </a:lnSpc>
-              <a:spcBef>
-                <a:spcPts val="500"/>
-              </a:spcBef>
-              <a:buFont typeface="Arial" panose="020B0604020202020204" pitchFamily="34" charset="0"/>
-              <a:buChar char="•"/>
-              <a:defRPr sz="2000">
-                <a:solidFill>
-                  <a:schemeClr val="tx1"/>
-                </a:solidFill>
-                <a:latin typeface="Calibri" panose="020F0502020204030204" pitchFamily="34" charset="0"/>
-              </a:defRPr>
-            </a:lvl2pPr>
-            <a:lvl3pPr marL="1143000" indent="-228600">
-              <a:lnSpc>
-                <a:spcPct val="90000"/>
-              </a:lnSpc>
-              <a:spcBef>
-                <a:spcPts val="500"/>
-              </a:spcBef>
-              <a:buFont typeface="Arial" panose="020B0604020202020204" pitchFamily="34" charset="0"/>
-              <a:buChar char="•"/>
-              <a:defRPr>
-                <a:solidFill>
-                  <a:schemeClr val="tx1"/>
-                </a:solidFill>
-                <a:latin typeface="Calibri" panose="020F0502020204030204" pitchFamily="34" charset="0"/>
-              </a:defRPr>
-            </a:lvl3pPr>
-            <a:lvl4pPr marL="1600200" indent="-228600">
-              <a:lnSpc>
-                <a:spcPct val="90000"/>
-              </a:lnSpc>
-              <a:spcBef>
-                <a:spcPts val="500"/>
-              </a:spcBef>
-              <a:buFont typeface="Arial" panose="020B0604020202020204" pitchFamily="34" charset="0"/>
-              <a:buChar char="•"/>
-              <a:defRPr sz="1600">
-                <a:solidFill>
-                  <a:schemeClr val="tx1"/>
-                </a:solidFill>
-                <a:latin typeface="Calibri" panose="020F0502020204030204" pitchFamily="34" charset="0"/>
-              </a:defRPr>
-            </a:lvl4pPr>
-            <a:lvl5pPr marL="2057400" indent="-228600">
-              <a:lnSpc>
-                <a:spcPct val="90000"/>
-              </a:lnSpc>
-              <a:spcBef>
-                <a:spcPts val="500"/>
-              </a:spcBef>
-              <a:buFont typeface="Arial" panose="020B0604020202020204" pitchFamily="34" charset="0"/>
-              <a:buChar char="•"/>
-              <a:defRPr sz="1600">
-                <a:solidFill>
-                  <a:schemeClr val="tx1"/>
-                </a:solidFill>
-                <a:latin typeface="Calibri" panose="020F0502020204030204" pitchFamily="34" charset="0"/>
-              </a:defRPr>
-            </a:lvl5pPr>
-            <a:lvl6pPr marL="2514600" indent="-228600" fontAlgn="base">
-              <a:lnSpc>
-                <a:spcPct val="90000"/>
-              </a:lnSpc>
-              <a:spcBef>
-                <a:spcPts val="500"/>
-              </a:spcBef>
-              <a:spcAft>
-                <a:spcPct val="0"/>
-              </a:spcAft>
-              <a:buFont typeface="Arial" panose="020B0604020202020204" pitchFamily="34" charset="0"/>
-              <a:buChar char="•"/>
-              <a:defRPr sz="1600">
-                <a:solidFill>
-                  <a:schemeClr val="tx1"/>
-                </a:solidFill>
-                <a:latin typeface="Calibri" panose="020F0502020204030204" pitchFamily="34" charset="0"/>
-              </a:defRPr>
-            </a:lvl6pPr>
-            <a:lvl7pPr marL="2971800" indent="-228600" fontAlgn="base">
-              <a:lnSpc>
-                <a:spcPct val="90000"/>
-              </a:lnSpc>
-              <a:spcBef>
-                <a:spcPts val="500"/>
-              </a:spcBef>
-              <a:spcAft>
-                <a:spcPct val="0"/>
-              </a:spcAft>
-              <a:buFont typeface="Arial" panose="020B0604020202020204" pitchFamily="34" charset="0"/>
-              <a:buChar char="•"/>
-              <a:defRPr sz="1600">
-                <a:solidFill>
-                  <a:schemeClr val="tx1"/>
-                </a:solidFill>
-                <a:latin typeface="Calibri" panose="020F0502020204030204" pitchFamily="34" charset="0"/>
-              </a:defRPr>
-            </a:lvl7pPr>
-            <a:lvl8pPr marL="3429000" indent="-228600" fontAlgn="base">
-              <a:lnSpc>
-                <a:spcPct val="90000"/>
-              </a:lnSpc>
-              <a:spcBef>
-                <a:spcPts val="500"/>
-              </a:spcBef>
-              <a:spcAft>
-                <a:spcPct val="0"/>
-              </a:spcAft>
-              <a:buFont typeface="Arial" panose="020B0604020202020204" pitchFamily="34" charset="0"/>
-              <a:buChar char="•"/>
-              <a:defRPr sz="1600">
-                <a:solidFill>
-                  <a:schemeClr val="tx1"/>
-                </a:solidFill>
-                <a:latin typeface="Calibri" panose="020F0502020204030204" pitchFamily="34" charset="0"/>
-              </a:defRPr>
-            </a:lvl8pPr>
-            <a:lvl9pPr marL="3886200" indent="-228600" fontAlgn="base">
-              <a:lnSpc>
-                <a:spcPct val="90000"/>
-              </a:lnSpc>
-              <a:spcBef>
-                <a:spcPts val="500"/>
-              </a:spcBef>
-              <a:spcAft>
-                <a:spcPct val="0"/>
-              </a:spcAft>
-              <a:buFont typeface="Arial" panose="020B0604020202020204" pitchFamily="34" charset="0"/>
-              <a:buChar char="•"/>
-              <a:defRPr sz="1600">
-                <a:solidFill>
-                  <a:schemeClr val="tx1"/>
-                </a:solidFill>
-                <a:latin typeface="Calibri" panose="020F0502020204030204" pitchFamily="34" charset="0"/>
-              </a:defRPr>
-            </a:lvl9pPr>
-          </a:lstStyle>
-          <a:p>
-            <a:pPr eaLnBrk="1" hangingPunct="1">
-              <a:lnSpc>
-                <a:spcPct val="103000"/>
-              </a:lnSpc>
-              <a:spcBef>
-                <a:spcPts val="600"/>
-              </a:spcBef>
-              <a:buFontTx/>
-              <a:buNone/>
-            </a:pPr>
-            <a:r>
-              <a:rPr lang="en-US" altLang="en-US" sz="3200">
-                <a:cs typeface="Calibri" panose="020F0502020204030204" pitchFamily="34" charset="0"/>
-              </a:rPr>
-              <a:t>Make a masked array by explicitly specifying a  </a:t>
-            </a:r>
-          </a:p>
-          <a:p>
-            <a:pPr eaLnBrk="1" hangingPunct="1">
-              <a:lnSpc>
-                <a:spcPct val="103000"/>
-              </a:lnSpc>
-              <a:spcBef>
-                <a:spcPts val="600"/>
-              </a:spcBef>
-              <a:buFontTx/>
-              <a:buNone/>
-            </a:pPr>
-            <a:r>
-              <a:rPr lang="en-US" altLang="en-US" sz="3200">
-                <a:cs typeface="Calibri" panose="020F0502020204030204" pitchFamily="34" charset="0"/>
-              </a:rPr>
-              <a:t>mask (missing values have mask = True):</a:t>
-            </a:r>
-          </a:p>
-        </p:txBody>
-      </p:sp>
-      <p:sp>
-        <p:nvSpPr>
-          <p:cNvPr id="4" name="object 4"/>
-          <p:cNvSpPr txBox="1"/>
-          <p:nvPr/>
-        </p:nvSpPr>
-        <p:spPr>
-          <a:xfrm>
-            <a:off x="576263" y="2708275"/>
-            <a:ext cx="7883525" cy="1108075"/>
-          </a:xfrm>
-          <a:prstGeom prst="rect">
-            <a:avLst/>
-          </a:prstGeom>
-          <a:ln w="5054">
-            <a:noFill/>
-          </a:ln>
-        </p:spPr>
-        <p:txBody>
-          <a:bodyPr lIns="0" tIns="0" rIns="0" bIns="0">
-            <a:spAutoFit/>
-          </a:bodyPr>
-          <a:lstStyle/>
-          <a:p>
-            <a:pPr marL="74278" eaLnBrk="1" hangingPunct="1">
-              <a:defRPr/>
-            </a:pPr>
-            <a:r>
-              <a:rPr sz="2400" spc="129" dirty="0">
-                <a:latin typeface="Courier New" panose="02070309020205020404" pitchFamily="49" charset="0"/>
-                <a:cs typeface="Courier New" panose="02070309020205020404" pitchFamily="49" charset="0"/>
-              </a:rPr>
-              <a:t>a</a:t>
-            </a:r>
-            <a:r>
-              <a:rPr lang="en-GB" sz="2400" spc="129" dirty="0">
-                <a:latin typeface="Courier New" panose="02070309020205020404" pitchFamily="49" charset="0"/>
-                <a:cs typeface="Courier New" panose="02070309020205020404" pitchFamily="49" charset="0"/>
-              </a:rPr>
-              <a:t> </a:t>
-            </a:r>
-            <a:r>
-              <a:rPr sz="2400" spc="-10" dirty="0">
-                <a:latin typeface="Courier New" panose="02070309020205020404" pitchFamily="49" charset="0"/>
-                <a:cs typeface="Courier New" panose="02070309020205020404" pitchFamily="49" charset="0"/>
-              </a:rPr>
-              <a:t>=</a:t>
-            </a:r>
-            <a:r>
-              <a:rPr lang="en-GB" sz="2400" dirty="0">
-                <a:latin typeface="Courier New" panose="02070309020205020404" pitchFamily="49" charset="0"/>
-                <a:cs typeface="Courier New" panose="02070309020205020404" pitchFamily="49" charset="0"/>
-              </a:rPr>
-              <a:t> </a:t>
-            </a:r>
-            <a:r>
-              <a:rPr sz="2400" spc="99" dirty="0" err="1">
-                <a:latin typeface="Courier New" panose="02070309020205020404" pitchFamily="49" charset="0"/>
-                <a:cs typeface="Courier New" panose="02070309020205020404" pitchFamily="49" charset="0"/>
-              </a:rPr>
-              <a:t>MA.masked_array</a:t>
-            </a:r>
-            <a:r>
-              <a:rPr sz="2400" spc="99" dirty="0">
-                <a:latin typeface="Courier New" panose="02070309020205020404" pitchFamily="49" charset="0"/>
-                <a:cs typeface="Courier New" panose="02070309020205020404" pitchFamily="49" charset="0"/>
-              </a:rPr>
-              <a:t>(</a:t>
-            </a:r>
-            <a:endParaRPr lang="en-GB" sz="2400" spc="99" dirty="0">
-              <a:latin typeface="Courier New" panose="02070309020205020404" pitchFamily="49" charset="0"/>
-              <a:cs typeface="Courier New" panose="02070309020205020404" pitchFamily="49" charset="0"/>
-            </a:endParaRPr>
-          </a:p>
-          <a:p>
-            <a:pPr marL="74278" eaLnBrk="1" hangingPunct="1">
-              <a:defRPr/>
-            </a:pPr>
-            <a:r>
-              <a:rPr lang="en-GB" sz="2400" spc="99" dirty="0">
-                <a:latin typeface="Courier New" panose="02070309020205020404" pitchFamily="49" charset="0"/>
-                <a:cs typeface="Courier New" panose="02070309020205020404" pitchFamily="49" charset="0"/>
-              </a:rPr>
-              <a:t>       </a:t>
-            </a:r>
-            <a:r>
-              <a:rPr sz="2400" spc="99" dirty="0">
-                <a:latin typeface="Courier New" panose="02070309020205020404" pitchFamily="49" charset="0"/>
-                <a:cs typeface="Courier New" panose="02070309020205020404" pitchFamily="49" charset="0"/>
-              </a:rPr>
-              <a:t>data=</a:t>
-            </a:r>
-            <a:r>
-              <a:rPr sz="2400" spc="59" dirty="0">
-                <a:latin typeface="Courier New" panose="02070309020205020404" pitchFamily="49" charset="0"/>
-                <a:cs typeface="Courier New" panose="02070309020205020404" pitchFamily="49" charset="0"/>
-              </a:rPr>
-              <a:t>[</a:t>
-            </a:r>
-            <a:r>
-              <a:rPr sz="2400" spc="208" dirty="0">
-                <a:latin typeface="Courier New" panose="02070309020205020404" pitchFamily="49" charset="0"/>
-                <a:cs typeface="Courier New" panose="02070309020205020404" pitchFamily="49" charset="0"/>
-              </a:rPr>
-              <a:t>1,</a:t>
-            </a:r>
-            <a:r>
-              <a:rPr lang="en-GB" sz="2400" spc="208" dirty="0">
-                <a:latin typeface="Courier New" panose="02070309020205020404" pitchFamily="49" charset="0"/>
-                <a:cs typeface="Courier New" panose="02070309020205020404" pitchFamily="49" charset="0"/>
-              </a:rPr>
-              <a:t> </a:t>
-            </a:r>
-            <a:r>
-              <a:rPr sz="2400" spc="208" dirty="0">
-                <a:latin typeface="Courier New" panose="02070309020205020404" pitchFamily="49" charset="0"/>
-                <a:cs typeface="Courier New" panose="02070309020205020404" pitchFamily="49" charset="0"/>
-              </a:rPr>
-              <a:t>2,</a:t>
-            </a:r>
-            <a:r>
-              <a:rPr lang="en-GB" sz="2400" spc="208" dirty="0">
-                <a:latin typeface="Courier New" panose="02070309020205020404" pitchFamily="49" charset="0"/>
-                <a:cs typeface="Courier New" panose="02070309020205020404" pitchFamily="49" charset="0"/>
-              </a:rPr>
-              <a:t> </a:t>
-            </a:r>
-            <a:r>
-              <a:rPr sz="2400" spc="208" dirty="0">
-                <a:latin typeface="Courier New" panose="02070309020205020404" pitchFamily="49" charset="0"/>
-                <a:cs typeface="Courier New" panose="02070309020205020404" pitchFamily="49" charset="0"/>
-              </a:rPr>
-              <a:t>3],</a:t>
-            </a:r>
-            <a:endParaRPr lang="en-GB" sz="2400" spc="208" dirty="0">
-              <a:latin typeface="Courier New" panose="02070309020205020404" pitchFamily="49" charset="0"/>
-              <a:cs typeface="Courier New" panose="02070309020205020404" pitchFamily="49" charset="0"/>
-            </a:endParaRPr>
-          </a:p>
-          <a:p>
-            <a:pPr marL="74278" eaLnBrk="1" hangingPunct="1">
-              <a:defRPr/>
-            </a:pPr>
-            <a:r>
-              <a:rPr lang="en-GB" sz="2400" spc="99" dirty="0">
-                <a:latin typeface="Courier New" panose="02070309020205020404" pitchFamily="49" charset="0"/>
-                <a:cs typeface="Courier New" panose="02070309020205020404" pitchFamily="49" charset="0"/>
-              </a:rPr>
-              <a:t>       </a:t>
-            </a:r>
-            <a:r>
-              <a:rPr sz="2400" spc="99" dirty="0">
-                <a:latin typeface="Courier New" panose="02070309020205020404" pitchFamily="49" charset="0"/>
-                <a:cs typeface="Courier New" panose="02070309020205020404" pitchFamily="49" charset="0"/>
-              </a:rPr>
-              <a:t>mask=[True,</a:t>
-            </a:r>
-            <a:r>
-              <a:rPr lang="en-GB" sz="2400" dirty="0">
-                <a:latin typeface="Courier New" panose="02070309020205020404" pitchFamily="49" charset="0"/>
-                <a:cs typeface="Courier New" panose="02070309020205020404" pitchFamily="49" charset="0"/>
-              </a:rPr>
-              <a:t> </a:t>
-            </a:r>
-            <a:r>
-              <a:rPr sz="2400" spc="139" dirty="0">
-                <a:latin typeface="Courier New" panose="02070309020205020404" pitchFamily="49" charset="0"/>
-                <a:cs typeface="Courier New" panose="02070309020205020404" pitchFamily="49" charset="0"/>
-              </a:rPr>
-              <a:t>True,</a:t>
-            </a:r>
-            <a:r>
-              <a:rPr lang="en-GB" sz="2400" dirty="0">
-                <a:latin typeface="Courier New" panose="02070309020205020404" pitchFamily="49" charset="0"/>
-                <a:cs typeface="Courier New" panose="02070309020205020404" pitchFamily="49" charset="0"/>
-              </a:rPr>
-              <a:t> </a:t>
-            </a:r>
-            <a:r>
-              <a:rPr sz="2400" spc="188" dirty="0">
-                <a:latin typeface="Courier New" panose="02070309020205020404" pitchFamily="49" charset="0"/>
-                <a:cs typeface="Courier New" panose="02070309020205020404" pitchFamily="49" charset="0"/>
-              </a:rPr>
-              <a:t>False]</a:t>
-            </a:r>
-            <a:r>
-              <a:rPr lang="en-GB" sz="2400" spc="188" dirty="0">
-                <a:latin typeface="Courier New" panose="02070309020205020404" pitchFamily="49" charset="0"/>
-                <a:cs typeface="Courier New" panose="02070309020205020404" pitchFamily="49" charset="0"/>
-              </a:rPr>
-              <a:t>)</a:t>
-            </a:r>
-            <a:endParaRPr sz="2400" dirty="0">
-              <a:latin typeface="Courier New" panose="02070309020205020404" pitchFamily="49" charset="0"/>
-              <a:cs typeface="Courier New" panose="02070309020205020404" pitchFamily="49" charset="0"/>
-            </a:endParaRPr>
-          </a:p>
-        </p:txBody>
-      </p:sp>
-      <p:sp>
-        <p:nvSpPr>
-          <p:cNvPr id="68612" name="object 2"/>
-          <p:cNvSpPr txBox="1">
-            <a:spLocks/>
-          </p:cNvSpPr>
-          <p:nvPr/>
-        </p:nvSpPr>
-        <p:spPr bwMode="auto">
-          <a:xfrm>
-            <a:off x="576263" y="123825"/>
-            <a:ext cx="8229600" cy="1355725"/>
-          </a:xfrm>
-          <a:prstGeom prst="rect">
-            <a:avLst/>
-          </a:prstGeom>
-          <a:noFill/>
-          <a:ln>
-            <a:noFill/>
-          </a:ln>
-          <a:extLst>
-            <a:ext uri="{909E8E84-426E-40DD-AFC4-6F175D3DCCD1}">
-              <a14:hiddenFill xmlns:a14="http://schemas.microsoft.com/office/drawing/2010/main">
-                <a:solidFill>
-                  <a:srgbClr val="FFFFFF"/>
-                </a:solidFill>
-              </a14:hiddenFill>
-            </a:ext>
-            <a:ext uri="{91240B29-F687-4F45-9708-019B960494DF}">
-              <a14:hiddenLine xmlns:a14="http://schemas.microsoft.com/office/drawing/2010/main" w="9525">
-                <a:solidFill>
-                  <a:srgbClr val="000000"/>
-                </a:solidFill>
-                <a:miter lim="800000"/>
-                <a:headEnd/>
-                <a:tailEnd/>
-              </a14:hiddenLine>
-            </a:ext>
-          </a:extLst>
-        </p:spPr>
-        <p:txBody>
-          <a:bodyPr anchor="ctr"/>
-          <a:lstStyle>
-            <a:lvl1pPr>
-              <a:lnSpc>
-                <a:spcPct val="90000"/>
-              </a:lnSpc>
-              <a:spcBef>
-                <a:spcPts val="1000"/>
-              </a:spcBef>
-              <a:buFont typeface="Arial" panose="020B0604020202020204" pitchFamily="34" charset="0"/>
-              <a:buChar char="•"/>
-              <a:defRPr sz="2400">
-                <a:solidFill>
-                  <a:schemeClr val="tx1"/>
-                </a:solidFill>
-                <a:latin typeface="Calibri" panose="020F0502020204030204" pitchFamily="34" charset="0"/>
-              </a:defRPr>
-            </a:lvl1pPr>
-            <a:lvl2pPr marL="742950" indent="-285750">
-              <a:lnSpc>
-                <a:spcPct val="90000"/>
-              </a:lnSpc>
-              <a:spcBef>
-                <a:spcPts val="500"/>
-              </a:spcBef>
-              <a:buFont typeface="Arial" panose="020B0604020202020204" pitchFamily="34" charset="0"/>
-              <a:buChar char="•"/>
-              <a:defRPr sz="2000">
-                <a:solidFill>
-                  <a:schemeClr val="tx1"/>
-                </a:solidFill>
-                <a:latin typeface="Calibri" panose="020F0502020204030204" pitchFamily="34" charset="0"/>
-              </a:defRPr>
-            </a:lvl2pPr>
-            <a:lvl3pPr marL="1143000" indent="-228600">
-              <a:lnSpc>
-                <a:spcPct val="90000"/>
-              </a:lnSpc>
-              <a:spcBef>
-                <a:spcPts val="500"/>
-              </a:spcBef>
-              <a:buFont typeface="Arial" panose="020B0604020202020204" pitchFamily="34" charset="0"/>
-              <a:buChar char="•"/>
-              <a:defRPr>
-                <a:solidFill>
-                  <a:schemeClr val="tx1"/>
-                </a:solidFill>
-                <a:latin typeface="Calibri" panose="020F0502020204030204" pitchFamily="34" charset="0"/>
-              </a:defRPr>
-            </a:lvl3pPr>
-            <a:lvl4pPr marL="1600200" indent="-228600">
-              <a:lnSpc>
-                <a:spcPct val="90000"/>
-              </a:lnSpc>
-              <a:spcBef>
-                <a:spcPts val="500"/>
-              </a:spcBef>
-              <a:buFont typeface="Arial" panose="020B0604020202020204" pitchFamily="34" charset="0"/>
-              <a:buChar char="•"/>
-              <a:defRPr sz="1600">
-                <a:solidFill>
-                  <a:schemeClr val="tx1"/>
-                </a:solidFill>
-                <a:latin typeface="Calibri" panose="020F0502020204030204" pitchFamily="34" charset="0"/>
-              </a:defRPr>
-            </a:lvl4pPr>
-            <a:lvl5pPr marL="2057400" indent="-228600">
-              <a:lnSpc>
-                <a:spcPct val="90000"/>
-              </a:lnSpc>
-              <a:spcBef>
-                <a:spcPts val="500"/>
-              </a:spcBef>
-              <a:buFont typeface="Arial" panose="020B0604020202020204" pitchFamily="34" charset="0"/>
-              <a:buChar char="•"/>
-              <a:defRPr sz="1600">
-                <a:solidFill>
-                  <a:schemeClr val="tx1"/>
-                </a:solidFill>
-                <a:latin typeface="Calibri" panose="020F0502020204030204" pitchFamily="34" charset="0"/>
-              </a:defRPr>
-            </a:lvl5pPr>
-            <a:lvl6pPr marL="2514600" indent="-228600" fontAlgn="base">
-              <a:lnSpc>
-                <a:spcPct val="90000"/>
-              </a:lnSpc>
-              <a:spcBef>
-                <a:spcPts val="500"/>
-              </a:spcBef>
-              <a:spcAft>
-                <a:spcPct val="0"/>
-              </a:spcAft>
-              <a:buFont typeface="Arial" panose="020B0604020202020204" pitchFamily="34" charset="0"/>
-              <a:buChar char="•"/>
-              <a:defRPr sz="1600">
-                <a:solidFill>
-                  <a:schemeClr val="tx1"/>
-                </a:solidFill>
-                <a:latin typeface="Calibri" panose="020F0502020204030204" pitchFamily="34" charset="0"/>
-              </a:defRPr>
-            </a:lvl6pPr>
-            <a:lvl7pPr marL="2971800" indent="-228600" fontAlgn="base">
-              <a:lnSpc>
-                <a:spcPct val="90000"/>
-              </a:lnSpc>
-              <a:spcBef>
-                <a:spcPts val="500"/>
-              </a:spcBef>
-              <a:spcAft>
-                <a:spcPct val="0"/>
-              </a:spcAft>
-              <a:buFont typeface="Arial" panose="020B0604020202020204" pitchFamily="34" charset="0"/>
-              <a:buChar char="•"/>
-              <a:defRPr sz="1600">
-                <a:solidFill>
-                  <a:schemeClr val="tx1"/>
-                </a:solidFill>
-                <a:latin typeface="Calibri" panose="020F0502020204030204" pitchFamily="34" charset="0"/>
-              </a:defRPr>
-            </a:lvl7pPr>
-            <a:lvl8pPr marL="3429000" indent="-228600" fontAlgn="base">
-              <a:lnSpc>
-                <a:spcPct val="90000"/>
-              </a:lnSpc>
-              <a:spcBef>
-                <a:spcPts val="500"/>
-              </a:spcBef>
-              <a:spcAft>
-                <a:spcPct val="0"/>
-              </a:spcAft>
-              <a:buFont typeface="Arial" panose="020B0604020202020204" pitchFamily="34" charset="0"/>
-              <a:buChar char="•"/>
-              <a:defRPr sz="1600">
-                <a:solidFill>
-                  <a:schemeClr val="tx1"/>
-                </a:solidFill>
-                <a:latin typeface="Calibri" panose="020F0502020204030204" pitchFamily="34" charset="0"/>
-              </a:defRPr>
-            </a:lvl8pPr>
-            <a:lvl9pPr marL="3886200" indent="-228600" fontAlgn="base">
-              <a:lnSpc>
-                <a:spcPct val="90000"/>
-              </a:lnSpc>
-              <a:spcBef>
-                <a:spcPts val="500"/>
-              </a:spcBef>
-              <a:spcAft>
-                <a:spcPct val="0"/>
-              </a:spcAft>
-              <a:buFont typeface="Arial" panose="020B0604020202020204" pitchFamily="34" charset="0"/>
-              <a:buChar char="•"/>
-              <a:defRPr sz="1600">
-                <a:solidFill>
-                  <a:schemeClr val="tx1"/>
-                </a:solidFill>
-                <a:latin typeface="Calibri" panose="020F0502020204030204" pitchFamily="34" charset="0"/>
-              </a:defRPr>
-            </a:lvl9pPr>
-          </a:lstStyle>
-          <a:p>
-            <a:pPr algn="ctr" eaLnBrk="1" hangingPunct="1">
-              <a:lnSpc>
-                <a:spcPct val="100000"/>
-              </a:lnSpc>
-              <a:spcBef>
-                <a:spcPct val="0"/>
-              </a:spcBef>
-              <a:buFontTx/>
-              <a:buNone/>
-            </a:pPr>
-            <a:r>
-              <a:rPr lang="en-US" altLang="en-US" sz="4400" b="1">
-                <a:cs typeface="Calibri" panose="020F0502020204030204" pitchFamily="34" charset="0"/>
-              </a:rPr>
-              <a:t>Constructing Masked Arrays 2</a:t>
-            </a:r>
-          </a:p>
-        </p:txBody>
-      </p:sp>
-      <p:sp>
-        <p:nvSpPr>
-          <p:cNvPr id="6" name="object 3"/>
-          <p:cNvSpPr txBox="1">
-            <a:spLocks noChangeArrowheads="1"/>
-          </p:cNvSpPr>
-          <p:nvPr/>
-        </p:nvSpPr>
-        <p:spPr bwMode="auto">
-          <a:xfrm>
-            <a:off x="468313" y="4032250"/>
-            <a:ext cx="7991475" cy="1752600"/>
-          </a:xfrm>
-          <a:prstGeom prst="rect">
-            <a:avLst/>
-          </a:prstGeom>
-          <a:noFill/>
-          <a:ln>
-            <a:noFill/>
-          </a:ln>
-          <a:extLst>
-            <a:ext uri="{909E8E84-426E-40DD-AFC4-6F175D3DCCD1}">
-              <a14:hiddenFill xmlns:a14="http://schemas.microsoft.com/office/drawing/2010/main">
-                <a:solidFill>
-                  <a:srgbClr val="FFFFFF"/>
-                </a:solidFill>
-              </a14:hiddenFill>
-            </a:ext>
-            <a:ext uri="{91240B29-F687-4F45-9708-019B960494DF}">
-              <a14:hiddenLine xmlns:a14="http://schemas.microsoft.com/office/drawing/2010/main" w="9525">
-                <a:solidFill>
-                  <a:srgbClr val="000000"/>
-                </a:solidFill>
-                <a:miter lim="800000"/>
-                <a:headEnd/>
-                <a:tailEnd/>
-              </a14:hiddenLine>
-            </a:ext>
-          </a:extLst>
-        </p:spPr>
-        <p:txBody>
-          <a:bodyPr lIns="0" tIns="0" rIns="0" bIns="0">
-            <a:spAutoFit/>
-          </a:bodyPr>
-          <a:lstStyle>
-            <a:lvl1pPr marL="317500" indent="-293688" eaLnBrk="0" hangingPunct="0">
-              <a:spcBef>
-                <a:spcPct val="20000"/>
-              </a:spcBef>
-              <a:buFont typeface="Arial" charset="0"/>
-              <a:buChar char="•"/>
-              <a:defRPr sz="3200">
-                <a:solidFill>
-                  <a:schemeClr val="tx1"/>
-                </a:solidFill>
-                <a:latin typeface="Calibri" pitchFamily="34" charset="0"/>
-              </a:defRPr>
-            </a:lvl1pPr>
-            <a:lvl2pPr marL="742950" indent="-285750" eaLnBrk="0" hangingPunct="0">
-              <a:spcBef>
-                <a:spcPct val="20000"/>
-              </a:spcBef>
-              <a:buFont typeface="Arial" charset="0"/>
-              <a:buChar char="–"/>
-              <a:defRPr sz="2800">
-                <a:solidFill>
-                  <a:schemeClr val="tx1"/>
-                </a:solidFill>
-                <a:latin typeface="Calibri" pitchFamily="34" charset="0"/>
-              </a:defRPr>
-            </a:lvl2pPr>
-            <a:lvl3pPr marL="1143000" indent="-228600" eaLnBrk="0" hangingPunct="0">
-              <a:spcBef>
-                <a:spcPct val="20000"/>
-              </a:spcBef>
-              <a:buFont typeface="Arial" charset="0"/>
-              <a:buChar char="•"/>
-              <a:defRPr sz="2400">
-                <a:solidFill>
-                  <a:schemeClr val="tx1"/>
-                </a:solidFill>
-                <a:latin typeface="Calibri" pitchFamily="34" charset="0"/>
-              </a:defRPr>
-            </a:lvl3pPr>
-            <a:lvl4pPr marL="1600200" indent="-228600" eaLnBrk="0" hangingPunct="0">
-              <a:spcBef>
-                <a:spcPct val="20000"/>
-              </a:spcBef>
-              <a:buFont typeface="Arial" charset="0"/>
-              <a:buChar char="–"/>
-              <a:defRPr sz="2000">
-                <a:solidFill>
-                  <a:schemeClr val="tx1"/>
-                </a:solidFill>
-                <a:latin typeface="Calibri" pitchFamily="34" charset="0"/>
-              </a:defRPr>
-            </a:lvl4pPr>
-            <a:lvl5pPr marL="2057400" indent="-228600" eaLnBrk="0" hangingPunct="0">
-              <a:spcBef>
-                <a:spcPct val="20000"/>
-              </a:spcBef>
-              <a:buFont typeface="Arial" charset="0"/>
-              <a:buChar char="»"/>
-              <a:defRPr sz="2000">
-                <a:solidFill>
-                  <a:schemeClr val="tx1"/>
-                </a:solidFill>
-                <a:latin typeface="Calibri" pitchFamily="34" charset="0"/>
-              </a:defRPr>
-            </a:lvl5pPr>
-            <a:lvl6pPr marL="2514600" indent="-228600" eaLnBrk="0" fontAlgn="base" hangingPunct="0">
-              <a:spcBef>
-                <a:spcPct val="20000"/>
-              </a:spcBef>
-              <a:spcAft>
-                <a:spcPct val="0"/>
-              </a:spcAft>
-              <a:buFont typeface="Arial" charset="0"/>
-              <a:buChar char="»"/>
-              <a:defRPr sz="2000">
-                <a:solidFill>
-                  <a:schemeClr val="tx1"/>
-                </a:solidFill>
-                <a:latin typeface="Calibri" pitchFamily="34" charset="0"/>
-              </a:defRPr>
-            </a:lvl6pPr>
-            <a:lvl7pPr marL="2971800" indent="-228600" eaLnBrk="0" fontAlgn="base" hangingPunct="0">
-              <a:spcBef>
-                <a:spcPct val="20000"/>
-              </a:spcBef>
-              <a:spcAft>
-                <a:spcPct val="0"/>
-              </a:spcAft>
-              <a:buFont typeface="Arial" charset="0"/>
-              <a:buChar char="»"/>
-              <a:defRPr sz="2000">
-                <a:solidFill>
-                  <a:schemeClr val="tx1"/>
-                </a:solidFill>
-                <a:latin typeface="Calibri" pitchFamily="34" charset="0"/>
-              </a:defRPr>
-            </a:lvl7pPr>
-            <a:lvl8pPr marL="3429000" indent="-228600" eaLnBrk="0" fontAlgn="base" hangingPunct="0">
-              <a:spcBef>
-                <a:spcPct val="20000"/>
-              </a:spcBef>
-              <a:spcAft>
-                <a:spcPct val="0"/>
-              </a:spcAft>
-              <a:buFont typeface="Arial" charset="0"/>
-              <a:buChar char="»"/>
-              <a:defRPr sz="2000">
-                <a:solidFill>
-                  <a:schemeClr val="tx1"/>
-                </a:solidFill>
-                <a:latin typeface="Calibri" pitchFamily="34" charset="0"/>
-              </a:defRPr>
-            </a:lvl8pPr>
-            <a:lvl9pPr marL="3886200" indent="-228600" eaLnBrk="0" fontAlgn="base" hangingPunct="0">
-              <a:spcBef>
-                <a:spcPct val="20000"/>
-              </a:spcBef>
-              <a:spcAft>
-                <a:spcPct val="0"/>
-              </a:spcAft>
-              <a:buFont typeface="Arial" charset="0"/>
-              <a:buChar char="»"/>
-              <a:defRPr sz="2000">
-                <a:solidFill>
-                  <a:schemeClr val="tx1"/>
-                </a:solidFill>
-                <a:latin typeface="Calibri" pitchFamily="34" charset="0"/>
-              </a:defRPr>
-            </a:lvl9pPr>
-          </a:lstStyle>
-          <a:p>
-            <a:pPr eaLnBrk="1" hangingPunct="1">
-              <a:lnSpc>
-                <a:spcPct val="103000"/>
-              </a:lnSpc>
-              <a:spcBef>
-                <a:spcPts val="600"/>
-              </a:spcBef>
-              <a:buFontTx/>
-              <a:buNone/>
-              <a:defRPr/>
-            </a:pPr>
-            <a:r>
-              <a:rPr lang="en-GB" altLang="en-US" sz="2400" b="1" dirty="0">
-                <a:latin typeface="Courier New" panose="02070309020205020404" pitchFamily="49" charset="0"/>
-                <a:cs typeface="Courier New" panose="02070309020205020404" pitchFamily="49" charset="0"/>
-              </a:rPr>
-              <a:t>&gt;&gt;&gt; </a:t>
-            </a:r>
-            <a:r>
-              <a:rPr lang="en-GB" altLang="en-US" sz="2400" dirty="0">
-                <a:latin typeface="Courier New" panose="02070309020205020404" pitchFamily="49" charset="0"/>
-                <a:cs typeface="Courier New" panose="02070309020205020404" pitchFamily="49" charset="0"/>
-              </a:rPr>
-              <a:t>a</a:t>
-            </a:r>
-          </a:p>
-          <a:p>
-            <a:pPr eaLnBrk="1" hangingPunct="1">
-              <a:lnSpc>
-                <a:spcPct val="103000"/>
-              </a:lnSpc>
-              <a:spcBef>
-                <a:spcPts val="600"/>
-              </a:spcBef>
-              <a:buFontTx/>
-              <a:buNone/>
-              <a:defRPr/>
-            </a:pPr>
-            <a:r>
-              <a:rPr lang="en-GB" altLang="en-US" sz="2400" i="1" dirty="0" err="1">
-                <a:solidFill>
-                  <a:srgbClr val="336600"/>
-                </a:solidFill>
-                <a:latin typeface="Courier New" panose="02070309020205020404" pitchFamily="49" charset="0"/>
-                <a:cs typeface="Courier New" panose="02070309020205020404" pitchFamily="49" charset="0"/>
-              </a:rPr>
-              <a:t>masked_array</a:t>
-            </a:r>
-            <a:r>
-              <a:rPr lang="en-GB" altLang="en-US" sz="2400" i="1" dirty="0">
-                <a:solidFill>
-                  <a:srgbClr val="336600"/>
-                </a:solidFill>
-                <a:latin typeface="Courier New" panose="02070309020205020404" pitchFamily="49" charset="0"/>
-                <a:cs typeface="Courier New" panose="02070309020205020404" pitchFamily="49" charset="0"/>
-              </a:rPr>
-              <a:t>(data = [-- -- 3],</a:t>
-            </a:r>
-          </a:p>
-          <a:p>
-            <a:pPr eaLnBrk="1" hangingPunct="1">
-              <a:lnSpc>
-                <a:spcPct val="103000"/>
-              </a:lnSpc>
-              <a:spcBef>
-                <a:spcPts val="600"/>
-              </a:spcBef>
-              <a:buFontTx/>
-              <a:buNone/>
-              <a:defRPr/>
-            </a:pPr>
-            <a:r>
-              <a:rPr lang="en-GB" altLang="en-US" sz="2400" i="1" dirty="0">
-                <a:solidFill>
-                  <a:srgbClr val="336600"/>
-                </a:solidFill>
-                <a:latin typeface="Courier New" panose="02070309020205020404" pitchFamily="49" charset="0"/>
-                <a:cs typeface="Courier New" panose="02070309020205020404" pitchFamily="49" charset="0"/>
-              </a:rPr>
-              <a:t>mask = [ True  </a:t>
-            </a:r>
-            <a:r>
-              <a:rPr lang="en-GB" altLang="en-US" sz="2400" i="1" dirty="0" err="1">
-                <a:solidFill>
-                  <a:srgbClr val="336600"/>
-                </a:solidFill>
-                <a:latin typeface="Courier New" panose="02070309020205020404" pitchFamily="49" charset="0"/>
-                <a:cs typeface="Courier New" panose="02070309020205020404" pitchFamily="49" charset="0"/>
-              </a:rPr>
-              <a:t>True</a:t>
-            </a:r>
-            <a:r>
-              <a:rPr lang="en-GB" altLang="en-US" sz="2400" i="1" dirty="0">
-                <a:solidFill>
-                  <a:srgbClr val="336600"/>
-                </a:solidFill>
-                <a:latin typeface="Courier New" panose="02070309020205020404" pitchFamily="49" charset="0"/>
-                <a:cs typeface="Courier New" panose="02070309020205020404" pitchFamily="49" charset="0"/>
-              </a:rPr>
-              <a:t> False],</a:t>
-            </a:r>
-          </a:p>
-          <a:p>
-            <a:pPr eaLnBrk="1" hangingPunct="1">
-              <a:lnSpc>
-                <a:spcPct val="103000"/>
-              </a:lnSpc>
-              <a:spcBef>
-                <a:spcPts val="600"/>
-              </a:spcBef>
-              <a:buFontTx/>
-              <a:buNone/>
-              <a:defRPr/>
-            </a:pPr>
-            <a:r>
-              <a:rPr lang="en-GB" altLang="en-US" sz="2400" i="1" dirty="0" err="1">
-                <a:solidFill>
-                  <a:srgbClr val="336600"/>
-                </a:solidFill>
-                <a:latin typeface="Courier New" panose="02070309020205020404" pitchFamily="49" charset="0"/>
-                <a:cs typeface="Courier New" panose="02070309020205020404" pitchFamily="49" charset="0"/>
-              </a:rPr>
-              <a:t>fill_value</a:t>
-            </a:r>
-            <a:r>
-              <a:rPr lang="en-GB" altLang="en-US" sz="2400" i="1" dirty="0">
-                <a:solidFill>
-                  <a:srgbClr val="336600"/>
-                </a:solidFill>
-                <a:latin typeface="Courier New" panose="02070309020205020404" pitchFamily="49" charset="0"/>
-                <a:cs typeface="Courier New" panose="02070309020205020404" pitchFamily="49" charset="0"/>
-              </a:rPr>
-              <a:t> = 999999)</a:t>
-            </a:r>
-            <a:r>
-              <a:rPr lang="en-GB" altLang="en-US" sz="2400" dirty="0">
-                <a:latin typeface="Courier New" panose="02070309020205020404" pitchFamily="49" charset="0"/>
-                <a:cs typeface="Courier New" panose="02070309020205020404" pitchFamily="49" charset="0"/>
-                <a:sym typeface="Wingdings" panose="05000000000000000000" pitchFamily="2" charset="2"/>
-              </a:rPr>
-              <a:t> 		</a:t>
-            </a:r>
-            <a:r>
-              <a:rPr lang="en-GB" altLang="en-US" sz="2400" i="1" dirty="0">
-                <a:latin typeface="+mj-lt"/>
-                <a:cs typeface="Courier New" panose="02070309020205020404" pitchFamily="49" charset="0"/>
-                <a:sym typeface="Wingdings" panose="05000000000000000000" pitchFamily="2" charset="2"/>
-              </a:rPr>
-              <a:t>discussed later</a:t>
-            </a:r>
-            <a:endParaRPr lang="en-GB" altLang="en-US" sz="2400" i="1" dirty="0">
-              <a:latin typeface="+mj-lt"/>
-              <a:cs typeface="Courier New" panose="02070309020205020404" pitchFamily="49" charset="0"/>
-            </a:endParaRPr>
-          </a:p>
-        </p:txBody>
-      </p:sp>
-      <p:cxnSp>
-        <p:nvCxnSpPr>
-          <p:cNvPr id="3" name="Straight Arrow Connector 2"/>
-          <p:cNvCxnSpPr/>
-          <p:nvPr/>
-        </p:nvCxnSpPr>
-        <p:spPr>
-          <a:xfrm flipH="1">
-            <a:off x="4140200" y="5589588"/>
-            <a:ext cx="1655763" cy="0"/>
-          </a:xfrm>
-          <a:prstGeom prst="straightConnector1">
-            <a:avLst/>
-          </a:prstGeom>
-          <a:ln>
-            <a:tailEnd type="triangle"/>
-          </a:ln>
-        </p:spPr>
-        <p:style>
-          <a:lnRef idx="2">
-            <a:schemeClr val="dk1"/>
-          </a:lnRef>
-          <a:fillRef idx="0">
-            <a:schemeClr val="dk1"/>
-          </a:fillRef>
-          <a:effectRef idx="1">
-            <a:schemeClr val="dk1"/>
-          </a:effectRef>
-          <a:fontRef idx="minor">
-            <a:schemeClr val="tx1"/>
-          </a:fontRef>
-        </p:style>
-      </p:cxnSp>
-    </p:spTree>
-  </p:cSld>
-  <p:clrMapOvr>
-    <a:masterClrMapping/>
-  </p:clrMapOvr>
-  <p:transition>
-    <p:cut/>
-  </p:transition>
-</p:sld>
-</file>
-
-<file path=ppt/slides/slide31.xml><?xml version="1.0" encoding="utf-8"?>
-<p:sld xmlns:a="http://schemas.openxmlformats.org/drawingml/2006/main" xmlns:r="http://schemas.openxmlformats.org/officeDocument/2006/relationships" xmlns:p="http://schemas.openxmlformats.org/presentationml/2006/main">
-  <p:cSld>
-    <p:spTree>
-      <p:nvGrpSpPr>
-        <p:cNvPr id="1" name=""/>
-        <p:cNvGrpSpPr/>
-        <p:nvPr/>
-      </p:nvGrpSpPr>
-      <p:grpSpPr>
-        <a:xfrm>
-          <a:off x="0" y="0"/>
-          <a:ext cx="0" cy="0"/>
-          <a:chOff x="0" y="0"/>
-          <a:chExt cx="0" cy="0"/>
-        </a:xfrm>
-      </p:grpSpPr>
-      <p:sp>
-        <p:nvSpPr>
           <p:cNvPr id="2" name="object 2"/>
           <p:cNvSpPr txBox="1">
             <a:spLocks noGrp="1"/>
@@ -17690,7 +17369,7 @@
 </p:sld>
 </file>
 
-<file path=ppt/slides/slide32.xml><?xml version="1.0" encoding="utf-8"?>
+<file path=ppt/slides/slide31.xml><?xml version="1.0" encoding="utf-8"?>
 <p:sld xmlns:a="http://schemas.openxmlformats.org/drawingml/2006/main" xmlns:r="http://schemas.openxmlformats.org/officeDocument/2006/relationships" xmlns:p="http://schemas.openxmlformats.org/presentationml/2006/main">
   <p:cSld>
     <p:spTree>
@@ -18609,7 +18288,7 @@
 </p:sld>
 </file>
 
-<file path=ppt/slides/slide33.xml><?xml version="1.0" encoding="utf-8"?>
+<file path=ppt/slides/slide32.xml><?xml version="1.0" encoding="utf-8"?>
 <p:sld xmlns:a="http://schemas.openxmlformats.org/drawingml/2006/main" xmlns:r="http://schemas.openxmlformats.org/officeDocument/2006/relationships" xmlns:p="http://schemas.openxmlformats.org/presentationml/2006/main">
   <p:cSld>
     <p:spTree>
@@ -19533,7 +19212,7 @@
 </p:sld>
 </file>
 
-<file path=ppt/slides/slide34.xml><?xml version="1.0" encoding="utf-8"?>
+<file path=ppt/slides/slide33.xml><?xml version="1.0" encoding="utf-8"?>
 <p:sld xmlns:a="http://schemas.openxmlformats.org/drawingml/2006/main" xmlns:r="http://schemas.openxmlformats.org/officeDocument/2006/relationships" xmlns:p="http://schemas.openxmlformats.org/presentationml/2006/main">
   <p:cSld>
     <p:spTree>
@@ -20076,7 +19755,7 @@
       </p:grpSpPr>
       <p:sp>
         <p:nvSpPr>
-          <p:cNvPr id="14338" name="object 2"/>
+          <p:cNvPr id="16386" name="object 2"/>
           <p:cNvSpPr>
             <a:spLocks noGrp="1"/>
           </p:cNvSpPr>
@@ -20213,6 +19892,59 @@
               <a:t>	a = np.array([[2, 3, -5],[21, -2, 1]])</a:t>
             </a:r>
           </a:p>
+          <a:p>
+            <a:pPr marL="0" indent="0" fontAlgn="auto">
+              <a:spcAft>
+                <a:spcPts val="0"/>
+              </a:spcAft>
+              <a:buFont typeface="Arial" panose="020B0604020202020204" pitchFamily="34" charset="0"/>
+              <a:buNone/>
+              <a:defRPr/>
+            </a:pPr>
+            <a:endParaRPr lang="en-GB" dirty="0"/>
+          </a:p>
+          <a:p>
+            <a:pPr fontAlgn="auto">
+              <a:spcAft>
+                <a:spcPts val="0"/>
+              </a:spcAft>
+              <a:defRPr/>
+            </a:pPr>
+            <a:r>
+              <a:rPr lang="en-GB" dirty="0">
+                <a:solidFill>
+                  <a:prstClr val="black"/>
+                </a:solidFill>
+              </a:rPr>
+              <a:t>The </a:t>
+            </a:r>
+            <a:r>
+              <a:rPr lang="en-GB" dirty="0">
+                <a:latin typeface="Courier New" panose="02070309020205020404" pitchFamily="49" charset="0"/>
+                <a:cs typeface="Courier New" panose="02070309020205020404" pitchFamily="49" charset="0"/>
+              </a:rPr>
+              <a:t>array</a:t>
+            </a:r>
+            <a:r>
+              <a:rPr lang="en-GB" dirty="0">
+                <a:solidFill>
+                  <a:prstClr val="black"/>
+                </a:solidFill>
+              </a:rPr>
+              <a:t> function will match the array type to the contents of the list.</a:t>
+            </a:r>
+          </a:p>
+          <a:p>
+            <a:pPr marL="0" indent="0" fontAlgn="auto">
+              <a:spcAft>
+                <a:spcPts val="0"/>
+              </a:spcAft>
+              <a:buFont typeface="Arial" panose="020B0604020202020204" pitchFamily="34" charset="0"/>
+              <a:buNone/>
+              <a:defRPr/>
+            </a:pPr>
+            <a:endParaRPr lang="en-GB" dirty="0"/>
+          </a:p>
         </p:txBody>
       </p:sp>
     </p:spTree>
@@ -20227,228 +19959,6 @@
 </file>
 
 <file path=ppt/slides/slide6.xml><?xml version="1.0" encoding="utf-8"?>
-<p:sld xmlns:a="http://schemas.openxmlformats.org/drawingml/2006/main" xmlns:r="http://schemas.openxmlformats.org/officeDocument/2006/relationships" xmlns:p="http://schemas.openxmlformats.org/presentationml/2006/main">
-  <p:cSld>
-    <p:spTree>
-      <p:nvGrpSpPr>
-        <p:cNvPr id="1" name=""/>
-        <p:cNvGrpSpPr/>
-        <p:nvPr/>
-      </p:nvGrpSpPr>
-      <p:grpSpPr>
-        <a:xfrm>
-          <a:off x="0" y="0"/>
-          <a:ext cx="0" cy="0"/>
-          <a:chOff x="0" y="0"/>
-          <a:chExt cx="0" cy="0"/>
-        </a:xfrm>
-      </p:grpSpPr>
-      <p:sp>
-        <p:nvSpPr>
-          <p:cNvPr id="16386" name="object 2"/>
-          <p:cNvSpPr>
-            <a:spLocks noGrp="1"/>
-          </p:cNvSpPr>
-          <p:nvPr>
-            <p:ph type="title"/>
-          </p:nvPr>
-        </p:nvSpPr>
-        <p:spPr>
-          <a:xfrm>
-            <a:off x="457200" y="508000"/>
-            <a:ext cx="8229600" cy="676275"/>
-          </a:xfrm>
-        </p:spPr>
-        <p:txBody>
-          <a:bodyPr/>
-          <a:lstStyle/>
-          <a:p>
-            <a:r>
-              <a:rPr lang="en-US" altLang="en-US" b="1"/>
-              <a:t>Creating arrays</a:t>
-            </a:r>
-          </a:p>
-        </p:txBody>
-      </p:sp>
-      <p:sp>
-        <p:nvSpPr>
-          <p:cNvPr id="7" name="Content Placeholder 6"/>
-          <p:cNvSpPr>
-            <a:spLocks noGrp="1"/>
-          </p:cNvSpPr>
-          <p:nvPr>
-            <p:ph idx="1"/>
-          </p:nvPr>
-        </p:nvSpPr>
-        <p:spPr/>
-        <p:txBody>
-          <a:bodyPr rtlCol="0">
-            <a:normAutofit/>
-          </a:bodyPr>
-          <a:lstStyle/>
-          <a:p>
-            <a:pPr fontAlgn="auto">
-              <a:spcAft>
-                <a:spcPts val="0"/>
-              </a:spcAft>
-              <a:defRPr/>
-            </a:pPr>
-            <a:r>
-              <a:rPr lang="en-GB" dirty="0"/>
-              <a:t>Use the </a:t>
-            </a:r>
-            <a:r>
-              <a:rPr lang="en-GB" dirty="0">
-                <a:latin typeface="Courier New" panose="02070309020205020404" pitchFamily="49" charset="0"/>
-                <a:cs typeface="Courier New" panose="02070309020205020404" pitchFamily="49" charset="0"/>
-              </a:rPr>
-              <a:t>array</a:t>
-            </a:r>
-            <a:r>
-              <a:rPr lang="en-GB" dirty="0"/>
-              <a:t> function on a list:</a:t>
-            </a:r>
-          </a:p>
-          <a:p>
-            <a:pPr marL="0" indent="0" fontAlgn="auto">
-              <a:spcAft>
-                <a:spcPts val="0"/>
-              </a:spcAft>
-              <a:buFont typeface="Arial" panose="020B0604020202020204" pitchFamily="34" charset="0"/>
-              <a:buNone/>
-              <a:defRPr/>
-            </a:pPr>
-            <a:endParaRPr lang="en-GB" sz="1100" dirty="0"/>
-          </a:p>
-          <a:p>
-            <a:pPr marL="0" indent="0" fontAlgn="auto">
-              <a:spcAft>
-                <a:spcPts val="0"/>
-              </a:spcAft>
-              <a:buFont typeface="Arial" panose="020B0604020202020204" pitchFamily="34" charset="0"/>
-              <a:buNone/>
-              <a:defRPr/>
-            </a:pPr>
-            <a:r>
-              <a:rPr lang="pt-BR" dirty="0">
-                <a:latin typeface="Courier New" panose="02070309020205020404" pitchFamily="49" charset="0"/>
-                <a:cs typeface="Courier New" panose="02070309020205020404" pitchFamily="49" charset="0"/>
-              </a:rPr>
-              <a:t>	</a:t>
-            </a:r>
-            <a:r>
-              <a:rPr lang="pt-BR" b="1" dirty="0">
-                <a:latin typeface="Courier New" panose="02070309020205020404" pitchFamily="49" charset="0"/>
-                <a:cs typeface="Courier New" panose="02070309020205020404" pitchFamily="49" charset="0"/>
-              </a:rPr>
-              <a:t>import</a:t>
-            </a:r>
-            <a:r>
-              <a:rPr lang="pt-BR" dirty="0">
-                <a:latin typeface="Courier New" panose="02070309020205020404" pitchFamily="49" charset="0"/>
-                <a:cs typeface="Courier New" panose="02070309020205020404" pitchFamily="49" charset="0"/>
-              </a:rPr>
-              <a:t> numpy </a:t>
-            </a:r>
-            <a:r>
-              <a:rPr lang="pt-BR" b="1" dirty="0">
-                <a:latin typeface="Courier New" panose="02070309020205020404" pitchFamily="49" charset="0"/>
-                <a:cs typeface="Courier New" panose="02070309020205020404" pitchFamily="49" charset="0"/>
-              </a:rPr>
-              <a:t>as</a:t>
-            </a:r>
-            <a:r>
-              <a:rPr lang="pt-BR" dirty="0">
-                <a:latin typeface="Courier New" panose="02070309020205020404" pitchFamily="49" charset="0"/>
-                <a:cs typeface="Courier New" panose="02070309020205020404" pitchFamily="49" charset="0"/>
-              </a:rPr>
-              <a:t> np</a:t>
-            </a:r>
-          </a:p>
-          <a:p>
-            <a:pPr marL="0" indent="0" fontAlgn="auto">
-              <a:spcAft>
-                <a:spcPts val="0"/>
-              </a:spcAft>
-              <a:buFont typeface="Arial" panose="020B0604020202020204" pitchFamily="34" charset="0"/>
-              <a:buNone/>
-              <a:defRPr/>
-            </a:pPr>
-            <a:r>
-              <a:rPr lang="pt-BR" dirty="0">
-                <a:latin typeface="Courier New" panose="02070309020205020404" pitchFamily="49" charset="0"/>
-                <a:cs typeface="Courier New" panose="02070309020205020404" pitchFamily="49" charset="0"/>
-              </a:rPr>
-              <a:t>	a = np.array([[2, 3, -5],[21, -2, 1]])</a:t>
-            </a:r>
-          </a:p>
-          <a:p>
-            <a:pPr marL="0" indent="0" fontAlgn="auto">
-              <a:spcAft>
-                <a:spcPts val="0"/>
-              </a:spcAft>
-              <a:buFont typeface="Arial" panose="020B0604020202020204" pitchFamily="34" charset="0"/>
-              <a:buNone/>
-              <a:defRPr/>
-            </a:pPr>
-            <a:endParaRPr lang="en-GB" dirty="0"/>
-          </a:p>
-          <a:p>
-            <a:pPr fontAlgn="auto">
-              <a:spcAft>
-                <a:spcPts val="0"/>
-              </a:spcAft>
-              <a:defRPr/>
-            </a:pPr>
-            <a:r>
-              <a:rPr lang="en-GB" dirty="0">
-                <a:solidFill>
-                  <a:prstClr val="black"/>
-                </a:solidFill>
-              </a:rPr>
-              <a:t>The </a:t>
-            </a:r>
-            <a:r>
-              <a:rPr lang="en-GB" dirty="0">
-                <a:latin typeface="Courier New" panose="02070309020205020404" pitchFamily="49" charset="0"/>
-                <a:cs typeface="Courier New" panose="02070309020205020404" pitchFamily="49" charset="0"/>
-              </a:rPr>
-              <a:t>array</a:t>
-            </a:r>
-            <a:r>
-              <a:rPr lang="en-GB" dirty="0">
-                <a:solidFill>
-                  <a:prstClr val="black"/>
-                </a:solidFill>
-              </a:rPr>
-              <a:t> function will match the array type to the contents of the list.</a:t>
-            </a:r>
-          </a:p>
-          <a:p>
-            <a:pPr marL="0" indent="0" fontAlgn="auto">
-              <a:spcAft>
-                <a:spcPts val="0"/>
-              </a:spcAft>
-              <a:buFont typeface="Arial" panose="020B0604020202020204" pitchFamily="34" charset="0"/>
-              <a:buNone/>
-              <a:defRPr/>
-            </a:pPr>
-            <a:endParaRPr lang="en-GB" dirty="0"/>
-          </a:p>
-        </p:txBody>
-      </p:sp>
-    </p:spTree>
-  </p:cSld>
-  <p:clrMapOvr>
-    <a:masterClrMapping/>
-  </p:clrMapOvr>
-  <p:transition>
-    <p:cut/>
-  </p:transition>
-</p:sld>
-</file>
-
-<file path=ppt/slides/slide7.xml><?xml version="1.0" encoding="utf-8"?>
 <p:sld xmlns:a="http://schemas.openxmlformats.org/drawingml/2006/main" xmlns:r="http://schemas.openxmlformats.org/officeDocument/2006/relationships" xmlns:p="http://schemas.openxmlformats.org/presentationml/2006/main">
   <p:cSld>
     <p:spTree>
@@ -20563,11 +20073,11 @@
               <a:defRPr/>
             </a:pPr>
             <a:r>
-              <a:rPr lang="pt-BR" dirty="0">
-                <a:latin typeface="Courier New" panose="02070309020205020404" pitchFamily="49" charset="0"/>
-                <a:cs typeface="Courier New" panose="02070309020205020404" pitchFamily="49" charset="0"/>
-              </a:rPr>
-              <a:t>a = np.array([[2, 3, -5], [21, -2, 1]],  dtype = np.int32)</a:t>
+              <a:rPr lang="pt-BR" dirty="0" smtClean="0">
+                <a:latin typeface="Courier New" panose="02070309020205020404" pitchFamily="49" charset="0"/>
+                <a:cs typeface="Courier New" panose="02070309020205020404" pitchFamily="49" charset="0"/>
+              </a:rPr>
+              <a:t>a = np.array([[2, 3, -5], [21, -2, 1]],</a:t>
             </a:r>
           </a:p>
           <a:p>
@@ -20579,7 +20089,13 @@
               <a:buNone/>
               <a:defRPr/>
             </a:pPr>
-            <a:endParaRPr lang="en-GB" dirty="0"/>
+            <a:r>
+              <a:rPr lang="pt-BR" dirty="0" smtClean="0">
+                <a:latin typeface="Courier New" panose="02070309020205020404" pitchFamily="49" charset="0"/>
+                <a:cs typeface="Courier New" panose="02070309020205020404" pitchFamily="49" charset="0"/>
+              </a:rPr>
+              <a:t>             dtype = np.int32)</a:t>
+            </a:r>
           </a:p>
         </p:txBody>
       </p:sp>
@@ -20594,7 +20110,7 @@
 </p:sld>
 </file>
 
-<file path=ppt/slides/slide8.xml><?xml version="1.0" encoding="utf-8"?>
+<file path=ppt/slides/slide7.xml><?xml version="1.0" encoding="utf-8"?>
 <p:sld xmlns:a="http://schemas.openxmlformats.org/drawingml/2006/main" xmlns:r="http://schemas.openxmlformats.org/officeDocument/2006/relationships" xmlns:p="http://schemas.openxmlformats.org/presentationml/2006/main">
   <p:cSld>
     <p:spTree>
@@ -21097,7 +20613,7 @@
 </p:sld>
 </file>
 
-<file path=ppt/slides/slide9.xml><?xml version="1.0" encoding="utf-8"?>
+<file path=ppt/slides/slide8.xml><?xml version="1.0" encoding="utf-8"?>
 <p:sld xmlns:a="http://schemas.openxmlformats.org/drawingml/2006/main" xmlns:r="http://schemas.openxmlformats.org/officeDocument/2006/relationships" xmlns:p="http://schemas.openxmlformats.org/presentationml/2006/main">
   <p:cSld>
     <p:spTree>
@@ -22210,6 +21726,386 @@
               </a:rPr>
               <a:t>a = np.arange(10)</a:t>
             </a:r>
+          </a:p>
+        </p:txBody>
+      </p:sp>
+    </p:spTree>
+  </p:cSld>
+  <p:clrMapOvr>
+    <a:masterClrMapping/>
+  </p:clrMapOvr>
+  <p:transition>
+    <p:cut/>
+  </p:transition>
+</p:sld>
+</file>
+
+<file path=ppt/slides/slide9.xml><?xml version="1.0" encoding="utf-8"?>
+<p:sld xmlns:a="http://schemas.openxmlformats.org/drawingml/2006/main" xmlns:r="http://schemas.openxmlformats.org/officeDocument/2006/relationships" xmlns:p="http://schemas.openxmlformats.org/presentationml/2006/main">
+  <p:cSld>
+    <p:spTree>
+      <p:nvGrpSpPr>
+        <p:cNvPr id="1" name=""/>
+        <p:cNvGrpSpPr/>
+        <p:nvPr/>
+      </p:nvGrpSpPr>
+      <p:grpSpPr>
+        <a:xfrm>
+          <a:off x="0" y="0"/>
+          <a:ext cx="0" cy="0"/>
+          <a:chOff x="0" y="0"/>
+          <a:chExt cx="0" cy="0"/>
+        </a:xfrm>
+      </p:grpSpPr>
+      <p:sp>
+        <p:nvSpPr>
+          <p:cNvPr id="24578" name="object 2"/>
+          <p:cNvSpPr>
+            <a:spLocks noGrp="1"/>
+          </p:cNvSpPr>
+          <p:nvPr>
+            <p:ph type="title"/>
+          </p:nvPr>
+        </p:nvSpPr>
+        <p:spPr>
+          <a:xfrm>
+            <a:off x="457200" y="508000"/>
+            <a:ext cx="8229600" cy="676275"/>
+          </a:xfrm>
+        </p:spPr>
+        <p:txBody>
+          <a:bodyPr/>
+          <a:lstStyle/>
+          <a:p>
+            <a:r>
+              <a:rPr lang="en-US" altLang="en-US" b="1"/>
+              <a:t>Array indexing</a:t>
+            </a:r>
+          </a:p>
+        </p:txBody>
+      </p:sp>
+      <p:sp>
+        <p:nvSpPr>
+          <p:cNvPr id="24579" name="object 3"/>
+          <p:cNvSpPr txBox="1">
+            <a:spLocks noChangeArrowheads="1"/>
+          </p:cNvSpPr>
+          <p:nvPr/>
+        </p:nvSpPr>
+        <p:spPr bwMode="auto">
+          <a:xfrm>
+            <a:off x="944563" y="1479550"/>
+            <a:ext cx="7499350" cy="4157663"/>
+          </a:xfrm>
+          <a:prstGeom prst="rect">
+            <a:avLst/>
+          </a:prstGeom>
+          <a:noFill/>
+          <a:ln>
+            <a:noFill/>
+          </a:ln>
+          <a:extLst>
+            <a:ext uri="{909E8E84-426E-40DD-AFC4-6F175D3DCCD1}">
+              <a14:hiddenFill xmlns:a14="http://schemas.microsoft.com/office/drawing/2010/main">
+                <a:solidFill>
+                  <a:srgbClr val="FFFFFF"/>
+                </a:solidFill>
+              </a14:hiddenFill>
+            </a:ext>
+            <a:ext uri="{91240B29-F687-4F45-9708-019B960494DF}">
+              <a14:hiddenLine xmlns:a14="http://schemas.microsoft.com/office/drawing/2010/main" w="9525">
+                <a:solidFill>
+                  <a:srgbClr val="000000"/>
+                </a:solidFill>
+                <a:miter lim="800000"/>
+                <a:headEnd/>
+                <a:tailEnd/>
+              </a14:hiddenLine>
+            </a:ext>
+          </a:extLst>
+        </p:spPr>
+        <p:txBody>
+          <a:bodyPr lIns="0" tIns="0" rIns="0" bIns="0">
+            <a:spAutoFit/>
+          </a:bodyPr>
+          <a:lstStyle>
+            <a:lvl1pPr>
+              <a:lnSpc>
+                <a:spcPct val="90000"/>
+              </a:lnSpc>
+              <a:spcBef>
+                <a:spcPts val="1000"/>
+              </a:spcBef>
+              <a:buFont typeface="Arial" panose="020B0604020202020204" pitchFamily="34" charset="0"/>
+              <a:buChar char="•"/>
+              <a:defRPr sz="2400">
+                <a:solidFill>
+                  <a:schemeClr val="tx1"/>
+                </a:solidFill>
+                <a:latin typeface="Calibri" panose="020F0502020204030204" pitchFamily="34" charset="0"/>
+              </a:defRPr>
+            </a:lvl1pPr>
+            <a:lvl2pPr marL="742950" indent="-285750">
+              <a:lnSpc>
+                <a:spcPct val="90000"/>
+              </a:lnSpc>
+              <a:spcBef>
+                <a:spcPts val="500"/>
+              </a:spcBef>
+              <a:buFont typeface="Arial" panose="020B0604020202020204" pitchFamily="34" charset="0"/>
+              <a:buChar char="•"/>
+              <a:defRPr sz="2000">
+                <a:solidFill>
+                  <a:schemeClr val="tx1"/>
+                </a:solidFill>
+                <a:latin typeface="Calibri" panose="020F0502020204030204" pitchFamily="34" charset="0"/>
+              </a:defRPr>
+            </a:lvl2pPr>
+            <a:lvl3pPr marL="1143000" indent="-228600">
+              <a:lnSpc>
+                <a:spcPct val="90000"/>
+              </a:lnSpc>
+              <a:spcBef>
+                <a:spcPts val="500"/>
+              </a:spcBef>
+              <a:buFont typeface="Arial" panose="020B0604020202020204" pitchFamily="34" charset="0"/>
+              <a:buChar char="•"/>
+              <a:defRPr>
+                <a:solidFill>
+                  <a:schemeClr val="tx1"/>
+                </a:solidFill>
+                <a:latin typeface="Calibri" panose="020F0502020204030204" pitchFamily="34" charset="0"/>
+              </a:defRPr>
+            </a:lvl3pPr>
+            <a:lvl4pPr marL="1600200" indent="-228600">
+              <a:lnSpc>
+                <a:spcPct val="90000"/>
+              </a:lnSpc>
+              <a:spcBef>
+                <a:spcPts val="500"/>
+              </a:spcBef>
+              <a:buFont typeface="Arial" panose="020B0604020202020204" pitchFamily="34" charset="0"/>
+              <a:buChar char="•"/>
+              <a:defRPr sz="1600">
+                <a:solidFill>
+                  <a:schemeClr val="tx1"/>
+                </a:solidFill>
+                <a:latin typeface="Calibri" panose="020F0502020204030204" pitchFamily="34" charset="0"/>
+              </a:defRPr>
+            </a:lvl4pPr>
+            <a:lvl5pPr marL="2057400" indent="-228600">
+              <a:lnSpc>
+                <a:spcPct val="90000"/>
+              </a:lnSpc>
+              <a:spcBef>
+                <a:spcPts val="500"/>
+              </a:spcBef>
+              <a:buFont typeface="Arial" panose="020B0604020202020204" pitchFamily="34" charset="0"/>
+              <a:buChar char="•"/>
+              <a:defRPr sz="1600">
+                <a:solidFill>
+                  <a:schemeClr val="tx1"/>
+                </a:solidFill>
+                <a:latin typeface="Calibri" panose="020F0502020204030204" pitchFamily="34" charset="0"/>
+              </a:defRPr>
+            </a:lvl5pPr>
+            <a:lvl6pPr marL="2514600" indent="-228600" fontAlgn="base">
+              <a:lnSpc>
+                <a:spcPct val="90000"/>
+              </a:lnSpc>
+              <a:spcBef>
+                <a:spcPts val="500"/>
+              </a:spcBef>
+              <a:spcAft>
+                <a:spcPct val="0"/>
+              </a:spcAft>
+              <a:buFont typeface="Arial" panose="020B0604020202020204" pitchFamily="34" charset="0"/>
+              <a:buChar char="•"/>
+              <a:defRPr sz="1600">
+                <a:solidFill>
+                  <a:schemeClr val="tx1"/>
+                </a:solidFill>
+                <a:latin typeface="Calibri" panose="020F0502020204030204" pitchFamily="34" charset="0"/>
+              </a:defRPr>
+            </a:lvl6pPr>
+            <a:lvl7pPr marL="2971800" indent="-228600" fontAlgn="base">
+              <a:lnSpc>
+                <a:spcPct val="90000"/>
+              </a:lnSpc>
+              <a:spcBef>
+                <a:spcPts val="500"/>
+              </a:spcBef>
+              <a:spcAft>
+                <a:spcPct val="0"/>
+              </a:spcAft>
+              <a:buFont typeface="Arial" panose="020B0604020202020204" pitchFamily="34" charset="0"/>
+              <a:buChar char="•"/>
+              <a:defRPr sz="1600">
+                <a:solidFill>
+                  <a:schemeClr val="tx1"/>
+                </a:solidFill>
+                <a:latin typeface="Calibri" panose="020F0502020204030204" pitchFamily="34" charset="0"/>
+              </a:defRPr>
+            </a:lvl7pPr>
+            <a:lvl8pPr marL="3429000" indent="-228600" fontAlgn="base">
+              <a:lnSpc>
+                <a:spcPct val="90000"/>
+              </a:lnSpc>
+              <a:spcBef>
+                <a:spcPts val="500"/>
+              </a:spcBef>
+              <a:spcAft>
+                <a:spcPct val="0"/>
+              </a:spcAft>
+              <a:buFont typeface="Arial" panose="020B0604020202020204" pitchFamily="34" charset="0"/>
+              <a:buChar char="•"/>
+              <a:defRPr sz="1600">
+                <a:solidFill>
+                  <a:schemeClr val="tx1"/>
+                </a:solidFill>
+                <a:latin typeface="Calibri" panose="020F0502020204030204" pitchFamily="34" charset="0"/>
+              </a:defRPr>
+            </a:lvl8pPr>
+            <a:lvl9pPr marL="3886200" indent="-228600" fontAlgn="base">
+              <a:lnSpc>
+                <a:spcPct val="90000"/>
+              </a:lnSpc>
+              <a:spcBef>
+                <a:spcPts val="500"/>
+              </a:spcBef>
+              <a:spcAft>
+                <a:spcPct val="0"/>
+              </a:spcAft>
+              <a:buFont typeface="Arial" panose="020B0604020202020204" pitchFamily="34" charset="0"/>
+              <a:buChar char="•"/>
+              <a:defRPr sz="1600">
+                <a:solidFill>
+                  <a:schemeClr val="tx1"/>
+                </a:solidFill>
+                <a:latin typeface="Calibri" panose="020F0502020204030204" pitchFamily="34" charset="0"/>
+              </a:defRPr>
+            </a:lvl9pPr>
+          </a:lstStyle>
+          <a:p>
+            <a:pPr eaLnBrk="1" hangingPunct="1">
+              <a:lnSpc>
+                <a:spcPct val="103000"/>
+              </a:lnSpc>
+              <a:spcBef>
+                <a:spcPct val="0"/>
+              </a:spcBef>
+              <a:buFontTx/>
+              <a:buNone/>
+            </a:pPr>
+            <a:r>
+              <a:rPr lang="en-US" altLang="en-US" sz="3200">
+                <a:cs typeface="Calibri" panose="020F0502020204030204" pitchFamily="34" charset="0"/>
+              </a:rPr>
+              <a:t>Like lists, element addresses start with zero, so the first element of 1-D array </a:t>
+            </a:r>
+            <a:r>
+              <a:rPr lang="en-US" altLang="en-US" sz="3200">
+                <a:ea typeface="MS Gothic" panose="020B0609070205080204" pitchFamily="49" charset="-128"/>
+                <a:cs typeface="Calibri" panose="020F0502020204030204" pitchFamily="34" charset="0"/>
+              </a:rPr>
+              <a:t>a </a:t>
+            </a:r>
+            <a:r>
+              <a:rPr lang="en-US" altLang="en-US" sz="3200">
+                <a:cs typeface="Calibri" panose="020F0502020204030204" pitchFamily="34" charset="0"/>
+              </a:rPr>
+              <a:t>is </a:t>
+            </a:r>
+            <a:r>
+              <a:rPr lang="en-US" altLang="en-US">
+                <a:latin typeface="Courier New" panose="02070309020205020404" pitchFamily="49" charset="0"/>
+                <a:ea typeface="MS Gothic" panose="020B0609070205080204" pitchFamily="49" charset="-128"/>
+              </a:rPr>
+              <a:t>a[0], </a:t>
+            </a:r>
+            <a:r>
+              <a:rPr lang="en-US" altLang="en-US" sz="3200">
+                <a:cs typeface="Calibri" panose="020F0502020204030204" pitchFamily="34" charset="0"/>
+              </a:rPr>
+              <a:t>the second is  </a:t>
+            </a:r>
+            <a:r>
+              <a:rPr lang="en-US" altLang="en-US">
+                <a:latin typeface="Courier New" panose="02070309020205020404" pitchFamily="49" charset="0"/>
+                <a:ea typeface="MS Gothic" panose="020B0609070205080204" pitchFamily="49" charset="-128"/>
+              </a:rPr>
+              <a:t>a[1], </a:t>
+            </a:r>
+            <a:r>
+              <a:rPr lang="en-US" altLang="en-US" sz="3200">
+                <a:cs typeface="Calibri" panose="020F0502020204030204" pitchFamily="34" charset="0"/>
+              </a:rPr>
+              <a:t>etc.</a:t>
+            </a:r>
+            <a:endParaRPr lang="en-GB" altLang="en-US" sz="3200">
+              <a:cs typeface="Calibri" panose="020F0502020204030204" pitchFamily="34" charset="0"/>
+            </a:endParaRPr>
+          </a:p>
+          <a:p>
+            <a:pPr eaLnBrk="1" hangingPunct="1">
+              <a:lnSpc>
+                <a:spcPct val="103000"/>
+              </a:lnSpc>
+              <a:spcBef>
+                <a:spcPct val="0"/>
+              </a:spcBef>
+              <a:buFontTx/>
+              <a:buNone/>
+            </a:pPr>
+            <a:endParaRPr lang="en-US" altLang="en-US" sz="3200">
+              <a:cs typeface="Calibri" panose="020F0502020204030204" pitchFamily="34" charset="0"/>
+            </a:endParaRPr>
+          </a:p>
+          <a:p>
+            <a:pPr eaLnBrk="1" hangingPunct="1">
+              <a:lnSpc>
+                <a:spcPct val="103000"/>
+              </a:lnSpc>
+              <a:spcBef>
+                <a:spcPts val="600"/>
+              </a:spcBef>
+              <a:buFontTx/>
+              <a:buNone/>
+            </a:pPr>
+            <a:r>
+              <a:rPr lang="en-US" altLang="en-US" sz="3200">
+                <a:cs typeface="Calibri" panose="020F0502020204030204" pitchFamily="34" charset="0"/>
+              </a:rPr>
+              <a:t>Like lists, you can reference elements starting from the end, e.g., element  </a:t>
+            </a:r>
+            <a:r>
+              <a:rPr lang="en-US" altLang="en-US">
+                <a:latin typeface="Courier New" panose="02070309020205020404" pitchFamily="49" charset="0"/>
+                <a:ea typeface="MS Gothic" panose="020B0609070205080204" pitchFamily="49" charset="-128"/>
+              </a:rPr>
+              <a:t>a[-1] </a:t>
+            </a:r>
+            <a:r>
+              <a:rPr lang="en-US" altLang="en-US" sz="3200">
+                <a:cs typeface="Calibri" panose="020F0502020204030204" pitchFamily="34" charset="0"/>
+              </a:rPr>
+              <a:t>is the last element in a 1-D array.</a:t>
+            </a:r>
+          </a:p>
+          <a:p>
+            <a:pPr eaLnBrk="1" hangingPunct="1">
+              <a:lnSpc>
+                <a:spcPct val="100000"/>
+              </a:lnSpc>
+              <a:spcBef>
+                <a:spcPts val="350"/>
+              </a:spcBef>
+              <a:buFontTx/>
+              <a:buNone/>
+            </a:pPr>
+            <a:endParaRPr lang="en-US" altLang="en-US" sz="3200">
+              <a:cs typeface="Calibri" panose="020F0502020204030204" pitchFamily="34" charset="0"/>
+            </a:endParaRPr>
           </a:p>
         </p:txBody>
       </p:sp>

--- a/python/presentations/handling_arrays/numpy.pptx
+++ b/python/presentations/handling_arrays/numpy.pptx
@@ -288,7 +288,7 @@
               <a:pPr>
                 <a:defRPr/>
               </a:pPr>
-              <a:t>18/11/2021</a:t>
+              <a:t>19/11/2021</a:t>
             </a:fld>
             <a:endParaRPr lang="en-GB" dirty="0"/>
           </a:p>
@@ -3827,7 +3827,7 @@
               <a:pPr>
                 <a:defRPr/>
               </a:pPr>
-              <a:t>18/11/2021</a:t>
+              <a:t>19/11/2021</a:t>
             </a:fld>
             <a:endParaRPr lang="en-GB" dirty="0"/>
           </a:p>
@@ -5078,6 +5078,13 @@
   <p:clrMapOvr>
     <a:masterClrMapping/>
   </p:clrMapOvr>
+  <p:timing>
+    <p:tnLst>
+      <p:par>
+        <p:cTn id="1" dur="indefinite" restart="never" nodeType="tmRoot"/>
+      </p:par>
+    </p:tnLst>
+  </p:timing>
 </p:sld>
 </file>
 
@@ -5642,8 +5649,12 @@
           <a:lstStyle/>
           <a:p>
             <a:r>
-              <a:rPr lang="en-US" altLang="en-US" b="1"/>
-              <a:t>Array indexing</a:t>
+              <a:rPr lang="en-US" altLang="en-US" b="1" dirty="0" smtClean="0"/>
+              <a:t>Multi-dimensional array </a:t>
+            </a:r>
+            <a:r>
+              <a:rPr lang="en-US" altLang="en-US" b="1" dirty="0"/>
+              <a:t>indexing</a:t>
             </a:r>
           </a:p>
         </p:txBody>
@@ -5661,7 +5672,7 @@
         <p:spPr>
           <a:xfrm>
             <a:off x="250825" y="1430338"/>
-            <a:ext cx="8518525" cy="3827462"/>
+            <a:ext cx="8518525" cy="4084195"/>
           </a:xfrm>
         </p:spPr>
         <p:txBody>
@@ -5675,8 +5686,19 @@
               <a:buNone/>
             </a:pPr>
             <a:r>
-              <a:rPr lang="en-US" altLang="en-US" sz="3200"/>
-              <a:t>For multi-dimensional arrays, indexing between different dimensions is separated by commas.</a:t>
+              <a:rPr lang="en-US" altLang="en-US" sz="3200" dirty="0"/>
+              <a:t>For multi-dimensional arrays, indexing between different dimensions is separated by </a:t>
+            </a:r>
+            <a:r>
+              <a:rPr lang="en-US" altLang="en-US" sz="3200" dirty="0" smtClean="0"/>
+              <a:t>commas</a:t>
+            </a:r>
+            <a:br>
+              <a:rPr lang="en-US" altLang="en-US" sz="3200" dirty="0" smtClean="0"/>
+            </a:br>
+            <a:r>
+              <a:rPr lang="en-US" altLang="en-US" sz="3200" dirty="0" smtClean="0"/>
+              <a:t>(fastest-varying dimension is last).</a:t>
             </a:r>
           </a:p>
           <a:p>
@@ -5684,7 +5706,28 @@
               <a:buFont typeface="Arial" panose="020B0604020202020204" pitchFamily="34" charset="0"/>
               <a:buNone/>
             </a:pPr>
-            <a:endParaRPr lang="en-US" altLang="en-US" sz="3200">
+            <a:r>
+              <a:rPr lang="en-US" altLang="en-US" sz="3200" dirty="0" smtClean="0"/>
+              <a:t>e.g.   </a:t>
+            </a:r>
+            <a:r>
+              <a:rPr lang="en-US" altLang="en-US" sz="3200" dirty="0" smtClean="0"/>
+              <a:t>a[4, 2]      </a:t>
+            </a:r>
+            <a:r>
+              <a:rPr lang="en-US" altLang="en-US" sz="3200" dirty="0" smtClean="0">
+                <a:sym typeface="Wingdings" panose="05000000000000000000" pitchFamily="2" charset="2"/>
+              </a:rPr>
+              <a:t> [row, col]</a:t>
+            </a:r>
+            <a:endParaRPr lang="en-US" altLang="en-US" sz="3200" dirty="0" smtClean="0"/>
+          </a:p>
+          <a:p>
+            <a:pPr marL="230188" indent="0">
+              <a:buFont typeface="Arial" panose="020B0604020202020204" pitchFamily="34" charset="0"/>
+              <a:buNone/>
+            </a:pPr>
+            <a:endParaRPr lang="en-US" altLang="en-US" sz="3200" dirty="0">
               <a:cs typeface="Calibri" panose="020F0502020204030204" pitchFamily="34" charset="0"/>
             </a:endParaRPr>
           </a:p>
@@ -5693,26 +5736,47 @@
               <a:spcBef>
                 <a:spcPts val="600"/>
               </a:spcBef>
+              <a:buNone/>
             </a:pPr>
             <a:r>
-              <a:rPr lang="en-US" altLang="en-US" sz="3200"/>
-              <a:t> The fastest varying dimension is the last index. Thus, a 2-D array is indexed [row, col].</a:t>
-            </a:r>
-            <a:endParaRPr lang="en-US" altLang="en-US" sz="3200">
-              <a:cs typeface="Calibri" panose="020F0502020204030204" pitchFamily="34" charset="0"/>
-            </a:endParaRPr>
+              <a:rPr lang="en-US" altLang="en-US" sz="3200" dirty="0" smtClean="0"/>
+              <a:t>Slicing </a:t>
+            </a:r>
+            <a:r>
+              <a:rPr lang="en-US" altLang="en-US" sz="3200" dirty="0"/>
+              <a:t>rules also work as applied for each </a:t>
+            </a:r>
+            <a:r>
+              <a:rPr lang="en-US" altLang="en-US" sz="3200" dirty="0" smtClean="0"/>
+              <a:t>dimension.</a:t>
+            </a:r>
           </a:p>
           <a:p>
             <a:pPr marL="230188" indent="0">
               <a:spcBef>
                 <a:spcPts val="600"/>
               </a:spcBef>
+              <a:buNone/>
             </a:pPr>
             <a:r>
-              <a:rPr lang="en-US" altLang="en-US" sz="3200"/>
-              <a:t> Slicing rules also work as applied for each dimension (e.g., a colon selects all elements in that dimension).</a:t>
-            </a:r>
-            <a:endParaRPr lang="en-US" altLang="en-US" sz="3200">
+              <a:rPr lang="en-US" altLang="en-US" sz="3200" dirty="0" smtClean="0">
+                <a:cs typeface="Calibri" panose="020F0502020204030204" pitchFamily="34" charset="0"/>
+              </a:rPr>
+              <a:t>e.g. </a:t>
+            </a:r>
+            <a:r>
+              <a:rPr lang="en-US" altLang="en-US" sz="3200" dirty="0">
+                <a:cs typeface="Calibri" panose="020F0502020204030204" pitchFamily="34" charset="0"/>
+              </a:rPr>
+              <a:t> </a:t>
+            </a:r>
+            <a:r>
+              <a:rPr lang="en-US" altLang="en-US" sz="3200" dirty="0" smtClean="0">
+                <a:cs typeface="Calibri" panose="020F0502020204030204" pitchFamily="34" charset="0"/>
+              </a:rPr>
+              <a:t> a[1, :, 4:7]</a:t>
+            </a:r>
+            <a:endParaRPr lang="en-US" altLang="en-US" sz="3200" dirty="0">
               <a:cs typeface="Calibri" panose="020F0502020204030204" pitchFamily="34" charset="0"/>
             </a:endParaRPr>
           </a:p>
@@ -5726,6 +5790,13 @@
   <p:transition>
     <p:cut/>
   </p:transition>
+  <p:timing>
+    <p:tnLst>
+      <p:par>
+        <p:cTn id="1" dur="indefinite" restart="never" nodeType="tmRoot"/>
+      </p:par>
+    </p:tnLst>
+  </p:timing>
 </p:sld>
 </file>
 
@@ -5767,7 +5838,7 @@
           <a:lstStyle/>
           <a:p>
             <a:r>
-              <a:rPr lang="en-US" altLang="en-US" b="1"/>
+              <a:rPr lang="en-US" altLang="en-US" b="1" dirty="0"/>
               <a:t>Multi-dimensional array indexing</a:t>
             </a:r>
           </a:p>
@@ -5987,44 +6058,44 @@
               <a:buNone/>
             </a:pPr>
             <a:r>
-              <a:rPr lang="en-US" altLang="en-US" sz="3200">
+              <a:rPr lang="en-US" altLang="en-US" sz="3200" dirty="0">
                 <a:cs typeface="Calibri" panose="020F0502020204030204" pitchFamily="34" charset="0"/>
               </a:rPr>
               <a:t>What is </a:t>
             </a:r>
             <a:r>
-              <a:rPr lang="en-US" altLang="en-US" sz="3200">
+              <a:rPr lang="en-US" altLang="en-US" sz="3200" dirty="0">
                 <a:ea typeface="MS Gothic" panose="020B0609070205080204" pitchFamily="49" charset="-128"/>
                 <a:cs typeface="Calibri" panose="020F0502020204030204" pitchFamily="34" charset="0"/>
               </a:rPr>
               <a:t>a[1,2] </a:t>
             </a:r>
             <a:r>
-              <a:rPr lang="en-US" altLang="en-US" sz="3200">
+              <a:rPr lang="en-US" altLang="en-US" sz="3200" dirty="0">
                 <a:cs typeface="Calibri" panose="020F0502020204030204" pitchFamily="34" charset="0"/>
               </a:rPr>
               <a:t>equal to? </a:t>
             </a:r>
             <a:r>
-              <a:rPr lang="en-US" altLang="en-US" sz="3200">
+              <a:rPr lang="en-US" altLang="en-US" sz="3200" dirty="0">
                 <a:ea typeface="MS Gothic" panose="020B0609070205080204" pitchFamily="49" charset="-128"/>
               </a:rPr>
               <a:t>a[1,:]</a:t>
             </a:r>
             <a:r>
-              <a:rPr lang="en-US" altLang="en-US" sz="3200">
+              <a:rPr lang="en-US" altLang="en-US" sz="3200" dirty="0">
                 <a:cs typeface="Calibri" panose="020F0502020204030204" pitchFamily="34" charset="0"/>
               </a:rPr>
               <a:t>? </a:t>
             </a:r>
             <a:r>
-              <a:rPr lang="en-US" altLang="en-US" sz="3200">
+              <a:rPr lang="en-US" altLang="en-US" sz="3200" dirty="0">
                 <a:ea typeface="MS Gothic" panose="020B0609070205080204" pitchFamily="49" charset="-128"/>
               </a:rPr>
               <a:t>a[1,1:4]</a:t>
             </a:r>
             <a:r>
-              <a:rPr lang="en-US" altLang="en-US" sz="3200">
+              <a:rPr lang="en-US" altLang="en-US" sz="3200" dirty="0">
                 <a:cs typeface="Calibri" panose="020F0502020204030204" pitchFamily="34" charset="0"/>
               </a:rPr>
               <a:t>? </a:t>
@@ -6096,30 +6167,23 @@
                 <a:latin typeface="Courier New" panose="02070309020205020404" pitchFamily="49" charset="0"/>
                 <a:cs typeface="Courier New" panose="02070309020205020404" pitchFamily="49" charset="0"/>
               </a:rPr>
-              <a:t>([[2, 3.2, 5.5, -6.4, -2.2, </a:t>
-            </a:r>
-            <a:r>
-              <a:rPr lang="en-GB" sz="2400">
-                <a:latin typeface="Courier New" panose="02070309020205020404" pitchFamily="49" charset="0"/>
-                <a:cs typeface="Courier New" panose="02070309020205020404" pitchFamily="49" charset="0"/>
-              </a:rPr>
-              <a:t>2.4</a:t>
-            </a:r>
-            <a:r>
-              <a:rPr lang="en-GB" sz="2400" smtClean="0">
+              <a:t>([[2, 3.2, 5.5, -6.4, -2.2, 2.4</a:t>
+            </a:r>
+            <a:r>
+              <a:rPr lang="en-GB" sz="2400" dirty="0" smtClean="0">
                 <a:latin typeface="Courier New" panose="02070309020205020404" pitchFamily="49" charset="0"/>
                 <a:cs typeface="Courier New" panose="02070309020205020404" pitchFamily="49" charset="0"/>
               </a:rPr>
               <a:t>],</a:t>
             </a:r>
             <a:br>
-              <a:rPr lang="en-GB" sz="2400" smtClean="0">
+              <a:rPr lang="en-GB" sz="2400" dirty="0" smtClean="0">
                 <a:latin typeface="Courier New" panose="02070309020205020404" pitchFamily="49" charset="0"/>
                 <a:cs typeface="Courier New" panose="02070309020205020404" pitchFamily="49" charset="0"/>
               </a:rPr>
             </a:br>
             <a:r>
-              <a:rPr lang="en-GB" sz="2400" smtClean="0">
+              <a:rPr lang="en-GB" sz="2400" dirty="0" smtClean="0">
                 <a:latin typeface="Courier New" panose="02070309020205020404" pitchFamily="49" charset="0"/>
                 <a:cs typeface="Courier New" panose="02070309020205020404" pitchFamily="49" charset="0"/>
               </a:rPr>
@@ -6130,30 +6194,23 @@
                 <a:latin typeface="Courier New" panose="02070309020205020404" pitchFamily="49" charset="0"/>
                 <a:cs typeface="Courier New" panose="02070309020205020404" pitchFamily="49" charset="0"/>
               </a:rPr>
-              <a:t>1, 22, 4, 0.1, 5.3, -</a:t>
-            </a:r>
-            <a:r>
-              <a:rPr lang="en-GB" sz="2400">
-                <a:latin typeface="Courier New" panose="02070309020205020404" pitchFamily="49" charset="0"/>
-                <a:cs typeface="Courier New" panose="02070309020205020404" pitchFamily="49" charset="0"/>
-              </a:rPr>
-              <a:t>9</a:t>
-            </a:r>
-            <a:r>
-              <a:rPr lang="en-GB" sz="2400" smtClean="0">
+              <a:t>1, 22, 4, 0.1, 5.3, -9</a:t>
+            </a:r>
+            <a:r>
+              <a:rPr lang="en-GB" sz="2400" dirty="0" smtClean="0">
                 <a:latin typeface="Courier New" panose="02070309020205020404" pitchFamily="49" charset="0"/>
                 <a:cs typeface="Courier New" panose="02070309020205020404" pitchFamily="49" charset="0"/>
               </a:rPr>
               <a:t>],</a:t>
             </a:r>
             <a:br>
-              <a:rPr lang="en-GB" sz="2400" smtClean="0">
+              <a:rPr lang="en-GB" sz="2400" dirty="0" smtClean="0">
                 <a:latin typeface="Courier New" panose="02070309020205020404" pitchFamily="49" charset="0"/>
                 <a:cs typeface="Courier New" panose="02070309020205020404" pitchFamily="49" charset="0"/>
               </a:rPr>
             </a:br>
             <a:r>
-              <a:rPr lang="en-GB" sz="2400" smtClean="0">
+              <a:rPr lang="en-GB" sz="2400" dirty="0" smtClean="0">
                 <a:latin typeface="Courier New" panose="02070309020205020404" pitchFamily="49" charset="0"/>
                 <a:cs typeface="Courier New" panose="02070309020205020404" pitchFamily="49" charset="0"/>
               </a:rPr>
@@ -7583,7 +7640,7 @@
               <a:buNone/>
             </a:pPr>
             <a:r>
-              <a:rPr lang="en-US" altLang="en-US" sz="2800">
+              <a:rPr lang="en-US" altLang="en-US" sz="2800" dirty="0">
                 <a:cs typeface="Calibri" panose="020F0502020204030204" pitchFamily="34" charset="0"/>
               </a:rPr>
               <a:t>There are many functions to manipulate arrays, e.g.:</a:t>
@@ -7600,7 +7657,7 @@
               <a:buFontTx/>
               <a:buNone/>
             </a:pPr>
-            <a:endParaRPr lang="en-US" altLang="en-US" sz="2800">
+            <a:endParaRPr lang="en-US" altLang="en-US" sz="2800" dirty="0">
               <a:cs typeface="Calibri" panose="020F0502020204030204" pitchFamily="34" charset="0"/>
             </a:endParaRPr>
           </a:p>
@@ -7616,17 +7673,24 @@
               <a:buNone/>
             </a:pPr>
             <a:r>
-              <a:rPr lang="en-US" altLang="en-US" sz="2800">
+              <a:rPr lang="en-US" altLang="en-US" sz="2800" dirty="0">
                 <a:cs typeface="Calibri" panose="020F0502020204030204" pitchFamily="34" charset="0"/>
               </a:rPr>
               <a:t>Reshape the array: e.g.,      	</a:t>
             </a:r>
             <a:r>
-              <a:rPr lang="en-US" altLang="en-US">
-                <a:latin typeface="Courier New" panose="02070309020205020404" pitchFamily="49" charset="0"/>
-                <a:cs typeface="Courier New" panose="02070309020205020404" pitchFamily="49" charset="0"/>
-              </a:rPr>
-              <a:t>np.reshape(a, (2,3))</a:t>
+              <a:rPr lang="en-US" altLang="en-US" dirty="0" err="1">
+                <a:latin typeface="Courier New" panose="02070309020205020404" pitchFamily="49" charset="0"/>
+                <a:cs typeface="Courier New" panose="02070309020205020404" pitchFamily="49" charset="0"/>
+              </a:rPr>
+              <a:t>np.reshape</a:t>
+            </a:r>
+            <a:r>
+              <a:rPr lang="en-US" altLang="en-US" dirty="0">
+                <a:latin typeface="Courier New" panose="02070309020205020404" pitchFamily="49" charset="0"/>
+                <a:cs typeface="Courier New" panose="02070309020205020404" pitchFamily="49" charset="0"/>
+              </a:rPr>
+              <a:t>(a, (2,3))</a:t>
             </a:r>
           </a:p>
           <a:p>
@@ -7641,17 +7705,24 @@
               <a:buNone/>
             </a:pPr>
             <a:r>
-              <a:rPr lang="en-US" altLang="en-US" sz="2800">
+              <a:rPr lang="en-US" altLang="en-US" sz="2800" dirty="0">
                 <a:cs typeface="Calibri" panose="020F0502020204030204" pitchFamily="34" charset="0"/>
               </a:rPr>
               <a:t>Transpose the array:           	</a:t>
             </a:r>
             <a:r>
-              <a:rPr lang="en-US" altLang="en-US">
-                <a:latin typeface="Courier New" panose="02070309020205020404" pitchFamily="49" charset="0"/>
-                <a:cs typeface="Courier New" panose="02070309020205020404" pitchFamily="49" charset="0"/>
-              </a:rPr>
-              <a:t>np.transpose(a)</a:t>
+              <a:rPr lang="en-US" altLang="en-US" dirty="0" err="1">
+                <a:latin typeface="Courier New" panose="02070309020205020404" pitchFamily="49" charset="0"/>
+                <a:cs typeface="Courier New" panose="02070309020205020404" pitchFamily="49" charset="0"/>
+              </a:rPr>
+              <a:t>np.transpose</a:t>
+            </a:r>
+            <a:r>
+              <a:rPr lang="en-US" altLang="en-US" dirty="0">
+                <a:latin typeface="Courier New" panose="02070309020205020404" pitchFamily="49" charset="0"/>
+                <a:cs typeface="Courier New" panose="02070309020205020404" pitchFamily="49" charset="0"/>
+              </a:rPr>
+              <a:t>(a)</a:t>
             </a:r>
           </a:p>
           <a:p>
@@ -7666,17 +7737,24 @@
               <a:buNone/>
             </a:pPr>
             <a:r>
-              <a:rPr lang="en-US" altLang="en-US" sz="2800">
+              <a:rPr lang="en-US" altLang="en-US" sz="2800" dirty="0">
                 <a:cs typeface="Calibri" panose="020F0502020204030204" pitchFamily="34" charset="0"/>
               </a:rPr>
               <a:t>Flatten to a 1-D array:   		</a:t>
             </a:r>
             <a:r>
-              <a:rPr lang="en-US" altLang="en-US">
-                <a:latin typeface="Courier New" panose="02070309020205020404" pitchFamily="49" charset="0"/>
-                <a:cs typeface="Courier New" panose="02070309020205020404" pitchFamily="49" charset="0"/>
-              </a:rPr>
-              <a:t>np.ravel(a)</a:t>
+              <a:rPr lang="en-US" altLang="en-US" dirty="0" err="1">
+                <a:latin typeface="Courier New" panose="02070309020205020404" pitchFamily="49" charset="0"/>
+                <a:cs typeface="Courier New" panose="02070309020205020404" pitchFamily="49" charset="0"/>
+              </a:rPr>
+              <a:t>np.ravel</a:t>
+            </a:r>
+            <a:r>
+              <a:rPr lang="en-US" altLang="en-US" dirty="0">
+                <a:latin typeface="Courier New" panose="02070309020205020404" pitchFamily="49" charset="0"/>
+                <a:cs typeface="Courier New" panose="02070309020205020404" pitchFamily="49" charset="0"/>
+              </a:rPr>
+              <a:t>(a)</a:t>
             </a:r>
           </a:p>
           <a:p>
@@ -7691,17 +7769,38 @@
               <a:buNone/>
             </a:pPr>
             <a:r>
-              <a:rPr lang="en-US" altLang="en-US" sz="2800">
+              <a:rPr lang="en-US" altLang="en-US" sz="2800" dirty="0">
                 <a:cs typeface="Calibri" panose="020F0502020204030204" pitchFamily="34" charset="0"/>
               </a:rPr>
               <a:t>Concatenate arrays:  		</a:t>
             </a:r>
             <a:r>
-              <a:rPr lang="en-US" altLang="en-US">
-                <a:latin typeface="Courier New" panose="02070309020205020404" pitchFamily="49" charset="0"/>
-                <a:cs typeface="Courier New" panose="02070309020205020404" pitchFamily="49" charset="0"/>
-              </a:rPr>
-              <a:t>np.concatenate((a,b))</a:t>
+              <a:rPr lang="en-US" altLang="en-US" dirty="0" err="1">
+                <a:latin typeface="Courier New" panose="02070309020205020404" pitchFamily="49" charset="0"/>
+                <a:cs typeface="Courier New" panose="02070309020205020404" pitchFamily="49" charset="0"/>
+              </a:rPr>
+              <a:t>np.concatenate</a:t>
+            </a:r>
+            <a:r>
+              <a:rPr lang="en-US" altLang="en-US" dirty="0">
+                <a:latin typeface="Courier New" panose="02070309020205020404" pitchFamily="49" charset="0"/>
+                <a:cs typeface="Courier New" panose="02070309020205020404" pitchFamily="49" charset="0"/>
+              </a:rPr>
+              <a:t>((</a:t>
+            </a:r>
+            <a:r>
+              <a:rPr lang="en-US" altLang="en-US" dirty="0" err="1">
+                <a:latin typeface="Courier New" panose="02070309020205020404" pitchFamily="49" charset="0"/>
+                <a:cs typeface="Courier New" panose="02070309020205020404" pitchFamily="49" charset="0"/>
+              </a:rPr>
+              <a:t>a,b</a:t>
+            </a:r>
+            <a:r>
+              <a:rPr lang="en-US" altLang="en-US" dirty="0">
+                <a:latin typeface="Courier New" panose="02070309020205020404" pitchFamily="49" charset="0"/>
+                <a:cs typeface="Courier New" panose="02070309020205020404" pitchFamily="49" charset="0"/>
+              </a:rPr>
+              <a:t>))</a:t>
             </a:r>
           </a:p>
           <a:p>
@@ -7716,24 +7815,31 @@
               <a:buNone/>
             </a:pPr>
             <a:r>
-              <a:rPr lang="en-US" altLang="en-US" sz="2800">
+              <a:rPr lang="en-US" altLang="en-US" sz="2800" dirty="0">
                 <a:cs typeface="Calibri" panose="020F0502020204030204" pitchFamily="34" charset="0"/>
               </a:rPr>
               <a:t>Repeat array elements: e.g., </a:t>
             </a:r>
             <a:r>
-              <a:rPr lang="en-US" altLang="en-US" sz="2800">
+              <a:rPr lang="en-US" altLang="en-US" sz="2800" dirty="0">
                 <a:latin typeface="Courier New" panose="02070309020205020404" pitchFamily="49" charset="0"/>
                 <a:cs typeface="Courier New" panose="02070309020205020404" pitchFamily="49" charset="0"/>
               </a:rPr>
               <a:t>  	</a:t>
             </a:r>
             <a:r>
-              <a:rPr lang="en-GB" altLang="en-US">
-                <a:latin typeface="Courier New" panose="02070309020205020404" pitchFamily="49" charset="0"/>
-                <a:cs typeface="Courier New" panose="02070309020205020404" pitchFamily="49" charset="0"/>
-              </a:rPr>
-              <a:t>np.repeat(a, 3)</a:t>
+              <a:rPr lang="en-GB" altLang="en-US" dirty="0" err="1">
+                <a:latin typeface="Courier New" panose="02070309020205020404" pitchFamily="49" charset="0"/>
+                <a:cs typeface="Courier New" panose="02070309020205020404" pitchFamily="49" charset="0"/>
+              </a:rPr>
+              <a:t>np.repeat</a:t>
+            </a:r>
+            <a:r>
+              <a:rPr lang="en-GB" altLang="en-US" dirty="0">
+                <a:latin typeface="Courier New" panose="02070309020205020404" pitchFamily="49" charset="0"/>
+                <a:cs typeface="Courier New" panose="02070309020205020404" pitchFamily="49" charset="0"/>
+              </a:rPr>
+              <a:t>(a, 3)</a:t>
             </a:r>
           </a:p>
         </p:txBody>
@@ -7746,6 +7852,13 @@
   <p:transition>
     <p:cut/>
   </p:transition>
+  <p:timing>
+    <p:tnLst>
+      <p:par>
+        <p:cTn id="1" dur="indefinite" restart="never" nodeType="tmRoot"/>
+      </p:par>
+    </p:tnLst>
+  </p:timing>
 </p:sld>
 </file>
 
@@ -8502,6 +8615,13 @@
   <p:transition>
     <p:cut/>
   </p:transition>
+  <p:timing>
+    <p:tnLst>
+      <p:par>
+        <p:cTn id="1" dur="indefinite" restart="never" nodeType="tmRoot"/>
+      </p:par>
+    </p:tnLst>
+  </p:timing>
 </p:sld>
 </file>
 
@@ -9758,6 +9878,13 @@
   <p:clrMapOvr>
     <a:masterClrMapping/>
   </p:clrMapOvr>
+  <p:timing>
+    <p:tnLst>
+      <p:par>
+        <p:cTn id="1" dur="indefinite" restart="never" nodeType="tmRoot"/>
+      </p:par>
+    </p:tnLst>
+  </p:timing>
 </p:sld>
 </file>
 
@@ -9818,7 +9945,7 @@
         <p:spPr>
           <a:xfrm>
             <a:off x="755576" y="2204864"/>
-            <a:ext cx="7488238" cy="1538883"/>
+            <a:ext cx="7488238" cy="2154436"/>
           </a:xfrm>
           <a:prstGeom prst="rect">
             <a:avLst/>
@@ -9873,34 +10000,24 @@
                 <a:latin typeface="Courier New" panose="02070309020205020404" pitchFamily="49" charset="0"/>
                 <a:cs typeface="Courier New" panose="02070309020205020404" pitchFamily="49" charset="0"/>
               </a:rPr>
-              <a:t> np</a:t>
+              <a:t> </a:t>
+            </a:r>
+            <a:r>
+              <a:rPr lang="en-GB" sz="2000" spc="-119" dirty="0" smtClean="0">
+                <a:latin typeface="Courier New" panose="02070309020205020404" pitchFamily="49" charset="0"/>
+                <a:cs typeface="Courier New" panose="02070309020205020404" pitchFamily="49" charset="0"/>
+              </a:rPr>
+              <a:t>np</a:t>
             </a:r>
           </a:p>
           <a:p>
             <a:pPr marL="25179" eaLnBrk="1" hangingPunct="1">
               <a:defRPr/>
             </a:pPr>
-            <a:r>
-              <a:rPr lang="en-GB" sz="2000" dirty="0">
-                <a:latin typeface="Courier New" panose="02070309020205020404" pitchFamily="49" charset="0"/>
-                <a:cs typeface="Courier New" panose="02070309020205020404" pitchFamily="49" charset="0"/>
-              </a:rPr>
-              <a:t>a = </a:t>
-            </a:r>
-            <a:r>
-              <a:rPr lang="en-GB" sz="2000" dirty="0" err="1">
-                <a:latin typeface="Courier New" panose="02070309020205020404" pitchFamily="49" charset="0"/>
-                <a:cs typeface="Courier New" panose="02070309020205020404" pitchFamily="49" charset="0"/>
-              </a:rPr>
-              <a:t>np.array</a:t>
-            </a:r>
-            <a:r>
-              <a:rPr lang="en-GB" sz="2000" dirty="0">
-                <a:latin typeface="Courier New" panose="02070309020205020404" pitchFamily="49" charset="0"/>
-                <a:cs typeface="Courier New" panose="02070309020205020404" pitchFamily="49" charset="0"/>
-              </a:rPr>
-              <a:t>([[2, 3.2, 5.5, -6.4],</a:t>
-            </a:r>
+            <a:endParaRPr lang="en-GB" sz="2000" spc="-119" dirty="0">
+              <a:latin typeface="Courier New" panose="02070309020205020404" pitchFamily="49" charset="0"/>
+              <a:cs typeface="Courier New" panose="02070309020205020404" pitchFamily="49" charset="0"/>
+            </a:endParaRPr>
           </a:p>
           <a:p>
             <a:pPr marL="25179" eaLnBrk="1" hangingPunct="1">
@@ -9911,8 +10028,50 @@
                 <a:latin typeface="Courier New" panose="02070309020205020404" pitchFamily="49" charset="0"/>
                 <a:cs typeface="Courier New" panose="02070309020205020404" pitchFamily="49" charset="0"/>
               </a:rPr>
-              <a:t>              [3, 1, 2.1, 21]])</a:t>
-            </a:r>
+              <a:t>a = </a:t>
+            </a:r>
+            <a:r>
+              <a:rPr lang="en-GB" sz="2000" dirty="0" err="1">
+                <a:latin typeface="Courier New" panose="02070309020205020404" pitchFamily="49" charset="0"/>
+                <a:cs typeface="Courier New" panose="02070309020205020404" pitchFamily="49" charset="0"/>
+              </a:rPr>
+              <a:t>np.array</a:t>
+            </a:r>
+            <a:r>
+              <a:rPr lang="en-GB" sz="2000" dirty="0">
+                <a:latin typeface="Courier New" panose="02070309020205020404" pitchFamily="49" charset="0"/>
+                <a:cs typeface="Courier New" panose="02070309020205020404" pitchFamily="49" charset="0"/>
+              </a:rPr>
+              <a:t>([[2, 3.2, 5.5, -6.4],</a:t>
+            </a:r>
+          </a:p>
+          <a:p>
+            <a:pPr marL="25179" eaLnBrk="1" hangingPunct="1">
+              <a:defRPr/>
+            </a:pPr>
+            <a:r>
+              <a:rPr lang="en-GB" sz="2000" dirty="0">
+                <a:latin typeface="Courier New" panose="02070309020205020404" pitchFamily="49" charset="0"/>
+                <a:cs typeface="Courier New" panose="02070309020205020404" pitchFamily="49" charset="0"/>
+              </a:rPr>
+              <a:t>              [3, 1, 2.1, 21</a:t>
+            </a:r>
+            <a:r>
+              <a:rPr lang="en-GB" sz="2000" dirty="0" smtClean="0">
+                <a:latin typeface="Courier New" panose="02070309020205020404" pitchFamily="49" charset="0"/>
+                <a:cs typeface="Courier New" panose="02070309020205020404" pitchFamily="49" charset="0"/>
+              </a:rPr>
+              <a:t>]])</a:t>
+            </a:r>
+          </a:p>
+          <a:p>
+            <a:pPr marL="25179" eaLnBrk="1" hangingPunct="1">
+              <a:defRPr/>
+            </a:pPr>
+            <a:endParaRPr lang="en-GB" sz="2000" dirty="0">
+              <a:latin typeface="Courier New" panose="02070309020205020404" pitchFamily="49" charset="0"/>
+              <a:cs typeface="Courier New" panose="02070309020205020404" pitchFamily="49" charset="0"/>
+            </a:endParaRPr>
           </a:p>
           <a:p>
             <a:pPr marL="25179" eaLnBrk="1" hangingPunct="1">
@@ -10101,6 +10260,13 @@
   <p:transition>
     <p:cut/>
   </p:transition>
+  <p:timing>
+    <p:tnLst>
+      <p:par>
+        <p:cTn id="1" dur="indefinite" restart="never" nodeType="tmRoot"/>
+      </p:par>
+    </p:tnLst>
+  </p:timing>
 </p:sld>
 </file>
 
@@ -11469,6 +11635,13 @@
   <p:clrMapOvr>
     <a:masterClrMapping/>
   </p:clrMapOvr>
+  <p:timing>
+    <p:tnLst>
+      <p:par>
+        <p:cTn id="1" dur="indefinite" restart="never" nodeType="tmRoot"/>
+      </p:par>
+    </p:tnLst>
+  </p:timing>
 </p:sld>
 </file>
 
@@ -11756,6 +11929,13 @@
   <p:transition>
     <p:cut/>
   </p:transition>
+  <p:timing>
+    <p:tnLst>
+      <p:par>
+        <p:cTn id="1" dur="indefinite" restart="never" nodeType="tmRoot"/>
+      </p:par>
+    </p:tnLst>
+  </p:timing>
 </p:sld>
 </file>
 
@@ -12017,7 +12197,7 @@
               <a:buNone/>
             </a:pPr>
             <a:r>
-              <a:rPr lang="en-US" altLang="en-US" sz="2800">
+              <a:rPr lang="en-US" altLang="en-US" sz="2800" dirty="0">
                 <a:cs typeface="Calibri" panose="020F0502020204030204" pitchFamily="34" charset="0"/>
               </a:rPr>
               <a:t>Comparison operators (implemented either as operators or functions) act element-wise, and return a Boolean array. For instance:</a:t>
@@ -12344,6 +12524,13 @@
   <p:transition>
     <p:cut/>
   </p:transition>
+  <p:timing>
+    <p:tnLst>
+      <p:par>
+        <p:cTn id="1" dur="indefinite" restart="never" nodeType="tmRoot"/>
+      </p:par>
+    </p:tnLst>
+  </p:timing>
 </p:sld>
 </file>
 
@@ -12630,18 +12817,30 @@
               <a:rPr lang="en-US" altLang="en-US" sz="2800" dirty="0">
                 <a:cs typeface="Calibri" panose="020F0502020204030204" pitchFamily="34" charset="0"/>
               </a:rPr>
-              <a:t>function tests any condition and applies operations for true and false cases,</a:t>
+              <a:t>function tests any condition and applies operations for true and false </a:t>
+            </a:r>
+            <a:r>
+              <a:rPr lang="en-US" altLang="en-US" sz="2800" dirty="0" smtClean="0">
+                <a:cs typeface="Calibri" panose="020F0502020204030204" pitchFamily="34" charset="0"/>
+              </a:rPr>
+              <a:t>cases, as specified,</a:t>
             </a:r>
             <a:br>
+              <a:rPr lang="en-US" altLang="en-US" sz="2800" dirty="0" smtClean="0">
+                <a:cs typeface="Calibri" panose="020F0502020204030204" pitchFamily="34" charset="0"/>
+              </a:rPr>
+            </a:br>
+            <a:r>
+              <a:rPr lang="en-US" altLang="en-US" sz="2800" dirty="0" smtClean="0">
+                <a:cs typeface="Calibri" panose="020F0502020204030204" pitchFamily="34" charset="0"/>
+              </a:rPr>
+              <a:t>on </a:t>
+            </a:r>
+            <a:r>
               <a:rPr lang="en-US" altLang="en-US" sz="2800" dirty="0">
                 <a:cs typeface="Calibri" panose="020F0502020204030204" pitchFamily="34" charset="0"/>
               </a:rPr>
-            </a:br>
-            <a:r>
-              <a:rPr lang="en-US" altLang="en-US" sz="2800" dirty="0">
-                <a:cs typeface="Calibri" panose="020F0502020204030204" pitchFamily="34" charset="0"/>
-              </a:rPr>
-              <a:t>as specified, on an element-wise basis.</a:t>
+              <a:t>an element-wise basis.</a:t>
             </a:r>
           </a:p>
           <a:p>
@@ -12991,6 +13190,13 @@
   <p:transition>
     <p:cut/>
   </p:transition>
+  <p:timing>
+    <p:tnLst>
+      <p:par>
+        <p:cTn id="1" dur="indefinite" restart="never" nodeType="tmRoot"/>
+      </p:par>
+    </p:tnLst>
+  </p:timing>
 </p:sld>
 </file>
 
@@ -13358,6 +13564,13 @@
   <p:transition>
     <p:cut/>
   </p:transition>
+  <p:timing>
+    <p:tnLst>
+      <p:par>
+        <p:cTn id="1" dur="indefinite" restart="never" nodeType="tmRoot"/>
+      </p:par>
+    </p:tnLst>
+  </p:timing>
 </p:sld>
 </file>
 
@@ -13762,6 +13975,13 @@
   <p:transition>
     <p:cut/>
   </p:transition>
+  <p:timing>
+    <p:tnLst>
+      <p:par>
+        <p:cTn id="1" dur="indefinite" restart="never" nodeType="tmRoot"/>
+      </p:par>
+    </p:tnLst>
+  </p:timing>
 </p:sld>
 </file>
 
@@ -13825,6 +14045,13 @@
   <p:transition>
     <p:cut/>
   </p:transition>
+  <p:timing>
+    <p:tnLst>
+      <p:par>
+        <p:cTn id="1" dur="indefinite" restart="never" nodeType="tmRoot"/>
+      </p:par>
+    </p:tnLst>
+  </p:timing>
 </p:sld>
 </file>
 
@@ -14210,6 +14437,13 @@
   <p:transition>
     <p:cut/>
   </p:transition>
+  <p:timing>
+    <p:tnLst>
+      <p:par>
+        <p:cTn id="1" dur="indefinite" restart="never" nodeType="tmRoot"/>
+      </p:par>
+    </p:tnLst>
+  </p:timing>
 </p:sld>
 </file>
 
@@ -14301,6 +14535,13 @@
   <p:transition>
     <p:cut/>
   </p:transition>
+  <p:timing>
+    <p:tnLst>
+      <p:par>
+        <p:cTn id="1" dur="indefinite" restart="never" nodeType="tmRoot"/>
+      </p:par>
+    </p:tnLst>
+  </p:timing>
 </p:sld>
 </file>
 
@@ -14535,13 +14776,13 @@
               <a:buNone/>
             </a:pPr>
             <a:r>
-              <a:rPr lang="en-US" altLang="en-US" sz="2800">
+              <a:rPr lang="en-US" altLang="en-US" sz="2800" dirty="0">
                 <a:cs typeface="Calibri" panose="020F0502020204030204" pitchFamily="34" charset="0"/>
               </a:rPr>
               <a:t>All functions are part of the </a:t>
             </a:r>
             <a:r>
-              <a:rPr lang="en-US" altLang="en-US" sz="2800">
+              <a:rPr lang="en-US" altLang="en-US" sz="2800" dirty="0">
                 <a:latin typeface="Courier New" panose="02070309020205020404" pitchFamily="49" charset="0"/>
                 <a:ea typeface="MS Gothic" panose="020B0609070205080204" pitchFamily="49" charset="-128"/>
                 <a:cs typeface="Courier New" panose="02070309020205020404" pitchFamily="49" charset="0"/>
@@ -14549,7 +14790,7 @@
               <a:t>numpy.ma</a:t>
             </a:r>
             <a:r>
-              <a:rPr lang="en-US" altLang="en-US" sz="2800">
+              <a:rPr lang="en-US" altLang="en-US" sz="2800" dirty="0">
                 <a:latin typeface="MS Gothic" panose="020B0609070205080204" pitchFamily="49" charset="-128"/>
                 <a:ea typeface="MS Gothic" panose="020B0609070205080204" pitchFamily="49" charset="-128"/>
                 <a:cs typeface="Calibri" panose="020F0502020204030204" pitchFamily="34" charset="0"/>
@@ -14557,43 +14798,44 @@
               <a:t> </a:t>
             </a:r>
             <a:r>
-              <a:rPr lang="en-US" altLang="en-US" sz="2800">
+              <a:rPr lang="en-US" altLang="en-US" sz="2800" dirty="0">
                 <a:cs typeface="Calibri" panose="020F0502020204030204" pitchFamily="34" charset="0"/>
               </a:rPr>
               <a:t>submodule. </a:t>
             </a:r>
             <a:br>
-              <a:rPr lang="en-US" altLang="en-US" sz="2800">
+              <a:rPr lang="en-US" altLang="en-US" sz="2800" dirty="0">
                 <a:cs typeface="Calibri" panose="020F0502020204030204" pitchFamily="34" charset="0"/>
               </a:rPr>
             </a:br>
             <a:r>
-              <a:rPr lang="en-US" altLang="en-US" sz="2800">
+              <a:rPr lang="en-US" altLang="en-US" sz="2800" dirty="0">
                 <a:cs typeface="Calibri" panose="020F0502020204030204" pitchFamily="34" charset="0"/>
               </a:rPr>
               <a:t/>
             </a:r>
             <a:br>
-              <a:rPr lang="en-US" altLang="en-US" sz="2800">
+              <a:rPr lang="en-US" altLang="en-US" sz="2800" dirty="0">
                 <a:cs typeface="Calibri" panose="020F0502020204030204" pitchFamily="34" charset="0"/>
               </a:rPr>
             </a:br>
             <a:r>
-              <a:rPr lang="en-US" altLang="en-US" sz="2800">
-                <a:cs typeface="Calibri" panose="020F0502020204030204" pitchFamily="34" charset="0"/>
-              </a:rPr>
-              <a:t>In these examples, assume that</a:t>
-            </a:r>
-            <a:br>
-              <a:rPr lang="en-US" altLang="en-US" sz="2800">
-                <a:cs typeface="Calibri" panose="020F0502020204030204" pitchFamily="34" charset="0"/>
-              </a:rPr>
-            </a:br>
-            <a:r>
-              <a:rPr lang="en-US" altLang="en-US" sz="2800">
-                <a:cs typeface="Calibri" panose="020F0502020204030204" pitchFamily="34" charset="0"/>
-              </a:rPr>
-              <a:t>I import that submodule with:</a:t>
+              <a:rPr lang="en-US" altLang="en-US" sz="2800" dirty="0">
+                <a:cs typeface="Calibri" panose="020F0502020204030204" pitchFamily="34" charset="0"/>
+              </a:rPr>
+              <a:t>In these examples, assume </a:t>
+            </a:r>
+            <a:r>
+              <a:rPr lang="en-US" altLang="en-US" sz="2800" dirty="0" smtClean="0">
+                <a:cs typeface="Calibri" panose="020F0502020204030204" pitchFamily="34" charset="0"/>
+              </a:rPr>
+              <a:t>that I </a:t>
+            </a:r>
+            <a:r>
+              <a:rPr lang="en-US" altLang="en-US" sz="2800" dirty="0">
+                <a:cs typeface="Calibri" panose="020F0502020204030204" pitchFamily="34" charset="0"/>
+              </a:rPr>
+              <a:t>import that submodule with:</a:t>
             </a:r>
           </a:p>
           <a:p>
@@ -14608,28 +14850,28 @@
               <a:buNone/>
             </a:pPr>
             <a:r>
-              <a:rPr lang="en-US" altLang="en-US" sz="2800" b="1">
+              <a:rPr lang="en-US" altLang="en-US" sz="2800" b="1" dirty="0">
                 <a:latin typeface="Courier New" panose="02070309020205020404" pitchFamily="49" charset="0"/>
                 <a:ea typeface="MS Gothic" panose="020B0609070205080204" pitchFamily="49" charset="-128"/>
               </a:rPr>
               <a:t>import</a:t>
             </a:r>
             <a:r>
-              <a:rPr lang="en-US" altLang="en-US" sz="2800">
+              <a:rPr lang="en-US" altLang="en-US" sz="2800" dirty="0">
                 <a:latin typeface="Courier New" panose="02070309020205020404" pitchFamily="49" charset="0"/>
                 <a:ea typeface="MS Gothic" panose="020B0609070205080204" pitchFamily="49" charset="-128"/>
               </a:rPr>
               <a:t> numpy.ma </a:t>
             </a:r>
             <a:r>
-              <a:rPr lang="en-US" altLang="en-US" sz="2800" b="1">
+              <a:rPr lang="en-US" altLang="en-US" sz="2800" b="1" dirty="0">
                 <a:latin typeface="Courier New" panose="02070309020205020404" pitchFamily="49" charset="0"/>
                 <a:ea typeface="MS Gothic" panose="020B0609070205080204" pitchFamily="49" charset="-128"/>
               </a:rPr>
               <a:t>as</a:t>
             </a:r>
             <a:r>
-              <a:rPr lang="en-US" altLang="en-US" sz="2800">
+              <a:rPr lang="en-US" altLang="en-US" sz="2800" dirty="0">
                 <a:latin typeface="Courier New" panose="02070309020205020404" pitchFamily="49" charset="0"/>
                 <a:ea typeface="MS Gothic" panose="020B0609070205080204" pitchFamily="49" charset="-128"/>
               </a:rPr>
@@ -14647,7 +14889,7 @@
               <a:buFontTx/>
               <a:buNone/>
             </a:pPr>
-            <a:endParaRPr lang="en-US" altLang="en-US" sz="2800">
+            <a:endParaRPr lang="en-US" altLang="en-US" sz="2800" dirty="0">
               <a:cs typeface="Calibri" panose="020F0502020204030204" pitchFamily="34" charset="0"/>
             </a:endParaRPr>
           </a:p>
@@ -14663,10 +14905,22 @@
               <a:buNone/>
             </a:pPr>
             <a:r>
-              <a:rPr lang="en-US" altLang="en-US" sz="2800">
-                <a:cs typeface="Calibri" panose="020F0502020204030204" pitchFamily="34" charset="0"/>
-              </a:rPr>
-              <a:t>and NumPy is imported as </a:t>
+              <a:rPr lang="en-US" altLang="en-US" sz="2800" dirty="0">
+                <a:cs typeface="Calibri" panose="020F0502020204030204" pitchFamily="34" charset="0"/>
+              </a:rPr>
+              <a:t>and </a:t>
+            </a:r>
+            <a:r>
+              <a:rPr lang="en-US" altLang="en-US" sz="2800" dirty="0" err="1">
+                <a:cs typeface="Calibri" panose="020F0502020204030204" pitchFamily="34" charset="0"/>
+              </a:rPr>
+              <a:t>NumPy</a:t>
+            </a:r>
+            <a:r>
+              <a:rPr lang="en-US" altLang="en-US" sz="2800" dirty="0">
+                <a:cs typeface="Calibri" panose="020F0502020204030204" pitchFamily="34" charset="0"/>
+              </a:rPr>
+              <a:t> is imported as </a:t>
             </a:r>
           </a:p>
           <a:p>
@@ -14681,34 +14935,48 @@
               <a:buNone/>
             </a:pPr>
             <a:r>
-              <a:rPr lang="en-US" altLang="en-US" sz="2800" b="1">
+              <a:rPr lang="en-US" altLang="en-US" sz="2800" b="1" dirty="0">
                 <a:latin typeface="Courier New" panose="02070309020205020404" pitchFamily="49" charset="0"/>
                 <a:ea typeface="MS Gothic" panose="020B0609070205080204" pitchFamily="49" charset="-128"/>
               </a:rPr>
               <a:t>import</a:t>
             </a:r>
             <a:r>
-              <a:rPr lang="en-US" altLang="en-US" sz="2800">
+              <a:rPr lang="en-US" altLang="en-US" sz="2800" dirty="0">
                 <a:latin typeface="Courier New" panose="02070309020205020404" pitchFamily="49" charset="0"/>
                 <a:ea typeface="MS Gothic" panose="020B0609070205080204" pitchFamily="49" charset="-128"/>
               </a:rPr>
-              <a:t> numpy </a:t>
-            </a:r>
-            <a:r>
-              <a:rPr lang="en-US" altLang="en-US" sz="2800" b="1">
+              <a:t> </a:t>
+            </a:r>
+            <a:r>
+              <a:rPr lang="en-US" altLang="en-US" sz="2800" dirty="0" err="1">
                 <a:latin typeface="Courier New" panose="02070309020205020404" pitchFamily="49" charset="0"/>
                 <a:ea typeface="MS Gothic" panose="020B0609070205080204" pitchFamily="49" charset="-128"/>
               </a:rPr>
+              <a:t>numpy</a:t>
+            </a:r>
+            <a:r>
+              <a:rPr lang="en-US" altLang="en-US" sz="2800" dirty="0">
+                <a:latin typeface="Courier New" panose="02070309020205020404" pitchFamily="49" charset="0"/>
+                <a:ea typeface="MS Gothic" panose="020B0609070205080204" pitchFamily="49" charset="-128"/>
+              </a:rPr>
+              <a:t> </a:t>
+            </a:r>
+            <a:r>
+              <a:rPr lang="en-US" altLang="en-US" sz="2800" b="1" dirty="0">
+                <a:latin typeface="Courier New" panose="02070309020205020404" pitchFamily="49" charset="0"/>
+                <a:ea typeface="MS Gothic" panose="020B0609070205080204" pitchFamily="49" charset="-128"/>
+              </a:rPr>
               <a:t>as</a:t>
             </a:r>
             <a:r>
-              <a:rPr lang="en-US" altLang="en-US" sz="2800">
+              <a:rPr lang="en-US" altLang="en-US" sz="2800" dirty="0">
                 <a:latin typeface="Courier New" panose="02070309020205020404" pitchFamily="49" charset="0"/>
                 <a:ea typeface="MS Gothic" panose="020B0609070205080204" pitchFamily="49" charset="-128"/>
               </a:rPr>
               <a:t> np</a:t>
             </a:r>
-            <a:endParaRPr lang="en-US" altLang="en-US" sz="2800">
+            <a:endParaRPr lang="en-US" altLang="en-US" sz="2800" dirty="0">
               <a:cs typeface="Calibri" panose="020F0502020204030204" pitchFamily="34" charset="0"/>
             </a:endParaRPr>
           </a:p>
@@ -14942,6 +15210,13 @@
   <p:transition>
     <p:cut/>
   </p:transition>
+  <p:timing>
+    <p:tnLst>
+      <p:par>
+        <p:cTn id="1" dur="indefinite" restart="never" nodeType="tmRoot"/>
+      </p:par>
+    </p:tnLst>
+  </p:timing>
 </p:sld>
 </file>
 
@@ -15995,6 +16270,13 @@
   <p:transition>
     <p:cut/>
   </p:transition>
+  <p:timing>
+    <p:tnLst>
+      <p:par>
+        <p:cTn id="1" dur="indefinite" restart="never" nodeType="tmRoot"/>
+      </p:par>
+    </p:tnLst>
+  </p:timing>
 </p:sld>
 </file>
 
@@ -17366,6 +17648,13 @@
   <p:transition>
     <p:cut/>
   </p:transition>
+  <p:timing>
+    <p:tnLst>
+      <p:par>
+        <p:cTn id="1" dur="indefinite" restart="never" nodeType="tmRoot"/>
+      </p:par>
+    </p:tnLst>
+  </p:timing>
 </p:sld>
 </file>
 
@@ -18285,6 +18574,13 @@
   <p:transition>
     <p:cut/>
   </p:transition>
+  <p:timing>
+    <p:tnLst>
+      <p:par>
+        <p:cTn id="1" dur="indefinite" restart="never" nodeType="tmRoot"/>
+      </p:par>
+    </p:tnLst>
+  </p:timing>
 </p:sld>
 </file>
 
@@ -19209,6 +19505,13 @@
   <p:transition>
     <p:cut/>
   </p:transition>
+  <p:timing>
+    <p:tnLst>
+      <p:par>
+        <p:cTn id="1" dur="indefinite" restart="never" nodeType="tmRoot"/>
+      </p:par>
+    </p:tnLst>
+  </p:timing>
 </p:sld>
 </file>
 
@@ -19374,6 +19677,13 @@
   <p:transition>
     <p:cut/>
   </p:transition>
+  <p:timing>
+    <p:tnLst>
+      <p:par>
+        <p:cTn id="1" dur="indefinite" restart="never" nodeType="tmRoot"/>
+      </p:par>
+    </p:tnLst>
+  </p:timing>
 </p:sld>
 </file>
 
@@ -19955,6 +20265,13 @@
   <p:transition>
     <p:cut/>
   </p:transition>
+  <p:timing>
+    <p:tnLst>
+      <p:par>
+        <p:cTn id="1" dur="indefinite" restart="never" nodeType="tmRoot"/>
+      </p:par>
+    </p:tnLst>
+  </p:timing>
 </p:sld>
 </file>
 
@@ -20094,7 +20411,21 @@
                 <a:latin typeface="Courier New" panose="02070309020205020404" pitchFamily="49" charset="0"/>
                 <a:cs typeface="Courier New" panose="02070309020205020404" pitchFamily="49" charset="0"/>
               </a:rPr>
-              <a:t>             dtype = np.int32)</a:t>
+              <a:t>             </a:t>
+            </a:r>
+            <a:r>
+              <a:rPr lang="pt-BR" dirty="0" smtClean="0">
+                <a:latin typeface="Courier New" panose="02070309020205020404" pitchFamily="49" charset="0"/>
+                <a:cs typeface="Courier New" panose="02070309020205020404" pitchFamily="49" charset="0"/>
+              </a:rPr>
+              <a:t>dtype=np.int32</a:t>
+            </a:r>
+            <a:r>
+              <a:rPr lang="pt-BR" dirty="0" smtClean="0">
+                <a:latin typeface="Courier New" panose="02070309020205020404" pitchFamily="49" charset="0"/>
+                <a:cs typeface="Courier New" panose="02070309020205020404" pitchFamily="49" charset="0"/>
+              </a:rPr>
+              <a:t>)</a:t>
             </a:r>
           </a:p>
         </p:txBody>
@@ -20107,6 +20438,13 @@
   <p:transition>
     <p:cut/>
   </p:transition>
+  <p:timing>
+    <p:tnLst>
+      <p:par>
+        <p:cTn id="1" dur="indefinite" restart="never" nodeType="tmRoot"/>
+      </p:par>
+    </p:tnLst>
+  </p:timing>
 </p:sld>
 </file>
 
@@ -20610,6 +20948,13 @@
   <p:transition>
     <p:cut/>
   </p:transition>
+  <p:timing>
+    <p:tnLst>
+      <p:par>
+        <p:cTn id="1" dur="indefinite" restart="never" nodeType="tmRoot"/>
+      </p:par>
+    </p:tnLst>
+  </p:timing>
 </p:sld>
 </file>
 
@@ -21297,77 +21642,56 @@
               <a:t> </a:t>
             </a:r>
             <a:r>
-              <a:rPr sz="3200" spc="-178" dirty="0">
+              <a:rPr lang="en-GB" sz="3200" spc="40" dirty="0" smtClean="0">
                 <a:latin typeface="+mn-lt"/>
                 <a:cs typeface="Calibri" panose="020F0502020204030204" pitchFamily="34" charset="0"/>
               </a:rPr>
+              <a:t>1-D </a:t>
+            </a:r>
+            <a:r>
+              <a:rPr sz="3200" spc="-178" dirty="0" smtClean="0">
+                <a:latin typeface="+mn-lt"/>
+                <a:cs typeface="Calibri" panose="020F0502020204030204" pitchFamily="34" charset="0"/>
+              </a:rPr>
               <a:t>a</a:t>
             </a:r>
             <a:r>
-              <a:rPr sz="3200" spc="-69" dirty="0">
+              <a:rPr sz="3200" spc="-69" dirty="0" smtClean="0">
                 <a:latin typeface="+mn-lt"/>
                 <a:cs typeface="Calibri" panose="020F0502020204030204" pitchFamily="34" charset="0"/>
               </a:rPr>
               <a:t>rr</a:t>
             </a:r>
             <a:r>
-              <a:rPr sz="3200" spc="-159" dirty="0">
+              <a:rPr sz="3200" spc="-159" dirty="0" smtClean="0">
                 <a:latin typeface="+mn-lt"/>
                 <a:cs typeface="Calibri" panose="020F0502020204030204" pitchFamily="34" charset="0"/>
               </a:rPr>
               <a:t>a</a:t>
             </a:r>
             <a:r>
-              <a:rPr sz="3200" spc="-99" dirty="0">
+              <a:rPr sz="3200" spc="-99" dirty="0" smtClean="0">
                 <a:latin typeface="+mn-lt"/>
                 <a:cs typeface="Calibri" panose="020F0502020204030204" pitchFamily="34" charset="0"/>
               </a:rPr>
               <a:t>y</a:t>
             </a:r>
             <a:r>
-              <a:rPr sz="3200" spc="30" dirty="0">
+              <a:rPr sz="3200" spc="30" dirty="0" smtClean="0">
                 <a:latin typeface="+mn-lt"/>
                 <a:cs typeface="Calibri" panose="020F0502020204030204" pitchFamily="34" charset="0"/>
               </a:rPr>
               <a:t> </a:t>
             </a:r>
             <a:r>
-              <a:rPr sz="3200" spc="-89" dirty="0">
+              <a:rPr lang="en-GB" sz="3200" spc="-89" dirty="0" smtClean="0">
                 <a:latin typeface="+mn-lt"/>
                 <a:cs typeface="Calibri" panose="020F0502020204030204" pitchFamily="34" charset="0"/>
               </a:rPr>
-              <a:t>the</a:t>
-            </a:r>
-            <a:r>
-              <a:rPr sz="3200" spc="40" dirty="0">
-                <a:latin typeface="+mn-lt"/>
-                <a:cs typeface="Calibri" panose="020F0502020204030204" pitchFamily="34" charset="0"/>
-              </a:rPr>
-              <a:t> </a:t>
-            </a:r>
-            <a:r>
-              <a:rPr sz="3200" spc="-149" dirty="0">
-                <a:latin typeface="+mn-lt"/>
-                <a:cs typeface="Calibri" panose="020F0502020204030204" pitchFamily="34" charset="0"/>
-              </a:rPr>
-              <a:t>same</a:t>
-            </a:r>
-            <a:r>
-              <a:rPr sz="3200" spc="30" dirty="0">
-                <a:latin typeface="+mn-lt"/>
-                <a:cs typeface="Calibri" panose="020F0502020204030204" pitchFamily="34" charset="0"/>
-              </a:rPr>
-              <a:t> </a:t>
-            </a:r>
-            <a:r>
-              <a:rPr sz="3200" spc="-129" dirty="0">
-                <a:latin typeface="+mn-lt"/>
-                <a:cs typeface="Calibri" panose="020F0502020204030204" pitchFamily="34" charset="0"/>
-              </a:rPr>
-              <a:t>as</a:t>
-            </a:r>
-            <a:r>
-              <a:rPr sz="3200" spc="30" dirty="0">
+              <a:t>similar to</a:t>
+            </a:r>
+            <a:r>
+              <a:rPr sz="3200" spc="30" dirty="0" smtClean="0">
                 <a:latin typeface="+mn-lt"/>
                 <a:cs typeface="Calibri" panose="020F0502020204030204" pitchFamily="34" charset="0"/>
               </a:rPr>
@@ -21737,6 +22061,13 @@
   <p:transition>
     <p:cut/>
   </p:transition>
+  <p:timing>
+    <p:tnLst>
+      <p:par>
+        <p:cTn id="1" dur="indefinite" restart="never" nodeType="tmRoot"/>
+      </p:par>
+    </p:tnLst>
+  </p:timing>
 </p:sld>
 </file>
 
@@ -21778,7 +22109,7 @@
           <a:lstStyle/>
           <a:p>
             <a:r>
-              <a:rPr lang="en-US" altLang="en-US" b="1"/>
+              <a:rPr lang="en-US" altLang="en-US" b="1" dirty="0"/>
               <a:t>Array indexing</a:t>
             </a:r>
           </a:p>
@@ -21998,51 +22329,51 @@
               <a:buNone/>
             </a:pPr>
             <a:r>
-              <a:rPr lang="en-US" altLang="en-US" sz="3200">
+              <a:rPr lang="en-US" altLang="en-US" sz="3200" dirty="0">
                 <a:cs typeface="Calibri" panose="020F0502020204030204" pitchFamily="34" charset="0"/>
               </a:rPr>
               <a:t>Like lists, element addresses start with zero, so the first element of 1-D array </a:t>
             </a:r>
             <a:r>
-              <a:rPr lang="en-US" altLang="en-US" sz="3200">
+              <a:rPr lang="en-US" altLang="en-US" sz="3200" dirty="0">
                 <a:ea typeface="MS Gothic" panose="020B0609070205080204" pitchFamily="49" charset="-128"/>
                 <a:cs typeface="Calibri" panose="020F0502020204030204" pitchFamily="34" charset="0"/>
               </a:rPr>
               <a:t>a </a:t>
             </a:r>
             <a:r>
-              <a:rPr lang="en-US" altLang="en-US" sz="3200">
+              <a:rPr lang="en-US" altLang="en-US" sz="3200" dirty="0">
                 <a:cs typeface="Calibri" panose="020F0502020204030204" pitchFamily="34" charset="0"/>
               </a:rPr>
               <a:t>is </a:t>
             </a:r>
             <a:r>
-              <a:rPr lang="en-US" altLang="en-US">
+              <a:rPr lang="en-US" altLang="en-US" dirty="0">
                 <a:latin typeface="Courier New" panose="02070309020205020404" pitchFamily="49" charset="0"/>
                 <a:ea typeface="MS Gothic" panose="020B0609070205080204" pitchFamily="49" charset="-128"/>
               </a:rPr>
               <a:t>a[0], </a:t>
             </a:r>
             <a:r>
-              <a:rPr lang="en-US" altLang="en-US" sz="3200">
+              <a:rPr lang="en-US" altLang="en-US" sz="3200" dirty="0">
                 <a:cs typeface="Calibri" panose="020F0502020204030204" pitchFamily="34" charset="0"/>
               </a:rPr>
               <a:t>the second is  </a:t>
             </a:r>
             <a:r>
-              <a:rPr lang="en-US" altLang="en-US">
+              <a:rPr lang="en-US" altLang="en-US" dirty="0">
                 <a:latin typeface="Courier New" panose="02070309020205020404" pitchFamily="49" charset="0"/>
                 <a:ea typeface="MS Gothic" panose="020B0609070205080204" pitchFamily="49" charset="-128"/>
               </a:rPr>
               <a:t>a[1], </a:t>
             </a:r>
             <a:r>
-              <a:rPr lang="en-US" altLang="en-US" sz="3200">
+              <a:rPr lang="en-US" altLang="en-US" sz="3200" dirty="0">
                 <a:cs typeface="Calibri" panose="020F0502020204030204" pitchFamily="34" charset="0"/>
               </a:rPr>
               <a:t>etc.</a:t>
             </a:r>
-            <a:endParaRPr lang="en-GB" altLang="en-US" sz="3200">
+            <a:endParaRPr lang="en-GB" altLang="en-US" sz="3200" dirty="0">
               <a:cs typeface="Calibri" panose="020F0502020204030204" pitchFamily="34" charset="0"/>
             </a:endParaRPr>
           </a:p>
@@ -22057,7 +22388,7 @@
               <a:buFontTx/>
               <a:buNone/>
             </a:pPr>
-            <a:endParaRPr lang="en-US" altLang="en-US" sz="3200">
+            <a:endParaRPr lang="en-US" altLang="en-US" sz="3200" dirty="0">
               <a:cs typeface="Calibri" panose="020F0502020204030204" pitchFamily="34" charset="0"/>
             </a:endParaRPr>
           </a:p>
@@ -22073,20 +22404,20 @@
               <a:buNone/>
             </a:pPr>
             <a:r>
-              <a:rPr lang="en-US" altLang="en-US" sz="3200">
+              <a:rPr lang="en-US" altLang="en-US" sz="3200" dirty="0">
                 <a:cs typeface="Calibri" panose="020F0502020204030204" pitchFamily="34" charset="0"/>
               </a:rPr>
               <a:t>Like lists, you can reference elements starting from the end, e.g., element  </a:t>
             </a:r>
             <a:r>
-              <a:rPr lang="en-US" altLang="en-US">
+              <a:rPr lang="en-US" altLang="en-US" dirty="0">
                 <a:latin typeface="Courier New" panose="02070309020205020404" pitchFamily="49" charset="0"/>
                 <a:ea typeface="MS Gothic" panose="020B0609070205080204" pitchFamily="49" charset="-128"/>
               </a:rPr>
               <a:t>a[-1] </a:t>
             </a:r>
             <a:r>
-              <a:rPr lang="en-US" altLang="en-US" sz="3200">
+              <a:rPr lang="en-US" altLang="en-US" sz="3200" dirty="0">
                 <a:cs typeface="Calibri" panose="020F0502020204030204" pitchFamily="34" charset="0"/>
               </a:rPr>
               <a:t>is the last element in a 1-D array.</a:t>
@@ -22103,7 +22434,7 @@
               <a:buFontTx/>
               <a:buNone/>
             </a:pPr>
-            <a:endParaRPr lang="en-US" altLang="en-US" sz="3200">
+            <a:endParaRPr lang="en-US" altLang="en-US" sz="3200" dirty="0">
               <a:cs typeface="Calibri" panose="020F0502020204030204" pitchFamily="34" charset="0"/>
             </a:endParaRPr>
           </a:p>
@@ -22117,6 +22448,13 @@
   <p:transition>
     <p:cut/>
   </p:transition>
+  <p:timing>
+    <p:tnLst>
+      <p:par>
+        <p:cTn id="1" dur="indefinite" restart="never" nodeType="tmRoot"/>
+      </p:par>
+    </p:tnLst>
+  </p:timing>
 </p:sld>
 </file>
 
